--- a/JAVASCRPT.pptx
+++ b/JAVASCRPT.pptx
@@ -5,7 +5,7 @@
     <p:sldMasterId id="2147483648" r:id="rId1"/>
   </p:sldMasterIdLst>
   <p:notesMasterIdLst>
-    <p:notesMasterId r:id="rId13"/>
+    <p:notesMasterId r:id="rId17"/>
   </p:notesMasterIdLst>
   <p:sldIdLst>
     <p:sldId id="256" r:id="rId2"/>
@@ -19,6 +19,10 @@
     <p:sldId id="268" r:id="rId10"/>
     <p:sldId id="267" r:id="rId11"/>
     <p:sldId id="270" r:id="rId12"/>
+    <p:sldId id="271" r:id="rId13"/>
+    <p:sldId id="272" r:id="rId14"/>
+    <p:sldId id="273" r:id="rId15"/>
+    <p:sldId id="274" r:id="rId16"/>
   </p:sldIdLst>
   <p:sldSz cx="12192000" cy="6858000"/>
   <p:notesSz cx="6858000" cy="9144000"/>
@@ -117,6 +121,11 @@
       </a:defRPr>
     </a:lvl9pPr>
   </p:defaultTextStyle>
+  <p:extLst>
+    <p:ext uri="{EFAFB233-063F-42B5-8137-9DF3F51BA10A}">
+      <p15:sldGuideLst xmlns:p15="http://schemas.microsoft.com/office/powerpoint/2012/main"/>
+    </p:ext>
+  </p:extLst>
 </p:presentation>
 </file>
 
@@ -202,7 +211,7 @@
           <a:p>
             <a:fld id="{DE0BE5F6-1CE5-47B2-AC82-947CAA6A2CE5}" type="datetimeFigureOut">
               <a:rPr lang="en-IN" smtClean="0"/>
-              <a:t>01-06-2019</a:t>
+              <a:t>03-06-2019</a:t>
             </a:fld>
             <a:endParaRPr lang="en-IN"/>
           </a:p>
@@ -908,7 +917,7 @@
           <a:p>
             <a:fld id="{4AAD347D-5ACD-4C99-B74B-A9C85AD731AF}" type="datetimeFigureOut">
               <a:rPr lang="en-US" dirty="0"/>
-              <a:t>6/1/2019</a:t>
+              <a:t>6/3/2019</a:t>
             </a:fld>
             <a:endParaRPr lang="en-US" dirty="0"/>
           </a:p>
@@ -1178,7 +1187,7 @@
           <a:p>
             <a:fld id="{4509A250-FF31-4206-8172-F9D3106AACB1}" type="datetimeFigureOut">
               <a:rPr lang="en-US" dirty="0"/>
-              <a:t>6/1/2019</a:t>
+              <a:t>6/3/2019</a:t>
             </a:fld>
             <a:endParaRPr lang="en-US" dirty="0"/>
           </a:p>
@@ -1367,7 +1376,7 @@
           <a:p>
             <a:fld id="{4509A250-FF31-4206-8172-F9D3106AACB1}" type="datetimeFigureOut">
               <a:rPr lang="en-US" dirty="0"/>
-              <a:t>6/1/2019</a:t>
+              <a:t>6/3/2019</a:t>
             </a:fld>
             <a:endParaRPr lang="en-US" dirty="0"/>
           </a:p>
@@ -1635,7 +1644,7 @@
           <a:p>
             <a:fld id="{4509A250-FF31-4206-8172-F9D3106AACB1}" type="datetimeFigureOut">
               <a:rPr lang="en-US" dirty="0"/>
-              <a:t>6/1/2019</a:t>
+              <a:t>6/3/2019</a:t>
             </a:fld>
             <a:endParaRPr lang="en-US" dirty="0"/>
           </a:p>
@@ -1971,7 +1980,7 @@
           <a:p>
             <a:fld id="{4509A250-FF31-4206-8172-F9D3106AACB1}" type="datetimeFigureOut">
               <a:rPr lang="en-US" dirty="0"/>
-              <a:t>6/1/2019</a:t>
+              <a:t>6/3/2019</a:t>
             </a:fld>
             <a:endParaRPr lang="en-US" dirty="0"/>
           </a:p>
@@ -2589,7 +2598,7 @@
           <a:p>
             <a:fld id="{4509A250-FF31-4206-8172-F9D3106AACB1}" type="datetimeFigureOut">
               <a:rPr lang="en-US" dirty="0"/>
-              <a:t>6/1/2019</a:t>
+              <a:t>6/3/2019</a:t>
             </a:fld>
             <a:endParaRPr lang="en-US" dirty="0"/>
           </a:p>
@@ -3444,7 +3453,7 @@
           <a:p>
             <a:fld id="{4509A250-FF31-4206-8172-F9D3106AACB1}" type="datetimeFigureOut">
               <a:rPr lang="en-US" dirty="0"/>
-              <a:t>6/1/2019</a:t>
+              <a:t>6/3/2019</a:t>
             </a:fld>
             <a:endParaRPr lang="en-US" dirty="0"/>
           </a:p>
@@ -3609,7 +3618,7 @@
           <a:p>
             <a:fld id="{4509A250-FF31-4206-8172-F9D3106AACB1}" type="datetimeFigureOut">
               <a:rPr lang="en-US" dirty="0"/>
-              <a:t>6/1/2019</a:t>
+              <a:t>6/3/2019</a:t>
             </a:fld>
             <a:endParaRPr lang="en-US" dirty="0"/>
           </a:p>
@@ -3784,7 +3793,7 @@
           <a:p>
             <a:fld id="{4509A250-FF31-4206-8172-F9D3106AACB1}" type="datetimeFigureOut">
               <a:rPr lang="en-US" dirty="0"/>
-              <a:t>6/1/2019</a:t>
+              <a:t>6/3/2019</a:t>
             </a:fld>
             <a:endParaRPr lang="en-US" dirty="0"/>
           </a:p>
@@ -3949,7 +3958,7 @@
           <a:p>
             <a:fld id="{4509A250-FF31-4206-8172-F9D3106AACB1}" type="datetimeFigureOut">
               <a:rPr lang="en-US" dirty="0"/>
-              <a:t>6/1/2019</a:t>
+              <a:t>6/3/2019</a:t>
             </a:fld>
             <a:endParaRPr lang="en-US" dirty="0"/>
           </a:p>
@@ -4191,7 +4200,7 @@
           <a:p>
             <a:fld id="{9796027F-7875-4030-9381-8BD8C4F21935}" type="datetimeFigureOut">
               <a:rPr lang="en-US" dirty="0"/>
-              <a:t>6/1/2019</a:t>
+              <a:t>6/3/2019</a:t>
             </a:fld>
             <a:endParaRPr lang="en-US" dirty="0"/>
           </a:p>
@@ -4478,7 +4487,7 @@
           <a:p>
             <a:fld id="{9796027F-7875-4030-9381-8BD8C4F21935}" type="datetimeFigureOut">
               <a:rPr lang="en-US" dirty="0"/>
-              <a:t>6/1/2019</a:t>
+              <a:t>6/3/2019</a:t>
             </a:fld>
             <a:endParaRPr lang="en-US" dirty="0"/>
           </a:p>
@@ -4917,7 +4926,7 @@
           <a:p>
             <a:fld id="{9796027F-7875-4030-9381-8BD8C4F21935}" type="datetimeFigureOut">
               <a:rPr lang="en-US" dirty="0"/>
-              <a:t>6/1/2019</a:t>
+              <a:t>6/3/2019</a:t>
             </a:fld>
             <a:endParaRPr lang="en-US" dirty="0"/>
           </a:p>
@@ -5030,7 +5039,7 @@
           <a:p>
             <a:fld id="{4509A250-FF31-4206-8172-F9D3106AACB1}" type="datetimeFigureOut">
               <a:rPr lang="en-US" dirty="0"/>
-              <a:t>6/1/2019</a:t>
+              <a:t>6/3/2019</a:t>
             </a:fld>
             <a:endParaRPr lang="en-US" dirty="0"/>
           </a:p>
@@ -5120,7 +5129,7 @@
           <a:p>
             <a:fld id="{4509A250-FF31-4206-8172-F9D3106AACB1}" type="datetimeFigureOut">
               <a:rPr lang="en-US" dirty="0"/>
-              <a:t>6/1/2019</a:t>
+              <a:t>6/3/2019</a:t>
             </a:fld>
             <a:endParaRPr lang="en-US" dirty="0"/>
           </a:p>
@@ -5394,7 +5403,7 @@
           <a:p>
             <a:fld id="{4509A250-FF31-4206-8172-F9D3106AACB1}" type="datetimeFigureOut">
               <a:rPr lang="en-US" dirty="0"/>
-              <a:t>6/1/2019</a:t>
+              <a:t>6/3/2019</a:t>
             </a:fld>
             <a:endParaRPr lang="en-US" dirty="0"/>
           </a:p>
@@ -5664,7 +5673,7 @@
           <a:p>
             <a:fld id="{4509A250-FF31-4206-8172-F9D3106AACB1}" type="datetimeFigureOut">
               <a:rPr lang="en-US" dirty="0"/>
-              <a:t>6/1/2019</a:t>
+              <a:t>6/3/2019</a:t>
             </a:fld>
             <a:endParaRPr lang="en-US" dirty="0"/>
           </a:p>
@@ -6088,7 +6097,7 @@
           <a:p>
             <a:fld id="{4AAD347D-5ACD-4C99-B74B-A9C85AD731AF}" type="datetimeFigureOut">
               <a:rPr lang="en-US" dirty="0"/>
-              <a:t>6/1/2019</a:t>
+              <a:t>6/3/2019</a:t>
             </a:fld>
             <a:endParaRPr lang="en-US" dirty="0"/>
           </a:p>
@@ -6617,7 +6626,7 @@
           <p:cNvPr id="2" name="Title 1">
             <a:extLst>
               <a:ext uri="{FF2B5EF4-FFF2-40B4-BE49-F238E27FC236}">
-                <a16:creationId xmlns:a16="http://schemas.microsoft.com/office/drawing/2014/main" id="{EED1A5FB-A536-498F-80D4-0B88DAA9B6F0}"/>
+                <a16:creationId xmlns:a16="http://schemas.microsoft.com/office/drawing/2014/main" xmlns="" id="{EED1A5FB-A536-498F-80D4-0B88DAA9B6F0}"/>
               </a:ext>
             </a:extLst>
           </p:cNvPr>
@@ -6650,7 +6659,7 @@
           <p:cNvPr id="3" name="Subtitle 2">
             <a:extLst>
               <a:ext uri="{FF2B5EF4-FFF2-40B4-BE49-F238E27FC236}">
-                <a16:creationId xmlns:a16="http://schemas.microsoft.com/office/drawing/2014/main" id="{6B4A7F6D-81FB-42E3-B5D2-E648F04A0A97}"/>
+                <a16:creationId xmlns:a16="http://schemas.microsoft.com/office/drawing/2014/main" xmlns="" id="{6B4A7F6D-81FB-42E3-B5D2-E648F04A0A97}"/>
               </a:ext>
             </a:extLst>
           </p:cNvPr>
@@ -6708,7 +6717,7 @@
           <p:cNvPr id="2" name="Title 1">
             <a:extLst>
               <a:ext uri="{FF2B5EF4-FFF2-40B4-BE49-F238E27FC236}">
-                <a16:creationId xmlns:a16="http://schemas.microsoft.com/office/drawing/2014/main" id="{4DDB0165-A002-491A-A4DD-9CDBF64BB5EE}"/>
+                <a16:creationId xmlns:a16="http://schemas.microsoft.com/office/drawing/2014/main" xmlns="" id="{4DDB0165-A002-491A-A4DD-9CDBF64BB5EE}"/>
               </a:ext>
             </a:extLst>
           </p:cNvPr>
@@ -6741,7 +6750,7 @@
           <p:cNvPr id="6" name="Content Placeholder 5">
             <a:extLst>
               <a:ext uri="{FF2B5EF4-FFF2-40B4-BE49-F238E27FC236}">
-                <a16:creationId xmlns:a16="http://schemas.microsoft.com/office/drawing/2014/main" id="{5FF32F35-E962-45F5-9594-1820B90E6E5C}"/>
+                <a16:creationId xmlns:a16="http://schemas.microsoft.com/office/drawing/2014/main" xmlns="" id="{5FF32F35-E962-45F5-9594-1820B90E6E5C}"/>
               </a:ext>
             </a:extLst>
           </p:cNvPr>
@@ -6964,7 +6973,7 @@
           <p:cNvPr id="2" name="Title 1">
             <a:extLst>
               <a:ext uri="{FF2B5EF4-FFF2-40B4-BE49-F238E27FC236}">
-                <a16:creationId xmlns:a16="http://schemas.microsoft.com/office/drawing/2014/main" id="{0FD3A787-C7DD-44D2-9981-6FAF85B239EE}"/>
+                <a16:creationId xmlns:a16="http://schemas.microsoft.com/office/drawing/2014/main" xmlns="" id="{0FD3A787-C7DD-44D2-9981-6FAF85B239EE}"/>
               </a:ext>
             </a:extLst>
           </p:cNvPr>
@@ -7000,6 +7009,10 @@
               </a:rPr>
               <a:t>switch case is an alternate method of if-else statement</a:t>
             </a:r>
+            <a:r>
+              <a:rPr lang="en-US" dirty="0"/>
+              <a:t/>
+            </a:r>
             <a:br>
               <a:rPr lang="en-US" dirty="0"/>
             </a:br>
@@ -7012,7 +7025,7 @@
           <p:cNvPr id="3" name="Text Placeholder 2">
             <a:extLst>
               <a:ext uri="{FF2B5EF4-FFF2-40B4-BE49-F238E27FC236}">
-                <a16:creationId xmlns:a16="http://schemas.microsoft.com/office/drawing/2014/main" id="{32FEDD3C-8579-447A-BE3B-30254F109E35}"/>
+                <a16:creationId xmlns:a16="http://schemas.microsoft.com/office/drawing/2014/main" xmlns="" id="{32FEDD3C-8579-447A-BE3B-30254F109E35}"/>
               </a:ext>
             </a:extLst>
           </p:cNvPr>
@@ -7045,7 +7058,7 @@
           <p:cNvPr id="5" name="Text Placeholder 4">
             <a:extLst>
               <a:ext uri="{FF2B5EF4-FFF2-40B4-BE49-F238E27FC236}">
-                <a16:creationId xmlns:a16="http://schemas.microsoft.com/office/drawing/2014/main" id="{066F2718-7312-4C00-92FB-D79349508FAC}"/>
+                <a16:creationId xmlns:a16="http://schemas.microsoft.com/office/drawing/2014/main" xmlns="" id="{066F2718-7312-4C00-92FB-D79349508FAC}"/>
               </a:ext>
             </a:extLst>
           </p:cNvPr>
@@ -7078,7 +7091,7 @@
           <p:cNvPr id="6" name="Content Placeholder 5">
             <a:extLst>
               <a:ext uri="{FF2B5EF4-FFF2-40B4-BE49-F238E27FC236}">
-                <a16:creationId xmlns:a16="http://schemas.microsoft.com/office/drawing/2014/main" id="{83372F51-5CC7-4820-83C3-AB847CAB19B1}"/>
+                <a16:creationId xmlns:a16="http://schemas.microsoft.com/office/drawing/2014/main" xmlns="" id="{83372F51-5CC7-4820-83C3-AB847CAB19B1}"/>
               </a:ext>
             </a:extLst>
           </p:cNvPr>
@@ -7117,7 +7130,7 @@
           <p:cNvPr id="9" name="Content Placeholder 8">
             <a:extLst>
               <a:ext uri="{FF2B5EF4-FFF2-40B4-BE49-F238E27FC236}">
-                <a16:creationId xmlns:a16="http://schemas.microsoft.com/office/drawing/2014/main" id="{6F493DB7-75F4-4AC9-93A7-041BBE0D4068}"/>
+                <a16:creationId xmlns:a16="http://schemas.microsoft.com/office/drawing/2014/main" xmlns="" id="{6F493DB7-75F4-4AC9-93A7-041BBE0D4068}"/>
               </a:ext>
             </a:extLst>
           </p:cNvPr>
@@ -7156,7 +7169,7 @@
           <p:cNvPr id="10" name="Picture 9">
             <a:extLst>
               <a:ext uri="{FF2B5EF4-FFF2-40B4-BE49-F238E27FC236}">
-                <a16:creationId xmlns:a16="http://schemas.microsoft.com/office/drawing/2014/main" id="{B2A08A5B-8D18-4B9B-896B-448058A8896B}"/>
+                <a16:creationId xmlns:a16="http://schemas.microsoft.com/office/drawing/2014/main" xmlns="" id="{B2A08A5B-8D18-4B9B-896B-448058A8896B}"/>
               </a:ext>
             </a:extLst>
           </p:cNvPr>
@@ -7186,7 +7199,7 @@
           <p:cNvPr id="12" name="Picture 11">
             <a:extLst>
               <a:ext uri="{FF2B5EF4-FFF2-40B4-BE49-F238E27FC236}">
-                <a16:creationId xmlns:a16="http://schemas.microsoft.com/office/drawing/2014/main" id="{35E41823-9FB9-4E65-9D20-0656836974DD}"/>
+                <a16:creationId xmlns:a16="http://schemas.microsoft.com/office/drawing/2014/main" xmlns="" id="{35E41823-9FB9-4E65-9D20-0656836974DD}"/>
               </a:ext>
             </a:extLst>
           </p:cNvPr>
@@ -7221,6 +7234,646 @@
   <p:clrMapOvr>
     <a:masterClrMapping/>
   </p:clrMapOvr>
+</p:sld>
+</file>
+
+<file path=ppt/slides/slide12.xml><?xml version="1.0" encoding="utf-8"?>
+<p:sld xmlns:a="http://schemas.openxmlformats.org/drawingml/2006/main" xmlns:r="http://schemas.openxmlformats.org/officeDocument/2006/relationships" xmlns:p="http://schemas.openxmlformats.org/presentationml/2006/main">
+  <p:cSld>
+    <p:spTree>
+      <p:nvGrpSpPr>
+        <p:cNvPr id="1" name=""/>
+        <p:cNvGrpSpPr/>
+        <p:nvPr/>
+      </p:nvGrpSpPr>
+      <p:grpSpPr>
+        <a:xfrm>
+          <a:off x="0" y="0"/>
+          <a:ext cx="0" cy="0"/>
+          <a:chOff x="0" y="0"/>
+          <a:chExt cx="0" cy="0"/>
+        </a:xfrm>
+      </p:grpSpPr>
+      <p:sp>
+        <p:nvSpPr>
+          <p:cNvPr id="2" name="Title 1"/>
+          <p:cNvSpPr>
+            <a:spLocks noGrp="1"/>
+          </p:cNvSpPr>
+          <p:nvPr>
+            <p:ph type="title"/>
+          </p:nvPr>
+        </p:nvSpPr>
+        <p:spPr>
+          <a:xfrm>
+            <a:off x="646111" y="452718"/>
+            <a:ext cx="9404723" cy="715682"/>
+          </a:xfrm>
+        </p:spPr>
+        <p:txBody>
+          <a:bodyPr/>
+          <a:lstStyle/>
+          <a:p>
+            <a:r>
+              <a:rPr lang="en-US" dirty="0" smtClean="0"/>
+              <a:t>Function</a:t>
+            </a:r>
+            <a:endParaRPr lang="en-US" dirty="0"/>
+          </a:p>
+        </p:txBody>
+      </p:sp>
+      <p:sp>
+        <p:nvSpPr>
+          <p:cNvPr id="3" name="Content Placeholder 2"/>
+          <p:cNvSpPr>
+            <a:spLocks noGrp="1"/>
+          </p:cNvSpPr>
+          <p:nvPr>
+            <p:ph idx="1"/>
+          </p:nvPr>
+        </p:nvSpPr>
+        <p:spPr>
+          <a:xfrm>
+            <a:off x="646112" y="1168400"/>
+            <a:ext cx="9403742" cy="5079999"/>
+          </a:xfrm>
+        </p:spPr>
+        <p:txBody>
+          <a:bodyPr/>
+          <a:lstStyle/>
+          <a:p>
+            <a:r>
+              <a:rPr lang="en-US" dirty="0" smtClean="0"/>
+              <a:t>In JavaScript you can declare a function in FOUR ways</a:t>
+            </a:r>
+          </a:p>
+          <a:p>
+            <a:pPr marL="0" indent="0">
+              <a:buNone/>
+            </a:pPr>
+            <a:endParaRPr lang="en-US" dirty="0" smtClean="0"/>
+          </a:p>
+          <a:p>
+            <a:pPr lvl="1"/>
+            <a:r>
+              <a:rPr lang="en-US" dirty="0" smtClean="0"/>
+              <a:t>Normal Function                   </a:t>
+            </a:r>
+            <a:r>
+              <a:rPr lang="en-US" b="1" dirty="0" err="1" smtClean="0">
+                <a:solidFill>
+                  <a:srgbClr val="FFFF00"/>
+                </a:solidFill>
+              </a:rPr>
+              <a:t>function</a:t>
+            </a:r>
+            <a:r>
+              <a:rPr lang="en-US" b="1" dirty="0" smtClean="0">
+                <a:solidFill>
+                  <a:srgbClr val="FFFF00"/>
+                </a:solidFill>
+              </a:rPr>
+              <a:t>  </a:t>
+            </a:r>
+            <a:r>
+              <a:rPr lang="en-US" b="1" dirty="0">
+                <a:solidFill>
+                  <a:srgbClr val="FFFF00"/>
+                </a:solidFill>
+              </a:rPr>
+              <a:t>&lt;function name&gt;(){ body}</a:t>
+            </a:r>
+          </a:p>
+          <a:p>
+            <a:pPr marL="457200" lvl="1" indent="0">
+              <a:buNone/>
+            </a:pPr>
+            <a:endParaRPr lang="en-US" dirty="0" smtClean="0"/>
+          </a:p>
+          <a:p>
+            <a:pPr lvl="1"/>
+            <a:r>
+              <a:rPr lang="en-US" dirty="0" smtClean="0"/>
+              <a:t>Function Expression              </a:t>
+            </a:r>
+            <a:r>
+              <a:rPr lang="en-US" b="1" dirty="0">
+                <a:solidFill>
+                  <a:srgbClr val="FFFF00"/>
+                </a:solidFill>
+              </a:rPr>
+              <a:t>const &lt;name&gt; = function(){ body }</a:t>
+            </a:r>
+          </a:p>
+          <a:p>
+            <a:pPr lvl="1"/>
+            <a:r>
+              <a:rPr lang="en-US" dirty="0" smtClean="0"/>
+              <a:t>Arrow Function                     </a:t>
+            </a:r>
+            <a:r>
+              <a:rPr lang="en-US" b="1" dirty="0">
+                <a:solidFill>
+                  <a:srgbClr val="FFFF00"/>
+                </a:solidFill>
+              </a:rPr>
+              <a:t>const &lt;name&gt; = () =&gt; { body }</a:t>
+            </a:r>
+          </a:p>
+          <a:p>
+            <a:pPr lvl="1"/>
+            <a:r>
+              <a:rPr lang="en-US" dirty="0" smtClean="0"/>
+              <a:t>Concise Arrow Function      </a:t>
+            </a:r>
+            <a:r>
+              <a:rPr lang="en-US" b="1" dirty="0">
+                <a:solidFill>
+                  <a:srgbClr val="FFFF00"/>
+                </a:solidFill>
+              </a:rPr>
+              <a:t>const &lt;name&gt; = single parameter =&gt; single line</a:t>
+            </a:r>
+            <a:r>
+              <a:rPr lang="en-US" dirty="0"/>
+              <a:t> </a:t>
+            </a:r>
+            <a:r>
+              <a:rPr lang="en-US" dirty="0" smtClean="0"/>
+              <a:t>body </a:t>
+            </a:r>
+          </a:p>
+          <a:p>
+            <a:pPr marL="457200" lvl="1" indent="0">
+              <a:buNone/>
+            </a:pPr>
+            <a:endParaRPr lang="en-US" dirty="0" smtClean="0"/>
+          </a:p>
+          <a:p>
+            <a:pPr marL="457200" lvl="1" indent="0">
+              <a:buNone/>
+            </a:pPr>
+            <a:r>
+              <a:rPr lang="en-US" dirty="0" smtClean="0"/>
+              <a:t>Basically arrow function method is the advanced version of Function expression and Concise Arrow is the special condition of arrow function where you have a single parameter and one line return statement/function body.</a:t>
+            </a:r>
+            <a:endParaRPr lang="en-US" dirty="0"/>
+          </a:p>
+        </p:txBody>
+      </p:sp>
+    </p:spTree>
+    <p:extLst>
+      <p:ext uri="{BB962C8B-B14F-4D97-AF65-F5344CB8AC3E}">
+        <p14:creationId xmlns:p14="http://schemas.microsoft.com/office/powerpoint/2010/main" val="1750439011"/>
+      </p:ext>
+    </p:extLst>
+  </p:cSld>
+  <p:clrMapOvr>
+    <a:masterClrMapping/>
+  </p:clrMapOvr>
+</p:sld>
+</file>
+
+<file path=ppt/slides/slide13.xml><?xml version="1.0" encoding="utf-8"?>
+<p:sld xmlns:a="http://schemas.openxmlformats.org/drawingml/2006/main" xmlns:r="http://schemas.openxmlformats.org/officeDocument/2006/relationships" xmlns:p="http://schemas.openxmlformats.org/presentationml/2006/main">
+  <p:cSld>
+    <p:spTree>
+      <p:nvGrpSpPr>
+        <p:cNvPr id="1" name=""/>
+        <p:cNvGrpSpPr/>
+        <p:nvPr/>
+      </p:nvGrpSpPr>
+      <p:grpSpPr>
+        <a:xfrm>
+          <a:off x="0" y="0"/>
+          <a:ext cx="0" cy="0"/>
+          <a:chOff x="0" y="0"/>
+          <a:chExt cx="0" cy="0"/>
+        </a:xfrm>
+      </p:grpSpPr>
+      <p:pic>
+        <p:nvPicPr>
+          <p:cNvPr id="2" name="Picture 1"/>
+          <p:cNvPicPr/>
+          <p:nvPr/>
+        </p:nvPicPr>
+        <p:blipFill>
+          <a:blip r:embed="rId2"/>
+          <a:stretch>
+            <a:fillRect/>
+          </a:stretch>
+        </p:blipFill>
+        <p:spPr>
+          <a:xfrm>
+            <a:off x="863600" y="825500"/>
+            <a:ext cx="8775700" cy="5283200"/>
+          </a:xfrm>
+          <a:prstGeom prst="rect">
+            <a:avLst/>
+          </a:prstGeom>
+        </p:spPr>
+      </p:pic>
+    </p:spTree>
+    <p:extLst>
+      <p:ext uri="{BB962C8B-B14F-4D97-AF65-F5344CB8AC3E}">
+        <p14:creationId xmlns:p14="http://schemas.microsoft.com/office/powerpoint/2010/main" val="2321030324"/>
+      </p:ext>
+    </p:extLst>
+  </p:cSld>
+  <p:clrMapOvr>
+    <a:masterClrMapping/>
+  </p:clrMapOvr>
+  <p:timing>
+    <p:tnLst>
+      <p:par>
+        <p:cTn id="1" dur="indefinite" restart="never" nodeType="tmRoot"/>
+      </p:par>
+    </p:tnLst>
+  </p:timing>
+</p:sld>
+</file>
+
+<file path=ppt/slides/slide14.xml><?xml version="1.0" encoding="utf-8"?>
+<p:sld xmlns:a="http://schemas.openxmlformats.org/drawingml/2006/main" xmlns:r="http://schemas.openxmlformats.org/officeDocument/2006/relationships" xmlns:p="http://schemas.openxmlformats.org/presentationml/2006/main">
+  <p:cSld>
+    <p:spTree>
+      <p:nvGrpSpPr>
+        <p:cNvPr id="1" name=""/>
+        <p:cNvGrpSpPr/>
+        <p:nvPr/>
+      </p:nvGrpSpPr>
+      <p:grpSpPr>
+        <a:xfrm>
+          <a:off x="0" y="0"/>
+          <a:ext cx="0" cy="0"/>
+          <a:chOff x="0" y="0"/>
+          <a:chExt cx="0" cy="0"/>
+        </a:xfrm>
+      </p:grpSpPr>
+      <p:sp>
+        <p:nvSpPr>
+          <p:cNvPr id="2" name="Title 1"/>
+          <p:cNvSpPr>
+            <a:spLocks noGrp="1"/>
+          </p:cNvSpPr>
+          <p:nvPr>
+            <p:ph type="title"/>
+          </p:nvPr>
+        </p:nvSpPr>
+        <p:spPr>
+          <a:xfrm>
+            <a:off x="646111" y="452718"/>
+            <a:ext cx="9404723" cy="639482"/>
+          </a:xfrm>
+        </p:spPr>
+        <p:txBody>
+          <a:bodyPr/>
+          <a:lstStyle/>
+          <a:p>
+            <a:r>
+              <a:rPr lang="en-US" dirty="0" smtClean="0"/>
+              <a:t>Arrays</a:t>
+            </a:r>
+            <a:endParaRPr lang="en-US" dirty="0"/>
+          </a:p>
+        </p:txBody>
+      </p:sp>
+      <p:sp>
+        <p:nvSpPr>
+          <p:cNvPr id="3" name="Content Placeholder 2"/>
+          <p:cNvSpPr>
+            <a:spLocks noGrp="1"/>
+          </p:cNvSpPr>
+          <p:nvPr>
+            <p:ph idx="1"/>
+          </p:nvPr>
+        </p:nvSpPr>
+        <p:spPr>
+          <a:xfrm>
+            <a:off x="546100" y="1371600"/>
+            <a:ext cx="9503753" cy="4876799"/>
+          </a:xfrm>
+        </p:spPr>
+        <p:txBody>
+          <a:bodyPr/>
+          <a:lstStyle/>
+          <a:p>
+            <a:r>
+              <a:rPr lang="en-US" dirty="0" smtClean="0"/>
+              <a:t>Arrays are the JS ways of creating list.</a:t>
+            </a:r>
+          </a:p>
+          <a:p>
+            <a:r>
+              <a:rPr lang="en-US" dirty="0" err="1" smtClean="0"/>
+              <a:t>Arryas</a:t>
+            </a:r>
+            <a:r>
+              <a:rPr lang="en-US" dirty="0" smtClean="0"/>
+              <a:t> can store any </a:t>
+            </a:r>
+            <a:r>
+              <a:rPr lang="en-US" dirty="0" err="1" smtClean="0"/>
+              <a:t>datatype</a:t>
+            </a:r>
+            <a:r>
+              <a:rPr lang="en-US" dirty="0" smtClean="0"/>
+              <a:t> .</a:t>
+            </a:r>
+          </a:p>
+          <a:p>
+            <a:r>
+              <a:rPr lang="en-US" dirty="0"/>
+              <a:t>You can declare an array using either </a:t>
+            </a:r>
+            <a:r>
+              <a:rPr lang="en-US" dirty="0">
+                <a:solidFill>
+                  <a:srgbClr val="FFFF00"/>
+                </a:solidFill>
+              </a:rPr>
+              <a:t>const </a:t>
+            </a:r>
+            <a:r>
+              <a:rPr lang="en-US" dirty="0"/>
+              <a:t>or </a:t>
+            </a:r>
+            <a:r>
+              <a:rPr lang="en-US" dirty="0">
+                <a:solidFill>
+                  <a:srgbClr val="FFFF00"/>
+                </a:solidFill>
+              </a:rPr>
+              <a:t>let</a:t>
+            </a:r>
+            <a:r>
+              <a:rPr lang="en-US" dirty="0"/>
+              <a:t> but therein const although you can replace the elements of array you can’t create a new array with same name.</a:t>
+            </a:r>
+          </a:p>
+          <a:p>
+            <a:endParaRPr lang="en-US" dirty="0"/>
+          </a:p>
+        </p:txBody>
+      </p:sp>
+      <p:pic>
+        <p:nvPicPr>
+          <p:cNvPr id="4" name="Picture 3"/>
+          <p:cNvPicPr/>
+          <p:nvPr/>
+        </p:nvPicPr>
+        <p:blipFill>
+          <a:blip r:embed="rId2"/>
+          <a:stretch>
+            <a:fillRect/>
+          </a:stretch>
+        </p:blipFill>
+        <p:spPr>
+          <a:xfrm>
+            <a:off x="1003300" y="3543301"/>
+            <a:ext cx="6985000" cy="2705098"/>
+          </a:xfrm>
+          <a:prstGeom prst="rect">
+            <a:avLst/>
+          </a:prstGeom>
+        </p:spPr>
+      </p:pic>
+    </p:spTree>
+    <p:extLst>
+      <p:ext uri="{BB962C8B-B14F-4D97-AF65-F5344CB8AC3E}">
+        <p14:creationId xmlns:p14="http://schemas.microsoft.com/office/powerpoint/2010/main" val="2986948427"/>
+      </p:ext>
+    </p:extLst>
+  </p:cSld>
+  <p:clrMapOvr>
+    <a:masterClrMapping/>
+  </p:clrMapOvr>
+  <p:timing>
+    <p:tnLst>
+      <p:par>
+        <p:cTn id="1" dur="indefinite" restart="never" nodeType="tmRoot"/>
+      </p:par>
+    </p:tnLst>
+  </p:timing>
+</p:sld>
+</file>
+
+<file path=ppt/slides/slide15.xml><?xml version="1.0" encoding="utf-8"?>
+<p:sld xmlns:a="http://schemas.openxmlformats.org/drawingml/2006/main" xmlns:r="http://schemas.openxmlformats.org/officeDocument/2006/relationships" xmlns:p="http://schemas.openxmlformats.org/presentationml/2006/main">
+  <p:cSld>
+    <p:spTree>
+      <p:nvGrpSpPr>
+        <p:cNvPr id="1" name=""/>
+        <p:cNvGrpSpPr/>
+        <p:nvPr/>
+      </p:nvGrpSpPr>
+      <p:grpSpPr>
+        <a:xfrm>
+          <a:off x="0" y="0"/>
+          <a:ext cx="0" cy="0"/>
+          <a:chOff x="0" y="0"/>
+          <a:chExt cx="0" cy="0"/>
+        </a:xfrm>
+      </p:grpSpPr>
+      <p:sp>
+        <p:nvSpPr>
+          <p:cNvPr id="2" name="Title 1"/>
+          <p:cNvSpPr>
+            <a:spLocks noGrp="1"/>
+          </p:cNvSpPr>
+          <p:nvPr>
+            <p:ph type="title"/>
+          </p:nvPr>
+        </p:nvSpPr>
+        <p:spPr>
+          <a:xfrm>
+            <a:off x="646111" y="452718"/>
+            <a:ext cx="9404723" cy="690282"/>
+          </a:xfrm>
+        </p:spPr>
+        <p:txBody>
+          <a:bodyPr/>
+          <a:lstStyle/>
+          <a:p>
+            <a:r>
+              <a:rPr lang="en-US" dirty="0" smtClean="0"/>
+              <a:t>Methods on Array</a:t>
+            </a:r>
+            <a:endParaRPr lang="en-US" dirty="0"/>
+          </a:p>
+        </p:txBody>
+      </p:sp>
+      <p:sp>
+        <p:nvSpPr>
+          <p:cNvPr id="3" name="Content Placeholder 2"/>
+          <p:cNvSpPr>
+            <a:spLocks noGrp="1"/>
+          </p:cNvSpPr>
+          <p:nvPr>
+            <p:ph idx="1"/>
+          </p:nvPr>
+        </p:nvSpPr>
+        <p:spPr>
+          <a:xfrm>
+            <a:off x="646112" y="1384300"/>
+            <a:ext cx="9403742" cy="4864099"/>
+          </a:xfrm>
+        </p:spPr>
+        <p:txBody>
+          <a:bodyPr/>
+          <a:lstStyle/>
+          <a:p>
+            <a:r>
+              <a:rPr lang="en-US" dirty="0" err="1" smtClean="0"/>
+              <a:t>Arraylength</a:t>
+            </a:r>
+            <a:r>
+              <a:rPr lang="en-US" dirty="0" smtClean="0"/>
+              <a:t> = &lt;</a:t>
+            </a:r>
+            <a:r>
+              <a:rPr lang="en-US" dirty="0" err="1" smtClean="0"/>
+              <a:t>arrayname</a:t>
+            </a:r>
+            <a:r>
+              <a:rPr lang="en-US" dirty="0" smtClean="0"/>
+              <a:t>&gt;.length</a:t>
+            </a:r>
+          </a:p>
+          <a:p>
+            <a:r>
+              <a:rPr lang="en-US" smtClean="0"/>
+              <a:t>push </a:t>
+            </a:r>
+            <a:r>
+              <a:rPr lang="en-US" dirty="0" smtClean="0"/>
+              <a:t>= </a:t>
+            </a:r>
+            <a:r>
+              <a:rPr lang="en-US" dirty="0"/>
+              <a:t>&lt;</a:t>
+            </a:r>
+            <a:r>
+              <a:rPr lang="en-US" dirty="0" err="1"/>
+              <a:t>arrayname</a:t>
+            </a:r>
+            <a:r>
+              <a:rPr lang="en-US" dirty="0" smtClean="0"/>
+              <a:t>&gt;.push()</a:t>
+            </a:r>
+          </a:p>
+          <a:p>
+            <a:r>
+              <a:rPr lang="en-US" dirty="0" smtClean="0"/>
+              <a:t>pop = </a:t>
+            </a:r>
+            <a:r>
+              <a:rPr lang="en-US" dirty="0"/>
+              <a:t>&lt;</a:t>
+            </a:r>
+            <a:r>
+              <a:rPr lang="en-US" dirty="0" err="1"/>
+              <a:t>arrayname</a:t>
+            </a:r>
+            <a:r>
+              <a:rPr lang="en-US" dirty="0"/>
+              <a:t>&gt;.</a:t>
+            </a:r>
+            <a:r>
+              <a:rPr lang="en-US" dirty="0" smtClean="0"/>
+              <a:t>pop()</a:t>
+            </a:r>
+          </a:p>
+          <a:p>
+            <a:r>
+              <a:rPr lang="en-US" dirty="0" smtClean="0"/>
+              <a:t>Array Slicing = &lt;</a:t>
+            </a:r>
+            <a:r>
+              <a:rPr lang="en-US" dirty="0" err="1" smtClean="0"/>
+              <a:t>arrayname</a:t>
+            </a:r>
+            <a:r>
+              <a:rPr lang="en-US" dirty="0" smtClean="0"/>
+              <a:t>&gt;.slice(</a:t>
+            </a:r>
+            <a:r>
+              <a:rPr lang="en-US" dirty="0" err="1" smtClean="0"/>
+              <a:t>begin,end</a:t>
+            </a:r>
+            <a:r>
+              <a:rPr lang="en-US" dirty="0"/>
+              <a:t>) </a:t>
+            </a:r>
+          </a:p>
+          <a:p>
+            <a:endParaRPr lang="en-US" dirty="0"/>
+          </a:p>
+        </p:txBody>
+      </p:sp>
+      <p:pic>
+        <p:nvPicPr>
+          <p:cNvPr id="4" name="Picture 3"/>
+          <p:cNvPicPr/>
+          <p:nvPr/>
+        </p:nvPicPr>
+        <p:blipFill>
+          <a:blip r:embed="rId2"/>
+          <a:stretch>
+            <a:fillRect/>
+          </a:stretch>
+        </p:blipFill>
+        <p:spPr>
+          <a:xfrm>
+            <a:off x="990600" y="3467100"/>
+            <a:ext cx="7543800" cy="2362200"/>
+          </a:xfrm>
+          <a:prstGeom prst="rect">
+            <a:avLst/>
+          </a:prstGeom>
+        </p:spPr>
+      </p:pic>
+      <p:pic>
+        <p:nvPicPr>
+          <p:cNvPr id="5" name="Picture 4"/>
+          <p:cNvPicPr>
+            <a:picLocks noChangeAspect="1"/>
+          </p:cNvPicPr>
+          <p:nvPr/>
+        </p:nvPicPr>
+        <p:blipFill>
+          <a:blip r:embed="rId3"/>
+          <a:stretch>
+            <a:fillRect/>
+          </a:stretch>
+        </p:blipFill>
+        <p:spPr>
+          <a:xfrm>
+            <a:off x="6375399" y="1384300"/>
+            <a:ext cx="4787901" cy="1247775"/>
+          </a:xfrm>
+          <a:prstGeom prst="rect">
+            <a:avLst/>
+          </a:prstGeom>
+        </p:spPr>
+      </p:pic>
+    </p:spTree>
+    <p:extLst>
+      <p:ext uri="{BB962C8B-B14F-4D97-AF65-F5344CB8AC3E}">
+        <p14:creationId xmlns:p14="http://schemas.microsoft.com/office/powerpoint/2010/main" val="374657920"/>
+      </p:ext>
+    </p:extLst>
+  </p:cSld>
+  <p:clrMapOvr>
+    <a:masterClrMapping/>
+  </p:clrMapOvr>
+  <p:timing>
+    <p:tnLst>
+      <p:par>
+        <p:cTn id="1" dur="indefinite" restart="never" nodeType="tmRoot"/>
+      </p:par>
+    </p:tnLst>
+  </p:timing>
 </p:sld>
 </file>
 
@@ -7246,7 +7899,7 @@
           <p:cNvPr id="2" name="Title 1">
             <a:extLst>
               <a:ext uri="{FF2B5EF4-FFF2-40B4-BE49-F238E27FC236}">
-                <a16:creationId xmlns:a16="http://schemas.microsoft.com/office/drawing/2014/main" id="{F26B4C22-E571-44B1-86F4-C4F0250F4F2B}"/>
+                <a16:creationId xmlns:a16="http://schemas.microsoft.com/office/drawing/2014/main" xmlns="" id="{F26B4C22-E571-44B1-86F4-C4F0250F4F2B}"/>
               </a:ext>
             </a:extLst>
           </p:cNvPr>
@@ -7274,7 +7927,7 @@
           <p:cNvPr id="3" name="Content Placeholder 2">
             <a:extLst>
               <a:ext uri="{FF2B5EF4-FFF2-40B4-BE49-F238E27FC236}">
-                <a16:creationId xmlns:a16="http://schemas.microsoft.com/office/drawing/2014/main" id="{61FC4E31-6A55-41B1-89DF-569D855AD4BD}"/>
+                <a16:creationId xmlns:a16="http://schemas.microsoft.com/office/drawing/2014/main" xmlns="" id="{61FC4E31-6A55-41B1-89DF-569D855AD4BD}"/>
               </a:ext>
             </a:extLst>
           </p:cNvPr>
@@ -7394,7 +8047,7 @@
           <p:cNvPr id="2" name="Title 1">
             <a:extLst>
               <a:ext uri="{FF2B5EF4-FFF2-40B4-BE49-F238E27FC236}">
-                <a16:creationId xmlns:a16="http://schemas.microsoft.com/office/drawing/2014/main" id="{A396EBC3-14E3-4330-BB08-C5EFE80D354B}"/>
+                <a16:creationId xmlns:a16="http://schemas.microsoft.com/office/drawing/2014/main" xmlns="" id="{A396EBC3-14E3-4330-BB08-C5EFE80D354B}"/>
               </a:ext>
             </a:extLst>
           </p:cNvPr>
@@ -7422,7 +8075,7 @@
           <p:cNvPr id="3" name="Content Placeholder 2">
             <a:extLst>
               <a:ext uri="{FF2B5EF4-FFF2-40B4-BE49-F238E27FC236}">
-                <a16:creationId xmlns:a16="http://schemas.microsoft.com/office/drawing/2014/main" id="{39F28357-4ADC-4E8E-972A-D037BE17766D}"/>
+                <a16:creationId xmlns:a16="http://schemas.microsoft.com/office/drawing/2014/main" xmlns="" id="{39F28357-4ADC-4E8E-972A-D037BE17766D}"/>
               </a:ext>
             </a:extLst>
           </p:cNvPr>
@@ -7478,7 +8131,7 @@
           <p:cNvPr id="5" name="Picture 4">
             <a:extLst>
               <a:ext uri="{FF2B5EF4-FFF2-40B4-BE49-F238E27FC236}">
-                <a16:creationId xmlns:a16="http://schemas.microsoft.com/office/drawing/2014/main" id="{2A14372C-C7AC-4153-9B94-4191393470EA}"/>
+                <a16:creationId xmlns:a16="http://schemas.microsoft.com/office/drawing/2014/main" xmlns="" id="{2A14372C-C7AC-4153-9B94-4191393470EA}"/>
               </a:ext>
             </a:extLst>
           </p:cNvPr>
@@ -7538,7 +8191,7 @@
           <p:cNvPr id="2" name="Title 1">
             <a:extLst>
               <a:ext uri="{FF2B5EF4-FFF2-40B4-BE49-F238E27FC236}">
-                <a16:creationId xmlns:a16="http://schemas.microsoft.com/office/drawing/2014/main" id="{795B23C6-AD0E-42B2-8DDE-3BB25FD36865}"/>
+                <a16:creationId xmlns:a16="http://schemas.microsoft.com/office/drawing/2014/main" xmlns="" id="{795B23C6-AD0E-42B2-8DDE-3BB25FD36865}"/>
               </a:ext>
             </a:extLst>
           </p:cNvPr>
@@ -7571,7 +8224,7 @@
           <p:cNvPr id="3" name="Content Placeholder 2">
             <a:extLst>
               <a:ext uri="{FF2B5EF4-FFF2-40B4-BE49-F238E27FC236}">
-                <a16:creationId xmlns:a16="http://schemas.microsoft.com/office/drawing/2014/main" id="{5A66274A-4820-4530-802C-E80B06CB7289}"/>
+                <a16:creationId xmlns:a16="http://schemas.microsoft.com/office/drawing/2014/main" xmlns="" id="{5A66274A-4820-4530-802C-E80B06CB7289}"/>
               </a:ext>
             </a:extLst>
           </p:cNvPr>
@@ -7602,7 +8255,7 @@
           <p:cNvPr id="4" name="Content Placeholder 3">
             <a:extLst>
               <a:ext uri="{FF2B5EF4-FFF2-40B4-BE49-F238E27FC236}">
-                <a16:creationId xmlns:a16="http://schemas.microsoft.com/office/drawing/2014/main" id="{2CEB8610-17A2-4100-907B-3974551A926D}"/>
+                <a16:creationId xmlns:a16="http://schemas.microsoft.com/office/drawing/2014/main" xmlns="" id="{2CEB8610-17A2-4100-907B-3974551A926D}"/>
               </a:ext>
             </a:extLst>
           </p:cNvPr>
@@ -7630,7 +8283,7 @@
           <p:cNvPr id="5" name="Content Placeholder 3">
             <a:extLst>
               <a:ext uri="{FF2B5EF4-FFF2-40B4-BE49-F238E27FC236}">
-                <a16:creationId xmlns:a16="http://schemas.microsoft.com/office/drawing/2014/main" id="{598C02A6-B7DC-42BC-8D98-5E7D868A85F6}"/>
+                <a16:creationId xmlns:a16="http://schemas.microsoft.com/office/drawing/2014/main" xmlns="" id="{598C02A6-B7DC-42BC-8D98-5E7D868A85F6}"/>
               </a:ext>
             </a:extLst>
           </p:cNvPr>
@@ -7660,7 +8313,7 @@
           <p:cNvPr id="6" name="Picture 5">
             <a:extLst>
               <a:ext uri="{FF2B5EF4-FFF2-40B4-BE49-F238E27FC236}">
-                <a16:creationId xmlns:a16="http://schemas.microsoft.com/office/drawing/2014/main" id="{9EDE9D29-7785-4B23-85B8-56266557B2C6}"/>
+                <a16:creationId xmlns:a16="http://schemas.microsoft.com/office/drawing/2014/main" xmlns="" id="{9EDE9D29-7785-4B23-85B8-56266557B2C6}"/>
               </a:ext>
             </a:extLst>
           </p:cNvPr>
@@ -7720,7 +8373,7 @@
           <p:cNvPr id="2" name="Title 1">
             <a:extLst>
               <a:ext uri="{FF2B5EF4-FFF2-40B4-BE49-F238E27FC236}">
-                <a16:creationId xmlns:a16="http://schemas.microsoft.com/office/drawing/2014/main" id="{B1B7F84D-7B56-45B7-BF40-16AE2770E145}"/>
+                <a16:creationId xmlns:a16="http://schemas.microsoft.com/office/drawing/2014/main" xmlns="" id="{B1B7F84D-7B56-45B7-BF40-16AE2770E145}"/>
               </a:ext>
             </a:extLst>
           </p:cNvPr>
@@ -7748,7 +8401,7 @@
           <p:cNvPr id="3" name="Content Placeholder 2">
             <a:extLst>
               <a:ext uri="{FF2B5EF4-FFF2-40B4-BE49-F238E27FC236}">
-                <a16:creationId xmlns:a16="http://schemas.microsoft.com/office/drawing/2014/main" id="{E487FCA9-EC21-42D4-ACB8-F6C835C7B591}"/>
+                <a16:creationId xmlns:a16="http://schemas.microsoft.com/office/drawing/2014/main" xmlns="" id="{E487FCA9-EC21-42D4-ACB8-F6C835C7B591}"/>
               </a:ext>
             </a:extLst>
           </p:cNvPr>
@@ -7787,7 +8440,7 @@
           <p:cNvPr id="4" name="Content Placeholder 3">
             <a:extLst>
               <a:ext uri="{FF2B5EF4-FFF2-40B4-BE49-F238E27FC236}">
-                <a16:creationId xmlns:a16="http://schemas.microsoft.com/office/drawing/2014/main" id="{9FF95E9D-A54F-4BD4-B630-7DA5E03E5CDE}"/>
+                <a16:creationId xmlns:a16="http://schemas.microsoft.com/office/drawing/2014/main" xmlns="" id="{9FF95E9D-A54F-4BD4-B630-7DA5E03E5CDE}"/>
               </a:ext>
             </a:extLst>
           </p:cNvPr>
@@ -7815,7 +8468,7 @@
           <p:cNvPr id="5" name="Picture 4">
             <a:extLst>
               <a:ext uri="{FF2B5EF4-FFF2-40B4-BE49-F238E27FC236}">
-                <a16:creationId xmlns:a16="http://schemas.microsoft.com/office/drawing/2014/main" id="{A9F81249-58B6-4F4F-9144-3E6FF7F6FC7D}"/>
+                <a16:creationId xmlns:a16="http://schemas.microsoft.com/office/drawing/2014/main" xmlns="" id="{A9F81249-58B6-4F4F-9144-3E6FF7F6FC7D}"/>
               </a:ext>
             </a:extLst>
           </p:cNvPr>
@@ -7845,7 +8498,7 @@
           <p:cNvPr id="6" name="Picture 5">
             <a:extLst>
               <a:ext uri="{FF2B5EF4-FFF2-40B4-BE49-F238E27FC236}">
-                <a16:creationId xmlns:a16="http://schemas.microsoft.com/office/drawing/2014/main" id="{32A4BF5E-72F8-4CA6-AE72-7051AAE05ED2}"/>
+                <a16:creationId xmlns:a16="http://schemas.microsoft.com/office/drawing/2014/main" xmlns="" id="{32A4BF5E-72F8-4CA6-AE72-7051AAE05ED2}"/>
               </a:ext>
             </a:extLst>
           </p:cNvPr>
@@ -7905,7 +8558,7 @@
           <p:cNvPr id="2" name="Title 1">
             <a:extLst>
               <a:ext uri="{FF2B5EF4-FFF2-40B4-BE49-F238E27FC236}">
-                <a16:creationId xmlns:a16="http://schemas.microsoft.com/office/drawing/2014/main" id="{4DDB0165-A002-491A-A4DD-9CDBF64BB5EE}"/>
+                <a16:creationId xmlns:a16="http://schemas.microsoft.com/office/drawing/2014/main" xmlns="" id="{4DDB0165-A002-491A-A4DD-9CDBF64BB5EE}"/>
               </a:ext>
             </a:extLst>
           </p:cNvPr>
@@ -7938,7 +8591,7 @@
           <p:cNvPr id="6" name="Content Placeholder 5">
             <a:extLst>
               <a:ext uri="{FF2B5EF4-FFF2-40B4-BE49-F238E27FC236}">
-                <a16:creationId xmlns:a16="http://schemas.microsoft.com/office/drawing/2014/main" id="{5FF32F35-E962-45F5-9594-1820B90E6E5C}"/>
+                <a16:creationId xmlns:a16="http://schemas.microsoft.com/office/drawing/2014/main" xmlns="" id="{5FF32F35-E962-45F5-9594-1820B90E6E5C}"/>
               </a:ext>
             </a:extLst>
           </p:cNvPr>
@@ -8026,7 +8679,7 @@
           <p:cNvPr id="7" name="Picture 6">
             <a:extLst>
               <a:ext uri="{FF2B5EF4-FFF2-40B4-BE49-F238E27FC236}">
-                <a16:creationId xmlns:a16="http://schemas.microsoft.com/office/drawing/2014/main" id="{2E4F0A9D-5ECA-4576-B559-C39C3D455A31}"/>
+                <a16:creationId xmlns:a16="http://schemas.microsoft.com/office/drawing/2014/main" xmlns="" id="{2E4F0A9D-5ECA-4576-B559-C39C3D455A31}"/>
               </a:ext>
             </a:extLst>
           </p:cNvPr>
@@ -8086,7 +8739,7 @@
           <p:cNvPr id="2" name="Title 1">
             <a:extLst>
               <a:ext uri="{FF2B5EF4-FFF2-40B4-BE49-F238E27FC236}">
-                <a16:creationId xmlns:a16="http://schemas.microsoft.com/office/drawing/2014/main" id="{4DDB0165-A002-491A-A4DD-9CDBF64BB5EE}"/>
+                <a16:creationId xmlns:a16="http://schemas.microsoft.com/office/drawing/2014/main" xmlns="" id="{4DDB0165-A002-491A-A4DD-9CDBF64BB5EE}"/>
               </a:ext>
             </a:extLst>
           </p:cNvPr>
@@ -8119,7 +8772,7 @@
           <p:cNvPr id="6" name="Content Placeholder 5">
             <a:extLst>
               <a:ext uri="{FF2B5EF4-FFF2-40B4-BE49-F238E27FC236}">
-                <a16:creationId xmlns:a16="http://schemas.microsoft.com/office/drawing/2014/main" id="{5FF32F35-E962-45F5-9594-1820B90E6E5C}"/>
+                <a16:creationId xmlns:a16="http://schemas.microsoft.com/office/drawing/2014/main" xmlns="" id="{5FF32F35-E962-45F5-9594-1820B90E6E5C}"/>
               </a:ext>
             </a:extLst>
           </p:cNvPr>
@@ -8279,7 +8932,7 @@
           <p:cNvPr id="2" name="Title 1">
             <a:extLst>
               <a:ext uri="{FF2B5EF4-FFF2-40B4-BE49-F238E27FC236}">
-                <a16:creationId xmlns:a16="http://schemas.microsoft.com/office/drawing/2014/main" id="{4DDB0165-A002-491A-A4DD-9CDBF64BB5EE}"/>
+                <a16:creationId xmlns:a16="http://schemas.microsoft.com/office/drawing/2014/main" xmlns="" id="{4DDB0165-A002-491A-A4DD-9CDBF64BB5EE}"/>
               </a:ext>
             </a:extLst>
           </p:cNvPr>
@@ -8312,7 +8965,7 @@
           <p:cNvPr id="6" name="Content Placeholder 5">
             <a:extLst>
               <a:ext uri="{FF2B5EF4-FFF2-40B4-BE49-F238E27FC236}">
-                <a16:creationId xmlns:a16="http://schemas.microsoft.com/office/drawing/2014/main" id="{5FF32F35-E962-45F5-9594-1820B90E6E5C}"/>
+                <a16:creationId xmlns:a16="http://schemas.microsoft.com/office/drawing/2014/main" xmlns="" id="{5FF32F35-E962-45F5-9594-1820B90E6E5C}"/>
               </a:ext>
             </a:extLst>
           </p:cNvPr>
@@ -8434,7 +9087,7 @@
           <p:cNvPr id="2" name="Title 1">
             <a:extLst>
               <a:ext uri="{FF2B5EF4-FFF2-40B4-BE49-F238E27FC236}">
-                <a16:creationId xmlns:a16="http://schemas.microsoft.com/office/drawing/2014/main" id="{C3F67F27-63B2-4FA5-BD85-1D4A6DB52E11}"/>
+                <a16:creationId xmlns:a16="http://schemas.microsoft.com/office/drawing/2014/main" xmlns="" id="{C3F67F27-63B2-4FA5-BD85-1D4A6DB52E11}"/>
               </a:ext>
             </a:extLst>
           </p:cNvPr>
@@ -8468,7 +9121,7 @@
           <p:cNvPr id="3" name="Content Placeholder 2">
             <a:extLst>
               <a:ext uri="{FF2B5EF4-FFF2-40B4-BE49-F238E27FC236}">
-                <a16:creationId xmlns:a16="http://schemas.microsoft.com/office/drawing/2014/main" id="{C66A4D6F-F249-4C93-8704-AD872140A484}"/>
+                <a16:creationId xmlns:a16="http://schemas.microsoft.com/office/drawing/2014/main" xmlns="" id="{C66A4D6F-F249-4C93-8704-AD872140A484}"/>
               </a:ext>
             </a:extLst>
           </p:cNvPr>
@@ -8618,7 +9271,7 @@
           <p:cNvPr id="4" name="Content Placeholder 3">
             <a:extLst>
               <a:ext uri="{FF2B5EF4-FFF2-40B4-BE49-F238E27FC236}">
-                <a16:creationId xmlns:a16="http://schemas.microsoft.com/office/drawing/2014/main" id="{900456D2-A4C6-470B-B166-6DAE46A70ADF}"/>
+                <a16:creationId xmlns:a16="http://schemas.microsoft.com/office/drawing/2014/main" xmlns="" id="{900456D2-A4C6-470B-B166-6DAE46A70ADF}"/>
               </a:ext>
             </a:extLst>
           </p:cNvPr>

--- a/JAVASCRPT.pptx
+++ b/JAVASCRPT.pptx
@@ -5,7 +5,7 @@
     <p:sldMasterId id="2147483648" r:id="rId1"/>
   </p:sldMasterIdLst>
   <p:notesMasterIdLst>
-    <p:notesMasterId r:id="rId17"/>
+    <p:notesMasterId r:id="rId20"/>
   </p:notesMasterIdLst>
   <p:sldIdLst>
     <p:sldId id="256" r:id="rId2"/>
@@ -23,6 +23,9 @@
     <p:sldId id="272" r:id="rId14"/>
     <p:sldId id="273" r:id="rId15"/>
     <p:sldId id="274" r:id="rId16"/>
+    <p:sldId id="275" r:id="rId17"/>
+    <p:sldId id="276" r:id="rId18"/>
+    <p:sldId id="277" r:id="rId19"/>
   </p:sldIdLst>
   <p:sldSz cx="12192000" cy="6858000"/>
   <p:notesSz cx="6858000" cy="9144000"/>
@@ -211,7 +214,7 @@
           <a:p>
             <a:fld id="{DE0BE5F6-1CE5-47B2-AC82-947CAA6A2CE5}" type="datetimeFigureOut">
               <a:rPr lang="en-IN" smtClean="0"/>
-              <a:t>03-06-2019</a:t>
+              <a:t>04-06-2019</a:t>
             </a:fld>
             <a:endParaRPr lang="en-IN"/>
           </a:p>
@@ -917,7 +920,7 @@
           <a:p>
             <a:fld id="{4AAD347D-5ACD-4C99-B74B-A9C85AD731AF}" type="datetimeFigureOut">
               <a:rPr lang="en-US" dirty="0"/>
-              <a:t>6/3/2019</a:t>
+              <a:t>6/4/2019</a:t>
             </a:fld>
             <a:endParaRPr lang="en-US" dirty="0"/>
           </a:p>
@@ -1187,7 +1190,7 @@
           <a:p>
             <a:fld id="{4509A250-FF31-4206-8172-F9D3106AACB1}" type="datetimeFigureOut">
               <a:rPr lang="en-US" dirty="0"/>
-              <a:t>6/3/2019</a:t>
+              <a:t>6/4/2019</a:t>
             </a:fld>
             <a:endParaRPr lang="en-US" dirty="0"/>
           </a:p>
@@ -1376,7 +1379,7 @@
           <a:p>
             <a:fld id="{4509A250-FF31-4206-8172-F9D3106AACB1}" type="datetimeFigureOut">
               <a:rPr lang="en-US" dirty="0"/>
-              <a:t>6/3/2019</a:t>
+              <a:t>6/4/2019</a:t>
             </a:fld>
             <a:endParaRPr lang="en-US" dirty="0"/>
           </a:p>
@@ -1644,7 +1647,7 @@
           <a:p>
             <a:fld id="{4509A250-FF31-4206-8172-F9D3106AACB1}" type="datetimeFigureOut">
               <a:rPr lang="en-US" dirty="0"/>
-              <a:t>6/3/2019</a:t>
+              <a:t>6/4/2019</a:t>
             </a:fld>
             <a:endParaRPr lang="en-US" dirty="0"/>
           </a:p>
@@ -1980,7 +1983,7 @@
           <a:p>
             <a:fld id="{4509A250-FF31-4206-8172-F9D3106AACB1}" type="datetimeFigureOut">
               <a:rPr lang="en-US" dirty="0"/>
-              <a:t>6/3/2019</a:t>
+              <a:t>6/4/2019</a:t>
             </a:fld>
             <a:endParaRPr lang="en-US" dirty="0"/>
           </a:p>
@@ -2598,7 +2601,7 @@
           <a:p>
             <a:fld id="{4509A250-FF31-4206-8172-F9D3106AACB1}" type="datetimeFigureOut">
               <a:rPr lang="en-US" dirty="0"/>
-              <a:t>6/3/2019</a:t>
+              <a:t>6/4/2019</a:t>
             </a:fld>
             <a:endParaRPr lang="en-US" dirty="0"/>
           </a:p>
@@ -3453,7 +3456,7 @@
           <a:p>
             <a:fld id="{4509A250-FF31-4206-8172-F9D3106AACB1}" type="datetimeFigureOut">
               <a:rPr lang="en-US" dirty="0"/>
-              <a:t>6/3/2019</a:t>
+              <a:t>6/4/2019</a:t>
             </a:fld>
             <a:endParaRPr lang="en-US" dirty="0"/>
           </a:p>
@@ -3618,7 +3621,7 @@
           <a:p>
             <a:fld id="{4509A250-FF31-4206-8172-F9D3106AACB1}" type="datetimeFigureOut">
               <a:rPr lang="en-US" dirty="0"/>
-              <a:t>6/3/2019</a:t>
+              <a:t>6/4/2019</a:t>
             </a:fld>
             <a:endParaRPr lang="en-US" dirty="0"/>
           </a:p>
@@ -3793,7 +3796,7 @@
           <a:p>
             <a:fld id="{4509A250-FF31-4206-8172-F9D3106AACB1}" type="datetimeFigureOut">
               <a:rPr lang="en-US" dirty="0"/>
-              <a:t>6/3/2019</a:t>
+              <a:t>6/4/2019</a:t>
             </a:fld>
             <a:endParaRPr lang="en-US" dirty="0"/>
           </a:p>
@@ -3958,7 +3961,7 @@
           <a:p>
             <a:fld id="{4509A250-FF31-4206-8172-F9D3106AACB1}" type="datetimeFigureOut">
               <a:rPr lang="en-US" dirty="0"/>
-              <a:t>6/3/2019</a:t>
+              <a:t>6/4/2019</a:t>
             </a:fld>
             <a:endParaRPr lang="en-US" dirty="0"/>
           </a:p>
@@ -4200,7 +4203,7 @@
           <a:p>
             <a:fld id="{9796027F-7875-4030-9381-8BD8C4F21935}" type="datetimeFigureOut">
               <a:rPr lang="en-US" dirty="0"/>
-              <a:t>6/3/2019</a:t>
+              <a:t>6/4/2019</a:t>
             </a:fld>
             <a:endParaRPr lang="en-US" dirty="0"/>
           </a:p>
@@ -4487,7 +4490,7 @@
           <a:p>
             <a:fld id="{9796027F-7875-4030-9381-8BD8C4F21935}" type="datetimeFigureOut">
               <a:rPr lang="en-US" dirty="0"/>
-              <a:t>6/3/2019</a:t>
+              <a:t>6/4/2019</a:t>
             </a:fld>
             <a:endParaRPr lang="en-US" dirty="0"/>
           </a:p>
@@ -4926,7 +4929,7 @@
           <a:p>
             <a:fld id="{9796027F-7875-4030-9381-8BD8C4F21935}" type="datetimeFigureOut">
               <a:rPr lang="en-US" dirty="0"/>
-              <a:t>6/3/2019</a:t>
+              <a:t>6/4/2019</a:t>
             </a:fld>
             <a:endParaRPr lang="en-US" dirty="0"/>
           </a:p>
@@ -5039,7 +5042,7 @@
           <a:p>
             <a:fld id="{4509A250-FF31-4206-8172-F9D3106AACB1}" type="datetimeFigureOut">
               <a:rPr lang="en-US" dirty="0"/>
-              <a:t>6/3/2019</a:t>
+              <a:t>6/4/2019</a:t>
             </a:fld>
             <a:endParaRPr lang="en-US" dirty="0"/>
           </a:p>
@@ -5129,7 +5132,7 @@
           <a:p>
             <a:fld id="{4509A250-FF31-4206-8172-F9D3106AACB1}" type="datetimeFigureOut">
               <a:rPr lang="en-US" dirty="0"/>
-              <a:t>6/3/2019</a:t>
+              <a:t>6/4/2019</a:t>
             </a:fld>
             <a:endParaRPr lang="en-US" dirty="0"/>
           </a:p>
@@ -5403,7 +5406,7 @@
           <a:p>
             <a:fld id="{4509A250-FF31-4206-8172-F9D3106AACB1}" type="datetimeFigureOut">
               <a:rPr lang="en-US" dirty="0"/>
-              <a:t>6/3/2019</a:t>
+              <a:t>6/4/2019</a:t>
             </a:fld>
             <a:endParaRPr lang="en-US" dirty="0"/>
           </a:p>
@@ -5673,7 +5676,7 @@
           <a:p>
             <a:fld id="{4509A250-FF31-4206-8172-F9D3106AACB1}" type="datetimeFigureOut">
               <a:rPr lang="en-US" dirty="0"/>
-              <a:t>6/3/2019</a:t>
+              <a:t>6/4/2019</a:t>
             </a:fld>
             <a:endParaRPr lang="en-US" dirty="0"/>
           </a:p>
@@ -6097,7 +6100,7 @@
           <a:p>
             <a:fld id="{4AAD347D-5ACD-4C99-B74B-A9C85AD731AF}" type="datetimeFigureOut">
               <a:rPr lang="en-US" dirty="0"/>
-              <a:t>6/3/2019</a:t>
+              <a:t>6/4/2019</a:t>
             </a:fld>
             <a:endParaRPr lang="en-US" dirty="0"/>
           </a:p>
@@ -6626,7 +6629,7 @@
           <p:cNvPr id="2" name="Title 1">
             <a:extLst>
               <a:ext uri="{FF2B5EF4-FFF2-40B4-BE49-F238E27FC236}">
-                <a16:creationId xmlns:a16="http://schemas.microsoft.com/office/drawing/2014/main" xmlns="" id="{EED1A5FB-A536-498F-80D4-0B88DAA9B6F0}"/>
+                <a16:creationId xmlns:a16="http://schemas.microsoft.com/office/drawing/2014/main" id="{EED1A5FB-A536-498F-80D4-0B88DAA9B6F0}"/>
               </a:ext>
             </a:extLst>
           </p:cNvPr>
@@ -6659,7 +6662,7 @@
           <p:cNvPr id="3" name="Subtitle 2">
             <a:extLst>
               <a:ext uri="{FF2B5EF4-FFF2-40B4-BE49-F238E27FC236}">
-                <a16:creationId xmlns:a16="http://schemas.microsoft.com/office/drawing/2014/main" xmlns="" id="{6B4A7F6D-81FB-42E3-B5D2-E648F04A0A97}"/>
+                <a16:creationId xmlns:a16="http://schemas.microsoft.com/office/drawing/2014/main" id="{6B4A7F6D-81FB-42E3-B5D2-E648F04A0A97}"/>
               </a:ext>
             </a:extLst>
           </p:cNvPr>
@@ -6717,7 +6720,7 @@
           <p:cNvPr id="2" name="Title 1">
             <a:extLst>
               <a:ext uri="{FF2B5EF4-FFF2-40B4-BE49-F238E27FC236}">
-                <a16:creationId xmlns:a16="http://schemas.microsoft.com/office/drawing/2014/main" xmlns="" id="{4DDB0165-A002-491A-A4DD-9CDBF64BB5EE}"/>
+                <a16:creationId xmlns:a16="http://schemas.microsoft.com/office/drawing/2014/main" id="{4DDB0165-A002-491A-A4DD-9CDBF64BB5EE}"/>
               </a:ext>
             </a:extLst>
           </p:cNvPr>
@@ -6750,7 +6753,7 @@
           <p:cNvPr id="6" name="Content Placeholder 5">
             <a:extLst>
               <a:ext uri="{FF2B5EF4-FFF2-40B4-BE49-F238E27FC236}">
-                <a16:creationId xmlns:a16="http://schemas.microsoft.com/office/drawing/2014/main" xmlns="" id="{5FF32F35-E962-45F5-9594-1820B90E6E5C}"/>
+                <a16:creationId xmlns:a16="http://schemas.microsoft.com/office/drawing/2014/main" id="{5FF32F35-E962-45F5-9594-1820B90E6E5C}"/>
               </a:ext>
             </a:extLst>
           </p:cNvPr>
@@ -6973,7 +6976,7 @@
           <p:cNvPr id="2" name="Title 1">
             <a:extLst>
               <a:ext uri="{FF2B5EF4-FFF2-40B4-BE49-F238E27FC236}">
-                <a16:creationId xmlns:a16="http://schemas.microsoft.com/office/drawing/2014/main" xmlns="" id="{0FD3A787-C7DD-44D2-9981-6FAF85B239EE}"/>
+                <a16:creationId xmlns:a16="http://schemas.microsoft.com/office/drawing/2014/main" id="{0FD3A787-C7DD-44D2-9981-6FAF85B239EE}"/>
               </a:ext>
             </a:extLst>
           </p:cNvPr>
@@ -7009,10 +7012,6 @@
               </a:rPr>
               <a:t>switch case is an alternate method of if-else statement</a:t>
             </a:r>
-            <a:r>
-              <a:rPr lang="en-US" dirty="0"/>
-              <a:t/>
-            </a:r>
             <a:br>
               <a:rPr lang="en-US" dirty="0"/>
             </a:br>
@@ -7025,7 +7024,7 @@
           <p:cNvPr id="3" name="Text Placeholder 2">
             <a:extLst>
               <a:ext uri="{FF2B5EF4-FFF2-40B4-BE49-F238E27FC236}">
-                <a16:creationId xmlns:a16="http://schemas.microsoft.com/office/drawing/2014/main" xmlns="" id="{32FEDD3C-8579-447A-BE3B-30254F109E35}"/>
+                <a16:creationId xmlns:a16="http://schemas.microsoft.com/office/drawing/2014/main" id="{32FEDD3C-8579-447A-BE3B-30254F109E35}"/>
               </a:ext>
             </a:extLst>
           </p:cNvPr>
@@ -7058,7 +7057,7 @@
           <p:cNvPr id="5" name="Text Placeholder 4">
             <a:extLst>
               <a:ext uri="{FF2B5EF4-FFF2-40B4-BE49-F238E27FC236}">
-                <a16:creationId xmlns:a16="http://schemas.microsoft.com/office/drawing/2014/main" xmlns="" id="{066F2718-7312-4C00-92FB-D79349508FAC}"/>
+                <a16:creationId xmlns:a16="http://schemas.microsoft.com/office/drawing/2014/main" id="{066F2718-7312-4C00-92FB-D79349508FAC}"/>
               </a:ext>
             </a:extLst>
           </p:cNvPr>
@@ -7091,7 +7090,7 @@
           <p:cNvPr id="6" name="Content Placeholder 5">
             <a:extLst>
               <a:ext uri="{FF2B5EF4-FFF2-40B4-BE49-F238E27FC236}">
-                <a16:creationId xmlns:a16="http://schemas.microsoft.com/office/drawing/2014/main" xmlns="" id="{83372F51-5CC7-4820-83C3-AB847CAB19B1}"/>
+                <a16:creationId xmlns:a16="http://schemas.microsoft.com/office/drawing/2014/main" id="{83372F51-5CC7-4820-83C3-AB847CAB19B1}"/>
               </a:ext>
             </a:extLst>
           </p:cNvPr>
@@ -7130,7 +7129,7 @@
           <p:cNvPr id="9" name="Content Placeholder 8">
             <a:extLst>
               <a:ext uri="{FF2B5EF4-FFF2-40B4-BE49-F238E27FC236}">
-                <a16:creationId xmlns:a16="http://schemas.microsoft.com/office/drawing/2014/main" xmlns="" id="{6F493DB7-75F4-4AC9-93A7-041BBE0D4068}"/>
+                <a16:creationId xmlns:a16="http://schemas.microsoft.com/office/drawing/2014/main" id="{6F493DB7-75F4-4AC9-93A7-041BBE0D4068}"/>
               </a:ext>
             </a:extLst>
           </p:cNvPr>
@@ -7169,7 +7168,7 @@
           <p:cNvPr id="10" name="Picture 9">
             <a:extLst>
               <a:ext uri="{FF2B5EF4-FFF2-40B4-BE49-F238E27FC236}">
-                <a16:creationId xmlns:a16="http://schemas.microsoft.com/office/drawing/2014/main" xmlns="" id="{B2A08A5B-8D18-4B9B-896B-448058A8896B}"/>
+                <a16:creationId xmlns:a16="http://schemas.microsoft.com/office/drawing/2014/main" id="{B2A08A5B-8D18-4B9B-896B-448058A8896B}"/>
               </a:ext>
             </a:extLst>
           </p:cNvPr>
@@ -7199,7 +7198,7 @@
           <p:cNvPr id="12" name="Picture 11">
             <a:extLst>
               <a:ext uri="{FF2B5EF4-FFF2-40B4-BE49-F238E27FC236}">
-                <a16:creationId xmlns:a16="http://schemas.microsoft.com/office/drawing/2014/main" xmlns="" id="{35E41823-9FB9-4E65-9D20-0656836974DD}"/>
+                <a16:creationId xmlns:a16="http://schemas.microsoft.com/office/drawing/2014/main" id="{35E41823-9FB9-4E65-9D20-0656836974DD}"/>
               </a:ext>
             </a:extLst>
           </p:cNvPr>
@@ -7275,10 +7274,9 @@
           <a:lstStyle/>
           <a:p>
             <a:r>
-              <a:rPr lang="en-US" dirty="0" smtClean="0"/>
+              <a:rPr lang="en-US" dirty="0"/>
               <a:t>Function</a:t>
             </a:r>
-            <a:endParaRPr lang="en-US" dirty="0"/>
           </a:p>
         </p:txBody>
       </p:sp>
@@ -7303,7 +7301,7 @@
           <a:lstStyle/>
           <a:p>
             <a:r>
-              <a:rPr lang="en-US" dirty="0" smtClean="0"/>
+              <a:rPr lang="en-US" dirty="0"/>
               <a:t>In JavaScript you can declare a function in FOUR ways</a:t>
             </a:r>
           </a:p>
@@ -7311,16 +7309,16 @@
             <a:pPr marL="0" indent="0">
               <a:buNone/>
             </a:pPr>
-            <a:endParaRPr lang="en-US" dirty="0" smtClean="0"/>
+            <a:endParaRPr lang="en-US" dirty="0"/>
           </a:p>
           <a:p>
             <a:pPr lvl="1"/>
             <a:r>
-              <a:rPr lang="en-US" dirty="0" smtClean="0"/>
+              <a:rPr lang="en-US" dirty="0"/>
               <a:t>Normal Function                   </a:t>
             </a:r>
             <a:r>
-              <a:rPr lang="en-US" b="1" dirty="0" err="1" smtClean="0">
+              <a:rPr lang="en-US" b="1" dirty="0" err="1">
                 <a:solidFill>
                   <a:srgbClr val="FFFF00"/>
                 </a:solidFill>
@@ -7328,32 +7326,24 @@
               <a:t>function</a:t>
             </a:r>
             <a:r>
-              <a:rPr lang="en-US" b="1" dirty="0" smtClean="0">
-                <a:solidFill>
-                  <a:srgbClr val="FFFF00"/>
-                </a:solidFill>
-              </a:rPr>
-              <a:t>  </a:t>
-            </a:r>
-            <a:r>
               <a:rPr lang="en-US" b="1" dirty="0">
                 <a:solidFill>
                   <a:srgbClr val="FFFF00"/>
                 </a:solidFill>
               </a:rPr>
-              <a:t>&lt;function name&gt;(){ body}</a:t>
+              <a:t>  &lt;function name&gt;(){ body}</a:t>
             </a:r>
           </a:p>
           <a:p>
             <a:pPr marL="457200" lvl="1" indent="0">
               <a:buNone/>
             </a:pPr>
-            <a:endParaRPr lang="en-US" dirty="0" smtClean="0"/>
+            <a:endParaRPr lang="en-US" dirty="0"/>
           </a:p>
           <a:p>
             <a:pPr lvl="1"/>
             <a:r>
-              <a:rPr lang="en-US" dirty="0" smtClean="0"/>
+              <a:rPr lang="en-US" dirty="0"/>
               <a:t>Function Expression              </a:t>
             </a:r>
             <a:r>
@@ -7368,7 +7358,7 @@
           <a:p>
             <a:pPr lvl="1"/>
             <a:r>
-              <a:rPr lang="en-US" dirty="0" smtClean="0"/>
+              <a:rPr lang="en-US" dirty="0"/>
               <a:t>Arrow Function                     </a:t>
             </a:r>
             <a:r>
@@ -7383,7 +7373,7 @@
           <a:p>
             <a:pPr lvl="1"/>
             <a:r>
-              <a:rPr lang="en-US" dirty="0" smtClean="0"/>
+              <a:rPr lang="en-US" dirty="0"/>
               <a:t>Concise Arrow Function      </a:t>
             </a:r>
             <a:r>
@@ -7396,28 +7386,23 @@
             </a:r>
             <a:r>
               <a:rPr lang="en-US" dirty="0"/>
-              <a:t> </a:t>
-            </a:r>
-            <a:r>
-              <a:rPr lang="en-US" dirty="0" smtClean="0"/>
-              <a:t>body </a:t>
+              <a:t> body </a:t>
             </a:r>
           </a:p>
           <a:p>
             <a:pPr marL="457200" lvl="1" indent="0">
               <a:buNone/>
             </a:pPr>
-            <a:endParaRPr lang="en-US" dirty="0" smtClean="0"/>
+            <a:endParaRPr lang="en-US" dirty="0"/>
           </a:p>
           <a:p>
             <a:pPr marL="457200" lvl="1" indent="0">
               <a:buNone/>
             </a:pPr>
             <a:r>
-              <a:rPr lang="en-US" dirty="0" smtClean="0"/>
+              <a:rPr lang="en-US" dirty="0"/>
               <a:t>Basically arrow function method is the advanced version of Function expression and Concise Arrow is the special condition of arrow function where you have a single parameter and one line return statement/function body.</a:t>
             </a:r>
-            <a:endParaRPr lang="en-US" dirty="0"/>
           </a:p>
         </p:txBody>
       </p:sp>
@@ -7483,13 +7468,6 @@
   <p:clrMapOvr>
     <a:masterClrMapping/>
   </p:clrMapOvr>
-  <p:timing>
-    <p:tnLst>
-      <p:par>
-        <p:cTn id="1" dur="indefinite" restart="never" nodeType="tmRoot"/>
-      </p:par>
-    </p:tnLst>
-  </p:timing>
 </p:sld>
 </file>
 
@@ -7531,10 +7509,9 @@
           <a:lstStyle/>
           <a:p>
             <a:r>
-              <a:rPr lang="en-US" dirty="0" smtClean="0"/>
+              <a:rPr lang="en-US" dirty="0"/>
               <a:t>Arrays</a:t>
             </a:r>
-            <a:endParaRPr lang="en-US" dirty="0"/>
           </a:p>
         </p:txBody>
       </p:sp>
@@ -7559,26 +7536,14 @@
           <a:lstStyle/>
           <a:p>
             <a:r>
-              <a:rPr lang="en-US" dirty="0" smtClean="0"/>
+              <a:rPr lang="en-US" dirty="0"/>
               <a:t>Arrays are the JS ways of creating list.</a:t>
             </a:r>
           </a:p>
           <a:p>
             <a:r>
-              <a:rPr lang="en-US" dirty="0" err="1" smtClean="0"/>
-              <a:t>Arryas</a:t>
-            </a:r>
-            <a:r>
-              <a:rPr lang="en-US" dirty="0" smtClean="0"/>
-              <a:t> can store any </a:t>
-            </a:r>
-            <a:r>
-              <a:rPr lang="en-US" dirty="0" err="1" smtClean="0"/>
-              <a:t>datatype</a:t>
-            </a:r>
-            <a:r>
-              <a:rPr lang="en-US" dirty="0" smtClean="0"/>
-              <a:t> .</a:t>
+              <a:rPr lang="en-US" dirty="0"/>
+              <a:t>Arrays can store any datatype .</a:t>
             </a:r>
           </a:p>
           <a:p>
@@ -7648,13 +7613,6 @@
   <p:clrMapOvr>
     <a:masterClrMapping/>
   </p:clrMapOvr>
-  <p:timing>
-    <p:tnLst>
-      <p:par>
-        <p:cTn id="1" dur="indefinite" restart="never" nodeType="tmRoot"/>
-      </p:par>
-    </p:tnLst>
-  </p:timing>
 </p:sld>
 </file>
 
@@ -7696,10 +7654,9 @@
           <a:lstStyle/>
           <a:p>
             <a:r>
-              <a:rPr lang="en-US" dirty="0" smtClean="0"/>
+              <a:rPr lang="en-US" dirty="0"/>
               <a:t>Methods on Array</a:t>
             </a:r>
-            <a:endParaRPr lang="en-US" dirty="0"/>
           </a:p>
         </p:txBody>
       </p:sp>
@@ -7724,86 +7681,30 @@
           <a:lstStyle/>
           <a:p>
             <a:r>
-              <a:rPr lang="en-US" dirty="0" err="1" smtClean="0"/>
+              <a:rPr lang="en-US" dirty="0" err="1"/>
               <a:t>Arraylength</a:t>
             </a:r>
             <a:r>
-              <a:rPr lang="en-US" dirty="0" smtClean="0"/>
-              <a:t> = &lt;</a:t>
-            </a:r>
-            <a:r>
-              <a:rPr lang="en-US" dirty="0" err="1" smtClean="0"/>
-              <a:t>arrayname</a:t>
-            </a:r>
-            <a:r>
-              <a:rPr lang="en-US" dirty="0" smtClean="0"/>
-              <a:t>&gt;.length</a:t>
-            </a:r>
-          </a:p>
-          <a:p>
-            <a:r>
-              <a:rPr lang="en-US" smtClean="0"/>
-              <a:t>push </a:t>
-            </a:r>
-            <a:r>
-              <a:rPr lang="en-US" dirty="0" smtClean="0"/>
-              <a:t>= </a:t>
-            </a:r>
-            <a:r>
               <a:rPr lang="en-US" dirty="0"/>
-              <a:t>&lt;</a:t>
-            </a:r>
-            <a:r>
-              <a:rPr lang="en-US" dirty="0" err="1"/>
-              <a:t>arrayname</a:t>
-            </a:r>
-            <a:r>
-              <a:rPr lang="en-US" dirty="0" smtClean="0"/>
-              <a:t>&gt;.push()</a:t>
-            </a:r>
-          </a:p>
-          <a:p>
-            <a:r>
-              <a:rPr lang="en-US" dirty="0" smtClean="0"/>
-              <a:t>pop = </a:t>
-            </a:r>
+              <a:t> = &lt;arrayname&gt;.length</a:t>
+            </a:r>
+          </a:p>
+          <a:p>
             <a:r>
               <a:rPr lang="en-US" dirty="0"/>
-              <a:t>&lt;</a:t>
-            </a:r>
-            <a:r>
-              <a:rPr lang="en-US" dirty="0" err="1"/>
-              <a:t>arrayname</a:t>
-            </a:r>
+              <a:t>push = &lt;arrayname&gt;.push()</a:t>
+            </a:r>
+          </a:p>
+          <a:p>
             <a:r>
               <a:rPr lang="en-US" dirty="0"/>
-              <a:t>&gt;.</a:t>
-            </a:r>
-            <a:r>
-              <a:rPr lang="en-US" dirty="0" smtClean="0"/>
-              <a:t>pop()</a:t>
-            </a:r>
-          </a:p>
-          <a:p>
-            <a:r>
-              <a:rPr lang="en-US" dirty="0" smtClean="0"/>
-              <a:t>Array Slicing = &lt;</a:t>
-            </a:r>
-            <a:r>
-              <a:rPr lang="en-US" dirty="0" err="1" smtClean="0"/>
-              <a:t>arrayname</a:t>
-            </a:r>
-            <a:r>
-              <a:rPr lang="en-US" dirty="0" smtClean="0"/>
-              <a:t>&gt;.slice(</a:t>
-            </a:r>
-            <a:r>
-              <a:rPr lang="en-US" dirty="0" err="1" smtClean="0"/>
-              <a:t>begin,end</a:t>
-            </a:r>
+              <a:t>pop = &lt;arrayname&gt;.pop()</a:t>
+            </a:r>
+          </a:p>
+          <a:p>
             <a:r>
               <a:rPr lang="en-US" dirty="0"/>
-              <a:t>) </a:t>
+              <a:t>Array Slicing = &lt;arrayname&gt;.slice(begin, end) </a:t>
             </a:r>
           </a:p>
           <a:p>
@@ -7867,13 +7768,540 @@
   <p:clrMapOvr>
     <a:masterClrMapping/>
   </p:clrMapOvr>
-  <p:timing>
-    <p:tnLst>
-      <p:par>
-        <p:cTn id="1" dur="indefinite" restart="never" nodeType="tmRoot"/>
-      </p:par>
-    </p:tnLst>
-  </p:timing>
+</p:sld>
+</file>
+
+<file path=ppt/slides/slide16.xml><?xml version="1.0" encoding="utf-8"?>
+<p:sld xmlns:a="http://schemas.openxmlformats.org/drawingml/2006/main" xmlns:r="http://schemas.openxmlformats.org/officeDocument/2006/relationships" xmlns:p="http://schemas.openxmlformats.org/presentationml/2006/main">
+  <p:cSld>
+    <p:spTree>
+      <p:nvGrpSpPr>
+        <p:cNvPr id="1" name=""/>
+        <p:cNvGrpSpPr/>
+        <p:nvPr/>
+      </p:nvGrpSpPr>
+      <p:grpSpPr>
+        <a:xfrm>
+          <a:off x="0" y="0"/>
+          <a:ext cx="0" cy="0"/>
+          <a:chOff x="0" y="0"/>
+          <a:chExt cx="0" cy="0"/>
+        </a:xfrm>
+      </p:grpSpPr>
+      <p:sp>
+        <p:nvSpPr>
+          <p:cNvPr id="2" name="Title 1">
+            <a:extLst>
+              <a:ext uri="{FF2B5EF4-FFF2-40B4-BE49-F238E27FC236}">
+                <a16:creationId xmlns:a16="http://schemas.microsoft.com/office/drawing/2014/main" id="{2BB9F30D-5EC0-464A-B64B-B52B72DA9C4C}"/>
+              </a:ext>
+            </a:extLst>
+          </p:cNvPr>
+          <p:cNvSpPr>
+            <a:spLocks noGrp="1"/>
+          </p:cNvSpPr>
+          <p:nvPr>
+            <p:ph type="title"/>
+          </p:nvPr>
+        </p:nvSpPr>
+        <p:spPr>
+          <a:xfrm>
+            <a:off x="646111" y="452718"/>
+            <a:ext cx="9404723" cy="711064"/>
+          </a:xfrm>
+        </p:spPr>
+        <p:txBody>
+          <a:bodyPr/>
+          <a:lstStyle/>
+          <a:p>
+            <a:r>
+              <a:rPr lang="en-IN" dirty="0"/>
+              <a:t>Iterators</a:t>
+            </a:r>
+          </a:p>
+        </p:txBody>
+      </p:sp>
+      <p:sp>
+        <p:nvSpPr>
+          <p:cNvPr id="3" name="Content Placeholder 2">
+            <a:extLst>
+              <a:ext uri="{FF2B5EF4-FFF2-40B4-BE49-F238E27FC236}">
+                <a16:creationId xmlns:a16="http://schemas.microsoft.com/office/drawing/2014/main" id="{D0D44FF2-F54B-4B14-9FD3-EDC2506164BE}"/>
+              </a:ext>
+            </a:extLst>
+          </p:cNvPr>
+          <p:cNvSpPr>
+            <a:spLocks noGrp="1"/>
+          </p:cNvSpPr>
+          <p:nvPr>
+            <p:ph idx="1"/>
+          </p:nvPr>
+        </p:nvSpPr>
+        <p:spPr>
+          <a:xfrm>
+            <a:off x="645130" y="1283856"/>
+            <a:ext cx="9404723" cy="4964544"/>
+          </a:xfrm>
+        </p:spPr>
+        <p:txBody>
+          <a:bodyPr/>
+          <a:lstStyle/>
+          <a:p>
+            <a:r>
+              <a:rPr lang="en-IN" dirty="0"/>
+              <a:t>Iterators are built in JavaScript array methods that helps in iterating over the array element.</a:t>
+            </a:r>
+          </a:p>
+          <a:p>
+            <a:pPr lvl="1"/>
+            <a:r>
+              <a:rPr lang="en-IN" dirty="0"/>
+              <a:t>forEach()  : Returns undefined</a:t>
+            </a:r>
+          </a:p>
+          <a:p>
+            <a:pPr lvl="1"/>
+            <a:r>
+              <a:rPr lang="en-IN" dirty="0"/>
+              <a:t>Map()       : Returns a new array</a:t>
+            </a:r>
+          </a:p>
+          <a:p>
+            <a:pPr lvl="1"/>
+            <a:r>
+              <a:rPr lang="en-IN" dirty="0"/>
+              <a:t>filter()        : Returns a new array</a:t>
+            </a:r>
+          </a:p>
+          <a:p>
+            <a:pPr lvl="1"/>
+            <a:endParaRPr lang="en-IN" dirty="0"/>
+          </a:p>
+          <a:p>
+            <a:pPr marL="457200" lvl="1" indent="0">
+              <a:buNone/>
+            </a:pPr>
+            <a:r>
+              <a:rPr lang="en-IN" dirty="0"/>
+              <a:t>All above methods always takes a callback function as an argument.</a:t>
+            </a:r>
+          </a:p>
+          <a:p>
+            <a:pPr marL="457200" lvl="1" indent="0">
+              <a:buNone/>
+            </a:pPr>
+            <a:endParaRPr lang="en-IN" dirty="0"/>
+          </a:p>
+          <a:p>
+            <a:pPr marL="457200" lvl="1" indent="0">
+              <a:buNone/>
+            </a:pPr>
+            <a:r>
+              <a:rPr lang="en-IN" dirty="0"/>
+              <a:t>P.S :- callback function is a function which is passed as an argument to another function.</a:t>
+            </a:r>
+          </a:p>
+          <a:p>
+            <a:pPr marL="457200" lvl="1" indent="0">
+              <a:buNone/>
+            </a:pPr>
+            <a:endParaRPr lang="en-IN" dirty="0"/>
+          </a:p>
+          <a:p>
+            <a:pPr marL="457200" lvl="1" indent="0">
+              <a:buNone/>
+            </a:pPr>
+            <a:endParaRPr lang="en-IN" dirty="0"/>
+          </a:p>
+        </p:txBody>
+      </p:sp>
+    </p:spTree>
+    <p:extLst>
+      <p:ext uri="{BB962C8B-B14F-4D97-AF65-F5344CB8AC3E}">
+        <p14:creationId xmlns:p14="http://schemas.microsoft.com/office/powerpoint/2010/main" val="3228393018"/>
+      </p:ext>
+    </p:extLst>
+  </p:cSld>
+  <p:clrMapOvr>
+    <a:masterClrMapping/>
+  </p:clrMapOvr>
+</p:sld>
+</file>
+
+<file path=ppt/slides/slide17.xml><?xml version="1.0" encoding="utf-8"?>
+<p:sld xmlns:a="http://schemas.openxmlformats.org/drawingml/2006/main" xmlns:r="http://schemas.openxmlformats.org/officeDocument/2006/relationships" xmlns:p="http://schemas.openxmlformats.org/presentationml/2006/main">
+  <p:cSld>
+    <p:spTree>
+      <p:nvGrpSpPr>
+        <p:cNvPr id="1" name=""/>
+        <p:cNvGrpSpPr/>
+        <p:nvPr/>
+      </p:nvGrpSpPr>
+      <p:grpSpPr>
+        <a:xfrm>
+          <a:off x="0" y="0"/>
+          <a:ext cx="0" cy="0"/>
+          <a:chOff x="0" y="0"/>
+          <a:chExt cx="0" cy="0"/>
+        </a:xfrm>
+      </p:grpSpPr>
+      <p:sp>
+        <p:nvSpPr>
+          <p:cNvPr id="2" name="Title 1">
+            <a:extLst>
+              <a:ext uri="{FF2B5EF4-FFF2-40B4-BE49-F238E27FC236}">
+                <a16:creationId xmlns:a16="http://schemas.microsoft.com/office/drawing/2014/main" id="{A2CB15EE-5513-424B-8A00-0505B4F95F10}"/>
+              </a:ext>
+            </a:extLst>
+          </p:cNvPr>
+          <p:cNvSpPr>
+            <a:spLocks noGrp="1"/>
+          </p:cNvSpPr>
+          <p:nvPr>
+            <p:ph type="title"/>
+          </p:nvPr>
+        </p:nvSpPr>
+        <p:spPr>
+          <a:xfrm>
+            <a:off x="646111" y="452718"/>
+            <a:ext cx="9404723" cy="683355"/>
+          </a:xfrm>
+        </p:spPr>
+        <p:txBody>
+          <a:bodyPr/>
+          <a:lstStyle/>
+          <a:p>
+            <a:r>
+              <a:rPr lang="en-IN" dirty="0"/>
+              <a:t>forEach</a:t>
+            </a:r>
+          </a:p>
+        </p:txBody>
+      </p:sp>
+      <p:pic>
+        <p:nvPicPr>
+          <p:cNvPr id="9" name="Content Placeholder 8">
+            <a:extLst>
+              <a:ext uri="{FF2B5EF4-FFF2-40B4-BE49-F238E27FC236}">
+                <a16:creationId xmlns:a16="http://schemas.microsoft.com/office/drawing/2014/main" id="{A8251C31-0112-4529-8994-7D466FDDBBF0}"/>
+              </a:ext>
+            </a:extLst>
+          </p:cNvPr>
+          <p:cNvPicPr>
+            <a:picLocks noGrp="1" noChangeAspect="1"/>
+          </p:cNvPicPr>
+          <p:nvPr>
+            <p:ph idx="1"/>
+          </p:nvPr>
+        </p:nvPicPr>
+        <p:blipFill>
+          <a:blip r:embed="rId2"/>
+          <a:stretch>
+            <a:fillRect/>
+          </a:stretch>
+        </p:blipFill>
+        <p:spPr>
+          <a:xfrm>
+            <a:off x="6700044" y="3052184"/>
+            <a:ext cx="2238375" cy="1704975"/>
+          </a:xfrm>
+          <a:prstGeom prst="rect">
+            <a:avLst/>
+          </a:prstGeom>
+        </p:spPr>
+      </p:pic>
+      <p:pic>
+        <p:nvPicPr>
+          <p:cNvPr id="8" name="Picture 7">
+            <a:extLst>
+              <a:ext uri="{FF2B5EF4-FFF2-40B4-BE49-F238E27FC236}">
+                <a16:creationId xmlns:a16="http://schemas.microsoft.com/office/drawing/2014/main" id="{069CC8A6-26FF-4239-B7B2-03B782DD5A61}"/>
+              </a:ext>
+            </a:extLst>
+          </p:cNvPr>
+          <p:cNvPicPr>
+            <a:picLocks noChangeAspect="1"/>
+          </p:cNvPicPr>
+          <p:nvPr/>
+        </p:nvPicPr>
+        <p:blipFill>
+          <a:blip r:embed="rId3"/>
+          <a:stretch>
+            <a:fillRect/>
+          </a:stretch>
+        </p:blipFill>
+        <p:spPr>
+          <a:xfrm>
+            <a:off x="646111" y="1858955"/>
+            <a:ext cx="5268191" cy="2971663"/>
+          </a:xfrm>
+          <a:prstGeom prst="rect">
+            <a:avLst/>
+          </a:prstGeom>
+        </p:spPr>
+      </p:pic>
+    </p:spTree>
+    <p:extLst>
+      <p:ext uri="{BB962C8B-B14F-4D97-AF65-F5344CB8AC3E}">
+        <p14:creationId xmlns:p14="http://schemas.microsoft.com/office/powerpoint/2010/main" val="734446109"/>
+      </p:ext>
+    </p:extLst>
+  </p:cSld>
+  <p:clrMapOvr>
+    <a:masterClrMapping/>
+  </p:clrMapOvr>
+</p:sld>
+</file>
+
+<file path=ppt/slides/slide18.xml><?xml version="1.0" encoding="utf-8"?>
+<p:sld xmlns:a="http://schemas.openxmlformats.org/drawingml/2006/main" xmlns:r="http://schemas.openxmlformats.org/officeDocument/2006/relationships" xmlns:p="http://schemas.openxmlformats.org/presentationml/2006/main">
+  <p:cSld>
+    <p:spTree>
+      <p:nvGrpSpPr>
+        <p:cNvPr id="1" name=""/>
+        <p:cNvGrpSpPr/>
+        <p:nvPr/>
+      </p:nvGrpSpPr>
+      <p:grpSpPr>
+        <a:xfrm>
+          <a:off x="0" y="0"/>
+          <a:ext cx="0" cy="0"/>
+          <a:chOff x="0" y="0"/>
+          <a:chExt cx="0" cy="0"/>
+        </a:xfrm>
+      </p:grpSpPr>
+      <p:sp>
+        <p:nvSpPr>
+          <p:cNvPr id="2" name="Title 1">
+            <a:extLst>
+              <a:ext uri="{FF2B5EF4-FFF2-40B4-BE49-F238E27FC236}">
+                <a16:creationId xmlns:a16="http://schemas.microsoft.com/office/drawing/2014/main" id="{2D5EBFA2-C6C3-4BD8-939F-6B07E1329398}"/>
+              </a:ext>
+            </a:extLst>
+          </p:cNvPr>
+          <p:cNvSpPr>
+            <a:spLocks noGrp="1"/>
+          </p:cNvSpPr>
+          <p:nvPr>
+            <p:ph type="title"/>
+          </p:nvPr>
+        </p:nvSpPr>
+        <p:spPr>
+          <a:xfrm>
+            <a:off x="646111" y="452718"/>
+            <a:ext cx="9404723" cy="627937"/>
+          </a:xfrm>
+        </p:spPr>
+        <p:txBody>
+          <a:bodyPr/>
+          <a:lstStyle/>
+          <a:p>
+            <a:r>
+              <a:rPr lang="en-IN" dirty="0"/>
+              <a:t>.map &amp; .filter</a:t>
+            </a:r>
+          </a:p>
+        </p:txBody>
+      </p:sp>
+      <p:sp>
+        <p:nvSpPr>
+          <p:cNvPr id="3" name="Content Placeholder 2">
+            <a:extLst>
+              <a:ext uri="{FF2B5EF4-FFF2-40B4-BE49-F238E27FC236}">
+                <a16:creationId xmlns:a16="http://schemas.microsoft.com/office/drawing/2014/main" id="{9733B3F7-1DF3-4F9B-9737-D78A0A0675F9}"/>
+              </a:ext>
+            </a:extLst>
+          </p:cNvPr>
+          <p:cNvSpPr>
+            <a:spLocks noGrp="1"/>
+          </p:cNvSpPr>
+          <p:nvPr>
+            <p:ph sz="half" idx="1"/>
+          </p:nvPr>
+        </p:nvSpPr>
+        <p:spPr>
+          <a:xfrm>
+            <a:off x="757382" y="1717965"/>
+            <a:ext cx="4742269" cy="4538374"/>
+          </a:xfrm>
+        </p:spPr>
+        <p:txBody>
+          <a:bodyPr/>
+          <a:lstStyle/>
+          <a:p>
+            <a:r>
+              <a:rPr lang="en-IN" dirty="0"/>
+              <a:t>Map always use return statement</a:t>
+            </a:r>
+          </a:p>
+          <a:p>
+            <a:endParaRPr lang="en-IN" dirty="0"/>
+          </a:p>
+        </p:txBody>
+      </p:sp>
+      <p:sp>
+        <p:nvSpPr>
+          <p:cNvPr id="4" name="Content Placeholder 3">
+            <a:extLst>
+              <a:ext uri="{FF2B5EF4-FFF2-40B4-BE49-F238E27FC236}">
+                <a16:creationId xmlns:a16="http://schemas.microsoft.com/office/drawing/2014/main" id="{7E9A95FD-4668-450F-9415-31DE78A74113}"/>
+              </a:ext>
+            </a:extLst>
+          </p:cNvPr>
+          <p:cNvSpPr>
+            <a:spLocks noGrp="1"/>
+          </p:cNvSpPr>
+          <p:nvPr>
+            <p:ph sz="half" idx="2"/>
+          </p:nvPr>
+        </p:nvSpPr>
+        <p:spPr>
+          <a:xfrm>
+            <a:off x="5654493" y="1717964"/>
+            <a:ext cx="4644052" cy="4538374"/>
+          </a:xfrm>
+        </p:spPr>
+        <p:txBody>
+          <a:bodyPr/>
+          <a:lstStyle/>
+          <a:p>
+            <a:r>
+              <a:rPr lang="en-IN" dirty="0"/>
+              <a:t>Returns a new array only if given condition met for each element.</a:t>
+            </a:r>
+          </a:p>
+        </p:txBody>
+      </p:sp>
+      <p:pic>
+        <p:nvPicPr>
+          <p:cNvPr id="5" name="Picture 4">
+            <a:extLst>
+              <a:ext uri="{FF2B5EF4-FFF2-40B4-BE49-F238E27FC236}">
+                <a16:creationId xmlns:a16="http://schemas.microsoft.com/office/drawing/2014/main" id="{43F764D7-7461-4A61-97EE-96CF9A28D950}"/>
+              </a:ext>
+            </a:extLst>
+          </p:cNvPr>
+          <p:cNvPicPr>
+            <a:picLocks noChangeAspect="1"/>
+          </p:cNvPicPr>
+          <p:nvPr/>
+        </p:nvPicPr>
+        <p:blipFill>
+          <a:blip r:embed="rId2"/>
+          <a:stretch>
+            <a:fillRect/>
+          </a:stretch>
+        </p:blipFill>
+        <p:spPr>
+          <a:xfrm>
+            <a:off x="942543" y="2524125"/>
+            <a:ext cx="4128222" cy="1809750"/>
+          </a:xfrm>
+          <a:prstGeom prst="rect">
+            <a:avLst/>
+          </a:prstGeom>
+        </p:spPr>
+      </p:pic>
+      <p:pic>
+        <p:nvPicPr>
+          <p:cNvPr id="6" name="Picture 5">
+            <a:extLst>
+              <a:ext uri="{FF2B5EF4-FFF2-40B4-BE49-F238E27FC236}">
+                <a16:creationId xmlns:a16="http://schemas.microsoft.com/office/drawing/2014/main" id="{BBDEDBE2-AF15-4823-9D3E-835EE7ABF6E0}"/>
+              </a:ext>
+            </a:extLst>
+          </p:cNvPr>
+          <p:cNvPicPr>
+            <a:picLocks noChangeAspect="1"/>
+          </p:cNvPicPr>
+          <p:nvPr/>
+        </p:nvPicPr>
+        <p:blipFill>
+          <a:blip r:embed="rId3"/>
+          <a:stretch>
+            <a:fillRect/>
+          </a:stretch>
+        </p:blipFill>
+        <p:spPr>
+          <a:xfrm>
+            <a:off x="942543" y="4859555"/>
+            <a:ext cx="3629025" cy="857250"/>
+          </a:xfrm>
+          <a:prstGeom prst="rect">
+            <a:avLst/>
+          </a:prstGeom>
+        </p:spPr>
+      </p:pic>
+      <p:pic>
+        <p:nvPicPr>
+          <p:cNvPr id="7" name="Picture 6">
+            <a:extLst>
+              <a:ext uri="{FF2B5EF4-FFF2-40B4-BE49-F238E27FC236}">
+                <a16:creationId xmlns:a16="http://schemas.microsoft.com/office/drawing/2014/main" id="{5211FCAE-D41E-489B-89E8-4F0F18312C30}"/>
+              </a:ext>
+            </a:extLst>
+          </p:cNvPr>
+          <p:cNvPicPr>
+            <a:picLocks noChangeAspect="1"/>
+          </p:cNvPicPr>
+          <p:nvPr/>
+        </p:nvPicPr>
+        <p:blipFill>
+          <a:blip r:embed="rId4"/>
+          <a:stretch>
+            <a:fillRect/>
+          </a:stretch>
+        </p:blipFill>
+        <p:spPr>
+          <a:xfrm>
+            <a:off x="5824594" y="2524126"/>
+            <a:ext cx="4226240" cy="1809749"/>
+          </a:xfrm>
+          <a:prstGeom prst="rect">
+            <a:avLst/>
+          </a:prstGeom>
+        </p:spPr>
+      </p:pic>
+      <p:pic>
+        <p:nvPicPr>
+          <p:cNvPr id="8" name="Picture 7">
+            <a:extLst>
+              <a:ext uri="{FF2B5EF4-FFF2-40B4-BE49-F238E27FC236}">
+                <a16:creationId xmlns:a16="http://schemas.microsoft.com/office/drawing/2014/main" id="{406ECAC2-06F7-4FF7-84F5-B58191F2986F}"/>
+              </a:ext>
+            </a:extLst>
+          </p:cNvPr>
+          <p:cNvPicPr>
+            <a:picLocks noChangeAspect="1"/>
+          </p:cNvPicPr>
+          <p:nvPr/>
+        </p:nvPicPr>
+        <p:blipFill>
+          <a:blip r:embed="rId5"/>
+          <a:stretch>
+            <a:fillRect/>
+          </a:stretch>
+        </p:blipFill>
+        <p:spPr>
+          <a:xfrm>
+            <a:off x="5902324" y="4866481"/>
+            <a:ext cx="3694258" cy="857250"/>
+          </a:xfrm>
+          <a:prstGeom prst="rect">
+            <a:avLst/>
+          </a:prstGeom>
+        </p:spPr>
+      </p:pic>
+    </p:spTree>
+    <p:extLst>
+      <p:ext uri="{BB962C8B-B14F-4D97-AF65-F5344CB8AC3E}">
+        <p14:creationId xmlns:p14="http://schemas.microsoft.com/office/powerpoint/2010/main" val="2842032099"/>
+      </p:ext>
+    </p:extLst>
+  </p:cSld>
+  <p:clrMapOvr>
+    <a:masterClrMapping/>
+  </p:clrMapOvr>
 </p:sld>
 </file>
 
@@ -7899,7 +8327,7 @@
           <p:cNvPr id="2" name="Title 1">
             <a:extLst>
               <a:ext uri="{FF2B5EF4-FFF2-40B4-BE49-F238E27FC236}">
-                <a16:creationId xmlns:a16="http://schemas.microsoft.com/office/drawing/2014/main" xmlns="" id="{F26B4C22-E571-44B1-86F4-C4F0250F4F2B}"/>
+                <a16:creationId xmlns:a16="http://schemas.microsoft.com/office/drawing/2014/main" id="{F26B4C22-E571-44B1-86F4-C4F0250F4F2B}"/>
               </a:ext>
             </a:extLst>
           </p:cNvPr>
@@ -7927,7 +8355,7 @@
           <p:cNvPr id="3" name="Content Placeholder 2">
             <a:extLst>
               <a:ext uri="{FF2B5EF4-FFF2-40B4-BE49-F238E27FC236}">
-                <a16:creationId xmlns:a16="http://schemas.microsoft.com/office/drawing/2014/main" xmlns="" id="{61FC4E31-6A55-41B1-89DF-569D855AD4BD}"/>
+                <a16:creationId xmlns:a16="http://schemas.microsoft.com/office/drawing/2014/main" id="{61FC4E31-6A55-41B1-89DF-569D855AD4BD}"/>
               </a:ext>
             </a:extLst>
           </p:cNvPr>
@@ -8047,7 +8475,7 @@
           <p:cNvPr id="2" name="Title 1">
             <a:extLst>
               <a:ext uri="{FF2B5EF4-FFF2-40B4-BE49-F238E27FC236}">
-                <a16:creationId xmlns:a16="http://schemas.microsoft.com/office/drawing/2014/main" xmlns="" id="{A396EBC3-14E3-4330-BB08-C5EFE80D354B}"/>
+                <a16:creationId xmlns:a16="http://schemas.microsoft.com/office/drawing/2014/main" id="{A396EBC3-14E3-4330-BB08-C5EFE80D354B}"/>
               </a:ext>
             </a:extLst>
           </p:cNvPr>
@@ -8075,7 +8503,7 @@
           <p:cNvPr id="3" name="Content Placeholder 2">
             <a:extLst>
               <a:ext uri="{FF2B5EF4-FFF2-40B4-BE49-F238E27FC236}">
-                <a16:creationId xmlns:a16="http://schemas.microsoft.com/office/drawing/2014/main" xmlns="" id="{39F28357-4ADC-4E8E-972A-D037BE17766D}"/>
+                <a16:creationId xmlns:a16="http://schemas.microsoft.com/office/drawing/2014/main" id="{39F28357-4ADC-4E8E-972A-D037BE17766D}"/>
               </a:ext>
             </a:extLst>
           </p:cNvPr>
@@ -8131,7 +8559,7 @@
           <p:cNvPr id="5" name="Picture 4">
             <a:extLst>
               <a:ext uri="{FF2B5EF4-FFF2-40B4-BE49-F238E27FC236}">
-                <a16:creationId xmlns:a16="http://schemas.microsoft.com/office/drawing/2014/main" xmlns="" id="{2A14372C-C7AC-4153-9B94-4191393470EA}"/>
+                <a16:creationId xmlns:a16="http://schemas.microsoft.com/office/drawing/2014/main" id="{2A14372C-C7AC-4153-9B94-4191393470EA}"/>
               </a:ext>
             </a:extLst>
           </p:cNvPr>
@@ -8191,7 +8619,7 @@
           <p:cNvPr id="2" name="Title 1">
             <a:extLst>
               <a:ext uri="{FF2B5EF4-FFF2-40B4-BE49-F238E27FC236}">
-                <a16:creationId xmlns:a16="http://schemas.microsoft.com/office/drawing/2014/main" xmlns="" id="{795B23C6-AD0E-42B2-8DDE-3BB25FD36865}"/>
+                <a16:creationId xmlns:a16="http://schemas.microsoft.com/office/drawing/2014/main" id="{795B23C6-AD0E-42B2-8DDE-3BB25FD36865}"/>
               </a:ext>
             </a:extLst>
           </p:cNvPr>
@@ -8224,7 +8652,7 @@
           <p:cNvPr id="3" name="Content Placeholder 2">
             <a:extLst>
               <a:ext uri="{FF2B5EF4-FFF2-40B4-BE49-F238E27FC236}">
-                <a16:creationId xmlns:a16="http://schemas.microsoft.com/office/drawing/2014/main" xmlns="" id="{5A66274A-4820-4530-802C-E80B06CB7289}"/>
+                <a16:creationId xmlns:a16="http://schemas.microsoft.com/office/drawing/2014/main" id="{5A66274A-4820-4530-802C-E80B06CB7289}"/>
               </a:ext>
             </a:extLst>
           </p:cNvPr>
@@ -8255,7 +8683,7 @@
           <p:cNvPr id="4" name="Content Placeholder 3">
             <a:extLst>
               <a:ext uri="{FF2B5EF4-FFF2-40B4-BE49-F238E27FC236}">
-                <a16:creationId xmlns:a16="http://schemas.microsoft.com/office/drawing/2014/main" xmlns="" id="{2CEB8610-17A2-4100-907B-3974551A926D}"/>
+                <a16:creationId xmlns:a16="http://schemas.microsoft.com/office/drawing/2014/main" id="{2CEB8610-17A2-4100-907B-3974551A926D}"/>
               </a:ext>
             </a:extLst>
           </p:cNvPr>
@@ -8283,7 +8711,7 @@
           <p:cNvPr id="5" name="Content Placeholder 3">
             <a:extLst>
               <a:ext uri="{FF2B5EF4-FFF2-40B4-BE49-F238E27FC236}">
-                <a16:creationId xmlns:a16="http://schemas.microsoft.com/office/drawing/2014/main" xmlns="" id="{598C02A6-B7DC-42BC-8D98-5E7D868A85F6}"/>
+                <a16:creationId xmlns:a16="http://schemas.microsoft.com/office/drawing/2014/main" id="{598C02A6-B7DC-42BC-8D98-5E7D868A85F6}"/>
               </a:ext>
             </a:extLst>
           </p:cNvPr>
@@ -8313,7 +8741,7 @@
           <p:cNvPr id="6" name="Picture 5">
             <a:extLst>
               <a:ext uri="{FF2B5EF4-FFF2-40B4-BE49-F238E27FC236}">
-                <a16:creationId xmlns:a16="http://schemas.microsoft.com/office/drawing/2014/main" xmlns="" id="{9EDE9D29-7785-4B23-85B8-56266557B2C6}"/>
+                <a16:creationId xmlns:a16="http://schemas.microsoft.com/office/drawing/2014/main" id="{9EDE9D29-7785-4B23-85B8-56266557B2C6}"/>
               </a:ext>
             </a:extLst>
           </p:cNvPr>
@@ -8373,7 +8801,7 @@
           <p:cNvPr id="2" name="Title 1">
             <a:extLst>
               <a:ext uri="{FF2B5EF4-FFF2-40B4-BE49-F238E27FC236}">
-                <a16:creationId xmlns:a16="http://schemas.microsoft.com/office/drawing/2014/main" xmlns="" id="{B1B7F84D-7B56-45B7-BF40-16AE2770E145}"/>
+                <a16:creationId xmlns:a16="http://schemas.microsoft.com/office/drawing/2014/main" id="{B1B7F84D-7B56-45B7-BF40-16AE2770E145}"/>
               </a:ext>
             </a:extLst>
           </p:cNvPr>
@@ -8401,7 +8829,7 @@
           <p:cNvPr id="3" name="Content Placeholder 2">
             <a:extLst>
               <a:ext uri="{FF2B5EF4-FFF2-40B4-BE49-F238E27FC236}">
-                <a16:creationId xmlns:a16="http://schemas.microsoft.com/office/drawing/2014/main" xmlns="" id="{E487FCA9-EC21-42D4-ACB8-F6C835C7B591}"/>
+                <a16:creationId xmlns:a16="http://schemas.microsoft.com/office/drawing/2014/main" id="{E487FCA9-EC21-42D4-ACB8-F6C835C7B591}"/>
               </a:ext>
             </a:extLst>
           </p:cNvPr>
@@ -8440,7 +8868,7 @@
           <p:cNvPr id="4" name="Content Placeholder 3">
             <a:extLst>
               <a:ext uri="{FF2B5EF4-FFF2-40B4-BE49-F238E27FC236}">
-                <a16:creationId xmlns:a16="http://schemas.microsoft.com/office/drawing/2014/main" xmlns="" id="{9FF95E9D-A54F-4BD4-B630-7DA5E03E5CDE}"/>
+                <a16:creationId xmlns:a16="http://schemas.microsoft.com/office/drawing/2014/main" id="{9FF95E9D-A54F-4BD4-B630-7DA5E03E5CDE}"/>
               </a:ext>
             </a:extLst>
           </p:cNvPr>
@@ -8468,7 +8896,7 @@
           <p:cNvPr id="5" name="Picture 4">
             <a:extLst>
               <a:ext uri="{FF2B5EF4-FFF2-40B4-BE49-F238E27FC236}">
-                <a16:creationId xmlns:a16="http://schemas.microsoft.com/office/drawing/2014/main" xmlns="" id="{A9F81249-58B6-4F4F-9144-3E6FF7F6FC7D}"/>
+                <a16:creationId xmlns:a16="http://schemas.microsoft.com/office/drawing/2014/main" id="{A9F81249-58B6-4F4F-9144-3E6FF7F6FC7D}"/>
               </a:ext>
             </a:extLst>
           </p:cNvPr>
@@ -8498,7 +8926,7 @@
           <p:cNvPr id="6" name="Picture 5">
             <a:extLst>
               <a:ext uri="{FF2B5EF4-FFF2-40B4-BE49-F238E27FC236}">
-                <a16:creationId xmlns:a16="http://schemas.microsoft.com/office/drawing/2014/main" xmlns="" id="{32A4BF5E-72F8-4CA6-AE72-7051AAE05ED2}"/>
+                <a16:creationId xmlns:a16="http://schemas.microsoft.com/office/drawing/2014/main" id="{32A4BF5E-72F8-4CA6-AE72-7051AAE05ED2}"/>
               </a:ext>
             </a:extLst>
           </p:cNvPr>
@@ -8558,7 +8986,7 @@
           <p:cNvPr id="2" name="Title 1">
             <a:extLst>
               <a:ext uri="{FF2B5EF4-FFF2-40B4-BE49-F238E27FC236}">
-                <a16:creationId xmlns:a16="http://schemas.microsoft.com/office/drawing/2014/main" xmlns="" id="{4DDB0165-A002-491A-A4DD-9CDBF64BB5EE}"/>
+                <a16:creationId xmlns:a16="http://schemas.microsoft.com/office/drawing/2014/main" id="{4DDB0165-A002-491A-A4DD-9CDBF64BB5EE}"/>
               </a:ext>
             </a:extLst>
           </p:cNvPr>
@@ -8591,7 +9019,7 @@
           <p:cNvPr id="6" name="Content Placeholder 5">
             <a:extLst>
               <a:ext uri="{FF2B5EF4-FFF2-40B4-BE49-F238E27FC236}">
-                <a16:creationId xmlns:a16="http://schemas.microsoft.com/office/drawing/2014/main" xmlns="" id="{5FF32F35-E962-45F5-9594-1820B90E6E5C}"/>
+                <a16:creationId xmlns:a16="http://schemas.microsoft.com/office/drawing/2014/main" id="{5FF32F35-E962-45F5-9594-1820B90E6E5C}"/>
               </a:ext>
             </a:extLst>
           </p:cNvPr>
@@ -8679,7 +9107,7 @@
           <p:cNvPr id="7" name="Picture 6">
             <a:extLst>
               <a:ext uri="{FF2B5EF4-FFF2-40B4-BE49-F238E27FC236}">
-                <a16:creationId xmlns:a16="http://schemas.microsoft.com/office/drawing/2014/main" xmlns="" id="{2E4F0A9D-5ECA-4576-B559-C39C3D455A31}"/>
+                <a16:creationId xmlns:a16="http://schemas.microsoft.com/office/drawing/2014/main" id="{2E4F0A9D-5ECA-4576-B559-C39C3D455A31}"/>
               </a:ext>
             </a:extLst>
           </p:cNvPr>
@@ -8739,7 +9167,7 @@
           <p:cNvPr id="2" name="Title 1">
             <a:extLst>
               <a:ext uri="{FF2B5EF4-FFF2-40B4-BE49-F238E27FC236}">
-                <a16:creationId xmlns:a16="http://schemas.microsoft.com/office/drawing/2014/main" xmlns="" id="{4DDB0165-A002-491A-A4DD-9CDBF64BB5EE}"/>
+                <a16:creationId xmlns:a16="http://schemas.microsoft.com/office/drawing/2014/main" id="{4DDB0165-A002-491A-A4DD-9CDBF64BB5EE}"/>
               </a:ext>
             </a:extLst>
           </p:cNvPr>
@@ -8772,7 +9200,7 @@
           <p:cNvPr id="6" name="Content Placeholder 5">
             <a:extLst>
               <a:ext uri="{FF2B5EF4-FFF2-40B4-BE49-F238E27FC236}">
-                <a16:creationId xmlns:a16="http://schemas.microsoft.com/office/drawing/2014/main" xmlns="" id="{5FF32F35-E962-45F5-9594-1820B90E6E5C}"/>
+                <a16:creationId xmlns:a16="http://schemas.microsoft.com/office/drawing/2014/main" id="{5FF32F35-E962-45F5-9594-1820B90E6E5C}"/>
               </a:ext>
             </a:extLst>
           </p:cNvPr>
@@ -8932,7 +9360,7 @@
           <p:cNvPr id="2" name="Title 1">
             <a:extLst>
               <a:ext uri="{FF2B5EF4-FFF2-40B4-BE49-F238E27FC236}">
-                <a16:creationId xmlns:a16="http://schemas.microsoft.com/office/drawing/2014/main" xmlns="" id="{4DDB0165-A002-491A-A4DD-9CDBF64BB5EE}"/>
+                <a16:creationId xmlns:a16="http://schemas.microsoft.com/office/drawing/2014/main" id="{4DDB0165-A002-491A-A4DD-9CDBF64BB5EE}"/>
               </a:ext>
             </a:extLst>
           </p:cNvPr>
@@ -8965,7 +9393,7 @@
           <p:cNvPr id="6" name="Content Placeholder 5">
             <a:extLst>
               <a:ext uri="{FF2B5EF4-FFF2-40B4-BE49-F238E27FC236}">
-                <a16:creationId xmlns:a16="http://schemas.microsoft.com/office/drawing/2014/main" xmlns="" id="{5FF32F35-E962-45F5-9594-1820B90E6E5C}"/>
+                <a16:creationId xmlns:a16="http://schemas.microsoft.com/office/drawing/2014/main" id="{5FF32F35-E962-45F5-9594-1820B90E6E5C}"/>
               </a:ext>
             </a:extLst>
           </p:cNvPr>
@@ -9087,7 +9515,7 @@
           <p:cNvPr id="2" name="Title 1">
             <a:extLst>
               <a:ext uri="{FF2B5EF4-FFF2-40B4-BE49-F238E27FC236}">
-                <a16:creationId xmlns:a16="http://schemas.microsoft.com/office/drawing/2014/main" xmlns="" id="{C3F67F27-63B2-4FA5-BD85-1D4A6DB52E11}"/>
+                <a16:creationId xmlns:a16="http://schemas.microsoft.com/office/drawing/2014/main" id="{C3F67F27-63B2-4FA5-BD85-1D4A6DB52E11}"/>
               </a:ext>
             </a:extLst>
           </p:cNvPr>
@@ -9121,7 +9549,7 @@
           <p:cNvPr id="3" name="Content Placeholder 2">
             <a:extLst>
               <a:ext uri="{FF2B5EF4-FFF2-40B4-BE49-F238E27FC236}">
-                <a16:creationId xmlns:a16="http://schemas.microsoft.com/office/drawing/2014/main" xmlns="" id="{C66A4D6F-F249-4C93-8704-AD872140A484}"/>
+                <a16:creationId xmlns:a16="http://schemas.microsoft.com/office/drawing/2014/main" id="{C66A4D6F-F249-4C93-8704-AD872140A484}"/>
               </a:ext>
             </a:extLst>
           </p:cNvPr>
@@ -9271,7 +9699,7 @@
           <p:cNvPr id="4" name="Content Placeholder 3">
             <a:extLst>
               <a:ext uri="{FF2B5EF4-FFF2-40B4-BE49-F238E27FC236}">
-                <a16:creationId xmlns:a16="http://schemas.microsoft.com/office/drawing/2014/main" xmlns="" id="{900456D2-A4C6-470B-B166-6DAE46A70ADF}"/>
+                <a16:creationId xmlns:a16="http://schemas.microsoft.com/office/drawing/2014/main" id="{900456D2-A4C6-470B-B166-6DAE46A70ADF}"/>
               </a:ext>
             </a:extLst>
           </p:cNvPr>

--- a/JAVASCRPT.pptx
+++ b/JAVASCRPT.pptx
@@ -5,7 +5,7 @@
     <p:sldMasterId id="2147483648" r:id="rId1"/>
   </p:sldMasterIdLst>
   <p:notesMasterIdLst>
-    <p:notesMasterId r:id="rId20"/>
+    <p:notesMasterId r:id="rId26"/>
   </p:notesMasterIdLst>
   <p:sldIdLst>
     <p:sldId id="256" r:id="rId2"/>
@@ -13,19 +13,25 @@
     <p:sldId id="258" r:id="rId4"/>
     <p:sldId id="260" r:id="rId5"/>
     <p:sldId id="261" r:id="rId6"/>
-    <p:sldId id="262" r:id="rId7"/>
-    <p:sldId id="264" r:id="rId8"/>
-    <p:sldId id="266" r:id="rId9"/>
-    <p:sldId id="268" r:id="rId10"/>
-    <p:sldId id="267" r:id="rId11"/>
-    <p:sldId id="270" r:id="rId12"/>
-    <p:sldId id="271" r:id="rId13"/>
-    <p:sldId id="272" r:id="rId14"/>
-    <p:sldId id="273" r:id="rId15"/>
-    <p:sldId id="274" r:id="rId16"/>
-    <p:sldId id="275" r:id="rId17"/>
-    <p:sldId id="276" r:id="rId18"/>
-    <p:sldId id="277" r:id="rId19"/>
+    <p:sldId id="283" r:id="rId7"/>
+    <p:sldId id="262" r:id="rId8"/>
+    <p:sldId id="264" r:id="rId9"/>
+    <p:sldId id="266" r:id="rId10"/>
+    <p:sldId id="268" r:id="rId11"/>
+    <p:sldId id="267" r:id="rId12"/>
+    <p:sldId id="270" r:id="rId13"/>
+    <p:sldId id="271" r:id="rId14"/>
+    <p:sldId id="272" r:id="rId15"/>
+    <p:sldId id="273" r:id="rId16"/>
+    <p:sldId id="274" r:id="rId17"/>
+    <p:sldId id="275" r:id="rId18"/>
+    <p:sldId id="276" r:id="rId19"/>
+    <p:sldId id="277" r:id="rId20"/>
+    <p:sldId id="278" r:id="rId21"/>
+    <p:sldId id="279" r:id="rId22"/>
+    <p:sldId id="280" r:id="rId23"/>
+    <p:sldId id="281" r:id="rId24"/>
+    <p:sldId id="282" r:id="rId25"/>
   </p:sldIdLst>
   <p:sldSz cx="12192000" cy="6858000"/>
   <p:notesSz cx="6858000" cy="9144000"/>
@@ -547,7 +553,7 @@
           <a:p>
             <a:fld id="{E9ABF188-7D54-4E99-8128-414AA62ACE8F}" type="slidenum">
               <a:rPr lang="en-IN" smtClean="0"/>
-              <a:t>7</a:t>
+              <a:t>8</a:t>
             </a:fld>
             <a:endParaRPr lang="en-IN"/>
           </a:p>
@@ -631,7 +637,7 @@
           <a:p>
             <a:fld id="{E9ABF188-7D54-4E99-8128-414AA62ACE8F}" type="slidenum">
               <a:rPr lang="en-IN" smtClean="0"/>
-              <a:t>8</a:t>
+              <a:t>9</a:t>
             </a:fld>
             <a:endParaRPr lang="en-IN"/>
           </a:p>
@@ -715,7 +721,7 @@
           <a:p>
             <a:fld id="{E9ABF188-7D54-4E99-8128-414AA62ACE8F}" type="slidenum">
               <a:rPr lang="en-IN" smtClean="0"/>
-              <a:t>10</a:t>
+              <a:t>11</a:t>
             </a:fld>
             <a:endParaRPr lang="en-IN"/>
           </a:p>
@@ -6629,7 +6635,7 @@
           <p:cNvPr id="2" name="Title 1">
             <a:extLst>
               <a:ext uri="{FF2B5EF4-FFF2-40B4-BE49-F238E27FC236}">
-                <a16:creationId xmlns:a16="http://schemas.microsoft.com/office/drawing/2014/main" id="{EED1A5FB-A536-498F-80D4-0B88DAA9B6F0}"/>
+                <a16:creationId xmlns:a16="http://schemas.microsoft.com/office/drawing/2014/main" xmlns="" id="{EED1A5FB-A536-498F-80D4-0B88DAA9B6F0}"/>
               </a:ext>
             </a:extLst>
           </p:cNvPr>
@@ -6662,7 +6668,7 @@
           <p:cNvPr id="3" name="Subtitle 2">
             <a:extLst>
               <a:ext uri="{FF2B5EF4-FFF2-40B4-BE49-F238E27FC236}">
-                <a16:creationId xmlns:a16="http://schemas.microsoft.com/office/drawing/2014/main" id="{6B4A7F6D-81FB-42E3-B5D2-E648F04A0A97}"/>
+                <a16:creationId xmlns:a16="http://schemas.microsoft.com/office/drawing/2014/main" xmlns="" id="{6B4A7F6D-81FB-42E3-B5D2-E648F04A0A97}"/>
               </a:ext>
             </a:extLst>
           </p:cNvPr>
@@ -6695,6 +6701,13 @@
   <p:clrMapOvr>
     <a:masterClrMapping/>
   </p:clrMapOvr>
+  <p:timing>
+    <p:tnLst>
+      <p:par>
+        <p:cTn id="1" dur="indefinite" restart="never" nodeType="tmRoot"/>
+      </p:par>
+    </p:tnLst>
+  </p:timing>
 </p:sld>
 </file>
 
@@ -6720,7 +6733,7 @@
           <p:cNvPr id="2" name="Title 1">
             <a:extLst>
               <a:ext uri="{FF2B5EF4-FFF2-40B4-BE49-F238E27FC236}">
-                <a16:creationId xmlns:a16="http://schemas.microsoft.com/office/drawing/2014/main" id="{4DDB0165-A002-491A-A4DD-9CDBF64BB5EE}"/>
+                <a16:creationId xmlns:a16="http://schemas.microsoft.com/office/drawing/2014/main" xmlns="" id="{C3F67F27-63B2-4FA5-BD85-1D4A6DB52E11}"/>
               </a:ext>
             </a:extLst>
           </p:cNvPr>
@@ -6734,26 +6747,27 @@
         <p:spPr>
           <a:xfrm>
             <a:off x="646111" y="452718"/>
-            <a:ext cx="9404723" cy="827442"/>
-          </a:xfrm>
-        </p:spPr>
-        <p:txBody>
-          <a:bodyPr/>
-          <a:lstStyle/>
-          <a:p>
-            <a:r>
-              <a:rPr lang="en-IN" dirty="0"/>
-              <a:t>Ternary operators</a:t>
-            </a:r>
-          </a:p>
-        </p:txBody>
-      </p:sp>
-      <p:sp>
-        <p:nvSpPr>
-          <p:cNvPr id="6" name="Content Placeholder 5">
+            <a:ext cx="9404723" cy="849609"/>
+          </a:xfrm>
+        </p:spPr>
+        <p:txBody>
+          <a:bodyPr/>
+          <a:lstStyle/>
+          <a:p>
+            <a:r>
+              <a:rPr lang="en-US" dirty="0"/>
+              <a:t>Conditional Operator</a:t>
+            </a:r>
+            <a:endParaRPr lang="en-IN" dirty="0"/>
+          </a:p>
+        </p:txBody>
+      </p:sp>
+      <p:sp>
+        <p:nvSpPr>
+          <p:cNvPr id="3" name="Content Placeholder 2">
             <a:extLst>
               <a:ext uri="{FF2B5EF4-FFF2-40B4-BE49-F238E27FC236}">
-                <a16:creationId xmlns:a16="http://schemas.microsoft.com/office/drawing/2014/main" id="{5FF32F35-E962-45F5-9594-1820B90E6E5C}"/>
+                <a16:creationId xmlns:a16="http://schemas.microsoft.com/office/drawing/2014/main" xmlns="" id="{C66A4D6F-F249-4C93-8704-AD872140A484}"/>
               </a:ext>
             </a:extLst>
           </p:cNvPr>
@@ -6761,125 +6775,35 @@
             <a:spLocks noGrp="1"/>
           </p:cNvSpPr>
           <p:nvPr>
-            <p:ph idx="1"/>
-          </p:nvPr>
-        </p:nvSpPr>
-        <p:spPr>
-          <a:xfrm>
-            <a:off x="810877" y="1280159"/>
-            <a:ext cx="9500071" cy="4924697"/>
-          </a:xfrm>
-        </p:spPr>
-        <p:txBody>
-          <a:bodyPr/>
-          <a:lstStyle/>
-          <a:p>
-            <a:pPr marL="0" indent="0">
+            <p:ph sz="half" idx="1"/>
+          </p:nvPr>
+        </p:nvSpPr>
+        <p:spPr>
+          <a:xfrm>
+            <a:off x="780040" y="1413164"/>
+            <a:ext cx="4396339" cy="4838691"/>
+          </a:xfrm>
+        </p:spPr>
+        <p:txBody>
+          <a:bodyPr/>
+          <a:lstStyle/>
+          <a:p>
+            <a:r>
+              <a:rPr lang="en-US" dirty="0"/>
+              <a:t>Truthy &amp; </a:t>
+            </a:r>
+            <a:r>
+              <a:rPr lang="en-US" dirty="0" err="1"/>
+              <a:t>Falsy</a:t>
+            </a:r>
+            <a:endParaRPr lang="en-US" dirty="0"/>
+          </a:p>
+          <a:p>
+            <a:pPr marL="400050" lvl="1" indent="0">
               <a:buNone/>
             </a:pPr>
             <a:r>
-              <a:rPr lang="en-IN" b="1" i="1" dirty="0">
-                <a:solidFill>
-                  <a:srgbClr val="FFFF00"/>
-                </a:solidFill>
-              </a:rPr>
-              <a:t>   </a:t>
-            </a:r>
-            <a:r>
-              <a:rPr lang="en-US" dirty="0"/>
-              <a:t>The ternary operator shortens the if/else statement into a single statement</a:t>
-            </a:r>
-            <a:r>
-              <a:rPr lang="en-IN" b="1" i="1" dirty="0">
-                <a:solidFill>
-                  <a:srgbClr val="FFFF00"/>
-                </a:solidFill>
-              </a:rPr>
-              <a:t>           </a:t>
-            </a:r>
-          </a:p>
-          <a:p>
-            <a:pPr marL="0" indent="0">
-              <a:buNone/>
-            </a:pPr>
-            <a:r>
-              <a:rPr lang="en-IN" b="1" i="1" dirty="0">
-                <a:solidFill>
-                  <a:srgbClr val="FFFF00"/>
-                </a:solidFill>
-              </a:rPr>
-              <a:t>    </a:t>
-            </a:r>
-            <a:r>
-              <a:rPr lang="en-IN" b="1" i="1" dirty="0">
-                <a:solidFill>
-                  <a:schemeClr val="accent2"/>
-                </a:solidFill>
-              </a:rPr>
-              <a:t>condition</a:t>
-            </a:r>
-            <a:r>
-              <a:rPr lang="en-IN" b="1" dirty="0">
-                <a:solidFill>
-                  <a:schemeClr val="accent2"/>
-                </a:solidFill>
-              </a:rPr>
-              <a:t> ? </a:t>
-            </a:r>
-            <a:r>
-              <a:rPr lang="en-IN" b="1" i="1" dirty="0" err="1">
-                <a:solidFill>
-                  <a:schemeClr val="accent2"/>
-                </a:solidFill>
-              </a:rPr>
-              <a:t>exprIfTrue</a:t>
-            </a:r>
-            <a:r>
-              <a:rPr lang="en-IN" b="1" dirty="0">
-                <a:solidFill>
-                  <a:schemeClr val="accent2"/>
-                </a:solidFill>
-              </a:rPr>
-              <a:t> : </a:t>
-            </a:r>
-            <a:r>
-              <a:rPr lang="en-IN" b="1" i="1" dirty="0" err="1">
-                <a:solidFill>
-                  <a:schemeClr val="accent2"/>
-                </a:solidFill>
-              </a:rPr>
-              <a:t>exprIfFalse</a:t>
-            </a:r>
-            <a:endParaRPr lang="en-IN" b="1" i="1" dirty="0">
-              <a:solidFill>
-                <a:schemeClr val="accent2"/>
-              </a:solidFill>
-            </a:endParaRPr>
-          </a:p>
-          <a:p>
-            <a:pPr marL="0" indent="0">
-              <a:buNone/>
-            </a:pPr>
-            <a:endParaRPr lang="en-IN" b="1" i="1" dirty="0">
-              <a:solidFill>
-                <a:srgbClr val="FFFF00"/>
-              </a:solidFill>
-            </a:endParaRPr>
-          </a:p>
-          <a:p>
-            <a:pPr marL="0" indent="0">
-              <a:buNone/>
-            </a:pPr>
-            <a:r>
-              <a:rPr lang="es-ES" b="1" i="1" dirty="0">
-                <a:solidFill>
-                  <a:srgbClr val="FFFF00"/>
-                </a:solidFill>
-              </a:rPr>
-              <a:t>	</a:t>
-            </a:r>
-            <a:r>
-              <a:rPr lang="es-ES" b="1" i="1" dirty="0" err="1">
+              <a:rPr lang="es-ES" sz="2200" b="1" dirty="0" err="1">
                 <a:solidFill>
                   <a:srgbClr val="FFFF00"/>
                 </a:solidFill>
@@ -6887,70 +6811,232 @@
               <a:t>let</a:t>
             </a:r>
             <a:r>
-              <a:rPr lang="es-ES" b="1" i="1" dirty="0">
+              <a:rPr lang="es-ES" sz="2200" b="1" dirty="0">
                 <a:solidFill>
                   <a:srgbClr val="FFFF00"/>
                 </a:solidFill>
               </a:rPr>
-              <a:t> x =1,y;</a:t>
-            </a:r>
-          </a:p>
-          <a:p>
-            <a:pPr marL="0" indent="0">
+              <a:t> x=1,y;</a:t>
+            </a:r>
+          </a:p>
+          <a:p>
+            <a:pPr marL="400050" lvl="1" indent="0">
               <a:buNone/>
             </a:pPr>
             <a:r>
-              <a:rPr lang="es-ES" b="1" i="1" dirty="0">
+              <a:rPr lang="es-ES" sz="2200" b="1" dirty="0" err="1">
                 <a:solidFill>
                   <a:srgbClr val="FFFF00"/>
                 </a:solidFill>
               </a:rPr>
-              <a:t>	x ? (y=x,console.log(y)):(y=0,console.log(y));</a:t>
-            </a:r>
-            <a:endParaRPr lang="en-IN" b="1" i="1" dirty="0">
+              <a:t>if</a:t>
+            </a:r>
+            <a:r>
+              <a:rPr lang="es-ES" sz="2200" b="1" dirty="0">
+                <a:solidFill>
+                  <a:srgbClr val="FFFF00"/>
+                </a:solidFill>
+              </a:rPr>
+              <a:t>(x){</a:t>
+            </a:r>
+          </a:p>
+          <a:p>
+            <a:pPr marL="400050" lvl="1" indent="0">
+              <a:buNone/>
+            </a:pPr>
+            <a:r>
+              <a:rPr lang="es-ES" sz="2200" b="1" dirty="0">
+                <a:solidFill>
+                  <a:srgbClr val="FFFF00"/>
+                </a:solidFill>
+              </a:rPr>
+              <a:t>  y=x;</a:t>
+            </a:r>
+          </a:p>
+          <a:p>
+            <a:pPr marL="400050" lvl="1" indent="0">
+              <a:buNone/>
+            </a:pPr>
+            <a:r>
+              <a:rPr lang="es-ES" sz="2200" b="1" dirty="0">
+                <a:solidFill>
+                  <a:srgbClr val="FFFF00"/>
+                </a:solidFill>
+              </a:rPr>
+              <a:t>}else{ </a:t>
+            </a:r>
+          </a:p>
+          <a:p>
+            <a:pPr marL="400050" lvl="1" indent="0">
+              <a:buNone/>
+            </a:pPr>
+            <a:r>
+              <a:rPr lang="es-ES" sz="2200" b="1" dirty="0">
+                <a:solidFill>
+                  <a:srgbClr val="FFFF00"/>
+                </a:solidFill>
+              </a:rPr>
+              <a:t> y=0;</a:t>
+            </a:r>
+          </a:p>
+          <a:p>
+            <a:pPr marL="400050" lvl="1" indent="0">
+              <a:buNone/>
+            </a:pPr>
+            <a:r>
+              <a:rPr lang="es-ES" sz="2200" b="1" dirty="0">
+                <a:solidFill>
+                  <a:srgbClr val="FFFF00"/>
+                </a:solidFill>
+              </a:rPr>
+              <a:t>}</a:t>
+            </a:r>
+          </a:p>
+          <a:p>
+            <a:pPr marL="400050" lvl="1" indent="0">
+              <a:buNone/>
+            </a:pPr>
+            <a:r>
+              <a:rPr lang="es-ES" sz="2200" b="1" dirty="0">
+                <a:solidFill>
+                  <a:srgbClr val="FFFF00"/>
+                </a:solidFill>
+              </a:rPr>
+              <a:t>console.log(y)  // Output 1</a:t>
+            </a:r>
+            <a:endParaRPr lang="en-IN" sz="2200" b="1" dirty="0">
               <a:solidFill>
                 <a:srgbClr val="FFFF00"/>
               </a:solidFill>
             </a:endParaRPr>
           </a:p>
-          <a:p>
-            <a:pPr marL="0" indent="0">
+        </p:txBody>
+      </p:sp>
+      <p:sp>
+        <p:nvSpPr>
+          <p:cNvPr id="4" name="Content Placeholder 3">
+            <a:extLst>
+              <a:ext uri="{FF2B5EF4-FFF2-40B4-BE49-F238E27FC236}">
+                <a16:creationId xmlns:a16="http://schemas.microsoft.com/office/drawing/2014/main" xmlns="" id="{900456D2-A4C6-470B-B166-6DAE46A70ADF}"/>
+              </a:ext>
+            </a:extLst>
+          </p:cNvPr>
+          <p:cNvSpPr>
+            <a:spLocks noGrp="1"/>
+          </p:cNvSpPr>
+          <p:nvPr>
+            <p:ph sz="half" idx="2"/>
+          </p:nvPr>
+        </p:nvSpPr>
+        <p:spPr>
+          <a:xfrm>
+            <a:off x="5654493" y="1413164"/>
+            <a:ext cx="4396341" cy="4843173"/>
+          </a:xfrm>
+        </p:spPr>
+        <p:txBody>
+          <a:bodyPr/>
+          <a:lstStyle/>
+          <a:p>
+            <a:r>
+              <a:rPr lang="en-US" dirty="0"/>
+              <a:t>Short-Circuits Evaluation</a:t>
+            </a:r>
+          </a:p>
+          <a:p>
+            <a:pPr marL="400050" lvl="1" indent="0">
               <a:buNone/>
             </a:pPr>
-            <a:endParaRPr lang="en-IN" b="1" i="1" dirty="0">
+            <a:r>
+              <a:rPr lang="en-IN" sz="2200" b="1" dirty="0">
+                <a:solidFill>
+                  <a:srgbClr val="FFFF00"/>
+                </a:solidFill>
+              </a:rPr>
+              <a:t>let x =1;</a:t>
+            </a:r>
+          </a:p>
+          <a:p>
+            <a:pPr marL="400050" lvl="1" indent="0">
+              <a:buNone/>
+            </a:pPr>
+            <a:r>
+              <a:rPr lang="en-IN" sz="2200" b="1" dirty="0">
+                <a:solidFill>
+                  <a:srgbClr val="FFFF00"/>
+                </a:solidFill>
+              </a:rPr>
+              <a:t>let y = x||1;</a:t>
+            </a:r>
+          </a:p>
+          <a:p>
+            <a:pPr marL="400050" lvl="1" indent="0">
+              <a:buNone/>
+            </a:pPr>
+            <a:r>
+              <a:rPr lang="en-IN" sz="2200" b="1" dirty="0">
+                <a:solidFill>
+                  <a:srgbClr val="FFFF00"/>
+                </a:solidFill>
+              </a:rPr>
+              <a:t>console.log(y)</a:t>
+            </a:r>
+          </a:p>
+          <a:p>
+            <a:pPr marL="400050" lvl="1" indent="0">
+              <a:buNone/>
+            </a:pPr>
+            <a:endParaRPr lang="en-IN" sz="2200" b="1" dirty="0">
               <a:solidFill>
                 <a:srgbClr val="FFFF00"/>
               </a:solidFill>
             </a:endParaRPr>
           </a:p>
           <a:p>
-            <a:pPr marL="0" indent="0">
+            <a:pPr marL="400050" lvl="1" indent="0">
               <a:buNone/>
             </a:pPr>
-            <a:r>
-              <a:rPr lang="en-IN" dirty="0"/>
-              <a:t>When using a ternary operator —  or any abbreviation  — consider who will be reading your code. If less-experienced developers may need to understand your program logic, perhaps the use of the ternary operator should be avoided. </a:t>
-            </a:r>
-            <a:endParaRPr lang="en-US" dirty="0"/>
-          </a:p>
-          <a:p>
-            <a:pPr marL="0" indent="0">
+            <a:endParaRPr lang="en-US" sz="1800" dirty="0"/>
+          </a:p>
+          <a:p>
+            <a:pPr marL="400050" lvl="1" indent="0">
               <a:buNone/>
             </a:pPr>
-            <a:endParaRPr lang="en-US" dirty="0"/>
+            <a:endParaRPr lang="en-IN" sz="2200" b="1" dirty="0">
+              <a:solidFill>
+                <a:srgbClr val="FFFF00"/>
+              </a:solidFill>
+            </a:endParaRPr>
+          </a:p>
+          <a:p>
+            <a:pPr marL="400050" lvl="1" indent="0">
+              <a:buNone/>
+            </a:pPr>
+            <a:endParaRPr lang="en-IN" sz="2200" b="1" dirty="0">
+              <a:solidFill>
+                <a:srgbClr val="FFFF00"/>
+              </a:solidFill>
+            </a:endParaRPr>
           </a:p>
         </p:txBody>
       </p:sp>
     </p:spTree>
     <p:extLst>
       <p:ext uri="{BB962C8B-B14F-4D97-AF65-F5344CB8AC3E}">
-        <p14:creationId xmlns:p14="http://schemas.microsoft.com/office/powerpoint/2010/main" val="2608916596"/>
+        <p14:creationId xmlns:p14="http://schemas.microsoft.com/office/powerpoint/2010/main" val="2409536417"/>
       </p:ext>
     </p:extLst>
   </p:cSld>
   <p:clrMapOvr>
     <a:masterClrMapping/>
   </p:clrMapOvr>
+  <p:timing>
+    <p:tnLst>
+      <p:par>
+        <p:cTn id="1" dur="indefinite" restart="never" nodeType="tmRoot"/>
+      </p:par>
+    </p:tnLst>
+  </p:timing>
 </p:sld>
 </file>
 
@@ -6976,7 +7062,7 @@
           <p:cNvPr id="2" name="Title 1">
             <a:extLst>
               <a:ext uri="{FF2B5EF4-FFF2-40B4-BE49-F238E27FC236}">
-                <a16:creationId xmlns:a16="http://schemas.microsoft.com/office/drawing/2014/main" id="{0FD3A787-C7DD-44D2-9981-6FAF85B239EE}"/>
+                <a16:creationId xmlns:a16="http://schemas.microsoft.com/office/drawing/2014/main" xmlns="" id="{4DDB0165-A002-491A-A4DD-9CDBF64BB5EE}"/>
               </a:ext>
             </a:extLst>
           </p:cNvPr>
@@ -6990,7 +7076,7 @@
         <p:spPr>
           <a:xfrm>
             <a:off x="646111" y="452718"/>
-            <a:ext cx="9404723" cy="576262"/>
+            <a:ext cx="9404723" cy="827442"/>
           </a:xfrm>
         </p:spPr>
         <p:txBody>
@@ -6999,32 +7085,17 @@
           <a:p>
             <a:r>
               <a:rPr lang="en-IN" dirty="0"/>
-              <a:t>SWITCH Keyword</a:t>
-            </a:r>
-            <a:br>
-              <a:rPr lang="en-IN" dirty="0"/>
-            </a:br>
-            <a:r>
-              <a:rPr lang="en-US" sz="2000" dirty="0">
-                <a:solidFill>
-                  <a:schemeClr val="tx1"/>
-                </a:solidFill>
-              </a:rPr>
-              <a:t>switch case is an alternate method of if-else statement</a:t>
-            </a:r>
-            <a:br>
-              <a:rPr lang="en-US" dirty="0"/>
-            </a:br>
-            <a:endParaRPr lang="en-IN" dirty="0"/>
-          </a:p>
-        </p:txBody>
-      </p:sp>
-      <p:sp>
-        <p:nvSpPr>
-          <p:cNvPr id="3" name="Text Placeholder 2">
+              <a:t>Ternary operators</a:t>
+            </a:r>
+          </a:p>
+        </p:txBody>
+      </p:sp>
+      <p:sp>
+        <p:nvSpPr>
+          <p:cNvPr id="6" name="Content Placeholder 5">
             <a:extLst>
               <a:ext uri="{FF2B5EF4-FFF2-40B4-BE49-F238E27FC236}">
-                <a16:creationId xmlns:a16="http://schemas.microsoft.com/office/drawing/2014/main" id="{32FEDD3C-8579-447A-BE3B-30254F109E35}"/>
+                <a16:creationId xmlns:a16="http://schemas.microsoft.com/office/drawing/2014/main" xmlns="" id="{5FF32F35-E962-45F5-9594-1820B90E6E5C}"/>
               </a:ext>
             </a:extLst>
           </p:cNvPr>
@@ -7032,207 +7103,203 @@
             <a:spLocks noGrp="1"/>
           </p:cNvSpPr>
           <p:nvPr>
-            <p:ph type="body" idx="1"/>
-          </p:nvPr>
-        </p:nvSpPr>
-        <p:spPr>
-          <a:xfrm>
-            <a:off x="646111" y="1665933"/>
-            <a:ext cx="4751506" cy="375371"/>
-          </a:xfrm>
-        </p:spPr>
-        <p:txBody>
-          <a:bodyPr/>
-          <a:lstStyle/>
-          <a:p>
+            <p:ph idx="1"/>
+          </p:nvPr>
+        </p:nvSpPr>
+        <p:spPr>
+          <a:xfrm>
+            <a:off x="810877" y="1280159"/>
+            <a:ext cx="9500071" cy="4924697"/>
+          </a:xfrm>
+        </p:spPr>
+        <p:txBody>
+          <a:bodyPr/>
+          <a:lstStyle/>
+          <a:p>
+            <a:pPr marL="0" indent="0">
+              <a:buNone/>
+            </a:pPr>
+            <a:r>
+              <a:rPr lang="en-IN" b="1" i="1" dirty="0">
+                <a:solidFill>
+                  <a:srgbClr val="FFFF00"/>
+                </a:solidFill>
+              </a:rPr>
+              <a:t>   </a:t>
+            </a:r>
+            <a:r>
+              <a:rPr lang="en-US" dirty="0"/>
+              <a:t>The ternary operator shortens the if/else statement into a single statement</a:t>
+            </a:r>
+            <a:r>
+              <a:rPr lang="en-IN" b="1" i="1" dirty="0">
+                <a:solidFill>
+                  <a:srgbClr val="FFFF00"/>
+                </a:solidFill>
+              </a:rPr>
+              <a:t>           </a:t>
+            </a:r>
+          </a:p>
+          <a:p>
+            <a:pPr marL="0" indent="0">
+              <a:buNone/>
+            </a:pPr>
+            <a:r>
+              <a:rPr lang="en-IN" b="1" i="1" dirty="0">
+                <a:solidFill>
+                  <a:srgbClr val="FFFF00"/>
+                </a:solidFill>
+              </a:rPr>
+              <a:t>    </a:t>
+            </a:r>
+            <a:r>
+              <a:rPr lang="en-IN" b="1" i="1" dirty="0">
+                <a:solidFill>
+                  <a:schemeClr val="accent2"/>
+                </a:solidFill>
+              </a:rPr>
+              <a:t>condition</a:t>
+            </a:r>
+            <a:r>
+              <a:rPr lang="en-IN" b="1" dirty="0">
+                <a:solidFill>
+                  <a:schemeClr val="accent2"/>
+                </a:solidFill>
+              </a:rPr>
+              <a:t> ? </a:t>
+            </a:r>
+            <a:r>
+              <a:rPr lang="en-IN" b="1" i="1" dirty="0" err="1">
+                <a:solidFill>
+                  <a:schemeClr val="accent2"/>
+                </a:solidFill>
+              </a:rPr>
+              <a:t>exprIfTrue</a:t>
+            </a:r>
+            <a:r>
+              <a:rPr lang="en-IN" b="1" dirty="0">
+                <a:solidFill>
+                  <a:schemeClr val="accent2"/>
+                </a:solidFill>
+              </a:rPr>
+              <a:t> : </a:t>
+            </a:r>
+            <a:r>
+              <a:rPr lang="en-IN" b="1" i="1" dirty="0" err="1">
+                <a:solidFill>
+                  <a:schemeClr val="accent2"/>
+                </a:solidFill>
+              </a:rPr>
+              <a:t>exprIfFalse</a:t>
+            </a:r>
+            <a:endParaRPr lang="en-IN" b="1" i="1" dirty="0">
+              <a:solidFill>
+                <a:schemeClr val="accent2"/>
+              </a:solidFill>
+            </a:endParaRPr>
+          </a:p>
+          <a:p>
+            <a:pPr marL="0" indent="0">
+              <a:buNone/>
+            </a:pPr>
+            <a:endParaRPr lang="en-IN" b="1" i="1" dirty="0">
+              <a:solidFill>
+                <a:srgbClr val="FFFF00"/>
+              </a:solidFill>
+            </a:endParaRPr>
+          </a:p>
+          <a:p>
+            <a:pPr marL="0" indent="0">
+              <a:buNone/>
+            </a:pPr>
+            <a:r>
+              <a:rPr lang="es-ES" b="1" i="1" dirty="0">
+                <a:solidFill>
+                  <a:srgbClr val="FFFF00"/>
+                </a:solidFill>
+              </a:rPr>
+              <a:t>	</a:t>
+            </a:r>
+            <a:r>
+              <a:rPr lang="es-ES" b="1" i="1" dirty="0" err="1">
+                <a:solidFill>
+                  <a:srgbClr val="FFFF00"/>
+                </a:solidFill>
+              </a:rPr>
+              <a:t>let</a:t>
+            </a:r>
+            <a:r>
+              <a:rPr lang="es-ES" b="1" i="1" dirty="0">
+                <a:solidFill>
+                  <a:srgbClr val="FFFF00"/>
+                </a:solidFill>
+              </a:rPr>
+              <a:t> x =1,y;</a:t>
+            </a:r>
+          </a:p>
+          <a:p>
+            <a:pPr marL="0" indent="0">
+              <a:buNone/>
+            </a:pPr>
+            <a:r>
+              <a:rPr lang="es-ES" b="1" i="1" dirty="0">
+                <a:solidFill>
+                  <a:srgbClr val="FFFF00"/>
+                </a:solidFill>
+              </a:rPr>
+              <a:t>	x ? (y=x,console.log(y)):(y=0,console.log(y));</a:t>
+            </a:r>
+            <a:endParaRPr lang="en-IN" b="1" i="1" dirty="0">
+              <a:solidFill>
+                <a:srgbClr val="FFFF00"/>
+              </a:solidFill>
+            </a:endParaRPr>
+          </a:p>
+          <a:p>
+            <a:pPr marL="0" indent="0">
+              <a:buNone/>
+            </a:pPr>
+            <a:endParaRPr lang="en-IN" b="1" i="1" dirty="0">
+              <a:solidFill>
+                <a:srgbClr val="FFFF00"/>
+              </a:solidFill>
+            </a:endParaRPr>
+          </a:p>
+          <a:p>
+            <a:pPr marL="0" indent="0">
+              <a:buNone/>
+            </a:pPr>
             <a:r>
               <a:rPr lang="en-IN" dirty="0"/>
-              <a:t>If-else if- else</a:t>
-            </a:r>
-          </a:p>
-        </p:txBody>
-      </p:sp>
-      <p:sp>
-        <p:nvSpPr>
-          <p:cNvPr id="5" name="Text Placeholder 4">
-            <a:extLst>
-              <a:ext uri="{FF2B5EF4-FFF2-40B4-BE49-F238E27FC236}">
-                <a16:creationId xmlns:a16="http://schemas.microsoft.com/office/drawing/2014/main" id="{066F2718-7312-4C00-92FB-D79349508FAC}"/>
-              </a:ext>
-            </a:extLst>
-          </p:cNvPr>
-          <p:cNvSpPr>
-            <a:spLocks noGrp="1"/>
-          </p:cNvSpPr>
-          <p:nvPr>
-            <p:ph type="body" sz="quarter" idx="3"/>
-          </p:nvPr>
-        </p:nvSpPr>
-        <p:spPr>
-          <a:xfrm>
-            <a:off x="5654495" y="1491733"/>
-            <a:ext cx="4396339" cy="576262"/>
-          </a:xfrm>
-        </p:spPr>
-        <p:txBody>
-          <a:bodyPr/>
-          <a:lstStyle/>
-          <a:p>
-            <a:r>
-              <a:rPr lang="en-IN" dirty="0"/>
-              <a:t>switch</a:t>
-            </a:r>
-          </a:p>
-        </p:txBody>
-      </p:sp>
-      <p:sp>
-        <p:nvSpPr>
-          <p:cNvPr id="6" name="Content Placeholder 5">
-            <a:extLst>
-              <a:ext uri="{FF2B5EF4-FFF2-40B4-BE49-F238E27FC236}">
-                <a16:creationId xmlns:a16="http://schemas.microsoft.com/office/drawing/2014/main" id="{83372F51-5CC7-4820-83C3-AB847CAB19B1}"/>
-              </a:ext>
-            </a:extLst>
-          </p:cNvPr>
-          <p:cNvSpPr>
-            <a:spLocks noGrp="1"/>
-          </p:cNvSpPr>
-          <p:nvPr>
-            <p:ph sz="quarter" idx="4"/>
-          </p:nvPr>
-        </p:nvSpPr>
-        <p:spPr>
-          <a:xfrm>
-            <a:off x="5654495" y="2242195"/>
-            <a:ext cx="4751505" cy="4163087"/>
-          </a:xfrm>
-        </p:spPr>
-        <p:txBody>
-          <a:bodyPr/>
-          <a:lstStyle/>
-          <a:p>
-            <a:r>
-              <a:rPr lang="en-IN" dirty="0"/>
-              <a:t>If we don’t put the break then code will run till default.</a:t>
-            </a:r>
+              <a:t>When using a ternary operator —  or any abbreviation  — consider who will be reading your code. If less-experienced developers may need to understand your program logic, perhaps the use of the ternary operator should be avoided. </a:t>
+            </a:r>
+            <a:endParaRPr lang="en-US" dirty="0"/>
           </a:p>
           <a:p>
             <a:pPr marL="0" indent="0">
               <a:buNone/>
             </a:pPr>
-            <a:endParaRPr lang="en-IN" dirty="0"/>
-          </a:p>
-        </p:txBody>
-      </p:sp>
-      <p:sp>
-        <p:nvSpPr>
-          <p:cNvPr id="9" name="Content Placeholder 8">
-            <a:extLst>
-              <a:ext uri="{FF2B5EF4-FFF2-40B4-BE49-F238E27FC236}">
-                <a16:creationId xmlns:a16="http://schemas.microsoft.com/office/drawing/2014/main" id="{6F493DB7-75F4-4AC9-93A7-041BBE0D4068}"/>
-              </a:ext>
-            </a:extLst>
-          </p:cNvPr>
-          <p:cNvSpPr>
-            <a:spLocks noGrp="1"/>
-          </p:cNvSpPr>
-          <p:nvPr>
-            <p:ph sz="half" idx="2"/>
-          </p:nvPr>
-        </p:nvSpPr>
-        <p:spPr>
-          <a:xfrm>
-            <a:off x="748146" y="2161309"/>
-            <a:ext cx="4751505" cy="4530147"/>
-          </a:xfrm>
-        </p:spPr>
-        <p:txBody>
-          <a:bodyPr/>
-          <a:lstStyle/>
-          <a:p>
-            <a:r>
-              <a:rPr lang="en-IN" dirty="0"/>
-              <a:t>The flow will stop when it correct value of x matched otherwise will go till last else statement.</a:t>
-            </a:r>
-          </a:p>
-          <a:p>
-            <a:pPr marL="0" indent="0">
-              <a:buNone/>
-            </a:pPr>
-            <a:endParaRPr lang="en-IN" dirty="0"/>
-          </a:p>
-        </p:txBody>
-      </p:sp>
-      <p:pic>
-        <p:nvPicPr>
-          <p:cNvPr id="10" name="Picture 9">
-            <a:extLst>
-              <a:ext uri="{FF2B5EF4-FFF2-40B4-BE49-F238E27FC236}">
-                <a16:creationId xmlns:a16="http://schemas.microsoft.com/office/drawing/2014/main" id="{B2A08A5B-8D18-4B9B-896B-448058A8896B}"/>
-              </a:ext>
-            </a:extLst>
-          </p:cNvPr>
-          <p:cNvPicPr>
-            <a:picLocks noChangeAspect="1"/>
-          </p:cNvPicPr>
-          <p:nvPr/>
-        </p:nvPicPr>
-        <p:blipFill>
-          <a:blip r:embed="rId2"/>
-          <a:stretch>
-            <a:fillRect/>
-          </a:stretch>
-        </p:blipFill>
-        <p:spPr>
-          <a:xfrm>
-            <a:off x="985535" y="3173633"/>
-            <a:ext cx="4276725" cy="3262457"/>
-          </a:xfrm>
-          <a:prstGeom prst="rect">
-            <a:avLst/>
-          </a:prstGeom>
-        </p:spPr>
-      </p:pic>
-      <p:pic>
-        <p:nvPicPr>
-          <p:cNvPr id="12" name="Picture 11">
-            <a:extLst>
-              <a:ext uri="{FF2B5EF4-FFF2-40B4-BE49-F238E27FC236}">
-                <a16:creationId xmlns:a16="http://schemas.microsoft.com/office/drawing/2014/main" id="{35E41823-9FB9-4E65-9D20-0656836974DD}"/>
-              </a:ext>
-            </a:extLst>
-          </p:cNvPr>
-          <p:cNvPicPr>
-            <a:picLocks noChangeAspect="1"/>
-          </p:cNvPicPr>
-          <p:nvPr/>
-        </p:nvPicPr>
-        <p:blipFill>
-          <a:blip r:embed="rId3"/>
-          <a:stretch>
-            <a:fillRect/>
-          </a:stretch>
-        </p:blipFill>
-        <p:spPr>
-          <a:xfrm>
-            <a:off x="5948300" y="3173633"/>
-            <a:ext cx="4457700" cy="3262457"/>
-          </a:xfrm>
-          <a:prstGeom prst="rect">
-            <a:avLst/>
-          </a:prstGeom>
-        </p:spPr>
-      </p:pic>
+            <a:endParaRPr lang="en-US" dirty="0"/>
+          </a:p>
+        </p:txBody>
+      </p:sp>
     </p:spTree>
     <p:extLst>
       <p:ext uri="{BB962C8B-B14F-4D97-AF65-F5344CB8AC3E}">
-        <p14:creationId xmlns:p14="http://schemas.microsoft.com/office/powerpoint/2010/main" val="326602297"/>
+        <p14:creationId xmlns:p14="http://schemas.microsoft.com/office/powerpoint/2010/main" val="2608916596"/>
       </p:ext>
     </p:extLst>
   </p:cSld>
   <p:clrMapOvr>
     <a:masterClrMapping/>
   </p:clrMapOvr>
+  <p:timing>
+    <p:tnLst>
+      <p:par>
+        <p:cTn id="1" dur="indefinite" restart="never" nodeType="tmRoot"/>
+      </p:par>
+    </p:tnLst>
+  </p:timing>
 </p:sld>
 </file>
 
@@ -7255,6 +7322,299 @@
       </p:grpSpPr>
       <p:sp>
         <p:nvSpPr>
+          <p:cNvPr id="2" name="Title 1">
+            <a:extLst>
+              <a:ext uri="{FF2B5EF4-FFF2-40B4-BE49-F238E27FC236}">
+                <a16:creationId xmlns:a16="http://schemas.microsoft.com/office/drawing/2014/main" xmlns="" id="{0FD3A787-C7DD-44D2-9981-6FAF85B239EE}"/>
+              </a:ext>
+            </a:extLst>
+          </p:cNvPr>
+          <p:cNvSpPr>
+            <a:spLocks noGrp="1"/>
+          </p:cNvSpPr>
+          <p:nvPr>
+            <p:ph type="title"/>
+          </p:nvPr>
+        </p:nvSpPr>
+        <p:spPr>
+          <a:xfrm>
+            <a:off x="646111" y="452718"/>
+            <a:ext cx="9404723" cy="576262"/>
+          </a:xfrm>
+        </p:spPr>
+        <p:txBody>
+          <a:bodyPr/>
+          <a:lstStyle/>
+          <a:p>
+            <a:r>
+              <a:rPr lang="en-IN" dirty="0"/>
+              <a:t>SWITCH Keyword</a:t>
+            </a:r>
+            <a:br>
+              <a:rPr lang="en-IN" dirty="0"/>
+            </a:br>
+            <a:r>
+              <a:rPr lang="en-US" sz="2000" dirty="0">
+                <a:solidFill>
+                  <a:schemeClr val="tx1"/>
+                </a:solidFill>
+              </a:rPr>
+              <a:t>switch case is an alternate method of if-else statement</a:t>
+            </a:r>
+            <a:r>
+              <a:rPr lang="en-US" dirty="0"/>
+              <a:t/>
+            </a:r>
+            <a:br>
+              <a:rPr lang="en-US" dirty="0"/>
+            </a:br>
+            <a:endParaRPr lang="en-IN" dirty="0"/>
+          </a:p>
+        </p:txBody>
+      </p:sp>
+      <p:sp>
+        <p:nvSpPr>
+          <p:cNvPr id="3" name="Text Placeholder 2">
+            <a:extLst>
+              <a:ext uri="{FF2B5EF4-FFF2-40B4-BE49-F238E27FC236}">
+                <a16:creationId xmlns:a16="http://schemas.microsoft.com/office/drawing/2014/main" xmlns="" id="{32FEDD3C-8579-447A-BE3B-30254F109E35}"/>
+              </a:ext>
+            </a:extLst>
+          </p:cNvPr>
+          <p:cNvSpPr>
+            <a:spLocks noGrp="1"/>
+          </p:cNvSpPr>
+          <p:nvPr>
+            <p:ph type="body" idx="1"/>
+          </p:nvPr>
+        </p:nvSpPr>
+        <p:spPr>
+          <a:xfrm>
+            <a:off x="646111" y="1665933"/>
+            <a:ext cx="4751506" cy="375371"/>
+          </a:xfrm>
+        </p:spPr>
+        <p:txBody>
+          <a:bodyPr/>
+          <a:lstStyle/>
+          <a:p>
+            <a:r>
+              <a:rPr lang="en-IN" dirty="0"/>
+              <a:t>If-else if- else</a:t>
+            </a:r>
+          </a:p>
+        </p:txBody>
+      </p:sp>
+      <p:sp>
+        <p:nvSpPr>
+          <p:cNvPr id="5" name="Text Placeholder 4">
+            <a:extLst>
+              <a:ext uri="{FF2B5EF4-FFF2-40B4-BE49-F238E27FC236}">
+                <a16:creationId xmlns:a16="http://schemas.microsoft.com/office/drawing/2014/main" xmlns="" id="{066F2718-7312-4C00-92FB-D79349508FAC}"/>
+              </a:ext>
+            </a:extLst>
+          </p:cNvPr>
+          <p:cNvSpPr>
+            <a:spLocks noGrp="1"/>
+          </p:cNvSpPr>
+          <p:nvPr>
+            <p:ph type="body" sz="quarter" idx="3"/>
+          </p:nvPr>
+        </p:nvSpPr>
+        <p:spPr>
+          <a:xfrm>
+            <a:off x="5654495" y="1491733"/>
+            <a:ext cx="4396339" cy="576262"/>
+          </a:xfrm>
+        </p:spPr>
+        <p:txBody>
+          <a:bodyPr/>
+          <a:lstStyle/>
+          <a:p>
+            <a:r>
+              <a:rPr lang="en-IN" dirty="0"/>
+              <a:t>switch</a:t>
+            </a:r>
+          </a:p>
+        </p:txBody>
+      </p:sp>
+      <p:sp>
+        <p:nvSpPr>
+          <p:cNvPr id="6" name="Content Placeholder 5">
+            <a:extLst>
+              <a:ext uri="{FF2B5EF4-FFF2-40B4-BE49-F238E27FC236}">
+                <a16:creationId xmlns:a16="http://schemas.microsoft.com/office/drawing/2014/main" xmlns="" id="{83372F51-5CC7-4820-83C3-AB847CAB19B1}"/>
+              </a:ext>
+            </a:extLst>
+          </p:cNvPr>
+          <p:cNvSpPr>
+            <a:spLocks noGrp="1"/>
+          </p:cNvSpPr>
+          <p:nvPr>
+            <p:ph sz="quarter" idx="4"/>
+          </p:nvPr>
+        </p:nvSpPr>
+        <p:spPr>
+          <a:xfrm>
+            <a:off x="5654495" y="2242195"/>
+            <a:ext cx="4751505" cy="4163087"/>
+          </a:xfrm>
+        </p:spPr>
+        <p:txBody>
+          <a:bodyPr/>
+          <a:lstStyle/>
+          <a:p>
+            <a:r>
+              <a:rPr lang="en-IN" dirty="0"/>
+              <a:t>If we don’t put the break then code will run till default.</a:t>
+            </a:r>
+          </a:p>
+          <a:p>
+            <a:pPr marL="0" indent="0">
+              <a:buNone/>
+            </a:pPr>
+            <a:endParaRPr lang="en-IN" dirty="0"/>
+          </a:p>
+        </p:txBody>
+      </p:sp>
+      <p:sp>
+        <p:nvSpPr>
+          <p:cNvPr id="9" name="Content Placeholder 8">
+            <a:extLst>
+              <a:ext uri="{FF2B5EF4-FFF2-40B4-BE49-F238E27FC236}">
+                <a16:creationId xmlns:a16="http://schemas.microsoft.com/office/drawing/2014/main" xmlns="" id="{6F493DB7-75F4-4AC9-93A7-041BBE0D4068}"/>
+              </a:ext>
+            </a:extLst>
+          </p:cNvPr>
+          <p:cNvSpPr>
+            <a:spLocks noGrp="1"/>
+          </p:cNvSpPr>
+          <p:nvPr>
+            <p:ph sz="half" idx="2"/>
+          </p:nvPr>
+        </p:nvSpPr>
+        <p:spPr>
+          <a:xfrm>
+            <a:off x="748146" y="2161309"/>
+            <a:ext cx="4751505" cy="4530147"/>
+          </a:xfrm>
+        </p:spPr>
+        <p:txBody>
+          <a:bodyPr/>
+          <a:lstStyle/>
+          <a:p>
+            <a:r>
+              <a:rPr lang="en-IN" dirty="0"/>
+              <a:t>The flow will stop when it correct value of x matched otherwise will go till last else statement.</a:t>
+            </a:r>
+          </a:p>
+          <a:p>
+            <a:pPr marL="0" indent="0">
+              <a:buNone/>
+            </a:pPr>
+            <a:endParaRPr lang="en-IN" dirty="0"/>
+          </a:p>
+        </p:txBody>
+      </p:sp>
+      <p:pic>
+        <p:nvPicPr>
+          <p:cNvPr id="10" name="Picture 9">
+            <a:extLst>
+              <a:ext uri="{FF2B5EF4-FFF2-40B4-BE49-F238E27FC236}">
+                <a16:creationId xmlns:a16="http://schemas.microsoft.com/office/drawing/2014/main" xmlns="" id="{B2A08A5B-8D18-4B9B-896B-448058A8896B}"/>
+              </a:ext>
+            </a:extLst>
+          </p:cNvPr>
+          <p:cNvPicPr>
+            <a:picLocks noChangeAspect="1"/>
+          </p:cNvPicPr>
+          <p:nvPr/>
+        </p:nvPicPr>
+        <p:blipFill>
+          <a:blip r:embed="rId2"/>
+          <a:stretch>
+            <a:fillRect/>
+          </a:stretch>
+        </p:blipFill>
+        <p:spPr>
+          <a:xfrm>
+            <a:off x="985535" y="3173633"/>
+            <a:ext cx="4276725" cy="3262457"/>
+          </a:xfrm>
+          <a:prstGeom prst="rect">
+            <a:avLst/>
+          </a:prstGeom>
+        </p:spPr>
+      </p:pic>
+      <p:pic>
+        <p:nvPicPr>
+          <p:cNvPr id="12" name="Picture 11">
+            <a:extLst>
+              <a:ext uri="{FF2B5EF4-FFF2-40B4-BE49-F238E27FC236}">
+                <a16:creationId xmlns:a16="http://schemas.microsoft.com/office/drawing/2014/main" xmlns="" id="{35E41823-9FB9-4E65-9D20-0656836974DD}"/>
+              </a:ext>
+            </a:extLst>
+          </p:cNvPr>
+          <p:cNvPicPr>
+            <a:picLocks noChangeAspect="1"/>
+          </p:cNvPicPr>
+          <p:nvPr/>
+        </p:nvPicPr>
+        <p:blipFill>
+          <a:blip r:embed="rId3"/>
+          <a:stretch>
+            <a:fillRect/>
+          </a:stretch>
+        </p:blipFill>
+        <p:spPr>
+          <a:xfrm>
+            <a:off x="5948300" y="3173633"/>
+            <a:ext cx="4457700" cy="3262457"/>
+          </a:xfrm>
+          <a:prstGeom prst="rect">
+            <a:avLst/>
+          </a:prstGeom>
+        </p:spPr>
+      </p:pic>
+    </p:spTree>
+    <p:extLst>
+      <p:ext uri="{BB962C8B-B14F-4D97-AF65-F5344CB8AC3E}">
+        <p14:creationId xmlns:p14="http://schemas.microsoft.com/office/powerpoint/2010/main" val="326602297"/>
+      </p:ext>
+    </p:extLst>
+  </p:cSld>
+  <p:clrMapOvr>
+    <a:masterClrMapping/>
+  </p:clrMapOvr>
+  <p:timing>
+    <p:tnLst>
+      <p:par>
+        <p:cTn id="1" dur="indefinite" restart="never" nodeType="tmRoot"/>
+      </p:par>
+    </p:tnLst>
+  </p:timing>
+</p:sld>
+</file>
+
+<file path=ppt/slides/slide13.xml><?xml version="1.0" encoding="utf-8"?>
+<p:sld xmlns:a="http://schemas.openxmlformats.org/drawingml/2006/main" xmlns:r="http://schemas.openxmlformats.org/officeDocument/2006/relationships" xmlns:p="http://schemas.openxmlformats.org/presentationml/2006/main">
+  <p:cSld>
+    <p:spTree>
+      <p:nvGrpSpPr>
+        <p:cNvPr id="1" name=""/>
+        <p:cNvGrpSpPr/>
+        <p:nvPr/>
+      </p:nvGrpSpPr>
+      <p:grpSpPr>
+        <a:xfrm>
+          <a:off x="0" y="0"/>
+          <a:ext cx="0" cy="0"/>
+          <a:chOff x="0" y="0"/>
+          <a:chExt cx="0" cy="0"/>
+        </a:xfrm>
+      </p:grpSpPr>
+      <p:sp>
+        <p:nvSpPr>
           <p:cNvPr id="2" name="Title 1"/>
           <p:cNvSpPr>
             <a:spLocks noGrp="1"/>
@@ -7292,8 +7652,8 @@
         </p:nvSpPr>
         <p:spPr>
           <a:xfrm>
-            <a:off x="646112" y="1168400"/>
-            <a:ext cx="9403742" cy="5079999"/>
+            <a:off x="646112" y="1409700"/>
+            <a:ext cx="9403742" cy="4838699"/>
           </a:xfrm>
         </p:spPr>
         <p:txBody>
@@ -7416,10 +7776,17 @@
   <p:clrMapOvr>
     <a:masterClrMapping/>
   </p:clrMapOvr>
+  <p:timing>
+    <p:tnLst>
+      <p:par>
+        <p:cTn id="1" dur="indefinite" restart="never" nodeType="tmRoot"/>
+      </p:par>
+    </p:tnLst>
+  </p:timing>
 </p:sld>
 </file>
 
-<file path=ppt/slides/slide13.xml><?xml version="1.0" encoding="utf-8"?>
+<file path=ppt/slides/slide14.xml><?xml version="1.0" encoding="utf-8"?>
 <p:sld xmlns:a="http://schemas.openxmlformats.org/drawingml/2006/main" xmlns:r="http://schemas.openxmlformats.org/officeDocument/2006/relationships" xmlns:p="http://schemas.openxmlformats.org/presentationml/2006/main">
   <p:cSld>
     <p:spTree>
@@ -7468,151 +7835,13 @@
   <p:clrMapOvr>
     <a:masterClrMapping/>
   </p:clrMapOvr>
-</p:sld>
-</file>
-
-<file path=ppt/slides/slide14.xml><?xml version="1.0" encoding="utf-8"?>
-<p:sld xmlns:a="http://schemas.openxmlformats.org/drawingml/2006/main" xmlns:r="http://schemas.openxmlformats.org/officeDocument/2006/relationships" xmlns:p="http://schemas.openxmlformats.org/presentationml/2006/main">
-  <p:cSld>
-    <p:spTree>
-      <p:nvGrpSpPr>
-        <p:cNvPr id="1" name=""/>
-        <p:cNvGrpSpPr/>
-        <p:nvPr/>
-      </p:nvGrpSpPr>
-      <p:grpSpPr>
-        <a:xfrm>
-          <a:off x="0" y="0"/>
-          <a:ext cx="0" cy="0"/>
-          <a:chOff x="0" y="0"/>
-          <a:chExt cx="0" cy="0"/>
-        </a:xfrm>
-      </p:grpSpPr>
-      <p:sp>
-        <p:nvSpPr>
-          <p:cNvPr id="2" name="Title 1"/>
-          <p:cNvSpPr>
-            <a:spLocks noGrp="1"/>
-          </p:cNvSpPr>
-          <p:nvPr>
-            <p:ph type="title"/>
-          </p:nvPr>
-        </p:nvSpPr>
-        <p:spPr>
-          <a:xfrm>
-            <a:off x="646111" y="452718"/>
-            <a:ext cx="9404723" cy="639482"/>
-          </a:xfrm>
-        </p:spPr>
-        <p:txBody>
-          <a:bodyPr/>
-          <a:lstStyle/>
-          <a:p>
-            <a:r>
-              <a:rPr lang="en-US" dirty="0"/>
-              <a:t>Arrays</a:t>
-            </a:r>
-          </a:p>
-        </p:txBody>
-      </p:sp>
-      <p:sp>
-        <p:nvSpPr>
-          <p:cNvPr id="3" name="Content Placeholder 2"/>
-          <p:cNvSpPr>
-            <a:spLocks noGrp="1"/>
-          </p:cNvSpPr>
-          <p:nvPr>
-            <p:ph idx="1"/>
-          </p:nvPr>
-        </p:nvSpPr>
-        <p:spPr>
-          <a:xfrm>
-            <a:off x="546100" y="1371600"/>
-            <a:ext cx="9503753" cy="4876799"/>
-          </a:xfrm>
-        </p:spPr>
-        <p:txBody>
-          <a:bodyPr/>
-          <a:lstStyle/>
-          <a:p>
-            <a:r>
-              <a:rPr lang="en-US" dirty="0"/>
-              <a:t>Arrays are the JS ways of creating list.</a:t>
-            </a:r>
-          </a:p>
-          <a:p>
-            <a:r>
-              <a:rPr lang="en-US" dirty="0"/>
-              <a:t>Arrays can store any datatype .</a:t>
-            </a:r>
-          </a:p>
-          <a:p>
-            <a:r>
-              <a:rPr lang="en-US" dirty="0"/>
-              <a:t>You can declare an array using either </a:t>
-            </a:r>
-            <a:r>
-              <a:rPr lang="en-US" dirty="0">
-                <a:solidFill>
-                  <a:srgbClr val="FFFF00"/>
-                </a:solidFill>
-              </a:rPr>
-              <a:t>const </a:t>
-            </a:r>
-            <a:r>
-              <a:rPr lang="en-US" dirty="0"/>
-              <a:t>or </a:t>
-            </a:r>
-            <a:r>
-              <a:rPr lang="en-US" dirty="0">
-                <a:solidFill>
-                  <a:srgbClr val="FFFF00"/>
-                </a:solidFill>
-              </a:rPr>
-              <a:t>let</a:t>
-            </a:r>
-            <a:r>
-              <a:rPr lang="en-US" dirty="0"/>
-              <a:t> but therein const although you can replace the elements of array you can’t create a new array with same name.</a:t>
-            </a:r>
-          </a:p>
-          <a:p>
-            <a:endParaRPr lang="en-US" dirty="0"/>
-          </a:p>
-        </p:txBody>
-      </p:sp>
-      <p:pic>
-        <p:nvPicPr>
-          <p:cNvPr id="4" name="Picture 3"/>
-          <p:cNvPicPr/>
-          <p:nvPr/>
-        </p:nvPicPr>
-        <p:blipFill>
-          <a:blip r:embed="rId2"/>
-          <a:stretch>
-            <a:fillRect/>
-          </a:stretch>
-        </p:blipFill>
-        <p:spPr>
-          <a:xfrm>
-            <a:off x="1003300" y="3543301"/>
-            <a:ext cx="6985000" cy="2705098"/>
-          </a:xfrm>
-          <a:prstGeom prst="rect">
-            <a:avLst/>
-          </a:prstGeom>
-        </p:spPr>
-      </p:pic>
-    </p:spTree>
-    <p:extLst>
-      <p:ext uri="{BB962C8B-B14F-4D97-AF65-F5344CB8AC3E}">
-        <p14:creationId xmlns:p14="http://schemas.microsoft.com/office/powerpoint/2010/main" val="2986948427"/>
-      </p:ext>
-    </p:extLst>
-  </p:cSld>
-  <p:clrMapOvr>
-    <a:masterClrMapping/>
-  </p:clrMapOvr>
+  <p:timing>
+    <p:tnLst>
+      <p:par>
+        <p:cTn id="1" dur="indefinite" restart="never" nodeType="tmRoot"/>
+      </p:par>
+    </p:tnLst>
+  </p:timing>
 </p:sld>
 </file>
 
@@ -7646,7 +7875,7 @@
         <p:spPr>
           <a:xfrm>
             <a:off x="646111" y="452718"/>
-            <a:ext cx="9404723" cy="690282"/>
+            <a:ext cx="9404723" cy="639482"/>
           </a:xfrm>
         </p:spPr>
         <p:txBody>
@@ -7655,7 +7884,7 @@
           <a:p>
             <a:r>
               <a:rPr lang="en-US" dirty="0"/>
-              <a:t>Methods on Array</a:t>
+              <a:t>Arrays</a:t>
             </a:r>
           </a:p>
         </p:txBody>
@@ -7672,39 +7901,53 @@
         </p:nvSpPr>
         <p:spPr>
           <a:xfrm>
-            <a:off x="646112" y="1384300"/>
-            <a:ext cx="9403742" cy="4864099"/>
-          </a:xfrm>
-        </p:spPr>
-        <p:txBody>
-          <a:bodyPr/>
-          <a:lstStyle/>
-          <a:p>
-            <a:r>
-              <a:rPr lang="en-US" dirty="0" err="1"/>
-              <a:t>Arraylength</a:t>
-            </a:r>
+            <a:off x="546100" y="1371600"/>
+            <a:ext cx="9503753" cy="4876799"/>
+          </a:xfrm>
+        </p:spPr>
+        <p:txBody>
+          <a:bodyPr/>
+          <a:lstStyle/>
+          <a:p>
             <a:r>
               <a:rPr lang="en-US" dirty="0"/>
-              <a:t> = &lt;arrayname&gt;.length</a:t>
+              <a:t>Arrays are the JS ways of creating list.</a:t>
             </a:r>
           </a:p>
           <a:p>
             <a:r>
               <a:rPr lang="en-US" dirty="0"/>
-              <a:t>push = &lt;arrayname&gt;.push()</a:t>
+              <a:t>Arrays can store any datatype .</a:t>
             </a:r>
           </a:p>
           <a:p>
             <a:r>
               <a:rPr lang="en-US" dirty="0"/>
-              <a:t>pop = &lt;arrayname&gt;.pop()</a:t>
-            </a:r>
-          </a:p>
-          <a:p>
+              <a:t>You can declare an array using either </a:t>
+            </a:r>
+            <a:r>
+              <a:rPr lang="en-US" dirty="0">
+                <a:solidFill>
+                  <a:srgbClr val="FFFF00"/>
+                </a:solidFill>
+              </a:rPr>
+              <a:t>const </a:t>
+            </a:r>
             <a:r>
               <a:rPr lang="en-US" dirty="0"/>
-              <a:t>Array Slicing = &lt;arrayname&gt;.slice(begin, end) </a:t>
+              <a:t>or </a:t>
+            </a:r>
+            <a:r>
+              <a:rPr lang="en-US" dirty="0">
+                <a:solidFill>
+                  <a:srgbClr val="FFFF00"/>
+                </a:solidFill>
+              </a:rPr>
+              <a:t>let</a:t>
+            </a:r>
+            <a:r>
+              <a:rPr lang="en-US" dirty="0"/>
+              <a:t> but therein const although you can replace the elements of array you can’t create a new array with same name.</a:t>
             </a:r>
           </a:p>
           <a:p>
@@ -7726,32 +7969,8 @@
         </p:blipFill>
         <p:spPr>
           <a:xfrm>
-            <a:off x="990600" y="3467100"/>
-            <a:ext cx="7543800" cy="2362200"/>
-          </a:xfrm>
-          <a:prstGeom prst="rect">
-            <a:avLst/>
-          </a:prstGeom>
-        </p:spPr>
-      </p:pic>
-      <p:pic>
-        <p:nvPicPr>
-          <p:cNvPr id="5" name="Picture 4"/>
-          <p:cNvPicPr>
-            <a:picLocks noChangeAspect="1"/>
-          </p:cNvPicPr>
-          <p:nvPr/>
-        </p:nvPicPr>
-        <p:blipFill>
-          <a:blip r:embed="rId3"/>
-          <a:stretch>
-            <a:fillRect/>
-          </a:stretch>
-        </p:blipFill>
-        <p:spPr>
-          <a:xfrm>
-            <a:off x="6375399" y="1384300"/>
-            <a:ext cx="4787901" cy="1247775"/>
+            <a:off x="1003300" y="3543301"/>
+            <a:ext cx="6985000" cy="2705098"/>
           </a:xfrm>
           <a:prstGeom prst="rect">
             <a:avLst/>
@@ -7761,13 +7980,20 @@
     </p:spTree>
     <p:extLst>
       <p:ext uri="{BB962C8B-B14F-4D97-AF65-F5344CB8AC3E}">
-        <p14:creationId xmlns:p14="http://schemas.microsoft.com/office/powerpoint/2010/main" val="374657920"/>
+        <p14:creationId xmlns:p14="http://schemas.microsoft.com/office/powerpoint/2010/main" val="2986948427"/>
       </p:ext>
     </p:extLst>
   </p:cSld>
   <p:clrMapOvr>
     <a:masterClrMapping/>
   </p:clrMapOvr>
+  <p:timing>
+    <p:tnLst>
+      <p:par>
+        <p:cTn id="1" dur="indefinite" restart="never" nodeType="tmRoot"/>
+      </p:par>
+    </p:tnLst>
+  </p:timing>
 </p:sld>
 </file>
 
@@ -7790,13 +8016,7 @@
       </p:grpSpPr>
       <p:sp>
         <p:nvSpPr>
-          <p:cNvPr id="2" name="Title 1">
-            <a:extLst>
-              <a:ext uri="{FF2B5EF4-FFF2-40B4-BE49-F238E27FC236}">
-                <a16:creationId xmlns:a16="http://schemas.microsoft.com/office/drawing/2014/main" id="{2BB9F30D-5EC0-464A-B64B-B52B72DA9C4C}"/>
-              </a:ext>
-            </a:extLst>
-          </p:cNvPr>
+          <p:cNvPr id="2" name="Title 1"/>
           <p:cNvSpPr>
             <a:spLocks noGrp="1"/>
           </p:cNvSpPr>
@@ -7807,29 +8027,23 @@
         <p:spPr>
           <a:xfrm>
             <a:off x="646111" y="452718"/>
-            <a:ext cx="9404723" cy="711064"/>
-          </a:xfrm>
-        </p:spPr>
-        <p:txBody>
-          <a:bodyPr/>
-          <a:lstStyle/>
-          <a:p>
-            <a:r>
-              <a:rPr lang="en-IN" dirty="0"/>
-              <a:t>Iterators</a:t>
-            </a:r>
-          </a:p>
-        </p:txBody>
-      </p:sp>
-      <p:sp>
-        <p:nvSpPr>
-          <p:cNvPr id="3" name="Content Placeholder 2">
-            <a:extLst>
-              <a:ext uri="{FF2B5EF4-FFF2-40B4-BE49-F238E27FC236}">
-                <a16:creationId xmlns:a16="http://schemas.microsoft.com/office/drawing/2014/main" id="{D0D44FF2-F54B-4B14-9FD3-EDC2506164BE}"/>
-              </a:ext>
-            </a:extLst>
-          </p:cNvPr>
+            <a:ext cx="9404723" cy="690282"/>
+          </a:xfrm>
+        </p:spPr>
+        <p:txBody>
+          <a:bodyPr/>
+          <a:lstStyle/>
+          <a:p>
+            <a:r>
+              <a:rPr lang="en-US" dirty="0"/>
+              <a:t>Methods on Array</a:t>
+            </a:r>
+          </a:p>
+        </p:txBody>
+      </p:sp>
+      <p:sp>
+        <p:nvSpPr>
+          <p:cNvPr id="3" name="Content Placeholder 2"/>
           <p:cNvSpPr>
             <a:spLocks noGrp="1"/>
           </p:cNvSpPr>
@@ -7839,92 +8053,109 @@
         </p:nvSpPr>
         <p:spPr>
           <a:xfrm>
-            <a:off x="645130" y="1283856"/>
-            <a:ext cx="9404723" cy="4964544"/>
-          </a:xfrm>
-        </p:spPr>
-        <p:txBody>
-          <a:bodyPr/>
-          <a:lstStyle/>
-          <a:p>
-            <a:r>
-              <a:rPr lang="en-IN" dirty="0"/>
-              <a:t>Iterators are built in JavaScript array methods that helps in iterating over the array element.</a:t>
-            </a:r>
-          </a:p>
-          <a:p>
-            <a:pPr lvl="1"/>
-            <a:r>
-              <a:rPr lang="en-IN" dirty="0"/>
-              <a:t>forEach()  : Returns undefined</a:t>
-            </a:r>
-          </a:p>
-          <a:p>
-            <a:pPr lvl="1"/>
-            <a:r>
-              <a:rPr lang="en-IN" dirty="0"/>
-              <a:t>Map()       : Returns a new array</a:t>
-            </a:r>
-          </a:p>
-          <a:p>
-            <a:pPr lvl="1"/>
-            <a:r>
-              <a:rPr lang="en-IN" dirty="0"/>
-              <a:t>filter()        : Returns a new array</a:t>
-            </a:r>
-          </a:p>
-          <a:p>
-            <a:pPr lvl="1"/>
-            <a:endParaRPr lang="en-IN" dirty="0"/>
-          </a:p>
-          <a:p>
-            <a:pPr marL="457200" lvl="1" indent="0">
-              <a:buNone/>
-            </a:pPr>
-            <a:r>
-              <a:rPr lang="en-IN" dirty="0"/>
-              <a:t>All above methods always takes a callback function as an argument.</a:t>
-            </a:r>
-          </a:p>
-          <a:p>
-            <a:pPr marL="457200" lvl="1" indent="0">
-              <a:buNone/>
-            </a:pPr>
-            <a:endParaRPr lang="en-IN" dirty="0"/>
-          </a:p>
-          <a:p>
-            <a:pPr marL="457200" lvl="1" indent="0">
-              <a:buNone/>
-            </a:pPr>
-            <a:r>
-              <a:rPr lang="en-IN" dirty="0"/>
-              <a:t>P.S :- callback function is a function which is passed as an argument to another function.</a:t>
-            </a:r>
-          </a:p>
-          <a:p>
-            <a:pPr marL="457200" lvl="1" indent="0">
-              <a:buNone/>
-            </a:pPr>
-            <a:endParaRPr lang="en-IN" dirty="0"/>
-          </a:p>
-          <a:p>
-            <a:pPr marL="457200" lvl="1" indent="0">
-              <a:buNone/>
-            </a:pPr>
-            <a:endParaRPr lang="en-IN" dirty="0"/>
-          </a:p>
-        </p:txBody>
-      </p:sp>
+            <a:off x="646112" y="1384300"/>
+            <a:ext cx="9403742" cy="4864099"/>
+          </a:xfrm>
+        </p:spPr>
+        <p:txBody>
+          <a:bodyPr/>
+          <a:lstStyle/>
+          <a:p>
+            <a:r>
+              <a:rPr lang="en-US" dirty="0" err="1"/>
+              <a:t>Arraylength</a:t>
+            </a:r>
+            <a:r>
+              <a:rPr lang="en-US" dirty="0"/>
+              <a:t> = &lt;arrayname&gt;.length</a:t>
+            </a:r>
+          </a:p>
+          <a:p>
+            <a:r>
+              <a:rPr lang="en-US" dirty="0"/>
+              <a:t>push = &lt;arrayname&gt;.push()</a:t>
+            </a:r>
+          </a:p>
+          <a:p>
+            <a:r>
+              <a:rPr lang="en-US" dirty="0"/>
+              <a:t>pop = &lt;arrayname&gt;.pop()</a:t>
+            </a:r>
+          </a:p>
+          <a:p>
+            <a:r>
+              <a:rPr lang="en-US" dirty="0"/>
+              <a:t>Array Slicing = &lt;arrayname&gt;.slice(begin, end) </a:t>
+            </a:r>
+          </a:p>
+          <a:p>
+            <a:endParaRPr lang="en-US" dirty="0"/>
+          </a:p>
+        </p:txBody>
+      </p:sp>
+      <p:pic>
+        <p:nvPicPr>
+          <p:cNvPr id="4" name="Picture 3"/>
+          <p:cNvPicPr/>
+          <p:nvPr/>
+        </p:nvPicPr>
+        <p:blipFill>
+          <a:blip r:embed="rId2"/>
+          <a:stretch>
+            <a:fillRect/>
+          </a:stretch>
+        </p:blipFill>
+        <p:spPr>
+          <a:xfrm>
+            <a:off x="990600" y="3467100"/>
+            <a:ext cx="7543800" cy="2362200"/>
+          </a:xfrm>
+          <a:prstGeom prst="rect">
+            <a:avLst/>
+          </a:prstGeom>
+        </p:spPr>
+      </p:pic>
+      <p:pic>
+        <p:nvPicPr>
+          <p:cNvPr id="5" name="Picture 4"/>
+          <p:cNvPicPr>
+            <a:picLocks noChangeAspect="1"/>
+          </p:cNvPicPr>
+          <p:nvPr/>
+        </p:nvPicPr>
+        <p:blipFill>
+          <a:blip r:embed="rId3"/>
+          <a:stretch>
+            <a:fillRect/>
+          </a:stretch>
+        </p:blipFill>
+        <p:spPr>
+          <a:xfrm>
+            <a:off x="6375399" y="1384300"/>
+            <a:ext cx="4787901" cy="1247775"/>
+          </a:xfrm>
+          <a:prstGeom prst="rect">
+            <a:avLst/>
+          </a:prstGeom>
+        </p:spPr>
+      </p:pic>
     </p:spTree>
     <p:extLst>
       <p:ext uri="{BB962C8B-B14F-4D97-AF65-F5344CB8AC3E}">
-        <p14:creationId xmlns:p14="http://schemas.microsoft.com/office/powerpoint/2010/main" val="3228393018"/>
+        <p14:creationId xmlns:p14="http://schemas.microsoft.com/office/powerpoint/2010/main" val="374657920"/>
       </p:ext>
     </p:extLst>
   </p:cSld>
   <p:clrMapOvr>
     <a:masterClrMapping/>
   </p:clrMapOvr>
+  <p:timing>
+    <p:tnLst>
+      <p:par>
+        <p:cTn id="1" dur="indefinite" restart="never" nodeType="tmRoot"/>
+      </p:par>
+    </p:tnLst>
+  </p:timing>
 </p:sld>
 </file>
 
@@ -7950,7 +8181,7 @@
           <p:cNvPr id="2" name="Title 1">
             <a:extLst>
               <a:ext uri="{FF2B5EF4-FFF2-40B4-BE49-F238E27FC236}">
-                <a16:creationId xmlns:a16="http://schemas.microsoft.com/office/drawing/2014/main" id="{A2CB15EE-5513-424B-8A00-0505B4F95F10}"/>
+                <a16:creationId xmlns:a16="http://schemas.microsoft.com/office/drawing/2014/main" xmlns="" id="{2BB9F30D-5EC0-464A-B64B-B52B72DA9C4C}"/>
               </a:ext>
             </a:extLst>
           </p:cNvPr>
@@ -7964,7 +8195,7 @@
         <p:spPr>
           <a:xfrm>
             <a:off x="646111" y="452718"/>
-            <a:ext cx="9404723" cy="683355"/>
+            <a:ext cx="9404723" cy="711064"/>
           </a:xfrm>
         </p:spPr>
         <p:txBody>
@@ -7973,83 +8204,122 @@
           <a:p>
             <a:r>
               <a:rPr lang="en-IN" dirty="0"/>
-              <a:t>forEach</a:t>
-            </a:r>
-          </a:p>
-        </p:txBody>
-      </p:sp>
-      <p:pic>
-        <p:nvPicPr>
-          <p:cNvPr id="9" name="Content Placeholder 8">
+              <a:t>Iterators</a:t>
+            </a:r>
+          </a:p>
+        </p:txBody>
+      </p:sp>
+      <p:sp>
+        <p:nvSpPr>
+          <p:cNvPr id="3" name="Content Placeholder 2">
             <a:extLst>
               <a:ext uri="{FF2B5EF4-FFF2-40B4-BE49-F238E27FC236}">
-                <a16:creationId xmlns:a16="http://schemas.microsoft.com/office/drawing/2014/main" id="{A8251C31-0112-4529-8994-7D466FDDBBF0}"/>
+                <a16:creationId xmlns:a16="http://schemas.microsoft.com/office/drawing/2014/main" xmlns="" id="{D0D44FF2-F54B-4B14-9FD3-EDC2506164BE}"/>
               </a:ext>
             </a:extLst>
           </p:cNvPr>
-          <p:cNvPicPr>
-            <a:picLocks noGrp="1" noChangeAspect="1"/>
-          </p:cNvPicPr>
+          <p:cNvSpPr>
+            <a:spLocks noGrp="1"/>
+          </p:cNvSpPr>
           <p:nvPr>
             <p:ph idx="1"/>
           </p:nvPr>
-        </p:nvPicPr>
-        <p:blipFill>
-          <a:blip r:embed="rId2"/>
-          <a:stretch>
-            <a:fillRect/>
-          </a:stretch>
-        </p:blipFill>
-        <p:spPr>
-          <a:xfrm>
-            <a:off x="6700044" y="3052184"/>
-            <a:ext cx="2238375" cy="1704975"/>
-          </a:xfrm>
-          <a:prstGeom prst="rect">
-            <a:avLst/>
-          </a:prstGeom>
-        </p:spPr>
-      </p:pic>
-      <p:pic>
-        <p:nvPicPr>
-          <p:cNvPr id="8" name="Picture 7">
-            <a:extLst>
-              <a:ext uri="{FF2B5EF4-FFF2-40B4-BE49-F238E27FC236}">
-                <a16:creationId xmlns:a16="http://schemas.microsoft.com/office/drawing/2014/main" id="{069CC8A6-26FF-4239-B7B2-03B782DD5A61}"/>
-              </a:ext>
-            </a:extLst>
-          </p:cNvPr>
-          <p:cNvPicPr>
-            <a:picLocks noChangeAspect="1"/>
-          </p:cNvPicPr>
-          <p:nvPr/>
-        </p:nvPicPr>
-        <p:blipFill>
-          <a:blip r:embed="rId3"/>
-          <a:stretch>
-            <a:fillRect/>
-          </a:stretch>
-        </p:blipFill>
-        <p:spPr>
-          <a:xfrm>
-            <a:off x="646111" y="1858955"/>
-            <a:ext cx="5268191" cy="2971663"/>
-          </a:xfrm>
-          <a:prstGeom prst="rect">
-            <a:avLst/>
-          </a:prstGeom>
-        </p:spPr>
-      </p:pic>
+        </p:nvSpPr>
+        <p:spPr>
+          <a:xfrm>
+            <a:off x="645130" y="1283856"/>
+            <a:ext cx="9404723" cy="4964544"/>
+          </a:xfrm>
+        </p:spPr>
+        <p:txBody>
+          <a:bodyPr/>
+          <a:lstStyle/>
+          <a:p>
+            <a:r>
+              <a:rPr lang="en-IN" dirty="0"/>
+              <a:t>Iterators are built in JavaScript array methods that helps in iterating over the array element.</a:t>
+            </a:r>
+          </a:p>
+          <a:p>
+            <a:pPr lvl="1"/>
+            <a:r>
+              <a:rPr lang="en-IN" dirty="0"/>
+              <a:t>forEach()  : Returns undefined</a:t>
+            </a:r>
+          </a:p>
+          <a:p>
+            <a:pPr lvl="1"/>
+            <a:r>
+              <a:rPr lang="en-IN" dirty="0"/>
+              <a:t>Map()       : Returns a new array</a:t>
+            </a:r>
+          </a:p>
+          <a:p>
+            <a:pPr lvl="1"/>
+            <a:r>
+              <a:rPr lang="en-IN" dirty="0"/>
+              <a:t>filter()        : Returns a new array</a:t>
+            </a:r>
+          </a:p>
+          <a:p>
+            <a:pPr lvl="1"/>
+            <a:endParaRPr lang="en-IN" dirty="0"/>
+          </a:p>
+          <a:p>
+            <a:pPr marL="457200" lvl="1" indent="0">
+              <a:buNone/>
+            </a:pPr>
+            <a:r>
+              <a:rPr lang="en-IN" dirty="0"/>
+              <a:t>All above methods always takes a callback function as an argument.</a:t>
+            </a:r>
+          </a:p>
+          <a:p>
+            <a:pPr marL="457200" lvl="1" indent="0">
+              <a:buNone/>
+            </a:pPr>
+            <a:endParaRPr lang="en-IN" dirty="0"/>
+          </a:p>
+          <a:p>
+            <a:pPr marL="457200" lvl="1" indent="0">
+              <a:buNone/>
+            </a:pPr>
+            <a:r>
+              <a:rPr lang="en-IN" dirty="0"/>
+              <a:t>P.S :- callback function is a function which is passed as an argument to another function.</a:t>
+            </a:r>
+          </a:p>
+          <a:p>
+            <a:pPr marL="457200" lvl="1" indent="0">
+              <a:buNone/>
+            </a:pPr>
+            <a:endParaRPr lang="en-IN" dirty="0"/>
+          </a:p>
+          <a:p>
+            <a:pPr marL="457200" lvl="1" indent="0">
+              <a:buNone/>
+            </a:pPr>
+            <a:endParaRPr lang="en-IN" dirty="0"/>
+          </a:p>
+        </p:txBody>
+      </p:sp>
     </p:spTree>
     <p:extLst>
       <p:ext uri="{BB962C8B-B14F-4D97-AF65-F5344CB8AC3E}">
-        <p14:creationId xmlns:p14="http://schemas.microsoft.com/office/powerpoint/2010/main" val="734446109"/>
+        <p14:creationId xmlns:p14="http://schemas.microsoft.com/office/powerpoint/2010/main" val="3228393018"/>
       </p:ext>
     </p:extLst>
   </p:cSld>
   <p:clrMapOvr>
     <a:masterClrMapping/>
   </p:clrMapOvr>
+  <p:timing>
+    <p:tnLst>
+      <p:par>
+        <p:cTn id="1" dur="indefinite" restart="never" nodeType="tmRoot"/>
+      </p:par>
+    </p:tnLst>
+  </p:timing>
 </p:sld>
 </file>
 
@@ -8075,7 +8345,7 @@
           <p:cNvPr id="2" name="Title 1">
             <a:extLst>
               <a:ext uri="{FF2B5EF4-FFF2-40B4-BE49-F238E27FC236}">
-                <a16:creationId xmlns:a16="http://schemas.microsoft.com/office/drawing/2014/main" id="{2D5EBFA2-C6C3-4BD8-939F-6B07E1329398}"/>
+                <a16:creationId xmlns:a16="http://schemas.microsoft.com/office/drawing/2014/main" xmlns="" id="{A2CB15EE-5513-424B-8A00-0505B4F95F10}"/>
               </a:ext>
             </a:extLst>
           </p:cNvPr>
@@ -8089,6 +8359,138 @@
         <p:spPr>
           <a:xfrm>
             <a:off x="646111" y="452718"/>
+            <a:ext cx="9404723" cy="683355"/>
+          </a:xfrm>
+        </p:spPr>
+        <p:txBody>
+          <a:bodyPr/>
+          <a:lstStyle/>
+          <a:p>
+            <a:r>
+              <a:rPr lang="en-IN" dirty="0"/>
+              <a:t>forEach</a:t>
+            </a:r>
+          </a:p>
+        </p:txBody>
+      </p:sp>
+      <p:pic>
+        <p:nvPicPr>
+          <p:cNvPr id="9" name="Content Placeholder 8">
+            <a:extLst>
+              <a:ext uri="{FF2B5EF4-FFF2-40B4-BE49-F238E27FC236}">
+                <a16:creationId xmlns:a16="http://schemas.microsoft.com/office/drawing/2014/main" xmlns="" id="{A8251C31-0112-4529-8994-7D466FDDBBF0}"/>
+              </a:ext>
+            </a:extLst>
+          </p:cNvPr>
+          <p:cNvPicPr>
+            <a:picLocks noGrp="1" noChangeAspect="1"/>
+          </p:cNvPicPr>
+          <p:nvPr>
+            <p:ph idx="1"/>
+          </p:nvPr>
+        </p:nvPicPr>
+        <p:blipFill>
+          <a:blip r:embed="rId2"/>
+          <a:stretch>
+            <a:fillRect/>
+          </a:stretch>
+        </p:blipFill>
+        <p:spPr>
+          <a:xfrm>
+            <a:off x="6700044" y="3052184"/>
+            <a:ext cx="2238375" cy="1704975"/>
+          </a:xfrm>
+          <a:prstGeom prst="rect">
+            <a:avLst/>
+          </a:prstGeom>
+        </p:spPr>
+      </p:pic>
+      <p:pic>
+        <p:nvPicPr>
+          <p:cNvPr id="8" name="Picture 7">
+            <a:extLst>
+              <a:ext uri="{FF2B5EF4-FFF2-40B4-BE49-F238E27FC236}">
+                <a16:creationId xmlns:a16="http://schemas.microsoft.com/office/drawing/2014/main" xmlns="" id="{069CC8A6-26FF-4239-B7B2-03B782DD5A61}"/>
+              </a:ext>
+            </a:extLst>
+          </p:cNvPr>
+          <p:cNvPicPr>
+            <a:picLocks noChangeAspect="1"/>
+          </p:cNvPicPr>
+          <p:nvPr/>
+        </p:nvPicPr>
+        <p:blipFill>
+          <a:blip r:embed="rId3"/>
+          <a:stretch>
+            <a:fillRect/>
+          </a:stretch>
+        </p:blipFill>
+        <p:spPr>
+          <a:xfrm>
+            <a:off x="646111" y="1858955"/>
+            <a:ext cx="5268191" cy="2971663"/>
+          </a:xfrm>
+          <a:prstGeom prst="rect">
+            <a:avLst/>
+          </a:prstGeom>
+        </p:spPr>
+      </p:pic>
+    </p:spTree>
+    <p:extLst>
+      <p:ext uri="{BB962C8B-B14F-4D97-AF65-F5344CB8AC3E}">
+        <p14:creationId xmlns:p14="http://schemas.microsoft.com/office/powerpoint/2010/main" val="734446109"/>
+      </p:ext>
+    </p:extLst>
+  </p:cSld>
+  <p:clrMapOvr>
+    <a:masterClrMapping/>
+  </p:clrMapOvr>
+  <p:timing>
+    <p:tnLst>
+      <p:par>
+        <p:cTn id="1" dur="indefinite" restart="never" nodeType="tmRoot"/>
+      </p:par>
+    </p:tnLst>
+  </p:timing>
+</p:sld>
+</file>
+
+<file path=ppt/slides/slide19.xml><?xml version="1.0" encoding="utf-8"?>
+<p:sld xmlns:a="http://schemas.openxmlformats.org/drawingml/2006/main" xmlns:r="http://schemas.openxmlformats.org/officeDocument/2006/relationships" xmlns:p="http://schemas.openxmlformats.org/presentationml/2006/main">
+  <p:cSld>
+    <p:spTree>
+      <p:nvGrpSpPr>
+        <p:cNvPr id="1" name=""/>
+        <p:cNvGrpSpPr/>
+        <p:nvPr/>
+      </p:nvGrpSpPr>
+      <p:grpSpPr>
+        <a:xfrm>
+          <a:off x="0" y="0"/>
+          <a:ext cx="0" cy="0"/>
+          <a:chOff x="0" y="0"/>
+          <a:chExt cx="0" cy="0"/>
+        </a:xfrm>
+      </p:grpSpPr>
+      <p:sp>
+        <p:nvSpPr>
+          <p:cNvPr id="2" name="Title 1">
+            <a:extLst>
+              <a:ext uri="{FF2B5EF4-FFF2-40B4-BE49-F238E27FC236}">
+                <a16:creationId xmlns:a16="http://schemas.microsoft.com/office/drawing/2014/main" xmlns="" id="{2D5EBFA2-C6C3-4BD8-939F-6B07E1329398}"/>
+              </a:ext>
+            </a:extLst>
+          </p:cNvPr>
+          <p:cNvSpPr>
+            <a:spLocks noGrp="1"/>
+          </p:cNvSpPr>
+          <p:nvPr>
+            <p:ph type="title"/>
+          </p:nvPr>
+        </p:nvSpPr>
+        <p:spPr>
+          <a:xfrm>
+            <a:off x="646111" y="452718"/>
             <a:ext cx="9404723" cy="627937"/>
           </a:xfrm>
         </p:spPr>
@@ -8108,7 +8510,7 @@
           <p:cNvPr id="3" name="Content Placeholder 2">
             <a:extLst>
               <a:ext uri="{FF2B5EF4-FFF2-40B4-BE49-F238E27FC236}">
-                <a16:creationId xmlns:a16="http://schemas.microsoft.com/office/drawing/2014/main" id="{9733B3F7-1DF3-4F9B-9737-D78A0A0675F9}"/>
+                <a16:creationId xmlns:a16="http://schemas.microsoft.com/office/drawing/2014/main" xmlns="" id="{9733B3F7-1DF3-4F9B-9737-D78A0A0675F9}"/>
               </a:ext>
             </a:extLst>
           </p:cNvPr>
@@ -8144,7 +8546,7 @@
           <p:cNvPr id="4" name="Content Placeholder 3">
             <a:extLst>
               <a:ext uri="{FF2B5EF4-FFF2-40B4-BE49-F238E27FC236}">
-                <a16:creationId xmlns:a16="http://schemas.microsoft.com/office/drawing/2014/main" id="{7E9A95FD-4668-450F-9415-31DE78A74113}"/>
+                <a16:creationId xmlns:a16="http://schemas.microsoft.com/office/drawing/2014/main" xmlns="" id="{7E9A95FD-4668-450F-9415-31DE78A74113}"/>
               </a:ext>
             </a:extLst>
           </p:cNvPr>
@@ -8177,7 +8579,7 @@
           <p:cNvPr id="5" name="Picture 4">
             <a:extLst>
               <a:ext uri="{FF2B5EF4-FFF2-40B4-BE49-F238E27FC236}">
-                <a16:creationId xmlns:a16="http://schemas.microsoft.com/office/drawing/2014/main" id="{43F764D7-7461-4A61-97EE-96CF9A28D950}"/>
+                <a16:creationId xmlns:a16="http://schemas.microsoft.com/office/drawing/2014/main" xmlns="" id="{43F764D7-7461-4A61-97EE-96CF9A28D950}"/>
               </a:ext>
             </a:extLst>
           </p:cNvPr>
@@ -8207,7 +8609,7 @@
           <p:cNvPr id="6" name="Picture 5">
             <a:extLst>
               <a:ext uri="{FF2B5EF4-FFF2-40B4-BE49-F238E27FC236}">
-                <a16:creationId xmlns:a16="http://schemas.microsoft.com/office/drawing/2014/main" id="{BBDEDBE2-AF15-4823-9D3E-835EE7ABF6E0}"/>
+                <a16:creationId xmlns:a16="http://schemas.microsoft.com/office/drawing/2014/main" xmlns="" id="{BBDEDBE2-AF15-4823-9D3E-835EE7ABF6E0}"/>
               </a:ext>
             </a:extLst>
           </p:cNvPr>
@@ -8237,7 +8639,7 @@
           <p:cNvPr id="7" name="Picture 6">
             <a:extLst>
               <a:ext uri="{FF2B5EF4-FFF2-40B4-BE49-F238E27FC236}">
-                <a16:creationId xmlns:a16="http://schemas.microsoft.com/office/drawing/2014/main" id="{5211FCAE-D41E-489B-89E8-4F0F18312C30}"/>
+                <a16:creationId xmlns:a16="http://schemas.microsoft.com/office/drawing/2014/main" xmlns="" id="{5211FCAE-D41E-489B-89E8-4F0F18312C30}"/>
               </a:ext>
             </a:extLst>
           </p:cNvPr>
@@ -8267,7 +8669,7 @@
           <p:cNvPr id="8" name="Picture 7">
             <a:extLst>
               <a:ext uri="{FF2B5EF4-FFF2-40B4-BE49-F238E27FC236}">
-                <a16:creationId xmlns:a16="http://schemas.microsoft.com/office/drawing/2014/main" id="{406ECAC2-06F7-4FF7-84F5-B58191F2986F}"/>
+                <a16:creationId xmlns:a16="http://schemas.microsoft.com/office/drawing/2014/main" xmlns="" id="{406ECAC2-06F7-4FF7-84F5-B58191F2986F}"/>
               </a:ext>
             </a:extLst>
           </p:cNvPr>
@@ -8302,6 +8704,13 @@
   <p:clrMapOvr>
     <a:masterClrMapping/>
   </p:clrMapOvr>
+  <p:timing>
+    <p:tnLst>
+      <p:par>
+        <p:cTn id="1" dur="indefinite" restart="never" nodeType="tmRoot"/>
+      </p:par>
+    </p:tnLst>
+  </p:timing>
 </p:sld>
 </file>
 
@@ -8327,7 +8736,7 @@
           <p:cNvPr id="2" name="Title 1">
             <a:extLst>
               <a:ext uri="{FF2B5EF4-FFF2-40B4-BE49-F238E27FC236}">
-                <a16:creationId xmlns:a16="http://schemas.microsoft.com/office/drawing/2014/main" id="{F26B4C22-E571-44B1-86F4-C4F0250F4F2B}"/>
+                <a16:creationId xmlns:a16="http://schemas.microsoft.com/office/drawing/2014/main" xmlns="" id="{F26B4C22-E571-44B1-86F4-C4F0250F4F2B}"/>
               </a:ext>
             </a:extLst>
           </p:cNvPr>
@@ -8355,7 +8764,7 @@
           <p:cNvPr id="3" name="Content Placeholder 2">
             <a:extLst>
               <a:ext uri="{FF2B5EF4-FFF2-40B4-BE49-F238E27FC236}">
-                <a16:creationId xmlns:a16="http://schemas.microsoft.com/office/drawing/2014/main" id="{61FC4E31-6A55-41B1-89DF-569D855AD4BD}"/>
+                <a16:creationId xmlns:a16="http://schemas.microsoft.com/office/drawing/2014/main" xmlns="" id="{61FC4E31-6A55-41B1-89DF-569D855AD4BD}"/>
               </a:ext>
             </a:extLst>
           </p:cNvPr>
@@ -8450,6 +8859,826 @@
   <p:clrMapOvr>
     <a:masterClrMapping/>
   </p:clrMapOvr>
+  <p:timing>
+    <p:tnLst>
+      <p:par>
+        <p:cTn id="1" dur="indefinite" restart="never" nodeType="tmRoot"/>
+      </p:par>
+    </p:tnLst>
+  </p:timing>
+</p:sld>
+</file>
+
+<file path=ppt/slides/slide20.xml><?xml version="1.0" encoding="utf-8"?>
+<p:sld xmlns:a="http://schemas.openxmlformats.org/drawingml/2006/main" xmlns:r="http://schemas.openxmlformats.org/officeDocument/2006/relationships" xmlns:p="http://schemas.openxmlformats.org/presentationml/2006/main">
+  <p:cSld>
+    <p:spTree>
+      <p:nvGrpSpPr>
+        <p:cNvPr id="1" name=""/>
+        <p:cNvGrpSpPr/>
+        <p:nvPr/>
+      </p:nvGrpSpPr>
+      <p:grpSpPr>
+        <a:xfrm>
+          <a:off x="0" y="0"/>
+          <a:ext cx="0" cy="0"/>
+          <a:chOff x="0" y="0"/>
+          <a:chExt cx="0" cy="0"/>
+        </a:xfrm>
+      </p:grpSpPr>
+      <p:sp>
+        <p:nvSpPr>
+          <p:cNvPr id="2" name="Title 1"/>
+          <p:cNvSpPr>
+            <a:spLocks noGrp="1"/>
+          </p:cNvSpPr>
+          <p:nvPr>
+            <p:ph type="title"/>
+          </p:nvPr>
+        </p:nvSpPr>
+        <p:spPr>
+          <a:xfrm>
+            <a:off x="646111" y="452718"/>
+            <a:ext cx="9404723" cy="652182"/>
+          </a:xfrm>
+        </p:spPr>
+        <p:txBody>
+          <a:bodyPr/>
+          <a:lstStyle/>
+          <a:p>
+            <a:r>
+              <a:rPr lang="en-US" dirty="0" smtClean="0"/>
+              <a:t>Objects</a:t>
+            </a:r>
+            <a:endParaRPr lang="en-US" dirty="0"/>
+          </a:p>
+        </p:txBody>
+      </p:sp>
+      <p:sp>
+        <p:nvSpPr>
+          <p:cNvPr id="3" name="Content Placeholder 2"/>
+          <p:cNvSpPr>
+            <a:spLocks noGrp="1"/>
+          </p:cNvSpPr>
+          <p:nvPr>
+            <p:ph idx="1"/>
+          </p:nvPr>
+        </p:nvSpPr>
+        <p:spPr>
+          <a:xfrm>
+            <a:off x="646112" y="1574800"/>
+            <a:ext cx="9403742" cy="4673599"/>
+          </a:xfrm>
+        </p:spPr>
+        <p:txBody>
+          <a:bodyPr/>
+          <a:lstStyle/>
+          <a:p>
+            <a:pPr lvl="1"/>
+            <a:r>
+              <a:rPr lang="en-US" dirty="0" smtClean="0"/>
+              <a:t>There are 7 fundamental data types in JS and Object is one type.</a:t>
+            </a:r>
+          </a:p>
+          <a:p>
+            <a:pPr lvl="1"/>
+            <a:r>
+              <a:rPr lang="en-US" dirty="0"/>
+              <a:t>JavaScript objects are containers storing related data and functionality, but that deceptively simple task is extremely powerful in practice. </a:t>
+            </a:r>
+          </a:p>
+          <a:p>
+            <a:pPr lvl="1"/>
+            <a:r>
+              <a:rPr lang="en-US" dirty="0" smtClean="0"/>
+              <a:t>Object Literal:-</a:t>
+            </a:r>
+          </a:p>
+          <a:p>
+            <a:pPr marL="457200" lvl="1" indent="0">
+              <a:buNone/>
+            </a:pPr>
+            <a:r>
+              <a:rPr lang="en-US" dirty="0"/>
+              <a:t>	</a:t>
+            </a:r>
+            <a:r>
+              <a:rPr lang="en-US" dirty="0" smtClean="0"/>
+              <a:t>let &lt;</a:t>
+            </a:r>
+            <a:r>
+              <a:rPr lang="en-US" dirty="0" err="1" smtClean="0"/>
+              <a:t>objectname</a:t>
+            </a:r>
+            <a:r>
+              <a:rPr lang="en-US" dirty="0" smtClean="0"/>
+              <a:t>&gt; = { };</a:t>
+            </a:r>
+          </a:p>
+          <a:p>
+            <a:pPr marL="457200" lvl="1" indent="0">
+              <a:buNone/>
+            </a:pPr>
+            <a:r>
+              <a:rPr lang="en-US" dirty="0"/>
+              <a:t>	</a:t>
+            </a:r>
+            <a:r>
+              <a:rPr lang="en-US" dirty="0" smtClean="0"/>
+              <a:t>ex:- let spaceship = { </a:t>
+            </a:r>
+            <a:r>
+              <a:rPr lang="en-US" dirty="0" smtClean="0">
+                <a:solidFill>
+                  <a:srgbClr val="FFC000"/>
+                </a:solidFill>
+              </a:rPr>
+              <a:t>color</a:t>
+            </a:r>
+            <a:r>
+              <a:rPr lang="en-US" dirty="0" smtClean="0"/>
+              <a:t> : ”Silver”, “fuel type” : “diesel”};</a:t>
+            </a:r>
+          </a:p>
+          <a:p>
+            <a:pPr marL="457200" lvl="1" indent="0">
+              <a:buNone/>
+            </a:pPr>
+            <a:endParaRPr lang="en-US" dirty="0" smtClean="0"/>
+          </a:p>
+          <a:p>
+            <a:pPr marL="457200" lvl="1" indent="0">
+              <a:buNone/>
+            </a:pPr>
+            <a:r>
+              <a:rPr lang="en-US" dirty="0" smtClean="0"/>
+              <a:t>Its holds key-pair.</a:t>
+            </a:r>
+            <a:r>
+              <a:rPr lang="en-US" dirty="0"/>
+              <a:t> If any key does not hold any special character we can declare them without any quotation mark like color we did in </a:t>
+            </a:r>
+            <a:r>
+              <a:rPr lang="en-US" dirty="0" smtClean="0"/>
+              <a:t>above.</a:t>
+            </a:r>
+            <a:endParaRPr lang="en-US" dirty="0"/>
+          </a:p>
+        </p:txBody>
+      </p:sp>
+    </p:spTree>
+    <p:extLst>
+      <p:ext uri="{BB962C8B-B14F-4D97-AF65-F5344CB8AC3E}">
+        <p14:creationId xmlns:p14="http://schemas.microsoft.com/office/powerpoint/2010/main" val="600179576"/>
+      </p:ext>
+    </p:extLst>
+  </p:cSld>
+  <p:clrMapOvr>
+    <a:masterClrMapping/>
+  </p:clrMapOvr>
+  <p:timing>
+    <p:tnLst>
+      <p:par>
+        <p:cTn id="1" dur="indefinite" restart="never" nodeType="tmRoot"/>
+      </p:par>
+    </p:tnLst>
+  </p:timing>
+</p:sld>
+</file>
+
+<file path=ppt/slides/slide21.xml><?xml version="1.0" encoding="utf-8"?>
+<p:sld xmlns:a="http://schemas.openxmlformats.org/drawingml/2006/main" xmlns:r="http://schemas.openxmlformats.org/officeDocument/2006/relationships" xmlns:p="http://schemas.openxmlformats.org/presentationml/2006/main">
+  <p:cSld>
+    <p:spTree>
+      <p:nvGrpSpPr>
+        <p:cNvPr id="1" name=""/>
+        <p:cNvGrpSpPr/>
+        <p:nvPr/>
+      </p:nvGrpSpPr>
+      <p:grpSpPr>
+        <a:xfrm>
+          <a:off x="0" y="0"/>
+          <a:ext cx="0" cy="0"/>
+          <a:chOff x="0" y="0"/>
+          <a:chExt cx="0" cy="0"/>
+        </a:xfrm>
+      </p:grpSpPr>
+      <p:sp>
+        <p:nvSpPr>
+          <p:cNvPr id="2" name="Title 1"/>
+          <p:cNvSpPr>
+            <a:spLocks noGrp="1"/>
+          </p:cNvSpPr>
+          <p:nvPr>
+            <p:ph type="title"/>
+          </p:nvPr>
+        </p:nvSpPr>
+        <p:spPr>
+          <a:xfrm>
+            <a:off x="646111" y="452718"/>
+            <a:ext cx="9404723" cy="715682"/>
+          </a:xfrm>
+        </p:spPr>
+        <p:txBody>
+          <a:bodyPr/>
+          <a:lstStyle/>
+          <a:p>
+            <a:r>
+              <a:rPr lang="en-US" dirty="0" smtClean="0"/>
+              <a:t>Object Properties</a:t>
+            </a:r>
+            <a:endParaRPr lang="en-US" dirty="0"/>
+          </a:p>
+        </p:txBody>
+      </p:sp>
+      <p:sp>
+        <p:nvSpPr>
+          <p:cNvPr id="3" name="Content Placeholder 2"/>
+          <p:cNvSpPr>
+            <a:spLocks noGrp="1"/>
+          </p:cNvSpPr>
+          <p:nvPr>
+            <p:ph idx="1"/>
+          </p:nvPr>
+        </p:nvSpPr>
+        <p:spPr>
+          <a:xfrm>
+            <a:off x="749300" y="1473200"/>
+            <a:ext cx="10136187" cy="4775199"/>
+          </a:xfrm>
+        </p:spPr>
+        <p:txBody>
+          <a:bodyPr/>
+          <a:lstStyle/>
+          <a:p>
+            <a:r>
+              <a:rPr lang="en-US" dirty="0" smtClean="0"/>
+              <a:t>There are two ways to access an object properties</a:t>
+            </a:r>
+          </a:p>
+          <a:p>
+            <a:pPr lvl="1"/>
+            <a:r>
+              <a:rPr lang="en-US" dirty="0" smtClean="0"/>
+              <a:t>Dot( </a:t>
+            </a:r>
+            <a:r>
+              <a:rPr lang="en-US" sz="2000" b="1" dirty="0" smtClean="0">
+                <a:solidFill>
+                  <a:srgbClr val="FF0000"/>
+                </a:solidFill>
+              </a:rPr>
+              <a:t>.</a:t>
+            </a:r>
+            <a:r>
+              <a:rPr lang="en-US" sz="2000" dirty="0" smtClean="0">
+                <a:solidFill>
+                  <a:srgbClr val="FF0000"/>
+                </a:solidFill>
+              </a:rPr>
+              <a:t> </a:t>
+            </a:r>
+            <a:r>
+              <a:rPr lang="en-US" dirty="0" smtClean="0"/>
+              <a:t>) operator :- spaceship.color</a:t>
+            </a:r>
+          </a:p>
+          <a:p>
+            <a:pPr marL="457200" lvl="1" indent="0">
+              <a:buNone/>
+            </a:pPr>
+            <a:endParaRPr lang="en-US" dirty="0" smtClean="0"/>
+          </a:p>
+          <a:p>
+            <a:pPr lvl="1"/>
+            <a:r>
+              <a:rPr lang="en-US" dirty="0" smtClean="0"/>
+              <a:t>Bracket( </a:t>
+            </a:r>
+            <a:r>
+              <a:rPr lang="en-US" sz="2000" b="1" dirty="0" smtClean="0">
+                <a:solidFill>
+                  <a:srgbClr val="FF0000"/>
+                </a:solidFill>
+              </a:rPr>
+              <a:t>[ ] </a:t>
+            </a:r>
+            <a:r>
+              <a:rPr lang="en-US" dirty="0" smtClean="0"/>
+              <a:t>) operator :- spaceship[“color”]</a:t>
+            </a:r>
+          </a:p>
+          <a:p>
+            <a:pPr marL="400050"/>
+            <a:endParaRPr lang="en-US" dirty="0"/>
+          </a:p>
+          <a:p>
+            <a:pPr marL="400050"/>
+            <a:r>
+              <a:rPr lang="en-US" dirty="0" smtClean="0"/>
+              <a:t>Changing/Assigning Object Property</a:t>
+            </a:r>
+          </a:p>
+          <a:p>
+            <a:pPr marL="800100" lvl="1"/>
+            <a:r>
+              <a:rPr lang="en-US" dirty="0" smtClean="0"/>
+              <a:t>Only accept . Operator for </a:t>
+            </a:r>
+          </a:p>
+          <a:p>
+            <a:pPr marL="514350" lvl="1" indent="0">
+              <a:buNone/>
+            </a:pPr>
+            <a:endParaRPr lang="en-US" dirty="0" smtClean="0"/>
+          </a:p>
+          <a:p>
+            <a:pPr marL="514350" lvl="1" indent="0">
+              <a:buNone/>
+            </a:pPr>
+            <a:endParaRPr lang="en-US" dirty="0"/>
+          </a:p>
+        </p:txBody>
+      </p:sp>
+      <p:pic>
+        <p:nvPicPr>
+          <p:cNvPr id="4" name="Picture 3"/>
+          <p:cNvPicPr>
+            <a:picLocks noChangeAspect="1"/>
+          </p:cNvPicPr>
+          <p:nvPr/>
+        </p:nvPicPr>
+        <p:blipFill>
+          <a:blip r:embed="rId2"/>
+          <a:stretch>
+            <a:fillRect/>
+          </a:stretch>
+        </p:blipFill>
+        <p:spPr>
+          <a:xfrm>
+            <a:off x="6589712" y="1930401"/>
+            <a:ext cx="4295775" cy="1173162"/>
+          </a:xfrm>
+          <a:prstGeom prst="rect">
+            <a:avLst/>
+          </a:prstGeom>
+        </p:spPr>
+      </p:pic>
+      <p:pic>
+        <p:nvPicPr>
+          <p:cNvPr id="5" name="Picture 4"/>
+          <p:cNvPicPr>
+            <a:picLocks noChangeAspect="1"/>
+          </p:cNvPicPr>
+          <p:nvPr/>
+        </p:nvPicPr>
+        <p:blipFill>
+          <a:blip r:embed="rId3"/>
+          <a:stretch>
+            <a:fillRect/>
+          </a:stretch>
+        </p:blipFill>
+        <p:spPr>
+          <a:xfrm>
+            <a:off x="1281297" y="4889499"/>
+            <a:ext cx="8134350" cy="1358899"/>
+          </a:xfrm>
+          <a:prstGeom prst="rect">
+            <a:avLst/>
+          </a:prstGeom>
+        </p:spPr>
+      </p:pic>
+    </p:spTree>
+    <p:extLst>
+      <p:ext uri="{BB962C8B-B14F-4D97-AF65-F5344CB8AC3E}">
+        <p14:creationId xmlns:p14="http://schemas.microsoft.com/office/powerpoint/2010/main" val="2669587668"/>
+      </p:ext>
+    </p:extLst>
+  </p:cSld>
+  <p:clrMapOvr>
+    <a:masterClrMapping/>
+  </p:clrMapOvr>
+  <p:timing>
+    <p:tnLst>
+      <p:par>
+        <p:cTn id="1" dur="indefinite" restart="never" nodeType="tmRoot"/>
+      </p:par>
+    </p:tnLst>
+  </p:timing>
+</p:sld>
+</file>
+
+<file path=ppt/slides/slide22.xml><?xml version="1.0" encoding="utf-8"?>
+<p:sld xmlns:a="http://schemas.openxmlformats.org/drawingml/2006/main" xmlns:r="http://schemas.openxmlformats.org/officeDocument/2006/relationships" xmlns:p="http://schemas.openxmlformats.org/presentationml/2006/main">
+  <p:cSld>
+    <p:spTree>
+      <p:nvGrpSpPr>
+        <p:cNvPr id="1" name=""/>
+        <p:cNvGrpSpPr/>
+        <p:nvPr/>
+      </p:nvGrpSpPr>
+      <p:grpSpPr>
+        <a:xfrm>
+          <a:off x="0" y="0"/>
+          <a:ext cx="0" cy="0"/>
+          <a:chOff x="0" y="0"/>
+          <a:chExt cx="0" cy="0"/>
+        </a:xfrm>
+      </p:grpSpPr>
+      <p:sp>
+        <p:nvSpPr>
+          <p:cNvPr id="2" name="Title 1"/>
+          <p:cNvSpPr>
+            <a:spLocks noGrp="1"/>
+          </p:cNvSpPr>
+          <p:nvPr>
+            <p:ph type="title"/>
+          </p:nvPr>
+        </p:nvSpPr>
+        <p:spPr>
+          <a:xfrm>
+            <a:off x="646111" y="452718"/>
+            <a:ext cx="9404723" cy="715682"/>
+          </a:xfrm>
+        </p:spPr>
+        <p:txBody>
+          <a:bodyPr/>
+          <a:lstStyle/>
+          <a:p>
+            <a:r>
+              <a:rPr lang="en-US" dirty="0" smtClean="0"/>
+              <a:t>Object Method</a:t>
+            </a:r>
+            <a:endParaRPr lang="en-US" dirty="0"/>
+          </a:p>
+        </p:txBody>
+      </p:sp>
+      <p:sp>
+        <p:nvSpPr>
+          <p:cNvPr id="3" name="Content Placeholder 2"/>
+          <p:cNvSpPr>
+            <a:spLocks noGrp="1"/>
+          </p:cNvSpPr>
+          <p:nvPr>
+            <p:ph idx="1"/>
+          </p:nvPr>
+        </p:nvSpPr>
+        <p:spPr>
+          <a:xfrm>
+            <a:off x="762000" y="1600200"/>
+            <a:ext cx="9287853" cy="4648199"/>
+          </a:xfrm>
+        </p:spPr>
+        <p:txBody>
+          <a:bodyPr/>
+          <a:lstStyle/>
+          <a:p>
+            <a:r>
+              <a:rPr lang="en-US" dirty="0" smtClean="0"/>
+              <a:t>In object we can insert the functions like any other data. These functions called the methods of the object.</a:t>
+            </a:r>
+          </a:p>
+          <a:p>
+            <a:pPr marL="0" indent="0">
+              <a:buNone/>
+            </a:pPr>
+            <a:endParaRPr lang="en-US" dirty="0"/>
+          </a:p>
+          <a:p>
+            <a:pPr marL="0" indent="0">
+              <a:buNone/>
+            </a:pPr>
+            <a:endParaRPr lang="en-US" dirty="0"/>
+          </a:p>
+        </p:txBody>
+      </p:sp>
+      <p:pic>
+        <p:nvPicPr>
+          <p:cNvPr id="4" name="Picture 3"/>
+          <p:cNvPicPr/>
+          <p:nvPr/>
+        </p:nvPicPr>
+        <p:blipFill>
+          <a:blip r:embed="rId2"/>
+          <a:stretch>
+            <a:fillRect/>
+          </a:stretch>
+        </p:blipFill>
+        <p:spPr>
+          <a:xfrm>
+            <a:off x="1193800" y="2794951"/>
+            <a:ext cx="7315200" cy="2945449"/>
+          </a:xfrm>
+          <a:prstGeom prst="rect">
+            <a:avLst/>
+          </a:prstGeom>
+        </p:spPr>
+      </p:pic>
+    </p:spTree>
+    <p:extLst>
+      <p:ext uri="{BB962C8B-B14F-4D97-AF65-F5344CB8AC3E}">
+        <p14:creationId xmlns:p14="http://schemas.microsoft.com/office/powerpoint/2010/main" val="2137462886"/>
+      </p:ext>
+    </p:extLst>
+  </p:cSld>
+  <p:clrMapOvr>
+    <a:masterClrMapping/>
+  </p:clrMapOvr>
+  <p:timing>
+    <p:tnLst>
+      <p:par>
+        <p:cTn id="1" dur="indefinite" restart="never" nodeType="tmRoot"/>
+      </p:par>
+    </p:tnLst>
+  </p:timing>
+</p:sld>
+</file>
+
+<file path=ppt/slides/slide23.xml><?xml version="1.0" encoding="utf-8"?>
+<p:sld xmlns:a="http://schemas.openxmlformats.org/drawingml/2006/main" xmlns:r="http://schemas.openxmlformats.org/officeDocument/2006/relationships" xmlns:p="http://schemas.openxmlformats.org/presentationml/2006/main">
+  <p:cSld>
+    <p:spTree>
+      <p:nvGrpSpPr>
+        <p:cNvPr id="1" name=""/>
+        <p:cNvGrpSpPr/>
+        <p:nvPr/>
+      </p:nvGrpSpPr>
+      <p:grpSpPr>
+        <a:xfrm>
+          <a:off x="0" y="0"/>
+          <a:ext cx="0" cy="0"/>
+          <a:chOff x="0" y="0"/>
+          <a:chExt cx="0" cy="0"/>
+        </a:xfrm>
+      </p:grpSpPr>
+      <p:sp>
+        <p:nvSpPr>
+          <p:cNvPr id="2" name="Title 1"/>
+          <p:cNvSpPr>
+            <a:spLocks noGrp="1"/>
+          </p:cNvSpPr>
+          <p:nvPr>
+            <p:ph type="title"/>
+          </p:nvPr>
+        </p:nvSpPr>
+        <p:spPr>
+          <a:xfrm>
+            <a:off x="646111" y="452718"/>
+            <a:ext cx="9404723" cy="715682"/>
+          </a:xfrm>
+        </p:spPr>
+        <p:txBody>
+          <a:bodyPr/>
+          <a:lstStyle/>
+          <a:p>
+            <a:r>
+              <a:rPr lang="en-US" dirty="0" smtClean="0"/>
+              <a:t>Nested Object</a:t>
+            </a:r>
+            <a:endParaRPr lang="en-US" dirty="0"/>
+          </a:p>
+        </p:txBody>
+      </p:sp>
+      <p:sp>
+        <p:nvSpPr>
+          <p:cNvPr id="3" name="Content Placeholder 2"/>
+          <p:cNvSpPr>
+            <a:spLocks noGrp="1"/>
+          </p:cNvSpPr>
+          <p:nvPr>
+            <p:ph idx="1"/>
+          </p:nvPr>
+        </p:nvSpPr>
+        <p:spPr>
+          <a:xfrm>
+            <a:off x="646112" y="1612900"/>
+            <a:ext cx="9403742" cy="4635499"/>
+          </a:xfrm>
+        </p:spPr>
+        <p:txBody>
+          <a:bodyPr/>
+          <a:lstStyle/>
+          <a:p>
+            <a:r>
+              <a:rPr lang="en-US" dirty="0" smtClean="0"/>
+              <a:t>In real world applications you will find many objects are holding another objects as there element. Those are called nested objects. Its basically a JSON data.</a:t>
+            </a:r>
+            <a:endParaRPr lang="en-US" dirty="0"/>
+          </a:p>
+        </p:txBody>
+      </p:sp>
+      <p:pic>
+        <p:nvPicPr>
+          <p:cNvPr id="4" name="Picture 3"/>
+          <p:cNvPicPr/>
+          <p:nvPr/>
+        </p:nvPicPr>
+        <p:blipFill>
+          <a:blip r:embed="rId2"/>
+          <a:stretch>
+            <a:fillRect/>
+          </a:stretch>
+        </p:blipFill>
+        <p:spPr>
+          <a:xfrm>
+            <a:off x="1104900" y="2819399"/>
+            <a:ext cx="7658100" cy="3543301"/>
+          </a:xfrm>
+          <a:prstGeom prst="rect">
+            <a:avLst/>
+          </a:prstGeom>
+        </p:spPr>
+      </p:pic>
+    </p:spTree>
+    <p:extLst>
+      <p:ext uri="{BB962C8B-B14F-4D97-AF65-F5344CB8AC3E}">
+        <p14:creationId xmlns:p14="http://schemas.microsoft.com/office/powerpoint/2010/main" val="1087620208"/>
+      </p:ext>
+    </p:extLst>
+  </p:cSld>
+  <p:clrMapOvr>
+    <a:masterClrMapping/>
+  </p:clrMapOvr>
+  <p:timing>
+    <p:tnLst>
+      <p:par>
+        <p:cTn id="1" dur="indefinite" restart="never" nodeType="tmRoot"/>
+      </p:par>
+    </p:tnLst>
+  </p:timing>
+</p:sld>
+</file>
+
+<file path=ppt/slides/slide24.xml><?xml version="1.0" encoding="utf-8"?>
+<p:sld xmlns:a="http://schemas.openxmlformats.org/drawingml/2006/main" xmlns:r="http://schemas.openxmlformats.org/officeDocument/2006/relationships" xmlns:p="http://schemas.openxmlformats.org/presentationml/2006/main">
+  <p:cSld>
+    <p:spTree>
+      <p:nvGrpSpPr>
+        <p:cNvPr id="1" name=""/>
+        <p:cNvGrpSpPr/>
+        <p:nvPr/>
+      </p:nvGrpSpPr>
+      <p:grpSpPr>
+        <a:xfrm>
+          <a:off x="0" y="0"/>
+          <a:ext cx="0" cy="0"/>
+          <a:chOff x="0" y="0"/>
+          <a:chExt cx="0" cy="0"/>
+        </a:xfrm>
+      </p:grpSpPr>
+      <p:sp>
+        <p:nvSpPr>
+          <p:cNvPr id="2" name="Title 1"/>
+          <p:cNvSpPr>
+            <a:spLocks noGrp="1"/>
+          </p:cNvSpPr>
+          <p:nvPr>
+            <p:ph type="title"/>
+          </p:nvPr>
+        </p:nvSpPr>
+        <p:spPr>
+          <a:xfrm>
+            <a:off x="646111" y="452718"/>
+            <a:ext cx="9404723" cy="677582"/>
+          </a:xfrm>
+        </p:spPr>
+        <p:txBody>
+          <a:bodyPr/>
+          <a:lstStyle/>
+          <a:p>
+            <a:r>
+              <a:rPr lang="en-US" dirty="0" smtClean="0"/>
+              <a:t>Looping through Objects</a:t>
+            </a:r>
+            <a:endParaRPr lang="en-US" dirty="0"/>
+          </a:p>
+        </p:txBody>
+      </p:sp>
+      <p:sp>
+        <p:nvSpPr>
+          <p:cNvPr id="3" name="Content Placeholder 2"/>
+          <p:cNvSpPr>
+            <a:spLocks noGrp="1"/>
+          </p:cNvSpPr>
+          <p:nvPr>
+            <p:ph idx="1"/>
+          </p:nvPr>
+        </p:nvSpPr>
+        <p:spPr>
+          <a:xfrm>
+            <a:off x="508000" y="1320800"/>
+            <a:ext cx="10477500" cy="4927599"/>
+          </a:xfrm>
+        </p:spPr>
+        <p:txBody>
+          <a:bodyPr/>
+          <a:lstStyle/>
+          <a:p>
+            <a:r>
+              <a:rPr lang="en-US" dirty="0" smtClean="0"/>
+              <a:t>In array we loop through the elements using indexes but in case of Object we will use for loop</a:t>
+            </a:r>
+          </a:p>
+          <a:p>
+            <a:r>
+              <a:rPr lang="en-US" dirty="0" smtClean="0"/>
+              <a:t>Object key-value pairs are accessed in random order unlike Array.</a:t>
+            </a:r>
+          </a:p>
+          <a:p>
+            <a:endParaRPr lang="en-US" dirty="0"/>
+          </a:p>
+        </p:txBody>
+      </p:sp>
+      <p:pic>
+        <p:nvPicPr>
+          <p:cNvPr id="5" name="Picture 4"/>
+          <p:cNvPicPr>
+            <a:picLocks noChangeAspect="1"/>
+          </p:cNvPicPr>
+          <p:nvPr/>
+        </p:nvPicPr>
+        <p:blipFill>
+          <a:blip r:embed="rId2"/>
+          <a:stretch>
+            <a:fillRect/>
+          </a:stretch>
+        </p:blipFill>
+        <p:spPr>
+          <a:xfrm>
+            <a:off x="4750289" y="3962399"/>
+            <a:ext cx="3517411" cy="1778001"/>
+          </a:xfrm>
+          <a:prstGeom prst="rect">
+            <a:avLst/>
+          </a:prstGeom>
+        </p:spPr>
+      </p:pic>
+      <p:pic>
+        <p:nvPicPr>
+          <p:cNvPr id="6" name="Picture 5"/>
+          <p:cNvPicPr>
+            <a:picLocks noChangeAspect="1"/>
+          </p:cNvPicPr>
+          <p:nvPr/>
+        </p:nvPicPr>
+        <p:blipFill>
+          <a:blip r:embed="rId3"/>
+          <a:stretch>
+            <a:fillRect/>
+          </a:stretch>
+        </p:blipFill>
+        <p:spPr>
+          <a:xfrm>
+            <a:off x="8596312" y="4008436"/>
+            <a:ext cx="2236788" cy="1685925"/>
+          </a:xfrm>
+          <a:prstGeom prst="rect">
+            <a:avLst/>
+          </a:prstGeom>
+        </p:spPr>
+      </p:pic>
+      <p:pic>
+        <p:nvPicPr>
+          <p:cNvPr id="7" name="Picture 6"/>
+          <p:cNvPicPr>
+            <a:picLocks noChangeAspect="1"/>
+          </p:cNvPicPr>
+          <p:nvPr/>
+        </p:nvPicPr>
+        <p:blipFill>
+          <a:blip r:embed="rId4"/>
+          <a:stretch>
+            <a:fillRect/>
+          </a:stretch>
+        </p:blipFill>
+        <p:spPr>
+          <a:xfrm>
+            <a:off x="611677" y="2857501"/>
+            <a:ext cx="3917156" cy="3581398"/>
+          </a:xfrm>
+          <a:prstGeom prst="rect">
+            <a:avLst/>
+          </a:prstGeom>
+        </p:spPr>
+      </p:pic>
+    </p:spTree>
+    <p:extLst>
+      <p:ext uri="{BB962C8B-B14F-4D97-AF65-F5344CB8AC3E}">
+        <p14:creationId xmlns:p14="http://schemas.microsoft.com/office/powerpoint/2010/main" val="1531022698"/>
+      </p:ext>
+    </p:extLst>
+  </p:cSld>
+  <p:clrMapOvr>
+    <a:masterClrMapping/>
+  </p:clrMapOvr>
+  <p:timing>
+    <p:tnLst>
+      <p:par>
+        <p:cTn id="1" dur="indefinite" restart="never" nodeType="tmRoot"/>
+      </p:par>
+    </p:tnLst>
+  </p:timing>
 </p:sld>
 </file>
 
@@ -8475,7 +9704,7 @@
           <p:cNvPr id="2" name="Title 1">
             <a:extLst>
               <a:ext uri="{FF2B5EF4-FFF2-40B4-BE49-F238E27FC236}">
-                <a16:creationId xmlns:a16="http://schemas.microsoft.com/office/drawing/2014/main" id="{A396EBC3-14E3-4330-BB08-C5EFE80D354B}"/>
+                <a16:creationId xmlns:a16="http://schemas.microsoft.com/office/drawing/2014/main" xmlns="" id="{A396EBC3-14E3-4330-BB08-C5EFE80D354B}"/>
               </a:ext>
             </a:extLst>
           </p:cNvPr>
@@ -8503,7 +9732,7 @@
           <p:cNvPr id="3" name="Content Placeholder 2">
             <a:extLst>
               <a:ext uri="{FF2B5EF4-FFF2-40B4-BE49-F238E27FC236}">
-                <a16:creationId xmlns:a16="http://schemas.microsoft.com/office/drawing/2014/main" id="{39F28357-4ADC-4E8E-972A-D037BE17766D}"/>
+                <a16:creationId xmlns:a16="http://schemas.microsoft.com/office/drawing/2014/main" xmlns="" id="{39F28357-4ADC-4E8E-972A-D037BE17766D}"/>
               </a:ext>
             </a:extLst>
           </p:cNvPr>
@@ -8559,7 +9788,7 @@
           <p:cNvPr id="5" name="Picture 4">
             <a:extLst>
               <a:ext uri="{FF2B5EF4-FFF2-40B4-BE49-F238E27FC236}">
-                <a16:creationId xmlns:a16="http://schemas.microsoft.com/office/drawing/2014/main" id="{2A14372C-C7AC-4153-9B94-4191393470EA}"/>
+                <a16:creationId xmlns:a16="http://schemas.microsoft.com/office/drawing/2014/main" xmlns="" id="{2A14372C-C7AC-4153-9B94-4191393470EA}"/>
               </a:ext>
             </a:extLst>
           </p:cNvPr>
@@ -8594,6 +9823,13 @@
   <p:clrMapOvr>
     <a:masterClrMapping/>
   </p:clrMapOvr>
+  <p:timing>
+    <p:tnLst>
+      <p:par>
+        <p:cTn id="1" dur="indefinite" restart="never" nodeType="tmRoot"/>
+      </p:par>
+    </p:tnLst>
+  </p:timing>
 </p:sld>
 </file>
 
@@ -8619,7 +9855,7 @@
           <p:cNvPr id="2" name="Title 1">
             <a:extLst>
               <a:ext uri="{FF2B5EF4-FFF2-40B4-BE49-F238E27FC236}">
-                <a16:creationId xmlns:a16="http://schemas.microsoft.com/office/drawing/2014/main" id="{795B23C6-AD0E-42B2-8DDE-3BB25FD36865}"/>
+                <a16:creationId xmlns:a16="http://schemas.microsoft.com/office/drawing/2014/main" xmlns="" id="{795B23C6-AD0E-42B2-8DDE-3BB25FD36865}"/>
               </a:ext>
             </a:extLst>
           </p:cNvPr>
@@ -8652,7 +9888,7 @@
           <p:cNvPr id="3" name="Content Placeholder 2">
             <a:extLst>
               <a:ext uri="{FF2B5EF4-FFF2-40B4-BE49-F238E27FC236}">
-                <a16:creationId xmlns:a16="http://schemas.microsoft.com/office/drawing/2014/main" id="{5A66274A-4820-4530-802C-E80B06CB7289}"/>
+                <a16:creationId xmlns:a16="http://schemas.microsoft.com/office/drawing/2014/main" xmlns="" id="{5A66274A-4820-4530-802C-E80B06CB7289}"/>
               </a:ext>
             </a:extLst>
           </p:cNvPr>
@@ -8683,7 +9919,7 @@
           <p:cNvPr id="4" name="Content Placeholder 3">
             <a:extLst>
               <a:ext uri="{FF2B5EF4-FFF2-40B4-BE49-F238E27FC236}">
-                <a16:creationId xmlns:a16="http://schemas.microsoft.com/office/drawing/2014/main" id="{2CEB8610-17A2-4100-907B-3974551A926D}"/>
+                <a16:creationId xmlns:a16="http://schemas.microsoft.com/office/drawing/2014/main" xmlns="" id="{2CEB8610-17A2-4100-907B-3974551A926D}"/>
               </a:ext>
             </a:extLst>
           </p:cNvPr>
@@ -8711,7 +9947,7 @@
           <p:cNvPr id="5" name="Content Placeholder 3">
             <a:extLst>
               <a:ext uri="{FF2B5EF4-FFF2-40B4-BE49-F238E27FC236}">
-                <a16:creationId xmlns:a16="http://schemas.microsoft.com/office/drawing/2014/main" id="{598C02A6-B7DC-42BC-8D98-5E7D868A85F6}"/>
+                <a16:creationId xmlns:a16="http://schemas.microsoft.com/office/drawing/2014/main" xmlns="" id="{598C02A6-B7DC-42BC-8D98-5E7D868A85F6}"/>
               </a:ext>
             </a:extLst>
           </p:cNvPr>
@@ -8741,7 +9977,7 @@
           <p:cNvPr id="6" name="Picture 5">
             <a:extLst>
               <a:ext uri="{FF2B5EF4-FFF2-40B4-BE49-F238E27FC236}">
-                <a16:creationId xmlns:a16="http://schemas.microsoft.com/office/drawing/2014/main" id="{9EDE9D29-7785-4B23-85B8-56266557B2C6}"/>
+                <a16:creationId xmlns:a16="http://schemas.microsoft.com/office/drawing/2014/main" xmlns="" id="{9EDE9D29-7785-4B23-85B8-56266557B2C6}"/>
               </a:ext>
             </a:extLst>
           </p:cNvPr>
@@ -8776,6 +10012,13 @@
   <p:clrMapOvr>
     <a:masterClrMapping/>
   </p:clrMapOvr>
+  <p:timing>
+    <p:tnLst>
+      <p:par>
+        <p:cTn id="1" dur="indefinite" restart="never" nodeType="tmRoot"/>
+      </p:par>
+    </p:tnLst>
+  </p:timing>
 </p:sld>
 </file>
 
@@ -8801,7 +10044,7 @@
           <p:cNvPr id="2" name="Title 1">
             <a:extLst>
               <a:ext uri="{FF2B5EF4-FFF2-40B4-BE49-F238E27FC236}">
-                <a16:creationId xmlns:a16="http://schemas.microsoft.com/office/drawing/2014/main" id="{B1B7F84D-7B56-45B7-BF40-16AE2770E145}"/>
+                <a16:creationId xmlns:a16="http://schemas.microsoft.com/office/drawing/2014/main" xmlns="" id="{B1B7F84D-7B56-45B7-BF40-16AE2770E145}"/>
               </a:ext>
             </a:extLst>
           </p:cNvPr>
@@ -8829,7 +10072,7 @@
           <p:cNvPr id="3" name="Content Placeholder 2">
             <a:extLst>
               <a:ext uri="{FF2B5EF4-FFF2-40B4-BE49-F238E27FC236}">
-                <a16:creationId xmlns:a16="http://schemas.microsoft.com/office/drawing/2014/main" id="{E487FCA9-EC21-42D4-ACB8-F6C835C7B591}"/>
+                <a16:creationId xmlns:a16="http://schemas.microsoft.com/office/drawing/2014/main" xmlns="" id="{E487FCA9-EC21-42D4-ACB8-F6C835C7B591}"/>
               </a:ext>
             </a:extLst>
           </p:cNvPr>
@@ -8868,7 +10111,7 @@
           <p:cNvPr id="4" name="Content Placeholder 3">
             <a:extLst>
               <a:ext uri="{FF2B5EF4-FFF2-40B4-BE49-F238E27FC236}">
-                <a16:creationId xmlns:a16="http://schemas.microsoft.com/office/drawing/2014/main" id="{9FF95E9D-A54F-4BD4-B630-7DA5E03E5CDE}"/>
+                <a16:creationId xmlns:a16="http://schemas.microsoft.com/office/drawing/2014/main" xmlns="" id="{9FF95E9D-A54F-4BD4-B630-7DA5E03E5CDE}"/>
               </a:ext>
             </a:extLst>
           </p:cNvPr>
@@ -8896,7 +10139,7 @@
           <p:cNvPr id="5" name="Picture 4">
             <a:extLst>
               <a:ext uri="{FF2B5EF4-FFF2-40B4-BE49-F238E27FC236}">
-                <a16:creationId xmlns:a16="http://schemas.microsoft.com/office/drawing/2014/main" id="{A9F81249-58B6-4F4F-9144-3E6FF7F6FC7D}"/>
+                <a16:creationId xmlns:a16="http://schemas.microsoft.com/office/drawing/2014/main" xmlns="" id="{A9F81249-58B6-4F4F-9144-3E6FF7F6FC7D}"/>
               </a:ext>
             </a:extLst>
           </p:cNvPr>
@@ -8926,7 +10169,7 @@
           <p:cNvPr id="6" name="Picture 5">
             <a:extLst>
               <a:ext uri="{FF2B5EF4-FFF2-40B4-BE49-F238E27FC236}">
-                <a16:creationId xmlns:a16="http://schemas.microsoft.com/office/drawing/2014/main" id="{32A4BF5E-72F8-4CA6-AE72-7051AAE05ED2}"/>
+                <a16:creationId xmlns:a16="http://schemas.microsoft.com/office/drawing/2014/main" xmlns="" id="{32A4BF5E-72F8-4CA6-AE72-7051AAE05ED2}"/>
               </a:ext>
             </a:extLst>
           </p:cNvPr>
@@ -8961,6 +10204,13 @@
   <p:clrMapOvr>
     <a:masterClrMapping/>
   </p:clrMapOvr>
+  <p:timing>
+    <p:tnLst>
+      <p:par>
+        <p:cTn id="1" dur="indefinite" restart="never" nodeType="tmRoot"/>
+      </p:par>
+    </p:tnLst>
+  </p:timing>
 </p:sld>
 </file>
 
@@ -8983,13 +10233,7 @@
       </p:grpSpPr>
       <p:sp>
         <p:nvSpPr>
-          <p:cNvPr id="2" name="Title 1">
-            <a:extLst>
-              <a:ext uri="{FF2B5EF4-FFF2-40B4-BE49-F238E27FC236}">
-                <a16:creationId xmlns:a16="http://schemas.microsoft.com/office/drawing/2014/main" id="{4DDB0165-A002-491A-A4DD-9CDBF64BB5EE}"/>
-              </a:ext>
-            </a:extLst>
-          </p:cNvPr>
+          <p:cNvPr id="2" name="Title 1"/>
           <p:cNvSpPr>
             <a:spLocks noGrp="1"/>
           </p:cNvSpPr>
@@ -9000,29 +10244,24 @@
         <p:spPr>
           <a:xfrm>
             <a:off x="646111" y="452718"/>
-            <a:ext cx="9404723" cy="827442"/>
-          </a:xfrm>
-        </p:spPr>
-        <p:txBody>
-          <a:bodyPr/>
-          <a:lstStyle/>
-          <a:p>
-            <a:r>
-              <a:rPr lang="en-IN" dirty="0"/>
-              <a:t>Variable Selection</a:t>
-            </a:r>
-          </a:p>
-        </p:txBody>
-      </p:sp>
-      <p:sp>
-        <p:nvSpPr>
-          <p:cNvPr id="6" name="Content Placeholder 5">
-            <a:extLst>
-              <a:ext uri="{FF2B5EF4-FFF2-40B4-BE49-F238E27FC236}">
-                <a16:creationId xmlns:a16="http://schemas.microsoft.com/office/drawing/2014/main" id="{5FF32F35-E962-45F5-9594-1820B90E6E5C}"/>
-              </a:ext>
-            </a:extLst>
-          </p:cNvPr>
+            <a:ext cx="9404723" cy="652182"/>
+          </a:xfrm>
+        </p:spPr>
+        <p:txBody>
+          <a:bodyPr/>
+          <a:lstStyle/>
+          <a:p>
+            <a:r>
+              <a:rPr lang="en-US" dirty="0" smtClean="0"/>
+              <a:t>JS Data Types</a:t>
+            </a:r>
+            <a:endParaRPr lang="en-US" dirty="0"/>
+          </a:p>
+        </p:txBody>
+      </p:sp>
+      <p:sp>
+        <p:nvSpPr>
+          <p:cNvPr id="3" name="Content Placeholder 2"/>
           <p:cNvSpPr>
             <a:spLocks noGrp="1"/>
           </p:cNvSpPr>
@@ -9032,116 +10271,138 @@
         </p:nvSpPr>
         <p:spPr>
           <a:xfrm>
-            <a:off x="810877" y="1280159"/>
-            <a:ext cx="9500071" cy="4924697"/>
-          </a:xfrm>
-        </p:spPr>
-        <p:txBody>
-          <a:bodyPr/>
-          <a:lstStyle/>
-          <a:p>
-            <a:r>
-              <a:rPr lang="en-IN" dirty="0"/>
-              <a:t>In JS there three types of variable : var , let &amp; </a:t>
-            </a:r>
-            <a:r>
-              <a:rPr lang="en-IN" dirty="0" err="1"/>
-              <a:t>const</a:t>
-            </a:r>
-            <a:endParaRPr lang="en-IN" dirty="0"/>
-          </a:p>
-          <a:p>
-            <a:r>
-              <a:rPr lang="en-IN" dirty="0"/>
-              <a:t>var &amp; let allows to change the value later in script</a:t>
-            </a:r>
-          </a:p>
-          <a:p>
-            <a:pPr marL="0" indent="0">
-              <a:buNone/>
-            </a:pPr>
-            <a:endParaRPr lang="en-IN" dirty="0"/>
-          </a:p>
-          <a:p>
-            <a:endParaRPr lang="en-IN" dirty="0"/>
-          </a:p>
-          <a:p>
-            <a:endParaRPr lang="en-IN" dirty="0"/>
-          </a:p>
-          <a:p>
-            <a:endParaRPr lang="en-IN" dirty="0"/>
-          </a:p>
-          <a:p>
-            <a:r>
-              <a:rPr lang="en-IN" dirty="0"/>
-              <a:t>In var &amp; let you can initialise later </a:t>
-            </a:r>
-          </a:p>
-          <a:p>
-            <a:r>
-              <a:rPr lang="en-IN" dirty="0"/>
-              <a:t>‘let’ is scoped </a:t>
-            </a:r>
-          </a:p>
-          <a:p>
-            <a:pPr lvl="6"/>
-            <a:endParaRPr lang="en-IN" dirty="0"/>
-          </a:p>
-          <a:p>
-            <a:pPr lvl="6"/>
-            <a:r>
-              <a:rPr lang="en-IN" dirty="0"/>
-              <a:t>DEMO</a:t>
-            </a:r>
-          </a:p>
-          <a:p>
-            <a:pPr marL="0" indent="0">
-              <a:buNone/>
-            </a:pPr>
-            <a:endParaRPr lang="en-IN" dirty="0"/>
-          </a:p>
-        </p:txBody>
-      </p:sp>
-      <p:pic>
-        <p:nvPicPr>
-          <p:cNvPr id="7" name="Picture 6">
-            <a:extLst>
-              <a:ext uri="{FF2B5EF4-FFF2-40B4-BE49-F238E27FC236}">
-                <a16:creationId xmlns:a16="http://schemas.microsoft.com/office/drawing/2014/main" id="{2E4F0A9D-5ECA-4576-B559-C39C3D455A31}"/>
-              </a:ext>
-            </a:extLst>
-          </p:cNvPr>
-          <p:cNvPicPr>
-            <a:picLocks noChangeAspect="1"/>
-          </p:cNvPicPr>
-          <p:nvPr/>
-        </p:nvPicPr>
-        <p:blipFill>
-          <a:blip r:embed="rId2"/>
-          <a:stretch>
-            <a:fillRect/>
-          </a:stretch>
-        </p:blipFill>
-        <p:spPr>
-          <a:xfrm>
-            <a:off x="1259887" y="2328453"/>
-            <a:ext cx="6055314" cy="1198519"/>
-          </a:xfrm>
-          <a:prstGeom prst="rect">
-            <a:avLst/>
-          </a:prstGeom>
-        </p:spPr>
-      </p:pic>
+            <a:off x="762000" y="1549400"/>
+            <a:ext cx="9287853" cy="4698999"/>
+          </a:xfrm>
+        </p:spPr>
+        <p:txBody>
+          <a:bodyPr/>
+          <a:lstStyle/>
+          <a:p>
+            <a:r>
+              <a:rPr lang="en-US" dirty="0" smtClean="0"/>
+              <a:t>JS supports total SEVEN data types</a:t>
+            </a:r>
+          </a:p>
+          <a:p>
+            <a:r>
+              <a:rPr lang="en-US" dirty="0" smtClean="0"/>
+              <a:t>FOUR </a:t>
+            </a:r>
+            <a:r>
+              <a:rPr lang="en-US" dirty="0"/>
+              <a:t>primitive </a:t>
+            </a:r>
+            <a:r>
+              <a:rPr lang="en-US" dirty="0" smtClean="0"/>
+              <a:t>data types</a:t>
+            </a:r>
+          </a:p>
+          <a:p>
+            <a:pPr lvl="1"/>
+            <a:r>
+              <a:rPr lang="en-US" dirty="0" smtClean="0"/>
+              <a:t>Numbers 	:- 10,123.45 (No Integer &amp; Float)</a:t>
+            </a:r>
+          </a:p>
+          <a:p>
+            <a:pPr lvl="1"/>
+            <a:r>
+              <a:rPr lang="en-US" dirty="0" smtClean="0"/>
+              <a:t>Strings 	:- “Hello JS”</a:t>
+            </a:r>
+          </a:p>
+          <a:p>
+            <a:pPr lvl="1"/>
+            <a:r>
+              <a:rPr lang="en-US" dirty="0" smtClean="0"/>
+              <a:t>Boolean	:- true, false</a:t>
+            </a:r>
+          </a:p>
+          <a:p>
+            <a:pPr lvl="1"/>
+            <a:r>
+              <a:rPr lang="en-US" dirty="0" smtClean="0"/>
+              <a:t>symbol</a:t>
+            </a:r>
+            <a:endParaRPr lang="en-US" dirty="0"/>
+          </a:p>
+          <a:p>
+            <a:r>
+              <a:rPr lang="en-US" dirty="0" smtClean="0"/>
+              <a:t>TWO trivial data types </a:t>
+            </a:r>
+          </a:p>
+          <a:p>
+            <a:pPr lvl="1"/>
+            <a:r>
+              <a:rPr lang="en-US" dirty="0" smtClean="0"/>
+              <a:t>Null 			</a:t>
+            </a:r>
+            <a:r>
+              <a:rPr lang="en-US" dirty="0" smtClean="0">
+                <a:solidFill>
+                  <a:srgbClr val="FFFF00"/>
+                </a:solidFill>
+              </a:rPr>
+              <a:t>: Points to an non existent object</a:t>
+            </a:r>
+          </a:p>
+          <a:p>
+            <a:pPr lvl="1"/>
+            <a:r>
+              <a:rPr lang="en-US" dirty="0" smtClean="0"/>
+              <a:t>Undefined 	</a:t>
+            </a:r>
+            <a:r>
+              <a:rPr lang="en-US" dirty="0" smtClean="0">
+                <a:solidFill>
+                  <a:srgbClr val="FFFF00"/>
+                </a:solidFill>
+              </a:rPr>
+              <a:t>: Returns NAN for any arithmetic operation</a:t>
+            </a:r>
+          </a:p>
+          <a:p>
+            <a:r>
+              <a:rPr lang="en-US" dirty="0" smtClean="0"/>
+              <a:t>ONE composite data type</a:t>
+            </a:r>
+          </a:p>
+          <a:p>
+            <a:pPr lvl="1"/>
+            <a:r>
+              <a:rPr lang="en-US" dirty="0" smtClean="0"/>
+              <a:t>Object</a:t>
+            </a:r>
+          </a:p>
+          <a:p>
+            <a:pPr lvl="1"/>
+            <a:endParaRPr lang="en-US" dirty="0" smtClean="0"/>
+          </a:p>
+          <a:p>
+            <a:pPr lvl="1"/>
+            <a:endParaRPr lang="en-US" dirty="0"/>
+          </a:p>
+        </p:txBody>
+      </p:sp>
     </p:spTree>
     <p:extLst>
       <p:ext uri="{BB962C8B-B14F-4D97-AF65-F5344CB8AC3E}">
-        <p14:creationId xmlns:p14="http://schemas.microsoft.com/office/powerpoint/2010/main" val="4093989111"/>
+        <p14:creationId xmlns:p14="http://schemas.microsoft.com/office/powerpoint/2010/main" val="3868280998"/>
       </p:ext>
     </p:extLst>
   </p:cSld>
   <p:clrMapOvr>
     <a:masterClrMapping/>
   </p:clrMapOvr>
+  <p:timing>
+    <p:tnLst>
+      <p:par>
+        <p:cTn id="1" dur="indefinite" restart="never" nodeType="tmRoot"/>
+      </p:par>
+    </p:tnLst>
+  </p:timing>
 </p:sld>
 </file>
 
@@ -9167,7 +10428,7 @@
           <p:cNvPr id="2" name="Title 1">
             <a:extLst>
               <a:ext uri="{FF2B5EF4-FFF2-40B4-BE49-F238E27FC236}">
-                <a16:creationId xmlns:a16="http://schemas.microsoft.com/office/drawing/2014/main" id="{4DDB0165-A002-491A-A4DD-9CDBF64BB5EE}"/>
+                <a16:creationId xmlns:a16="http://schemas.microsoft.com/office/drawing/2014/main" xmlns="" id="{4DDB0165-A002-491A-A4DD-9CDBF64BB5EE}"/>
               </a:ext>
             </a:extLst>
           </p:cNvPr>
@@ -9190,7 +10451,7 @@
           <a:p>
             <a:r>
               <a:rPr lang="en-IN" dirty="0"/>
-              <a:t>operators</a:t>
+              <a:t>Variable Selection</a:t>
             </a:r>
           </a:p>
         </p:txBody>
@@ -9200,7 +10461,7 @@
           <p:cNvPr id="6" name="Content Placeholder 5">
             <a:extLst>
               <a:ext uri="{FF2B5EF4-FFF2-40B4-BE49-F238E27FC236}">
-                <a16:creationId xmlns:a16="http://schemas.microsoft.com/office/drawing/2014/main" id="{5FF32F35-E962-45F5-9594-1820B90E6E5C}"/>
+                <a16:creationId xmlns:a16="http://schemas.microsoft.com/office/drawing/2014/main" xmlns="" id="{5FF32F35-E962-45F5-9594-1820B90E6E5C}"/>
               </a:ext>
             </a:extLst>
           </p:cNvPr>
@@ -9221,120 +10482,115 @@
           <a:bodyPr/>
           <a:lstStyle/>
           <a:p>
+            <a:r>
+              <a:rPr lang="en-IN" dirty="0"/>
+              <a:t>In JS there three types of variable : var , let &amp; </a:t>
+            </a:r>
+            <a:r>
+              <a:rPr lang="en-IN" dirty="0" err="1"/>
+              <a:t>const</a:t>
+            </a:r>
+            <a:endParaRPr lang="en-IN" dirty="0"/>
+          </a:p>
+          <a:p>
+            <a:r>
+              <a:rPr lang="en-IN" dirty="0"/>
+              <a:t>var &amp; let allows to change the value later in script</a:t>
+            </a:r>
+          </a:p>
+          <a:p>
             <a:pPr marL="0" indent="0">
               <a:buNone/>
             </a:pPr>
-            <a:r>
-              <a:rPr lang="en-US" dirty="0"/>
-              <a:t>JavaScript supports the following types of operators.</a:t>
-            </a:r>
-          </a:p>
-          <a:p>
-            <a:r>
-              <a:rPr lang="en-US" dirty="0"/>
-              <a:t>Arithmetic Operators</a:t>
-            </a:r>
-          </a:p>
-          <a:p>
-            <a:r>
-              <a:rPr lang="en-US" dirty="0"/>
-              <a:t>Comparison Operators (== and ===)</a:t>
-            </a:r>
-          </a:p>
-          <a:p>
-            <a:r>
-              <a:rPr lang="en-US" dirty="0"/>
-              <a:t>Logical (or Relational) Operators </a:t>
-            </a:r>
-            <a:r>
-              <a:rPr lang="en-US" b="1" dirty="0"/>
-              <a:t>( </a:t>
-            </a:r>
-            <a:r>
-              <a:rPr lang="en-US" b="1" dirty="0">
-                <a:solidFill>
-                  <a:srgbClr val="FF0000"/>
-                </a:solidFill>
-              </a:rPr>
-              <a:t>&amp;&amp;</a:t>
-            </a:r>
-            <a:r>
-              <a:rPr lang="en-US" dirty="0"/>
-              <a:t> &gt; AND </a:t>
-            </a:r>
-            <a:r>
-              <a:rPr lang="en-US" b="1" dirty="0"/>
-              <a:t>, </a:t>
-            </a:r>
-            <a:r>
-              <a:rPr lang="en-US" b="1" dirty="0">
-                <a:solidFill>
-                  <a:srgbClr val="FF0000"/>
-                </a:solidFill>
-              </a:rPr>
-              <a:t>||</a:t>
-            </a:r>
-            <a:r>
-              <a:rPr lang="en-US" b="1" dirty="0"/>
-              <a:t>&gt;</a:t>
-            </a:r>
-            <a:r>
-              <a:rPr lang="en-US" dirty="0"/>
-              <a:t> OR</a:t>
-            </a:r>
-            <a:r>
-              <a:rPr lang="en-US" b="1" dirty="0">
-                <a:solidFill>
-                  <a:srgbClr val="FF0000"/>
-                </a:solidFill>
-              </a:rPr>
-              <a:t>, !&gt;</a:t>
-            </a:r>
-            <a:r>
-              <a:rPr lang="en-US" dirty="0"/>
-              <a:t>NOT )</a:t>
-            </a:r>
-          </a:p>
-          <a:p>
-            <a:r>
-              <a:rPr lang="en-US" dirty="0"/>
-              <a:t>Assignment Operators</a:t>
-            </a:r>
-          </a:p>
-          <a:p>
-            <a:r>
-              <a:rPr lang="en-US" dirty="0"/>
-              <a:t>Conditional (or ternary) Operators </a:t>
-            </a:r>
-          </a:p>
-          <a:p>
-            <a:endParaRPr lang="en-US" dirty="0"/>
-          </a:p>
-          <a:p>
-            <a:pPr lvl="7"/>
-            <a:r>
-              <a:rPr lang="en-US" dirty="0"/>
-              <a:t>Demo for Arithmetic</a:t>
+            <a:endParaRPr lang="en-IN" dirty="0"/>
+          </a:p>
+          <a:p>
+            <a:endParaRPr lang="en-IN" dirty="0"/>
+          </a:p>
+          <a:p>
+            <a:endParaRPr lang="en-IN" dirty="0"/>
+          </a:p>
+          <a:p>
+            <a:endParaRPr lang="en-IN" dirty="0"/>
+          </a:p>
+          <a:p>
+            <a:r>
+              <a:rPr lang="en-IN" dirty="0"/>
+              <a:t>In var &amp; let you can initialise later </a:t>
+            </a:r>
+          </a:p>
+          <a:p>
+            <a:r>
+              <a:rPr lang="en-IN" dirty="0"/>
+              <a:t>‘let’ is scoped </a:t>
+            </a:r>
+          </a:p>
+          <a:p>
+            <a:pPr lvl="6"/>
+            <a:endParaRPr lang="en-IN" dirty="0"/>
+          </a:p>
+          <a:p>
+            <a:pPr lvl="6"/>
+            <a:r>
+              <a:rPr lang="en-IN" dirty="0"/>
+              <a:t>DEMO</a:t>
             </a:r>
           </a:p>
           <a:p>
             <a:pPr marL="0" indent="0">
               <a:buNone/>
             </a:pPr>
-            <a:endParaRPr lang="en-US" dirty="0"/>
-          </a:p>
-        </p:txBody>
-      </p:sp>
+            <a:endParaRPr lang="en-IN" dirty="0"/>
+          </a:p>
+        </p:txBody>
+      </p:sp>
+      <p:pic>
+        <p:nvPicPr>
+          <p:cNvPr id="7" name="Picture 6">
+            <a:extLst>
+              <a:ext uri="{FF2B5EF4-FFF2-40B4-BE49-F238E27FC236}">
+                <a16:creationId xmlns:a16="http://schemas.microsoft.com/office/drawing/2014/main" xmlns="" id="{2E4F0A9D-5ECA-4576-B559-C39C3D455A31}"/>
+              </a:ext>
+            </a:extLst>
+          </p:cNvPr>
+          <p:cNvPicPr>
+            <a:picLocks noChangeAspect="1"/>
+          </p:cNvPicPr>
+          <p:nvPr/>
+        </p:nvPicPr>
+        <p:blipFill>
+          <a:blip r:embed="rId2"/>
+          <a:stretch>
+            <a:fillRect/>
+          </a:stretch>
+        </p:blipFill>
+        <p:spPr>
+          <a:xfrm>
+            <a:off x="1259887" y="2328453"/>
+            <a:ext cx="6055314" cy="1198519"/>
+          </a:xfrm>
+          <a:prstGeom prst="rect">
+            <a:avLst/>
+          </a:prstGeom>
+        </p:spPr>
+      </p:pic>
     </p:spTree>
     <p:extLst>
       <p:ext uri="{BB962C8B-B14F-4D97-AF65-F5344CB8AC3E}">
-        <p14:creationId xmlns:p14="http://schemas.microsoft.com/office/powerpoint/2010/main" val="752114140"/>
+        <p14:creationId xmlns:p14="http://schemas.microsoft.com/office/powerpoint/2010/main" val="4093989111"/>
       </p:ext>
     </p:extLst>
   </p:cSld>
   <p:clrMapOvr>
     <a:masterClrMapping/>
   </p:clrMapOvr>
+  <p:timing>
+    <p:tnLst>
+      <p:par>
+        <p:cTn id="1" dur="indefinite" restart="never" nodeType="tmRoot"/>
+      </p:par>
+    </p:tnLst>
+  </p:timing>
 </p:sld>
 </file>
 
@@ -9360,7 +10616,7 @@
           <p:cNvPr id="2" name="Title 1">
             <a:extLst>
               <a:ext uri="{FF2B5EF4-FFF2-40B4-BE49-F238E27FC236}">
-                <a16:creationId xmlns:a16="http://schemas.microsoft.com/office/drawing/2014/main" id="{4DDB0165-A002-491A-A4DD-9CDBF64BB5EE}"/>
+                <a16:creationId xmlns:a16="http://schemas.microsoft.com/office/drawing/2014/main" xmlns="" id="{4DDB0165-A002-491A-A4DD-9CDBF64BB5EE}"/>
               </a:ext>
             </a:extLst>
           </p:cNvPr>
@@ -9383,7 +10639,7 @@
           <a:p>
             <a:r>
               <a:rPr lang="en-IN" dirty="0"/>
-              <a:t>Comparison operator</a:t>
+              <a:t>operators</a:t>
             </a:r>
           </a:p>
         </p:txBody>
@@ -9393,7 +10649,7 @@
           <p:cNvPr id="6" name="Content Placeholder 5">
             <a:extLst>
               <a:ext uri="{FF2B5EF4-FFF2-40B4-BE49-F238E27FC236}">
-                <a16:creationId xmlns:a16="http://schemas.microsoft.com/office/drawing/2014/main" id="{5FF32F35-E962-45F5-9594-1820B90E6E5C}"/>
+                <a16:creationId xmlns:a16="http://schemas.microsoft.com/office/drawing/2014/main" xmlns="" id="{5FF32F35-E962-45F5-9594-1820B90E6E5C}"/>
               </a:ext>
             </a:extLst>
           </p:cNvPr>
@@ -9411,65 +10667,103 @@
           </a:xfrm>
         </p:spPr>
         <p:txBody>
-          <a:bodyPr>
-            <a:normAutofit/>
-          </a:bodyPr>
-          <a:lstStyle/>
-          <a:p>
+          <a:bodyPr/>
+          <a:lstStyle/>
+          <a:p>
+            <a:pPr marL="0" indent="0">
+              <a:buNone/>
+            </a:pPr>
             <a:r>
               <a:rPr lang="en-US" dirty="0"/>
-              <a:t>=== and !== are called strict comparison operator</a:t>
+              <a:t>JavaScript supports the following types of operators.</a:t>
             </a:r>
           </a:p>
           <a:p>
             <a:r>
               <a:rPr lang="en-US" dirty="0"/>
-              <a:t>Two strings are strictly equal when they have the </a:t>
-            </a:r>
-            <a:r>
-              <a:rPr lang="en-US" dirty="0">
+              <a:t>Arithmetic Operators</a:t>
+            </a:r>
+          </a:p>
+          <a:p>
+            <a:r>
+              <a:rPr lang="en-US" dirty="0"/>
+              <a:t>Comparison Operators (== and ===)</a:t>
+            </a:r>
+          </a:p>
+          <a:p>
+            <a:r>
+              <a:rPr lang="en-US" dirty="0"/>
+              <a:t>Logical (or Relational) Operators </a:t>
+            </a:r>
+            <a:r>
+              <a:rPr lang="en-US" b="1" dirty="0"/>
+              <a:t>( </a:t>
+            </a:r>
+            <a:r>
+              <a:rPr lang="en-US" b="1" dirty="0">
                 <a:solidFill>
                   <a:srgbClr val="FF0000"/>
                 </a:solidFill>
               </a:rPr>
-              <a:t>same sequence of characters, same length, and same characters in corresponding positions.</a:t>
-            </a:r>
-          </a:p>
-          <a:p>
+              <a:t>&amp;&amp;</a:t>
+            </a:r>
             <a:r>
               <a:rPr lang="en-US" dirty="0"/>
-              <a:t>Two numbers are strictly equal when they are numerically equal (have the same number value). </a:t>
-            </a:r>
-          </a:p>
-          <a:p>
+              <a:t> &gt; AND </a:t>
+            </a:r>
+            <a:r>
+              <a:rPr lang="en-US" b="1" dirty="0"/>
+              <a:t>, </a:t>
+            </a:r>
+            <a:r>
+              <a:rPr lang="en-US" b="1" dirty="0">
+                <a:solidFill>
+                  <a:srgbClr val="FF0000"/>
+                </a:solidFill>
+              </a:rPr>
+              <a:t>||</a:t>
+            </a:r>
+            <a:r>
+              <a:rPr lang="en-US" b="1" dirty="0"/>
+              <a:t>&gt;</a:t>
+            </a:r>
             <a:r>
               <a:rPr lang="en-US" dirty="0"/>
-              <a:t>Two Boolean operands are strictly equal if both are true or both are false.</a:t>
-            </a:r>
-          </a:p>
-          <a:p>
-            <a:r>
-              <a:rPr lang="en-IN" dirty="0"/>
-              <a:t>Two objects are strictly equal if they refer to the same Object.</a:t>
-            </a:r>
-          </a:p>
-          <a:p>
-            <a:r>
-              <a:rPr lang="en-IN" dirty="0"/>
-              <a:t>Null and Undefined types are == (but not ===). [I.e. (Null==Undefined) is true but (Null===Undefined) is false]</a:t>
-            </a:r>
-          </a:p>
-          <a:p>
-            <a:pPr marL="0" indent="0">
-              <a:buNone/>
-            </a:pPr>
+              <a:t> OR</a:t>
+            </a:r>
+            <a:r>
+              <a:rPr lang="en-US" b="1" dirty="0">
+                <a:solidFill>
+                  <a:srgbClr val="FF0000"/>
+                </a:solidFill>
+              </a:rPr>
+              <a:t>, !&gt;</a:t>
+            </a:r>
+            <a:r>
+              <a:rPr lang="en-US" dirty="0"/>
+              <a:t>NOT )</a:t>
+            </a:r>
+          </a:p>
+          <a:p>
+            <a:r>
+              <a:rPr lang="en-US" dirty="0"/>
+              <a:t>Assignment Operators</a:t>
+            </a:r>
+          </a:p>
+          <a:p>
+            <a:r>
+              <a:rPr lang="en-US" dirty="0"/>
+              <a:t>Conditional (or ternary) Operators </a:t>
+            </a:r>
+          </a:p>
+          <a:p>
             <a:endParaRPr lang="en-US" dirty="0"/>
           </a:p>
           <a:p>
             <a:pPr lvl="7"/>
             <a:r>
               <a:rPr lang="en-US" dirty="0"/>
-              <a:t>Demo </a:t>
+              <a:t>Demo for Arithmetic</a:t>
             </a:r>
           </a:p>
           <a:p>
@@ -9483,13 +10777,20 @@
     </p:spTree>
     <p:extLst>
       <p:ext uri="{BB962C8B-B14F-4D97-AF65-F5344CB8AC3E}">
-        <p14:creationId xmlns:p14="http://schemas.microsoft.com/office/powerpoint/2010/main" val="163185728"/>
+        <p14:creationId xmlns:p14="http://schemas.microsoft.com/office/powerpoint/2010/main" val="752114140"/>
       </p:ext>
     </p:extLst>
   </p:cSld>
   <p:clrMapOvr>
     <a:masterClrMapping/>
   </p:clrMapOvr>
+  <p:timing>
+    <p:tnLst>
+      <p:par>
+        <p:cTn id="1" dur="indefinite" restart="never" nodeType="tmRoot"/>
+      </p:par>
+    </p:tnLst>
+  </p:timing>
 </p:sld>
 </file>
 
@@ -9515,7 +10816,7 @@
           <p:cNvPr id="2" name="Title 1">
             <a:extLst>
               <a:ext uri="{FF2B5EF4-FFF2-40B4-BE49-F238E27FC236}">
-                <a16:creationId xmlns:a16="http://schemas.microsoft.com/office/drawing/2014/main" id="{C3F67F27-63B2-4FA5-BD85-1D4A6DB52E11}"/>
+                <a16:creationId xmlns:a16="http://schemas.microsoft.com/office/drawing/2014/main" xmlns="" id="{4DDB0165-A002-491A-A4DD-9CDBF64BB5EE}"/>
               </a:ext>
             </a:extLst>
           </p:cNvPr>
@@ -9529,27 +10830,26 @@
         <p:spPr>
           <a:xfrm>
             <a:off x="646111" y="452718"/>
-            <a:ext cx="9404723" cy="849609"/>
-          </a:xfrm>
-        </p:spPr>
-        <p:txBody>
-          <a:bodyPr/>
-          <a:lstStyle/>
-          <a:p>
-            <a:r>
-              <a:rPr lang="en-US" dirty="0"/>
-              <a:t>Conditional Operator</a:t>
-            </a:r>
-            <a:endParaRPr lang="en-IN" dirty="0"/>
-          </a:p>
-        </p:txBody>
-      </p:sp>
-      <p:sp>
-        <p:nvSpPr>
-          <p:cNvPr id="3" name="Content Placeholder 2">
+            <a:ext cx="9404723" cy="827442"/>
+          </a:xfrm>
+        </p:spPr>
+        <p:txBody>
+          <a:bodyPr/>
+          <a:lstStyle/>
+          <a:p>
+            <a:r>
+              <a:rPr lang="en-IN" dirty="0"/>
+              <a:t>Comparison operator</a:t>
+            </a:r>
+          </a:p>
+        </p:txBody>
+      </p:sp>
+      <p:sp>
+        <p:nvSpPr>
+          <p:cNvPr id="6" name="Content Placeholder 5">
             <a:extLst>
               <a:ext uri="{FF2B5EF4-FFF2-40B4-BE49-F238E27FC236}">
-                <a16:creationId xmlns:a16="http://schemas.microsoft.com/office/drawing/2014/main" id="{C66A4D6F-F249-4C93-8704-AD872140A484}"/>
+                <a16:creationId xmlns:a16="http://schemas.microsoft.com/office/drawing/2014/main" xmlns="" id="{5FF32F35-E962-45F5-9594-1820B90E6E5C}"/>
               </a:ext>
             </a:extLst>
           </p:cNvPr>
@@ -9557,261 +10857,102 @@
             <a:spLocks noGrp="1"/>
           </p:cNvSpPr>
           <p:nvPr>
-            <p:ph sz="half" idx="1"/>
-          </p:nvPr>
-        </p:nvSpPr>
-        <p:spPr>
-          <a:xfrm>
-            <a:off x="780040" y="1413164"/>
-            <a:ext cx="4396339" cy="4838691"/>
-          </a:xfrm>
-        </p:spPr>
-        <p:txBody>
-          <a:bodyPr/>
+            <p:ph idx="1"/>
+          </p:nvPr>
+        </p:nvSpPr>
+        <p:spPr>
+          <a:xfrm>
+            <a:off x="810877" y="1280159"/>
+            <a:ext cx="9500071" cy="4924697"/>
+          </a:xfrm>
+        </p:spPr>
+        <p:txBody>
+          <a:bodyPr>
+            <a:normAutofit/>
+          </a:bodyPr>
           <a:lstStyle/>
           <a:p>
             <a:r>
               <a:rPr lang="en-US" dirty="0"/>
-              <a:t>Truthy &amp; </a:t>
-            </a:r>
-            <a:r>
-              <a:rPr lang="en-US" dirty="0" err="1"/>
-              <a:t>Falsy</a:t>
-            </a:r>
-            <a:endParaRPr lang="en-US" dirty="0"/>
-          </a:p>
-          <a:p>
-            <a:pPr marL="400050" lvl="1" indent="0">
-              <a:buNone/>
-            </a:pPr>
-            <a:r>
-              <a:rPr lang="es-ES" sz="2200" b="1" dirty="0" err="1">
+              <a:t>=== and !== are called strict comparison operator</a:t>
+            </a:r>
+          </a:p>
+          <a:p>
+            <a:r>
+              <a:rPr lang="en-US" dirty="0"/>
+              <a:t>Two strings are strictly equal when they have the </a:t>
+            </a:r>
+            <a:r>
+              <a:rPr lang="en-US" dirty="0">
                 <a:solidFill>
-                  <a:srgbClr val="FFFF00"/>
+                  <a:srgbClr val="FF0000"/>
                 </a:solidFill>
               </a:rPr>
-              <a:t>let</a:t>
-            </a:r>
-            <a:r>
-              <a:rPr lang="es-ES" sz="2200" b="1" dirty="0">
-                <a:solidFill>
-                  <a:srgbClr val="FFFF00"/>
-                </a:solidFill>
-              </a:rPr>
-              <a:t> x=1,y;</a:t>
-            </a:r>
-          </a:p>
-          <a:p>
-            <a:pPr marL="400050" lvl="1" indent="0">
+              <a:t>same sequence of characters, same length, and same characters in corresponding positions.</a:t>
+            </a:r>
+          </a:p>
+          <a:p>
+            <a:r>
+              <a:rPr lang="en-US" dirty="0"/>
+              <a:t>Two numbers are strictly equal when they are numerically equal (have the same number value). </a:t>
+            </a:r>
+          </a:p>
+          <a:p>
+            <a:r>
+              <a:rPr lang="en-US" dirty="0"/>
+              <a:t>Two Boolean operands are strictly equal if both are true or both are false.</a:t>
+            </a:r>
+          </a:p>
+          <a:p>
+            <a:r>
+              <a:rPr lang="en-IN" dirty="0"/>
+              <a:t>Two objects are strictly equal if they refer to the same Object.</a:t>
+            </a:r>
+          </a:p>
+          <a:p>
+            <a:r>
+              <a:rPr lang="en-IN" dirty="0"/>
+              <a:t>Null and Undefined types are == (but not ===). [I.e. (Null==Undefined) is true but (Null===Undefined) is false]</a:t>
+            </a:r>
+          </a:p>
+          <a:p>
+            <a:pPr marL="0" indent="0">
               <a:buNone/>
             </a:pPr>
-            <a:r>
-              <a:rPr lang="es-ES" sz="2200" b="1" dirty="0" err="1">
-                <a:solidFill>
-                  <a:srgbClr val="FFFF00"/>
-                </a:solidFill>
-              </a:rPr>
-              <a:t>if</a:t>
-            </a:r>
-            <a:r>
-              <a:rPr lang="es-ES" sz="2200" b="1" dirty="0">
-                <a:solidFill>
-                  <a:srgbClr val="FFFF00"/>
-                </a:solidFill>
-              </a:rPr>
-              <a:t>(x){</a:t>
-            </a:r>
-          </a:p>
-          <a:p>
-            <a:pPr marL="400050" lvl="1" indent="0">
+            <a:endParaRPr lang="en-US" dirty="0"/>
+          </a:p>
+          <a:p>
+            <a:pPr lvl="7"/>
+            <a:r>
+              <a:rPr lang="en-US" dirty="0"/>
+              <a:t>Demo </a:t>
+            </a:r>
+          </a:p>
+          <a:p>
+            <a:pPr marL="0" indent="0">
               <a:buNone/>
             </a:pPr>
-            <a:r>
-              <a:rPr lang="es-ES" sz="2200" b="1" dirty="0">
-                <a:solidFill>
-                  <a:srgbClr val="FFFF00"/>
-                </a:solidFill>
-              </a:rPr>
-              <a:t>  y=x;</a:t>
-            </a:r>
-          </a:p>
-          <a:p>
-            <a:pPr marL="400050" lvl="1" indent="0">
-              <a:buNone/>
-            </a:pPr>
-            <a:r>
-              <a:rPr lang="es-ES" sz="2200" b="1" dirty="0">
-                <a:solidFill>
-                  <a:srgbClr val="FFFF00"/>
-                </a:solidFill>
-              </a:rPr>
-              <a:t>}else{ </a:t>
-            </a:r>
-          </a:p>
-          <a:p>
-            <a:pPr marL="400050" lvl="1" indent="0">
-              <a:buNone/>
-            </a:pPr>
-            <a:r>
-              <a:rPr lang="es-ES" sz="2200" b="1" dirty="0">
-                <a:solidFill>
-                  <a:srgbClr val="FFFF00"/>
-                </a:solidFill>
-              </a:rPr>
-              <a:t> y=0;</a:t>
-            </a:r>
-          </a:p>
-          <a:p>
-            <a:pPr marL="400050" lvl="1" indent="0">
-              <a:buNone/>
-            </a:pPr>
-            <a:r>
-              <a:rPr lang="es-ES" sz="2200" b="1" dirty="0">
-                <a:solidFill>
-                  <a:srgbClr val="FFFF00"/>
-                </a:solidFill>
-              </a:rPr>
-              <a:t>}</a:t>
-            </a:r>
-          </a:p>
-          <a:p>
-            <a:pPr marL="400050" lvl="1" indent="0">
-              <a:buNone/>
-            </a:pPr>
-            <a:r>
-              <a:rPr lang="es-ES" sz="2200" b="1" dirty="0">
-                <a:solidFill>
-                  <a:srgbClr val="FFFF00"/>
-                </a:solidFill>
-              </a:rPr>
-              <a:t>console.log(y)  // Output 1</a:t>
-            </a:r>
-            <a:endParaRPr lang="en-IN" sz="2200" b="1" dirty="0">
-              <a:solidFill>
-                <a:srgbClr val="FFFF00"/>
-              </a:solidFill>
-            </a:endParaRPr>
-          </a:p>
-        </p:txBody>
-      </p:sp>
-      <p:sp>
-        <p:nvSpPr>
-          <p:cNvPr id="4" name="Content Placeholder 3">
-            <a:extLst>
-              <a:ext uri="{FF2B5EF4-FFF2-40B4-BE49-F238E27FC236}">
-                <a16:creationId xmlns:a16="http://schemas.microsoft.com/office/drawing/2014/main" id="{900456D2-A4C6-470B-B166-6DAE46A70ADF}"/>
-              </a:ext>
-            </a:extLst>
-          </p:cNvPr>
-          <p:cNvSpPr>
-            <a:spLocks noGrp="1"/>
-          </p:cNvSpPr>
-          <p:nvPr>
-            <p:ph sz="half" idx="2"/>
-          </p:nvPr>
-        </p:nvSpPr>
-        <p:spPr>
-          <a:xfrm>
-            <a:off x="5654493" y="1413164"/>
-            <a:ext cx="4396341" cy="4843173"/>
-          </a:xfrm>
-        </p:spPr>
-        <p:txBody>
-          <a:bodyPr/>
-          <a:lstStyle/>
-          <a:p>
-            <a:r>
-              <a:rPr lang="en-US" dirty="0"/>
-              <a:t>Short-Circuits Evaluation</a:t>
-            </a:r>
-          </a:p>
-          <a:p>
-            <a:pPr marL="400050" lvl="1" indent="0">
-              <a:buNone/>
-            </a:pPr>
-            <a:r>
-              <a:rPr lang="en-IN" sz="2200" b="1" dirty="0">
-                <a:solidFill>
-                  <a:srgbClr val="FFFF00"/>
-                </a:solidFill>
-              </a:rPr>
-              <a:t>let x =1;</a:t>
-            </a:r>
-          </a:p>
-          <a:p>
-            <a:pPr marL="400050" lvl="1" indent="0">
-              <a:buNone/>
-            </a:pPr>
-            <a:r>
-              <a:rPr lang="en-IN" sz="2200" b="1" dirty="0">
-                <a:solidFill>
-                  <a:srgbClr val="FFFF00"/>
-                </a:solidFill>
-              </a:rPr>
-              <a:t>let y = x||1;</a:t>
-            </a:r>
-          </a:p>
-          <a:p>
-            <a:pPr marL="400050" lvl="1" indent="0">
-              <a:buNone/>
-            </a:pPr>
-            <a:r>
-              <a:rPr lang="en-IN" sz="2200" b="1" dirty="0">
-                <a:solidFill>
-                  <a:srgbClr val="FFFF00"/>
-                </a:solidFill>
-              </a:rPr>
-              <a:t>console.log(y)</a:t>
-            </a:r>
-          </a:p>
-          <a:p>
-            <a:pPr marL="400050" lvl="1" indent="0">
-              <a:buNone/>
-            </a:pPr>
-            <a:endParaRPr lang="en-IN" sz="2200" b="1" dirty="0">
-              <a:solidFill>
-                <a:srgbClr val="FFFF00"/>
-              </a:solidFill>
-            </a:endParaRPr>
-          </a:p>
-          <a:p>
-            <a:pPr marL="400050" lvl="1" indent="0">
-              <a:buNone/>
-            </a:pPr>
-            <a:endParaRPr lang="en-US" sz="1800" dirty="0"/>
-          </a:p>
-          <a:p>
-            <a:pPr marL="400050" lvl="1" indent="0">
-              <a:buNone/>
-            </a:pPr>
-            <a:endParaRPr lang="en-IN" sz="2200" b="1" dirty="0">
-              <a:solidFill>
-                <a:srgbClr val="FFFF00"/>
-              </a:solidFill>
-            </a:endParaRPr>
-          </a:p>
-          <a:p>
-            <a:pPr marL="400050" lvl="1" indent="0">
-              <a:buNone/>
-            </a:pPr>
-            <a:endParaRPr lang="en-IN" sz="2200" b="1" dirty="0">
-              <a:solidFill>
-                <a:srgbClr val="FFFF00"/>
-              </a:solidFill>
-            </a:endParaRPr>
+            <a:endParaRPr lang="en-US" dirty="0"/>
           </a:p>
         </p:txBody>
       </p:sp>
     </p:spTree>
     <p:extLst>
       <p:ext uri="{BB962C8B-B14F-4D97-AF65-F5344CB8AC3E}">
-        <p14:creationId xmlns:p14="http://schemas.microsoft.com/office/powerpoint/2010/main" val="2409536417"/>
+        <p14:creationId xmlns:p14="http://schemas.microsoft.com/office/powerpoint/2010/main" val="163185728"/>
       </p:ext>
     </p:extLst>
   </p:cSld>
   <p:clrMapOvr>
     <a:masterClrMapping/>
   </p:clrMapOvr>
+  <p:timing>
+    <p:tnLst>
+      <p:par>
+        <p:cTn id="1" dur="indefinite" restart="never" nodeType="tmRoot"/>
+      </p:par>
+    </p:tnLst>
+  </p:timing>
 </p:sld>
 </file>
 

--- a/JAVASCRPT.pptx
+++ b/JAVASCRPT.pptx
@@ -5,7 +5,7 @@
     <p:sldMasterId id="2147483648" r:id="rId1"/>
   </p:sldMasterIdLst>
   <p:notesMasterIdLst>
-    <p:notesMasterId r:id="rId26"/>
+    <p:notesMasterId r:id="rId32"/>
   </p:notesMasterIdLst>
   <p:sldIdLst>
     <p:sldId id="256" r:id="rId2"/>
@@ -32,6 +32,12 @@
     <p:sldId id="280" r:id="rId23"/>
     <p:sldId id="281" r:id="rId24"/>
     <p:sldId id="282" r:id="rId25"/>
+    <p:sldId id="284" r:id="rId26"/>
+    <p:sldId id="285" r:id="rId27"/>
+    <p:sldId id="286" r:id="rId28"/>
+    <p:sldId id="287" r:id="rId29"/>
+    <p:sldId id="288" r:id="rId30"/>
+    <p:sldId id="289" r:id="rId31"/>
   </p:sldIdLst>
   <p:sldSz cx="12192000" cy="6858000"/>
   <p:notesSz cx="6858000" cy="9144000"/>
@@ -220,7 +226,7 @@
           <a:p>
             <a:fld id="{DE0BE5F6-1CE5-47B2-AC82-947CAA6A2CE5}" type="datetimeFigureOut">
               <a:rPr lang="en-IN" smtClean="0"/>
-              <a:t>04-06-2019</a:t>
+              <a:t>10-09-2019</a:t>
             </a:fld>
             <a:endParaRPr lang="en-IN"/>
           </a:p>
@@ -926,7 +932,7 @@
           <a:p>
             <a:fld id="{4AAD347D-5ACD-4C99-B74B-A9C85AD731AF}" type="datetimeFigureOut">
               <a:rPr lang="en-US" dirty="0"/>
-              <a:t>6/4/2019</a:t>
+              <a:t>9/10/2019</a:t>
             </a:fld>
             <a:endParaRPr lang="en-US" dirty="0"/>
           </a:p>
@@ -1196,7 +1202,7 @@
           <a:p>
             <a:fld id="{4509A250-FF31-4206-8172-F9D3106AACB1}" type="datetimeFigureOut">
               <a:rPr lang="en-US" dirty="0"/>
-              <a:t>6/4/2019</a:t>
+              <a:t>9/10/2019</a:t>
             </a:fld>
             <a:endParaRPr lang="en-US" dirty="0"/>
           </a:p>
@@ -1385,7 +1391,7 @@
           <a:p>
             <a:fld id="{4509A250-FF31-4206-8172-F9D3106AACB1}" type="datetimeFigureOut">
               <a:rPr lang="en-US" dirty="0"/>
-              <a:t>6/4/2019</a:t>
+              <a:t>9/10/2019</a:t>
             </a:fld>
             <a:endParaRPr lang="en-US" dirty="0"/>
           </a:p>
@@ -1653,7 +1659,7 @@
           <a:p>
             <a:fld id="{4509A250-FF31-4206-8172-F9D3106AACB1}" type="datetimeFigureOut">
               <a:rPr lang="en-US" dirty="0"/>
-              <a:t>6/4/2019</a:t>
+              <a:t>9/10/2019</a:t>
             </a:fld>
             <a:endParaRPr lang="en-US" dirty="0"/>
           </a:p>
@@ -1989,7 +1995,7 @@
           <a:p>
             <a:fld id="{4509A250-FF31-4206-8172-F9D3106AACB1}" type="datetimeFigureOut">
               <a:rPr lang="en-US" dirty="0"/>
-              <a:t>6/4/2019</a:t>
+              <a:t>9/10/2019</a:t>
             </a:fld>
             <a:endParaRPr lang="en-US" dirty="0"/>
           </a:p>
@@ -2607,7 +2613,7 @@
           <a:p>
             <a:fld id="{4509A250-FF31-4206-8172-F9D3106AACB1}" type="datetimeFigureOut">
               <a:rPr lang="en-US" dirty="0"/>
-              <a:t>6/4/2019</a:t>
+              <a:t>9/10/2019</a:t>
             </a:fld>
             <a:endParaRPr lang="en-US" dirty="0"/>
           </a:p>
@@ -3462,7 +3468,7 @@
           <a:p>
             <a:fld id="{4509A250-FF31-4206-8172-F9D3106AACB1}" type="datetimeFigureOut">
               <a:rPr lang="en-US" dirty="0"/>
-              <a:t>6/4/2019</a:t>
+              <a:t>9/10/2019</a:t>
             </a:fld>
             <a:endParaRPr lang="en-US" dirty="0"/>
           </a:p>
@@ -3627,7 +3633,7 @@
           <a:p>
             <a:fld id="{4509A250-FF31-4206-8172-F9D3106AACB1}" type="datetimeFigureOut">
               <a:rPr lang="en-US" dirty="0"/>
-              <a:t>6/4/2019</a:t>
+              <a:t>9/10/2019</a:t>
             </a:fld>
             <a:endParaRPr lang="en-US" dirty="0"/>
           </a:p>
@@ -3802,7 +3808,7 @@
           <a:p>
             <a:fld id="{4509A250-FF31-4206-8172-F9D3106AACB1}" type="datetimeFigureOut">
               <a:rPr lang="en-US" dirty="0"/>
-              <a:t>6/4/2019</a:t>
+              <a:t>9/10/2019</a:t>
             </a:fld>
             <a:endParaRPr lang="en-US" dirty="0"/>
           </a:p>
@@ -3967,7 +3973,7 @@
           <a:p>
             <a:fld id="{4509A250-FF31-4206-8172-F9D3106AACB1}" type="datetimeFigureOut">
               <a:rPr lang="en-US" dirty="0"/>
-              <a:t>6/4/2019</a:t>
+              <a:t>9/10/2019</a:t>
             </a:fld>
             <a:endParaRPr lang="en-US" dirty="0"/>
           </a:p>
@@ -4209,7 +4215,7 @@
           <a:p>
             <a:fld id="{9796027F-7875-4030-9381-8BD8C4F21935}" type="datetimeFigureOut">
               <a:rPr lang="en-US" dirty="0"/>
-              <a:t>6/4/2019</a:t>
+              <a:t>9/10/2019</a:t>
             </a:fld>
             <a:endParaRPr lang="en-US" dirty="0"/>
           </a:p>
@@ -4496,7 +4502,7 @@
           <a:p>
             <a:fld id="{9796027F-7875-4030-9381-8BD8C4F21935}" type="datetimeFigureOut">
               <a:rPr lang="en-US" dirty="0"/>
-              <a:t>6/4/2019</a:t>
+              <a:t>9/10/2019</a:t>
             </a:fld>
             <a:endParaRPr lang="en-US" dirty="0"/>
           </a:p>
@@ -4935,7 +4941,7 @@
           <a:p>
             <a:fld id="{9796027F-7875-4030-9381-8BD8C4F21935}" type="datetimeFigureOut">
               <a:rPr lang="en-US" dirty="0"/>
-              <a:t>6/4/2019</a:t>
+              <a:t>9/10/2019</a:t>
             </a:fld>
             <a:endParaRPr lang="en-US" dirty="0"/>
           </a:p>
@@ -5048,7 +5054,7 @@
           <a:p>
             <a:fld id="{4509A250-FF31-4206-8172-F9D3106AACB1}" type="datetimeFigureOut">
               <a:rPr lang="en-US" dirty="0"/>
-              <a:t>6/4/2019</a:t>
+              <a:t>9/10/2019</a:t>
             </a:fld>
             <a:endParaRPr lang="en-US" dirty="0"/>
           </a:p>
@@ -5138,7 +5144,7 @@
           <a:p>
             <a:fld id="{4509A250-FF31-4206-8172-F9D3106AACB1}" type="datetimeFigureOut">
               <a:rPr lang="en-US" dirty="0"/>
-              <a:t>6/4/2019</a:t>
+              <a:t>9/10/2019</a:t>
             </a:fld>
             <a:endParaRPr lang="en-US" dirty="0"/>
           </a:p>
@@ -5412,7 +5418,7 @@
           <a:p>
             <a:fld id="{4509A250-FF31-4206-8172-F9D3106AACB1}" type="datetimeFigureOut">
               <a:rPr lang="en-US" dirty="0"/>
-              <a:t>6/4/2019</a:t>
+              <a:t>9/10/2019</a:t>
             </a:fld>
             <a:endParaRPr lang="en-US" dirty="0"/>
           </a:p>
@@ -5682,7 +5688,7 @@
           <a:p>
             <a:fld id="{4509A250-FF31-4206-8172-F9D3106AACB1}" type="datetimeFigureOut">
               <a:rPr lang="en-US" dirty="0"/>
-              <a:t>6/4/2019</a:t>
+              <a:t>9/10/2019</a:t>
             </a:fld>
             <a:endParaRPr lang="en-US" dirty="0"/>
           </a:p>
@@ -6106,7 +6112,7 @@
           <a:p>
             <a:fld id="{4AAD347D-5ACD-4C99-B74B-A9C85AD731AF}" type="datetimeFigureOut">
               <a:rPr lang="en-US" dirty="0"/>
-              <a:t>6/4/2019</a:t>
+              <a:t>9/10/2019</a:t>
             </a:fld>
             <a:endParaRPr lang="en-US" dirty="0"/>
           </a:p>
@@ -6635,7 +6641,7 @@
           <p:cNvPr id="2" name="Title 1">
             <a:extLst>
               <a:ext uri="{FF2B5EF4-FFF2-40B4-BE49-F238E27FC236}">
-                <a16:creationId xmlns:a16="http://schemas.microsoft.com/office/drawing/2014/main" xmlns="" id="{EED1A5FB-A536-498F-80D4-0B88DAA9B6F0}"/>
+                <a16:creationId xmlns:a16="http://schemas.microsoft.com/office/drawing/2014/main" id="{EED1A5FB-A536-498F-80D4-0B88DAA9B6F0}"/>
               </a:ext>
             </a:extLst>
           </p:cNvPr>
@@ -6668,7 +6674,7 @@
           <p:cNvPr id="3" name="Subtitle 2">
             <a:extLst>
               <a:ext uri="{FF2B5EF4-FFF2-40B4-BE49-F238E27FC236}">
-                <a16:creationId xmlns:a16="http://schemas.microsoft.com/office/drawing/2014/main" xmlns="" id="{6B4A7F6D-81FB-42E3-B5D2-E648F04A0A97}"/>
+                <a16:creationId xmlns:a16="http://schemas.microsoft.com/office/drawing/2014/main" id="{6B4A7F6D-81FB-42E3-B5D2-E648F04A0A97}"/>
               </a:ext>
             </a:extLst>
           </p:cNvPr>
@@ -6733,7 +6739,7 @@
           <p:cNvPr id="2" name="Title 1">
             <a:extLst>
               <a:ext uri="{FF2B5EF4-FFF2-40B4-BE49-F238E27FC236}">
-                <a16:creationId xmlns:a16="http://schemas.microsoft.com/office/drawing/2014/main" xmlns="" id="{C3F67F27-63B2-4FA5-BD85-1D4A6DB52E11}"/>
+                <a16:creationId xmlns:a16="http://schemas.microsoft.com/office/drawing/2014/main" id="{C3F67F27-63B2-4FA5-BD85-1D4A6DB52E11}"/>
               </a:ext>
             </a:extLst>
           </p:cNvPr>
@@ -6767,7 +6773,7 @@
           <p:cNvPr id="3" name="Content Placeholder 2">
             <a:extLst>
               <a:ext uri="{FF2B5EF4-FFF2-40B4-BE49-F238E27FC236}">
-                <a16:creationId xmlns:a16="http://schemas.microsoft.com/office/drawing/2014/main" xmlns="" id="{C66A4D6F-F249-4C93-8704-AD872140A484}"/>
+                <a16:creationId xmlns:a16="http://schemas.microsoft.com/office/drawing/2014/main" id="{C66A4D6F-F249-4C93-8704-AD872140A484}"/>
               </a:ext>
             </a:extLst>
           </p:cNvPr>
@@ -6917,7 +6923,7 @@
           <p:cNvPr id="4" name="Content Placeholder 3">
             <a:extLst>
               <a:ext uri="{FF2B5EF4-FFF2-40B4-BE49-F238E27FC236}">
-                <a16:creationId xmlns:a16="http://schemas.microsoft.com/office/drawing/2014/main" xmlns="" id="{900456D2-A4C6-470B-B166-6DAE46A70ADF}"/>
+                <a16:creationId xmlns:a16="http://schemas.microsoft.com/office/drawing/2014/main" id="{900456D2-A4C6-470B-B166-6DAE46A70ADF}"/>
               </a:ext>
             </a:extLst>
           </p:cNvPr>
@@ -7062,7 +7068,7 @@
           <p:cNvPr id="2" name="Title 1">
             <a:extLst>
               <a:ext uri="{FF2B5EF4-FFF2-40B4-BE49-F238E27FC236}">
-                <a16:creationId xmlns:a16="http://schemas.microsoft.com/office/drawing/2014/main" xmlns="" id="{4DDB0165-A002-491A-A4DD-9CDBF64BB5EE}"/>
+                <a16:creationId xmlns:a16="http://schemas.microsoft.com/office/drawing/2014/main" id="{4DDB0165-A002-491A-A4DD-9CDBF64BB5EE}"/>
               </a:ext>
             </a:extLst>
           </p:cNvPr>
@@ -7095,7 +7101,7 @@
           <p:cNvPr id="6" name="Content Placeholder 5">
             <a:extLst>
               <a:ext uri="{FF2B5EF4-FFF2-40B4-BE49-F238E27FC236}">
-                <a16:creationId xmlns:a16="http://schemas.microsoft.com/office/drawing/2014/main" xmlns="" id="{5FF32F35-E962-45F5-9594-1820B90E6E5C}"/>
+                <a16:creationId xmlns:a16="http://schemas.microsoft.com/office/drawing/2014/main" id="{5FF32F35-E962-45F5-9594-1820B90E6E5C}"/>
               </a:ext>
             </a:extLst>
           </p:cNvPr>
@@ -7325,7 +7331,7 @@
           <p:cNvPr id="2" name="Title 1">
             <a:extLst>
               <a:ext uri="{FF2B5EF4-FFF2-40B4-BE49-F238E27FC236}">
-                <a16:creationId xmlns:a16="http://schemas.microsoft.com/office/drawing/2014/main" xmlns="" id="{0FD3A787-C7DD-44D2-9981-6FAF85B239EE}"/>
+                <a16:creationId xmlns:a16="http://schemas.microsoft.com/office/drawing/2014/main" id="{0FD3A787-C7DD-44D2-9981-6FAF85B239EE}"/>
               </a:ext>
             </a:extLst>
           </p:cNvPr>
@@ -7377,7 +7383,7 @@
           <p:cNvPr id="3" name="Text Placeholder 2">
             <a:extLst>
               <a:ext uri="{FF2B5EF4-FFF2-40B4-BE49-F238E27FC236}">
-                <a16:creationId xmlns:a16="http://schemas.microsoft.com/office/drawing/2014/main" xmlns="" id="{32FEDD3C-8579-447A-BE3B-30254F109E35}"/>
+                <a16:creationId xmlns:a16="http://schemas.microsoft.com/office/drawing/2014/main" id="{32FEDD3C-8579-447A-BE3B-30254F109E35}"/>
               </a:ext>
             </a:extLst>
           </p:cNvPr>
@@ -7410,7 +7416,7 @@
           <p:cNvPr id="5" name="Text Placeholder 4">
             <a:extLst>
               <a:ext uri="{FF2B5EF4-FFF2-40B4-BE49-F238E27FC236}">
-                <a16:creationId xmlns:a16="http://schemas.microsoft.com/office/drawing/2014/main" xmlns="" id="{066F2718-7312-4C00-92FB-D79349508FAC}"/>
+                <a16:creationId xmlns:a16="http://schemas.microsoft.com/office/drawing/2014/main" id="{066F2718-7312-4C00-92FB-D79349508FAC}"/>
               </a:ext>
             </a:extLst>
           </p:cNvPr>
@@ -7443,7 +7449,7 @@
           <p:cNvPr id="6" name="Content Placeholder 5">
             <a:extLst>
               <a:ext uri="{FF2B5EF4-FFF2-40B4-BE49-F238E27FC236}">
-                <a16:creationId xmlns:a16="http://schemas.microsoft.com/office/drawing/2014/main" xmlns="" id="{83372F51-5CC7-4820-83C3-AB847CAB19B1}"/>
+                <a16:creationId xmlns:a16="http://schemas.microsoft.com/office/drawing/2014/main" id="{83372F51-5CC7-4820-83C3-AB847CAB19B1}"/>
               </a:ext>
             </a:extLst>
           </p:cNvPr>
@@ -7482,7 +7488,7 @@
           <p:cNvPr id="9" name="Content Placeholder 8">
             <a:extLst>
               <a:ext uri="{FF2B5EF4-FFF2-40B4-BE49-F238E27FC236}">
-                <a16:creationId xmlns:a16="http://schemas.microsoft.com/office/drawing/2014/main" xmlns="" id="{6F493DB7-75F4-4AC9-93A7-041BBE0D4068}"/>
+                <a16:creationId xmlns:a16="http://schemas.microsoft.com/office/drawing/2014/main" id="{6F493DB7-75F4-4AC9-93A7-041BBE0D4068}"/>
               </a:ext>
             </a:extLst>
           </p:cNvPr>
@@ -7521,7 +7527,7 @@
           <p:cNvPr id="10" name="Picture 9">
             <a:extLst>
               <a:ext uri="{FF2B5EF4-FFF2-40B4-BE49-F238E27FC236}">
-                <a16:creationId xmlns:a16="http://schemas.microsoft.com/office/drawing/2014/main" xmlns="" id="{B2A08A5B-8D18-4B9B-896B-448058A8896B}"/>
+                <a16:creationId xmlns:a16="http://schemas.microsoft.com/office/drawing/2014/main" id="{B2A08A5B-8D18-4B9B-896B-448058A8896B}"/>
               </a:ext>
             </a:extLst>
           </p:cNvPr>
@@ -7551,7 +7557,7 @@
           <p:cNvPr id="12" name="Picture 11">
             <a:extLst>
               <a:ext uri="{FF2B5EF4-FFF2-40B4-BE49-F238E27FC236}">
-                <a16:creationId xmlns:a16="http://schemas.microsoft.com/office/drawing/2014/main" xmlns="" id="{35E41823-9FB9-4E65-9D20-0656836974DD}"/>
+                <a16:creationId xmlns:a16="http://schemas.microsoft.com/office/drawing/2014/main" id="{35E41823-9FB9-4E65-9D20-0656836974DD}"/>
               </a:ext>
             </a:extLst>
           </p:cNvPr>
@@ -8181,7 +8187,7 @@
           <p:cNvPr id="2" name="Title 1">
             <a:extLst>
               <a:ext uri="{FF2B5EF4-FFF2-40B4-BE49-F238E27FC236}">
-                <a16:creationId xmlns:a16="http://schemas.microsoft.com/office/drawing/2014/main" xmlns="" id="{2BB9F30D-5EC0-464A-B64B-B52B72DA9C4C}"/>
+                <a16:creationId xmlns:a16="http://schemas.microsoft.com/office/drawing/2014/main" id="{2BB9F30D-5EC0-464A-B64B-B52B72DA9C4C}"/>
               </a:ext>
             </a:extLst>
           </p:cNvPr>
@@ -8214,7 +8220,7 @@
           <p:cNvPr id="3" name="Content Placeholder 2">
             <a:extLst>
               <a:ext uri="{FF2B5EF4-FFF2-40B4-BE49-F238E27FC236}">
-                <a16:creationId xmlns:a16="http://schemas.microsoft.com/office/drawing/2014/main" xmlns="" id="{D0D44FF2-F54B-4B14-9FD3-EDC2506164BE}"/>
+                <a16:creationId xmlns:a16="http://schemas.microsoft.com/office/drawing/2014/main" id="{D0D44FF2-F54B-4B14-9FD3-EDC2506164BE}"/>
               </a:ext>
             </a:extLst>
           </p:cNvPr>
@@ -8345,7 +8351,7 @@
           <p:cNvPr id="2" name="Title 1">
             <a:extLst>
               <a:ext uri="{FF2B5EF4-FFF2-40B4-BE49-F238E27FC236}">
-                <a16:creationId xmlns:a16="http://schemas.microsoft.com/office/drawing/2014/main" xmlns="" id="{A2CB15EE-5513-424B-8A00-0505B4F95F10}"/>
+                <a16:creationId xmlns:a16="http://schemas.microsoft.com/office/drawing/2014/main" id="{A2CB15EE-5513-424B-8A00-0505B4F95F10}"/>
               </a:ext>
             </a:extLst>
           </p:cNvPr>
@@ -8378,7 +8384,7 @@
           <p:cNvPr id="9" name="Content Placeholder 8">
             <a:extLst>
               <a:ext uri="{FF2B5EF4-FFF2-40B4-BE49-F238E27FC236}">
-                <a16:creationId xmlns:a16="http://schemas.microsoft.com/office/drawing/2014/main" xmlns="" id="{A8251C31-0112-4529-8994-7D466FDDBBF0}"/>
+                <a16:creationId xmlns:a16="http://schemas.microsoft.com/office/drawing/2014/main" id="{A8251C31-0112-4529-8994-7D466FDDBBF0}"/>
               </a:ext>
             </a:extLst>
           </p:cNvPr>
@@ -8410,7 +8416,7 @@
           <p:cNvPr id="8" name="Picture 7">
             <a:extLst>
               <a:ext uri="{FF2B5EF4-FFF2-40B4-BE49-F238E27FC236}">
-                <a16:creationId xmlns:a16="http://schemas.microsoft.com/office/drawing/2014/main" xmlns="" id="{069CC8A6-26FF-4239-B7B2-03B782DD5A61}"/>
+                <a16:creationId xmlns:a16="http://schemas.microsoft.com/office/drawing/2014/main" id="{069CC8A6-26FF-4239-B7B2-03B782DD5A61}"/>
               </a:ext>
             </a:extLst>
           </p:cNvPr>
@@ -8477,7 +8483,7 @@
           <p:cNvPr id="2" name="Title 1">
             <a:extLst>
               <a:ext uri="{FF2B5EF4-FFF2-40B4-BE49-F238E27FC236}">
-                <a16:creationId xmlns:a16="http://schemas.microsoft.com/office/drawing/2014/main" xmlns="" id="{2D5EBFA2-C6C3-4BD8-939F-6B07E1329398}"/>
+                <a16:creationId xmlns:a16="http://schemas.microsoft.com/office/drawing/2014/main" id="{2D5EBFA2-C6C3-4BD8-939F-6B07E1329398}"/>
               </a:ext>
             </a:extLst>
           </p:cNvPr>
@@ -8510,7 +8516,7 @@
           <p:cNvPr id="3" name="Content Placeholder 2">
             <a:extLst>
               <a:ext uri="{FF2B5EF4-FFF2-40B4-BE49-F238E27FC236}">
-                <a16:creationId xmlns:a16="http://schemas.microsoft.com/office/drawing/2014/main" xmlns="" id="{9733B3F7-1DF3-4F9B-9737-D78A0A0675F9}"/>
+                <a16:creationId xmlns:a16="http://schemas.microsoft.com/office/drawing/2014/main" id="{9733B3F7-1DF3-4F9B-9737-D78A0A0675F9}"/>
               </a:ext>
             </a:extLst>
           </p:cNvPr>
@@ -8546,7 +8552,7 @@
           <p:cNvPr id="4" name="Content Placeholder 3">
             <a:extLst>
               <a:ext uri="{FF2B5EF4-FFF2-40B4-BE49-F238E27FC236}">
-                <a16:creationId xmlns:a16="http://schemas.microsoft.com/office/drawing/2014/main" xmlns="" id="{7E9A95FD-4668-450F-9415-31DE78A74113}"/>
+                <a16:creationId xmlns:a16="http://schemas.microsoft.com/office/drawing/2014/main" id="{7E9A95FD-4668-450F-9415-31DE78A74113}"/>
               </a:ext>
             </a:extLst>
           </p:cNvPr>
@@ -8579,7 +8585,7 @@
           <p:cNvPr id="5" name="Picture 4">
             <a:extLst>
               <a:ext uri="{FF2B5EF4-FFF2-40B4-BE49-F238E27FC236}">
-                <a16:creationId xmlns:a16="http://schemas.microsoft.com/office/drawing/2014/main" xmlns="" id="{43F764D7-7461-4A61-97EE-96CF9A28D950}"/>
+                <a16:creationId xmlns:a16="http://schemas.microsoft.com/office/drawing/2014/main" id="{43F764D7-7461-4A61-97EE-96CF9A28D950}"/>
               </a:ext>
             </a:extLst>
           </p:cNvPr>
@@ -8609,7 +8615,7 @@
           <p:cNvPr id="6" name="Picture 5">
             <a:extLst>
               <a:ext uri="{FF2B5EF4-FFF2-40B4-BE49-F238E27FC236}">
-                <a16:creationId xmlns:a16="http://schemas.microsoft.com/office/drawing/2014/main" xmlns="" id="{BBDEDBE2-AF15-4823-9D3E-835EE7ABF6E0}"/>
+                <a16:creationId xmlns:a16="http://schemas.microsoft.com/office/drawing/2014/main" id="{BBDEDBE2-AF15-4823-9D3E-835EE7ABF6E0}"/>
               </a:ext>
             </a:extLst>
           </p:cNvPr>
@@ -8639,7 +8645,7 @@
           <p:cNvPr id="7" name="Picture 6">
             <a:extLst>
               <a:ext uri="{FF2B5EF4-FFF2-40B4-BE49-F238E27FC236}">
-                <a16:creationId xmlns:a16="http://schemas.microsoft.com/office/drawing/2014/main" xmlns="" id="{5211FCAE-D41E-489B-89E8-4F0F18312C30}"/>
+                <a16:creationId xmlns:a16="http://schemas.microsoft.com/office/drawing/2014/main" id="{5211FCAE-D41E-489B-89E8-4F0F18312C30}"/>
               </a:ext>
             </a:extLst>
           </p:cNvPr>
@@ -8669,7 +8675,7 @@
           <p:cNvPr id="8" name="Picture 7">
             <a:extLst>
               <a:ext uri="{FF2B5EF4-FFF2-40B4-BE49-F238E27FC236}">
-                <a16:creationId xmlns:a16="http://schemas.microsoft.com/office/drawing/2014/main" xmlns="" id="{406ECAC2-06F7-4FF7-84F5-B58191F2986F}"/>
+                <a16:creationId xmlns:a16="http://schemas.microsoft.com/office/drawing/2014/main" id="{406ECAC2-06F7-4FF7-84F5-B58191F2986F}"/>
               </a:ext>
             </a:extLst>
           </p:cNvPr>
@@ -8736,7 +8742,7 @@
           <p:cNvPr id="2" name="Title 1">
             <a:extLst>
               <a:ext uri="{FF2B5EF4-FFF2-40B4-BE49-F238E27FC236}">
-                <a16:creationId xmlns:a16="http://schemas.microsoft.com/office/drawing/2014/main" xmlns="" id="{F26B4C22-E571-44B1-86F4-C4F0250F4F2B}"/>
+                <a16:creationId xmlns:a16="http://schemas.microsoft.com/office/drawing/2014/main" id="{F26B4C22-E571-44B1-86F4-C4F0250F4F2B}"/>
               </a:ext>
             </a:extLst>
           </p:cNvPr>
@@ -8764,7 +8770,7 @@
           <p:cNvPr id="3" name="Content Placeholder 2">
             <a:extLst>
               <a:ext uri="{FF2B5EF4-FFF2-40B4-BE49-F238E27FC236}">
-                <a16:creationId xmlns:a16="http://schemas.microsoft.com/office/drawing/2014/main" xmlns="" id="{61FC4E31-6A55-41B1-89DF-569D855AD4BD}"/>
+                <a16:creationId xmlns:a16="http://schemas.microsoft.com/office/drawing/2014/main" id="{61FC4E31-6A55-41B1-89DF-569D855AD4BD}"/>
               </a:ext>
             </a:extLst>
           </p:cNvPr>
@@ -9682,6 +9688,718 @@
 </p:sld>
 </file>
 
+<file path=ppt/slides/slide25.xml><?xml version="1.0" encoding="utf-8"?>
+<p:sld xmlns:a="http://schemas.openxmlformats.org/drawingml/2006/main" xmlns:r="http://schemas.openxmlformats.org/officeDocument/2006/relationships" xmlns:p="http://schemas.openxmlformats.org/presentationml/2006/main">
+  <p:cSld>
+    <p:spTree>
+      <p:nvGrpSpPr>
+        <p:cNvPr id="1" name=""/>
+        <p:cNvGrpSpPr/>
+        <p:nvPr/>
+      </p:nvGrpSpPr>
+      <p:grpSpPr>
+        <a:xfrm>
+          <a:off x="0" y="0"/>
+          <a:ext cx="0" cy="0"/>
+          <a:chOff x="0" y="0"/>
+          <a:chExt cx="0" cy="0"/>
+        </a:xfrm>
+      </p:grpSpPr>
+      <p:sp>
+        <p:nvSpPr>
+          <p:cNvPr id="2" name="Title 1"/>
+          <p:cNvSpPr>
+            <a:spLocks noGrp="1"/>
+          </p:cNvSpPr>
+          <p:nvPr>
+            <p:ph type="title"/>
+          </p:nvPr>
+        </p:nvSpPr>
+        <p:spPr/>
+        <p:txBody>
+          <a:bodyPr/>
+          <a:lstStyle/>
+          <a:p>
+            <a:r>
+              <a:rPr lang="en-US" sz="4000" dirty="0" smtClean="0"/>
+              <a:t>Node.JS</a:t>
+            </a:r>
+            <a:endParaRPr lang="en-US" sz="4000" dirty="0"/>
+          </a:p>
+        </p:txBody>
+      </p:sp>
+      <p:sp>
+        <p:nvSpPr>
+          <p:cNvPr id="3" name="Content Placeholder 2"/>
+          <p:cNvSpPr>
+            <a:spLocks noGrp="1"/>
+          </p:cNvSpPr>
+          <p:nvPr>
+            <p:ph idx="1"/>
+          </p:nvPr>
+        </p:nvSpPr>
+        <p:spPr>
+          <a:xfrm>
+            <a:off x="646112" y="1457740"/>
+            <a:ext cx="9403742" cy="4790660"/>
+          </a:xfrm>
+        </p:spPr>
+        <p:txBody>
+          <a:bodyPr/>
+          <a:lstStyle/>
+          <a:p>
+            <a:r>
+              <a:rPr lang="en-US" dirty="0" smtClean="0"/>
+              <a:t>It’s a server side platform to run JS code.</a:t>
+            </a:r>
+          </a:p>
+          <a:p>
+            <a:r>
+              <a:rPr lang="en-US" dirty="0" smtClean="0"/>
+              <a:t>Its designed on top of the Chrome browser’s JS engine V8.</a:t>
+            </a:r>
+          </a:p>
+          <a:p>
+            <a:r>
+              <a:rPr lang="en-US" dirty="0" smtClean="0"/>
+              <a:t>It was developed by  Ryan Dahl in 2009 &amp; its latest version is 10.16.3</a:t>
+            </a:r>
+          </a:p>
+          <a:p>
+            <a:r>
+              <a:rPr lang="en-US" dirty="0" smtClean="0"/>
+              <a:t>The platform written in C,C++ and JavaScript</a:t>
+            </a:r>
+          </a:p>
+          <a:p>
+            <a:r>
+              <a:rPr lang="en-US" dirty="0" smtClean="0"/>
+              <a:t>Node.js uses an event driven </a:t>
+            </a:r>
+            <a:r>
+              <a:rPr lang="en-US" b="1" dirty="0" smtClean="0">
+                <a:solidFill>
+                  <a:srgbClr val="FFC000"/>
+                </a:solidFill>
+              </a:rPr>
+              <a:t>non-blocking I/O model</a:t>
+            </a:r>
+          </a:p>
+          <a:p>
+            <a:r>
+              <a:rPr lang="en-US" dirty="0" smtClean="0"/>
+              <a:t>It’s light weight and efficient .Perfect for the data intensive real time applications like chatroom.</a:t>
+            </a:r>
+          </a:p>
+        </p:txBody>
+      </p:sp>
+    </p:spTree>
+    <p:extLst>
+      <p:ext uri="{BB962C8B-B14F-4D97-AF65-F5344CB8AC3E}">
+        <p14:creationId xmlns:p14="http://schemas.microsoft.com/office/powerpoint/2010/main" val="2227638989"/>
+      </p:ext>
+    </p:extLst>
+  </p:cSld>
+  <p:clrMapOvr>
+    <a:masterClrMapping/>
+  </p:clrMapOvr>
+  <p:timing>
+    <p:tnLst>
+      <p:par>
+        <p:cTn id="1" dur="indefinite" restart="never" nodeType="tmRoot"/>
+      </p:par>
+    </p:tnLst>
+  </p:timing>
+</p:sld>
+</file>
+
+<file path=ppt/slides/slide26.xml><?xml version="1.0" encoding="utf-8"?>
+<p:sld xmlns:a="http://schemas.openxmlformats.org/drawingml/2006/main" xmlns:r="http://schemas.openxmlformats.org/officeDocument/2006/relationships" xmlns:p="http://schemas.openxmlformats.org/presentationml/2006/main">
+  <p:cSld>
+    <p:spTree>
+      <p:nvGrpSpPr>
+        <p:cNvPr id="1" name=""/>
+        <p:cNvGrpSpPr/>
+        <p:nvPr/>
+      </p:nvGrpSpPr>
+      <p:grpSpPr>
+        <a:xfrm>
+          <a:off x="0" y="0"/>
+          <a:ext cx="0" cy="0"/>
+          <a:chOff x="0" y="0"/>
+          <a:chExt cx="0" cy="0"/>
+        </a:xfrm>
+      </p:grpSpPr>
+      <p:sp>
+        <p:nvSpPr>
+          <p:cNvPr id="2" name="Title 1"/>
+          <p:cNvSpPr>
+            <a:spLocks noGrp="1"/>
+          </p:cNvSpPr>
+          <p:nvPr>
+            <p:ph type="title"/>
+          </p:nvPr>
+        </p:nvSpPr>
+        <p:spPr>
+          <a:xfrm>
+            <a:off x="646111" y="452718"/>
+            <a:ext cx="9404723" cy="899004"/>
+          </a:xfrm>
+        </p:spPr>
+        <p:txBody>
+          <a:bodyPr/>
+          <a:lstStyle/>
+          <a:p>
+            <a:r>
+              <a:rPr lang="en-US" sz="4000" dirty="0" smtClean="0"/>
+              <a:t>Install &amp; Setup</a:t>
+            </a:r>
+            <a:endParaRPr lang="en-US" sz="4000" dirty="0"/>
+          </a:p>
+        </p:txBody>
+      </p:sp>
+      <p:sp>
+        <p:nvSpPr>
+          <p:cNvPr id="3" name="Content Placeholder 2"/>
+          <p:cNvSpPr>
+            <a:spLocks noGrp="1"/>
+          </p:cNvSpPr>
+          <p:nvPr>
+            <p:ph idx="1"/>
+          </p:nvPr>
+        </p:nvSpPr>
+        <p:spPr>
+          <a:xfrm>
+            <a:off x="646112" y="1351722"/>
+            <a:ext cx="10899222" cy="5314950"/>
+          </a:xfrm>
+        </p:spPr>
+        <p:txBody>
+          <a:bodyPr/>
+          <a:lstStyle/>
+          <a:p>
+            <a:r>
+              <a:rPr lang="en-US" dirty="0" smtClean="0"/>
+              <a:t>Node is an open source platform hence we can download and install it free.</a:t>
+            </a:r>
+          </a:p>
+          <a:p>
+            <a:r>
+              <a:rPr lang="en-US" b="1" dirty="0" smtClean="0">
+                <a:solidFill>
+                  <a:srgbClr val="FFC000"/>
+                </a:solidFill>
+                <a:hlinkClick r:id="rId2"/>
+              </a:rPr>
+              <a:t>Download link:- https</a:t>
+            </a:r>
+            <a:r>
+              <a:rPr lang="en-US" b="1" dirty="0">
+                <a:solidFill>
+                  <a:srgbClr val="FFC000"/>
+                </a:solidFill>
+                <a:hlinkClick r:id="rId2"/>
+              </a:rPr>
+              <a:t>://nodejs.org/en</a:t>
+            </a:r>
+            <a:r>
+              <a:rPr lang="en-US" b="1" dirty="0" smtClean="0">
+                <a:solidFill>
+                  <a:srgbClr val="FFC000"/>
+                </a:solidFill>
+                <a:hlinkClick r:id="rId2"/>
+              </a:rPr>
+              <a:t>/</a:t>
+            </a:r>
+            <a:endParaRPr lang="en-US" b="1" dirty="0" smtClean="0">
+              <a:solidFill>
+                <a:srgbClr val="FFC000"/>
+              </a:solidFill>
+            </a:endParaRPr>
+          </a:p>
+          <a:p>
+            <a:r>
+              <a:rPr lang="en-US" dirty="0" smtClean="0"/>
+              <a:t>Node run with </a:t>
+            </a:r>
+            <a:r>
+              <a:rPr lang="en-US" b="1" dirty="0" err="1" smtClean="0">
+                <a:solidFill>
+                  <a:srgbClr val="FF0000"/>
+                </a:solidFill>
+              </a:rPr>
+              <a:t>npm</a:t>
+            </a:r>
+            <a:r>
+              <a:rPr lang="en-US" b="1" dirty="0" smtClean="0">
+                <a:solidFill>
+                  <a:srgbClr val="FF0000"/>
+                </a:solidFill>
+              </a:rPr>
+              <a:t> </a:t>
+            </a:r>
+            <a:r>
+              <a:rPr lang="en-US" dirty="0" smtClean="0"/>
+              <a:t>(Node Package Manager)</a:t>
+            </a:r>
+          </a:p>
+          <a:p>
+            <a:r>
+              <a:rPr lang="en-US" dirty="0" err="1"/>
+              <a:t>n</a:t>
+            </a:r>
+            <a:r>
+              <a:rPr lang="en-US" dirty="0" err="1" smtClean="0"/>
+              <a:t>pm</a:t>
+            </a:r>
+            <a:r>
+              <a:rPr lang="en-US" dirty="0" smtClean="0"/>
+              <a:t> is bundled with Node.js installation file so no need to install it separately.</a:t>
+            </a:r>
+          </a:p>
+          <a:p>
+            <a:r>
+              <a:rPr lang="en-US" dirty="0" smtClean="0"/>
+              <a:t>You have to initialize it from command/terminal for using the Node</a:t>
+            </a:r>
+          </a:p>
+          <a:p>
+            <a:endParaRPr lang="en-US" dirty="0" smtClean="0"/>
+          </a:p>
+          <a:p>
+            <a:r>
+              <a:rPr lang="en-US" dirty="0" smtClean="0"/>
+              <a:t>Command : </a:t>
+            </a:r>
+            <a:r>
+              <a:rPr lang="en-US" dirty="0" err="1" smtClean="0"/>
+              <a:t>npm</a:t>
+            </a:r>
+            <a:r>
+              <a:rPr lang="en-US" dirty="0" smtClean="0"/>
+              <a:t> </a:t>
+            </a:r>
+            <a:r>
+              <a:rPr lang="en-US" dirty="0" err="1" smtClean="0"/>
+              <a:t>init</a:t>
+            </a:r>
+            <a:endParaRPr lang="en-US" dirty="0"/>
+          </a:p>
+        </p:txBody>
+      </p:sp>
+      <p:pic>
+        <p:nvPicPr>
+          <p:cNvPr id="5" name="Picture 4"/>
+          <p:cNvPicPr>
+            <a:picLocks noChangeAspect="1"/>
+          </p:cNvPicPr>
+          <p:nvPr/>
+        </p:nvPicPr>
+        <p:blipFill>
+          <a:blip r:embed="rId3"/>
+          <a:stretch>
+            <a:fillRect/>
+          </a:stretch>
+        </p:blipFill>
+        <p:spPr>
+          <a:xfrm>
+            <a:off x="5708981" y="3504372"/>
+            <a:ext cx="4829175" cy="3162300"/>
+          </a:xfrm>
+          <a:prstGeom prst="rect">
+            <a:avLst/>
+          </a:prstGeom>
+        </p:spPr>
+      </p:pic>
+    </p:spTree>
+    <p:extLst>
+      <p:ext uri="{BB962C8B-B14F-4D97-AF65-F5344CB8AC3E}">
+        <p14:creationId xmlns:p14="http://schemas.microsoft.com/office/powerpoint/2010/main" val="2565719584"/>
+      </p:ext>
+    </p:extLst>
+  </p:cSld>
+  <p:clrMapOvr>
+    <a:masterClrMapping/>
+  </p:clrMapOvr>
+  <p:timing>
+    <p:tnLst>
+      <p:par>
+        <p:cTn id="1" dur="indefinite" restart="never" nodeType="tmRoot"/>
+      </p:par>
+    </p:tnLst>
+  </p:timing>
+</p:sld>
+</file>
+
+<file path=ppt/slides/slide27.xml><?xml version="1.0" encoding="utf-8"?>
+<p:sld xmlns:a="http://schemas.openxmlformats.org/drawingml/2006/main" xmlns:r="http://schemas.openxmlformats.org/officeDocument/2006/relationships" xmlns:p="http://schemas.openxmlformats.org/presentationml/2006/main">
+  <p:cSld>
+    <p:spTree>
+      <p:nvGrpSpPr>
+        <p:cNvPr id="1" name=""/>
+        <p:cNvGrpSpPr/>
+        <p:nvPr/>
+      </p:nvGrpSpPr>
+      <p:grpSpPr>
+        <a:xfrm>
+          <a:off x="0" y="0"/>
+          <a:ext cx="0" cy="0"/>
+          <a:chOff x="0" y="0"/>
+          <a:chExt cx="0" cy="0"/>
+        </a:xfrm>
+      </p:grpSpPr>
+      <p:sp>
+        <p:nvSpPr>
+          <p:cNvPr id="2" name="Title 1"/>
+          <p:cNvSpPr>
+            <a:spLocks noGrp="1"/>
+          </p:cNvSpPr>
+          <p:nvPr>
+            <p:ph type="title"/>
+          </p:nvPr>
+        </p:nvSpPr>
+        <p:spPr>
+          <a:xfrm>
+            <a:off x="646111" y="452718"/>
+            <a:ext cx="9404723" cy="1031525"/>
+          </a:xfrm>
+        </p:spPr>
+        <p:txBody>
+          <a:bodyPr/>
+          <a:lstStyle/>
+          <a:p>
+            <a:r>
+              <a:rPr lang="en-US" sz="4000" dirty="0" smtClean="0"/>
+              <a:t>Module &amp; Exports</a:t>
+            </a:r>
+            <a:endParaRPr lang="en-US" sz="4000" dirty="0"/>
+          </a:p>
+        </p:txBody>
+      </p:sp>
+      <p:sp>
+        <p:nvSpPr>
+          <p:cNvPr id="3" name="Content Placeholder 2"/>
+          <p:cNvSpPr>
+            <a:spLocks noGrp="1"/>
+          </p:cNvSpPr>
+          <p:nvPr>
+            <p:ph idx="1"/>
+          </p:nvPr>
+        </p:nvSpPr>
+        <p:spPr>
+          <a:xfrm>
+            <a:off x="646112" y="1656522"/>
+            <a:ext cx="9403742" cy="4591877"/>
+          </a:xfrm>
+        </p:spPr>
+        <p:txBody>
+          <a:bodyPr/>
+          <a:lstStyle/>
+          <a:p>
+            <a:r>
+              <a:rPr lang="en-US" dirty="0" smtClean="0"/>
+              <a:t>Usually developers segregate the functionality of the application in separate JS files called events and node look them as modules.</a:t>
+            </a:r>
+          </a:p>
+          <a:p>
+            <a:r>
+              <a:rPr lang="en-US" dirty="0" smtClean="0"/>
+              <a:t>We call those events from the main.js file which is called entry/master file.</a:t>
+            </a:r>
+          </a:p>
+          <a:p>
+            <a:r>
+              <a:rPr lang="en-US" dirty="0" smtClean="0"/>
+              <a:t>We call them custom modules but node also have a lot of inbuilt modules like http, path,fs..</a:t>
+            </a:r>
+            <a:r>
+              <a:rPr lang="en-US" dirty="0" err="1" smtClean="0"/>
+              <a:t>etc</a:t>
+            </a:r>
+            <a:endParaRPr lang="en-US" dirty="0" smtClean="0"/>
+          </a:p>
+          <a:p>
+            <a:endParaRPr lang="en-US" dirty="0" smtClean="0"/>
+          </a:p>
+          <a:p>
+            <a:endParaRPr lang="en-US" dirty="0"/>
+          </a:p>
+        </p:txBody>
+      </p:sp>
+    </p:spTree>
+    <p:extLst>
+      <p:ext uri="{BB962C8B-B14F-4D97-AF65-F5344CB8AC3E}">
+        <p14:creationId xmlns:p14="http://schemas.microsoft.com/office/powerpoint/2010/main" val="594019436"/>
+      </p:ext>
+    </p:extLst>
+  </p:cSld>
+  <p:clrMapOvr>
+    <a:masterClrMapping/>
+  </p:clrMapOvr>
+  <p:timing>
+    <p:tnLst>
+      <p:par>
+        <p:cTn id="1" dur="indefinite" restart="never" nodeType="tmRoot"/>
+      </p:par>
+    </p:tnLst>
+  </p:timing>
+</p:sld>
+</file>
+
+<file path=ppt/slides/slide28.xml><?xml version="1.0" encoding="utf-8"?>
+<p:sld xmlns:a="http://schemas.openxmlformats.org/drawingml/2006/main" xmlns:r="http://schemas.openxmlformats.org/officeDocument/2006/relationships" xmlns:p="http://schemas.openxmlformats.org/presentationml/2006/main">
+  <p:cSld>
+    <p:spTree>
+      <p:nvGrpSpPr>
+        <p:cNvPr id="1" name=""/>
+        <p:cNvGrpSpPr/>
+        <p:nvPr/>
+      </p:nvGrpSpPr>
+      <p:grpSpPr>
+        <a:xfrm>
+          <a:off x="0" y="0"/>
+          <a:ext cx="0" cy="0"/>
+          <a:chOff x="0" y="0"/>
+          <a:chExt cx="0" cy="0"/>
+        </a:xfrm>
+      </p:grpSpPr>
+      <p:sp>
+        <p:nvSpPr>
+          <p:cNvPr id="2" name="Title 1"/>
+          <p:cNvSpPr>
+            <a:spLocks noGrp="1"/>
+          </p:cNvSpPr>
+          <p:nvPr>
+            <p:ph type="title"/>
+          </p:nvPr>
+        </p:nvSpPr>
+        <p:spPr>
+          <a:xfrm>
+            <a:off x="646111" y="452718"/>
+            <a:ext cx="9404723" cy="1137543"/>
+          </a:xfrm>
+        </p:spPr>
+        <p:txBody>
+          <a:bodyPr/>
+          <a:lstStyle/>
+          <a:p>
+            <a:r>
+              <a:rPr lang="en-US" sz="4000" dirty="0" smtClean="0"/>
+              <a:t>Use of require, module &amp; Exports</a:t>
+            </a:r>
+            <a:endParaRPr lang="en-US" sz="4000" dirty="0"/>
+          </a:p>
+        </p:txBody>
+      </p:sp>
+      <p:pic>
+        <p:nvPicPr>
+          <p:cNvPr id="4" name="Content Placeholder 3"/>
+          <p:cNvPicPr>
+            <a:picLocks noGrp="1" noChangeAspect="1"/>
+          </p:cNvPicPr>
+          <p:nvPr>
+            <p:ph idx="1"/>
+          </p:nvPr>
+        </p:nvPicPr>
+        <p:blipFill>
+          <a:blip r:embed="rId2"/>
+          <a:stretch>
+            <a:fillRect/>
+          </a:stretch>
+        </p:blipFill>
+        <p:spPr>
+          <a:xfrm>
+            <a:off x="834680" y="2071998"/>
+            <a:ext cx="9382745" cy="2354228"/>
+          </a:xfrm>
+          <a:prstGeom prst="rect">
+            <a:avLst/>
+          </a:prstGeom>
+        </p:spPr>
+      </p:pic>
+      <p:pic>
+        <p:nvPicPr>
+          <p:cNvPr id="5" name="Picture 4"/>
+          <p:cNvPicPr>
+            <a:picLocks noChangeAspect="1"/>
+          </p:cNvPicPr>
+          <p:nvPr/>
+        </p:nvPicPr>
+        <p:blipFill>
+          <a:blip r:embed="rId3"/>
+          <a:stretch>
+            <a:fillRect/>
+          </a:stretch>
+        </p:blipFill>
+        <p:spPr>
+          <a:xfrm>
+            <a:off x="2822713" y="4907963"/>
+            <a:ext cx="5049078" cy="1280802"/>
+          </a:xfrm>
+          <a:prstGeom prst="rect">
+            <a:avLst/>
+          </a:prstGeom>
+        </p:spPr>
+      </p:pic>
+    </p:spTree>
+    <p:extLst>
+      <p:ext uri="{BB962C8B-B14F-4D97-AF65-F5344CB8AC3E}">
+        <p14:creationId xmlns:p14="http://schemas.microsoft.com/office/powerpoint/2010/main" val="385357642"/>
+      </p:ext>
+    </p:extLst>
+  </p:cSld>
+  <p:clrMapOvr>
+    <a:masterClrMapping/>
+  </p:clrMapOvr>
+  <p:timing>
+    <p:tnLst>
+      <p:par>
+        <p:cTn id="1" dur="indefinite" restart="never" nodeType="tmRoot"/>
+      </p:par>
+    </p:tnLst>
+  </p:timing>
+</p:sld>
+</file>
+
+<file path=ppt/slides/slide29.xml><?xml version="1.0" encoding="utf-8"?>
+<p:sld xmlns:a="http://schemas.openxmlformats.org/drawingml/2006/main" xmlns:r="http://schemas.openxmlformats.org/officeDocument/2006/relationships" xmlns:p="http://schemas.openxmlformats.org/presentationml/2006/main">
+  <p:cSld>
+    <p:spTree>
+      <p:nvGrpSpPr>
+        <p:cNvPr id="1" name=""/>
+        <p:cNvGrpSpPr/>
+        <p:nvPr/>
+      </p:nvGrpSpPr>
+      <p:grpSpPr>
+        <a:xfrm>
+          <a:off x="0" y="0"/>
+          <a:ext cx="0" cy="0"/>
+          <a:chOff x="0" y="0"/>
+          <a:chExt cx="0" cy="0"/>
+        </a:xfrm>
+      </p:grpSpPr>
+      <p:sp>
+        <p:nvSpPr>
+          <p:cNvPr id="2" name="Title 1"/>
+          <p:cNvSpPr>
+            <a:spLocks noGrp="1"/>
+          </p:cNvSpPr>
+          <p:nvPr>
+            <p:ph type="title"/>
+          </p:nvPr>
+        </p:nvSpPr>
+        <p:spPr>
+          <a:xfrm>
+            <a:off x="646111" y="452718"/>
+            <a:ext cx="9404723" cy="965265"/>
+          </a:xfrm>
+        </p:spPr>
+        <p:txBody>
+          <a:bodyPr/>
+          <a:lstStyle/>
+          <a:p>
+            <a:r>
+              <a:rPr lang="en-US" sz="4000" dirty="0" smtClean="0"/>
+              <a:t>Creating a Server</a:t>
+            </a:r>
+            <a:endParaRPr lang="en-US" sz="4000" dirty="0"/>
+          </a:p>
+        </p:txBody>
+      </p:sp>
+      <p:sp>
+        <p:nvSpPr>
+          <p:cNvPr id="3" name="Content Placeholder 2"/>
+          <p:cNvSpPr>
+            <a:spLocks noGrp="1"/>
+          </p:cNvSpPr>
+          <p:nvPr>
+            <p:ph sz="half" idx="1"/>
+          </p:nvPr>
+        </p:nvSpPr>
+        <p:spPr>
+          <a:xfrm>
+            <a:off x="821636" y="1643271"/>
+            <a:ext cx="4678016" cy="4613068"/>
+          </a:xfrm>
+        </p:spPr>
+        <p:txBody>
+          <a:bodyPr/>
+          <a:lstStyle/>
+          <a:p>
+            <a:endParaRPr lang="en-US" dirty="0"/>
+          </a:p>
+        </p:txBody>
+      </p:sp>
+      <p:pic>
+        <p:nvPicPr>
+          <p:cNvPr id="5" name="Content Placeholder 4"/>
+          <p:cNvPicPr>
+            <a:picLocks noGrp="1" noChangeAspect="1"/>
+          </p:cNvPicPr>
+          <p:nvPr>
+            <p:ph sz="half" idx="2"/>
+          </p:nvPr>
+        </p:nvPicPr>
+        <p:blipFill>
+          <a:blip r:embed="rId2"/>
+          <a:stretch>
+            <a:fillRect/>
+          </a:stretch>
+        </p:blipFill>
+        <p:spPr>
+          <a:xfrm>
+            <a:off x="821636" y="1643271"/>
+            <a:ext cx="4678016" cy="4613068"/>
+          </a:xfrm>
+          <a:prstGeom prst="rect">
+            <a:avLst/>
+          </a:prstGeom>
+        </p:spPr>
+      </p:pic>
+      <p:pic>
+        <p:nvPicPr>
+          <p:cNvPr id="6" name="Picture 5"/>
+          <p:cNvPicPr>
+            <a:picLocks noChangeAspect="1"/>
+          </p:cNvPicPr>
+          <p:nvPr/>
+        </p:nvPicPr>
+        <p:blipFill>
+          <a:blip r:embed="rId3"/>
+          <a:stretch>
+            <a:fillRect/>
+          </a:stretch>
+        </p:blipFill>
+        <p:spPr>
+          <a:xfrm>
+            <a:off x="5499652" y="2364063"/>
+            <a:ext cx="6485719" cy="2447925"/>
+          </a:xfrm>
+          <a:prstGeom prst="rect">
+            <a:avLst/>
+          </a:prstGeom>
+        </p:spPr>
+      </p:pic>
+    </p:spTree>
+    <p:extLst>
+      <p:ext uri="{BB962C8B-B14F-4D97-AF65-F5344CB8AC3E}">
+        <p14:creationId xmlns:p14="http://schemas.microsoft.com/office/powerpoint/2010/main" val="636593773"/>
+      </p:ext>
+    </p:extLst>
+  </p:cSld>
+  <p:clrMapOvr>
+    <a:masterClrMapping/>
+  </p:clrMapOvr>
+  <p:timing>
+    <p:tnLst>
+      <p:par>
+        <p:cTn id="1" dur="indefinite" restart="never" nodeType="tmRoot"/>
+      </p:par>
+    </p:tnLst>
+  </p:timing>
+</p:sld>
+</file>
+
 <file path=ppt/slides/slide3.xml><?xml version="1.0" encoding="utf-8"?>
 <p:sld xmlns:a="http://schemas.openxmlformats.org/drawingml/2006/main" xmlns:r="http://schemas.openxmlformats.org/officeDocument/2006/relationships" xmlns:p="http://schemas.openxmlformats.org/presentationml/2006/main">
   <p:cSld>
@@ -9704,7 +10422,7 @@
           <p:cNvPr id="2" name="Title 1">
             <a:extLst>
               <a:ext uri="{FF2B5EF4-FFF2-40B4-BE49-F238E27FC236}">
-                <a16:creationId xmlns:a16="http://schemas.microsoft.com/office/drawing/2014/main" xmlns="" id="{A396EBC3-14E3-4330-BB08-C5EFE80D354B}"/>
+                <a16:creationId xmlns:a16="http://schemas.microsoft.com/office/drawing/2014/main" id="{A396EBC3-14E3-4330-BB08-C5EFE80D354B}"/>
               </a:ext>
             </a:extLst>
           </p:cNvPr>
@@ -9732,7 +10450,7 @@
           <p:cNvPr id="3" name="Content Placeholder 2">
             <a:extLst>
               <a:ext uri="{FF2B5EF4-FFF2-40B4-BE49-F238E27FC236}">
-                <a16:creationId xmlns:a16="http://schemas.microsoft.com/office/drawing/2014/main" xmlns="" id="{39F28357-4ADC-4E8E-972A-D037BE17766D}"/>
+                <a16:creationId xmlns:a16="http://schemas.microsoft.com/office/drawing/2014/main" id="{39F28357-4ADC-4E8E-972A-D037BE17766D}"/>
               </a:ext>
             </a:extLst>
           </p:cNvPr>
@@ -9788,7 +10506,7 @@
           <p:cNvPr id="5" name="Picture 4">
             <a:extLst>
               <a:ext uri="{FF2B5EF4-FFF2-40B4-BE49-F238E27FC236}">
-                <a16:creationId xmlns:a16="http://schemas.microsoft.com/office/drawing/2014/main" xmlns="" id="{2A14372C-C7AC-4153-9B94-4191393470EA}"/>
+                <a16:creationId xmlns:a16="http://schemas.microsoft.com/office/drawing/2014/main" id="{2A14372C-C7AC-4153-9B94-4191393470EA}"/>
               </a:ext>
             </a:extLst>
           </p:cNvPr>
@@ -9833,6 +10551,180 @@
 </p:sld>
 </file>
 
+<file path=ppt/slides/slide30.xml><?xml version="1.0" encoding="utf-8"?>
+<p:sld xmlns:a="http://schemas.openxmlformats.org/drawingml/2006/main" xmlns:r="http://schemas.openxmlformats.org/officeDocument/2006/relationships" xmlns:p="http://schemas.openxmlformats.org/presentationml/2006/main">
+  <p:cSld>
+    <p:spTree>
+      <p:nvGrpSpPr>
+        <p:cNvPr id="1" name=""/>
+        <p:cNvGrpSpPr/>
+        <p:nvPr/>
+      </p:nvGrpSpPr>
+      <p:grpSpPr>
+        <a:xfrm>
+          <a:off x="0" y="0"/>
+          <a:ext cx="0" cy="0"/>
+          <a:chOff x="0" y="0"/>
+          <a:chExt cx="0" cy="0"/>
+        </a:xfrm>
+      </p:grpSpPr>
+      <p:sp>
+        <p:nvSpPr>
+          <p:cNvPr id="2" name="Title 1"/>
+          <p:cNvSpPr>
+            <a:spLocks noGrp="1"/>
+          </p:cNvSpPr>
+          <p:nvPr>
+            <p:ph type="title"/>
+          </p:nvPr>
+        </p:nvSpPr>
+        <p:spPr>
+          <a:xfrm>
+            <a:off x="646111" y="452718"/>
+            <a:ext cx="9404723" cy="965265"/>
+          </a:xfrm>
+        </p:spPr>
+        <p:txBody>
+          <a:bodyPr/>
+          <a:lstStyle/>
+          <a:p>
+            <a:r>
+              <a:rPr lang="en-US" dirty="0" smtClean="0"/>
+              <a:t>Popular Node.JS Apps</a:t>
+            </a:r>
+            <a:endParaRPr lang="en-US" dirty="0"/>
+          </a:p>
+        </p:txBody>
+      </p:sp>
+      <p:sp>
+        <p:nvSpPr>
+          <p:cNvPr id="3" name="Content Placeholder 2"/>
+          <p:cNvSpPr>
+            <a:spLocks noGrp="1"/>
+          </p:cNvSpPr>
+          <p:nvPr>
+            <p:ph idx="1"/>
+          </p:nvPr>
+        </p:nvSpPr>
+        <p:spPr>
+          <a:xfrm>
+            <a:off x="755374" y="1417984"/>
+            <a:ext cx="10031896" cy="4830416"/>
+          </a:xfrm>
+        </p:spPr>
+        <p:txBody>
+          <a:bodyPr/>
+          <a:lstStyle/>
+          <a:p>
+            <a:r>
+              <a:rPr lang="en-US" b="1" dirty="0" smtClean="0"/>
+              <a:t>Twitter Lite </a:t>
+            </a:r>
+            <a:r>
+              <a:rPr lang="en-US" dirty="0" smtClean="0"/>
+              <a:t>:- Designed for slow Internet connection</a:t>
+            </a:r>
+          </a:p>
+          <a:p>
+            <a:r>
+              <a:rPr lang="en-US" b="1" dirty="0" smtClean="0"/>
+              <a:t>GoDaddy</a:t>
+            </a:r>
+            <a:r>
+              <a:rPr lang="en-US" dirty="0" smtClean="0"/>
+              <a:t> :- </a:t>
+            </a:r>
+            <a:r>
+              <a:rPr lang="en-US" dirty="0" smtClean="0">
+                <a:solidFill>
+                  <a:srgbClr val="FFC000"/>
+                </a:solidFill>
+              </a:rPr>
+              <a:t>4x</a:t>
+            </a:r>
+            <a:r>
+              <a:rPr lang="en-US" dirty="0" smtClean="0"/>
+              <a:t> performance improvement after change in      						node based micro service architecture.</a:t>
+            </a:r>
+          </a:p>
+          <a:p>
+            <a:r>
+              <a:rPr lang="en-US" b="1" dirty="0" smtClean="0"/>
+              <a:t>Netflix</a:t>
+            </a:r>
+            <a:r>
+              <a:rPr lang="en-US" dirty="0" smtClean="0"/>
+              <a:t> :- Node application in JS payload &amp; server/client rendering 				reduced load time </a:t>
+            </a:r>
+            <a:r>
+              <a:rPr lang="en-US" dirty="0" smtClean="0">
+                <a:solidFill>
+                  <a:srgbClr val="FFC000"/>
+                </a:solidFill>
+              </a:rPr>
+              <a:t>70% </a:t>
+            </a:r>
+            <a:r>
+              <a:rPr lang="en-US" dirty="0" smtClean="0"/>
+              <a:t>.</a:t>
+            </a:r>
+          </a:p>
+          <a:p>
+            <a:r>
+              <a:rPr lang="en-US" b="1" dirty="0" smtClean="0"/>
+              <a:t>Uber</a:t>
+            </a:r>
+            <a:r>
+              <a:rPr lang="en-US" dirty="0" smtClean="0"/>
+              <a:t> :- Node.js and Python are main software stack of </a:t>
+            </a:r>
+            <a:r>
+              <a:rPr lang="en-US" dirty="0"/>
+              <a:t>U</a:t>
+            </a:r>
+            <a:r>
+              <a:rPr lang="en-US" dirty="0" smtClean="0"/>
+              <a:t>ber.  Company’s  			    dispatch system and API interface designed in node.</a:t>
+            </a:r>
+          </a:p>
+          <a:p>
+            <a:r>
+              <a:rPr lang="en-US" b="1" dirty="0" err="1" smtClean="0"/>
+              <a:t>Linkedln</a:t>
+            </a:r>
+            <a:r>
+              <a:rPr lang="en-US" dirty="0" smtClean="0"/>
+              <a:t> :- Node.js is the principal technology used to support the mobile app 			 backend .</a:t>
+            </a:r>
+            <a:r>
+              <a:rPr lang="en-US" dirty="0" smtClean="0">
+                <a:solidFill>
+                  <a:srgbClr val="FFC000"/>
+                </a:solidFill>
+              </a:rPr>
+              <a:t>20x</a:t>
+            </a:r>
+            <a:r>
+              <a:rPr lang="en-US" dirty="0" smtClean="0"/>
+              <a:t> increase in performance.</a:t>
+            </a:r>
+            <a:endParaRPr lang="en-US" dirty="0"/>
+          </a:p>
+        </p:txBody>
+      </p:sp>
+    </p:spTree>
+    <p:extLst>
+      <p:ext uri="{BB962C8B-B14F-4D97-AF65-F5344CB8AC3E}">
+        <p14:creationId xmlns:p14="http://schemas.microsoft.com/office/powerpoint/2010/main" val="3964718962"/>
+      </p:ext>
+    </p:extLst>
+  </p:cSld>
+  <p:clrMapOvr>
+    <a:masterClrMapping/>
+  </p:clrMapOvr>
+</p:sld>
+</file>
+
 <file path=ppt/slides/slide4.xml><?xml version="1.0" encoding="utf-8"?>
 <p:sld xmlns:a="http://schemas.openxmlformats.org/drawingml/2006/main" xmlns:r="http://schemas.openxmlformats.org/officeDocument/2006/relationships" xmlns:p="http://schemas.openxmlformats.org/presentationml/2006/main">
   <p:cSld>
@@ -9855,7 +10747,7 @@
           <p:cNvPr id="2" name="Title 1">
             <a:extLst>
               <a:ext uri="{FF2B5EF4-FFF2-40B4-BE49-F238E27FC236}">
-                <a16:creationId xmlns:a16="http://schemas.microsoft.com/office/drawing/2014/main" xmlns="" id="{795B23C6-AD0E-42B2-8DDE-3BB25FD36865}"/>
+                <a16:creationId xmlns:a16="http://schemas.microsoft.com/office/drawing/2014/main" id="{795B23C6-AD0E-42B2-8DDE-3BB25FD36865}"/>
               </a:ext>
             </a:extLst>
           </p:cNvPr>
@@ -9888,7 +10780,7 @@
           <p:cNvPr id="3" name="Content Placeholder 2">
             <a:extLst>
               <a:ext uri="{FF2B5EF4-FFF2-40B4-BE49-F238E27FC236}">
-                <a16:creationId xmlns:a16="http://schemas.microsoft.com/office/drawing/2014/main" xmlns="" id="{5A66274A-4820-4530-802C-E80B06CB7289}"/>
+                <a16:creationId xmlns:a16="http://schemas.microsoft.com/office/drawing/2014/main" id="{5A66274A-4820-4530-802C-E80B06CB7289}"/>
               </a:ext>
             </a:extLst>
           </p:cNvPr>
@@ -9919,7 +10811,7 @@
           <p:cNvPr id="4" name="Content Placeholder 3">
             <a:extLst>
               <a:ext uri="{FF2B5EF4-FFF2-40B4-BE49-F238E27FC236}">
-                <a16:creationId xmlns:a16="http://schemas.microsoft.com/office/drawing/2014/main" xmlns="" id="{2CEB8610-17A2-4100-907B-3974551A926D}"/>
+                <a16:creationId xmlns:a16="http://schemas.microsoft.com/office/drawing/2014/main" id="{2CEB8610-17A2-4100-907B-3974551A926D}"/>
               </a:ext>
             </a:extLst>
           </p:cNvPr>
@@ -9947,7 +10839,7 @@
           <p:cNvPr id="5" name="Content Placeholder 3">
             <a:extLst>
               <a:ext uri="{FF2B5EF4-FFF2-40B4-BE49-F238E27FC236}">
-                <a16:creationId xmlns:a16="http://schemas.microsoft.com/office/drawing/2014/main" xmlns="" id="{598C02A6-B7DC-42BC-8D98-5E7D868A85F6}"/>
+                <a16:creationId xmlns:a16="http://schemas.microsoft.com/office/drawing/2014/main" id="{598C02A6-B7DC-42BC-8D98-5E7D868A85F6}"/>
               </a:ext>
             </a:extLst>
           </p:cNvPr>
@@ -9977,7 +10869,7 @@
           <p:cNvPr id="6" name="Picture 5">
             <a:extLst>
               <a:ext uri="{FF2B5EF4-FFF2-40B4-BE49-F238E27FC236}">
-                <a16:creationId xmlns:a16="http://schemas.microsoft.com/office/drawing/2014/main" xmlns="" id="{9EDE9D29-7785-4B23-85B8-56266557B2C6}"/>
+                <a16:creationId xmlns:a16="http://schemas.microsoft.com/office/drawing/2014/main" id="{9EDE9D29-7785-4B23-85B8-56266557B2C6}"/>
               </a:ext>
             </a:extLst>
           </p:cNvPr>
@@ -10044,7 +10936,7 @@
           <p:cNvPr id="2" name="Title 1">
             <a:extLst>
               <a:ext uri="{FF2B5EF4-FFF2-40B4-BE49-F238E27FC236}">
-                <a16:creationId xmlns:a16="http://schemas.microsoft.com/office/drawing/2014/main" xmlns="" id="{B1B7F84D-7B56-45B7-BF40-16AE2770E145}"/>
+                <a16:creationId xmlns:a16="http://schemas.microsoft.com/office/drawing/2014/main" id="{B1B7F84D-7B56-45B7-BF40-16AE2770E145}"/>
               </a:ext>
             </a:extLst>
           </p:cNvPr>
@@ -10072,7 +10964,7 @@
           <p:cNvPr id="3" name="Content Placeholder 2">
             <a:extLst>
               <a:ext uri="{FF2B5EF4-FFF2-40B4-BE49-F238E27FC236}">
-                <a16:creationId xmlns:a16="http://schemas.microsoft.com/office/drawing/2014/main" xmlns="" id="{E487FCA9-EC21-42D4-ACB8-F6C835C7B591}"/>
+                <a16:creationId xmlns:a16="http://schemas.microsoft.com/office/drawing/2014/main" id="{E487FCA9-EC21-42D4-ACB8-F6C835C7B591}"/>
               </a:ext>
             </a:extLst>
           </p:cNvPr>
@@ -10111,7 +11003,7 @@
           <p:cNvPr id="4" name="Content Placeholder 3">
             <a:extLst>
               <a:ext uri="{FF2B5EF4-FFF2-40B4-BE49-F238E27FC236}">
-                <a16:creationId xmlns:a16="http://schemas.microsoft.com/office/drawing/2014/main" xmlns="" id="{9FF95E9D-A54F-4BD4-B630-7DA5E03E5CDE}"/>
+                <a16:creationId xmlns:a16="http://schemas.microsoft.com/office/drawing/2014/main" id="{9FF95E9D-A54F-4BD4-B630-7DA5E03E5CDE}"/>
               </a:ext>
             </a:extLst>
           </p:cNvPr>
@@ -10139,7 +11031,7 @@
           <p:cNvPr id="5" name="Picture 4">
             <a:extLst>
               <a:ext uri="{FF2B5EF4-FFF2-40B4-BE49-F238E27FC236}">
-                <a16:creationId xmlns:a16="http://schemas.microsoft.com/office/drawing/2014/main" xmlns="" id="{A9F81249-58B6-4F4F-9144-3E6FF7F6FC7D}"/>
+                <a16:creationId xmlns:a16="http://schemas.microsoft.com/office/drawing/2014/main" id="{A9F81249-58B6-4F4F-9144-3E6FF7F6FC7D}"/>
               </a:ext>
             </a:extLst>
           </p:cNvPr>
@@ -10169,7 +11061,7 @@
           <p:cNvPr id="6" name="Picture 5">
             <a:extLst>
               <a:ext uri="{FF2B5EF4-FFF2-40B4-BE49-F238E27FC236}">
-                <a16:creationId xmlns:a16="http://schemas.microsoft.com/office/drawing/2014/main" xmlns="" id="{32A4BF5E-72F8-4CA6-AE72-7051AAE05ED2}"/>
+                <a16:creationId xmlns:a16="http://schemas.microsoft.com/office/drawing/2014/main" id="{32A4BF5E-72F8-4CA6-AE72-7051AAE05ED2}"/>
               </a:ext>
             </a:extLst>
           </p:cNvPr>
@@ -10428,7 +11320,7 @@
           <p:cNvPr id="2" name="Title 1">
             <a:extLst>
               <a:ext uri="{FF2B5EF4-FFF2-40B4-BE49-F238E27FC236}">
-                <a16:creationId xmlns:a16="http://schemas.microsoft.com/office/drawing/2014/main" xmlns="" id="{4DDB0165-A002-491A-A4DD-9CDBF64BB5EE}"/>
+                <a16:creationId xmlns:a16="http://schemas.microsoft.com/office/drawing/2014/main" id="{4DDB0165-A002-491A-A4DD-9CDBF64BB5EE}"/>
               </a:ext>
             </a:extLst>
           </p:cNvPr>
@@ -10461,7 +11353,7 @@
           <p:cNvPr id="6" name="Content Placeholder 5">
             <a:extLst>
               <a:ext uri="{FF2B5EF4-FFF2-40B4-BE49-F238E27FC236}">
-                <a16:creationId xmlns:a16="http://schemas.microsoft.com/office/drawing/2014/main" xmlns="" id="{5FF32F35-E962-45F5-9594-1820B90E6E5C}"/>
+                <a16:creationId xmlns:a16="http://schemas.microsoft.com/office/drawing/2014/main" id="{5FF32F35-E962-45F5-9594-1820B90E6E5C}"/>
               </a:ext>
             </a:extLst>
           </p:cNvPr>
@@ -10549,7 +11441,7 @@
           <p:cNvPr id="7" name="Picture 6">
             <a:extLst>
               <a:ext uri="{FF2B5EF4-FFF2-40B4-BE49-F238E27FC236}">
-                <a16:creationId xmlns:a16="http://schemas.microsoft.com/office/drawing/2014/main" xmlns="" id="{2E4F0A9D-5ECA-4576-B559-C39C3D455A31}"/>
+                <a16:creationId xmlns:a16="http://schemas.microsoft.com/office/drawing/2014/main" id="{2E4F0A9D-5ECA-4576-B559-C39C3D455A31}"/>
               </a:ext>
             </a:extLst>
           </p:cNvPr>
@@ -10616,7 +11508,7 @@
           <p:cNvPr id="2" name="Title 1">
             <a:extLst>
               <a:ext uri="{FF2B5EF4-FFF2-40B4-BE49-F238E27FC236}">
-                <a16:creationId xmlns:a16="http://schemas.microsoft.com/office/drawing/2014/main" xmlns="" id="{4DDB0165-A002-491A-A4DD-9CDBF64BB5EE}"/>
+                <a16:creationId xmlns:a16="http://schemas.microsoft.com/office/drawing/2014/main" id="{4DDB0165-A002-491A-A4DD-9CDBF64BB5EE}"/>
               </a:ext>
             </a:extLst>
           </p:cNvPr>
@@ -10649,7 +11541,7 @@
           <p:cNvPr id="6" name="Content Placeholder 5">
             <a:extLst>
               <a:ext uri="{FF2B5EF4-FFF2-40B4-BE49-F238E27FC236}">
-                <a16:creationId xmlns:a16="http://schemas.microsoft.com/office/drawing/2014/main" xmlns="" id="{5FF32F35-E962-45F5-9594-1820B90E6E5C}"/>
+                <a16:creationId xmlns:a16="http://schemas.microsoft.com/office/drawing/2014/main" id="{5FF32F35-E962-45F5-9594-1820B90E6E5C}"/>
               </a:ext>
             </a:extLst>
           </p:cNvPr>
@@ -10816,7 +11708,7 @@
           <p:cNvPr id="2" name="Title 1">
             <a:extLst>
               <a:ext uri="{FF2B5EF4-FFF2-40B4-BE49-F238E27FC236}">
-                <a16:creationId xmlns:a16="http://schemas.microsoft.com/office/drawing/2014/main" xmlns="" id="{4DDB0165-A002-491A-A4DD-9CDBF64BB5EE}"/>
+                <a16:creationId xmlns:a16="http://schemas.microsoft.com/office/drawing/2014/main" id="{4DDB0165-A002-491A-A4DD-9CDBF64BB5EE}"/>
               </a:ext>
             </a:extLst>
           </p:cNvPr>
@@ -10849,7 +11741,7 @@
           <p:cNvPr id="6" name="Content Placeholder 5">
             <a:extLst>
               <a:ext uri="{FF2B5EF4-FFF2-40B4-BE49-F238E27FC236}">
-                <a16:creationId xmlns:a16="http://schemas.microsoft.com/office/drawing/2014/main" xmlns="" id="{5FF32F35-E962-45F5-9594-1820B90E6E5C}"/>
+                <a16:creationId xmlns:a16="http://schemas.microsoft.com/office/drawing/2014/main" id="{5FF32F35-E962-45F5-9594-1820B90E6E5C}"/>
               </a:ext>
             </a:extLst>
           </p:cNvPr>

--- a/JAVASCRPT.pptx
+++ b/JAVASCRPT.pptx
@@ -5,7 +5,7 @@
     <p:sldMasterId id="2147483648" r:id="rId1"/>
   </p:sldMasterIdLst>
   <p:notesMasterIdLst>
-    <p:notesMasterId r:id="rId32"/>
+    <p:notesMasterId r:id="rId34"/>
   </p:notesMasterIdLst>
   <p:sldIdLst>
     <p:sldId id="256" r:id="rId2"/>
@@ -32,12 +32,14 @@
     <p:sldId id="280" r:id="rId23"/>
     <p:sldId id="281" r:id="rId24"/>
     <p:sldId id="282" r:id="rId25"/>
-    <p:sldId id="284" r:id="rId26"/>
-    <p:sldId id="285" r:id="rId27"/>
-    <p:sldId id="286" r:id="rId28"/>
-    <p:sldId id="287" r:id="rId29"/>
-    <p:sldId id="288" r:id="rId30"/>
-    <p:sldId id="289" r:id="rId31"/>
+    <p:sldId id="290" r:id="rId26"/>
+    <p:sldId id="291" r:id="rId27"/>
+    <p:sldId id="284" r:id="rId28"/>
+    <p:sldId id="285" r:id="rId29"/>
+    <p:sldId id="286" r:id="rId30"/>
+    <p:sldId id="287" r:id="rId31"/>
+    <p:sldId id="288" r:id="rId32"/>
+    <p:sldId id="289" r:id="rId33"/>
   </p:sldIdLst>
   <p:sldSz cx="12192000" cy="6858000"/>
   <p:notesSz cx="6858000" cy="9144000"/>
@@ -226,7 +228,7 @@
           <a:p>
             <a:fld id="{DE0BE5F6-1CE5-47B2-AC82-947CAA6A2CE5}" type="datetimeFigureOut">
               <a:rPr lang="en-IN" smtClean="0"/>
-              <a:t>10-09-2019</a:t>
+              <a:t>14-09-2019</a:t>
             </a:fld>
             <a:endParaRPr lang="en-IN"/>
           </a:p>
@@ -746,6 +748,566 @@
 </p:notes>
 </file>
 
+<file path=ppt/notesSlides/notesSlide4.xml><?xml version="1.0" encoding="utf-8"?>
+<p:notes xmlns:a="http://schemas.openxmlformats.org/drawingml/2006/main" xmlns:r="http://schemas.openxmlformats.org/officeDocument/2006/relationships" xmlns:p="http://schemas.openxmlformats.org/presentationml/2006/main">
+  <p:cSld>
+    <p:spTree>
+      <p:nvGrpSpPr>
+        <p:cNvPr id="1" name=""/>
+        <p:cNvGrpSpPr/>
+        <p:nvPr/>
+      </p:nvGrpSpPr>
+      <p:grpSpPr>
+        <a:xfrm>
+          <a:off x="0" y="0"/>
+          <a:ext cx="0" cy="0"/>
+          <a:chOff x="0" y="0"/>
+          <a:chExt cx="0" cy="0"/>
+        </a:xfrm>
+      </p:grpSpPr>
+      <p:sp>
+        <p:nvSpPr>
+          <p:cNvPr id="2" name="Slide Image Placeholder 1"/>
+          <p:cNvSpPr>
+            <a:spLocks noGrp="1" noRot="1" noChangeAspect="1"/>
+          </p:cNvSpPr>
+          <p:nvPr>
+            <p:ph type="sldImg"/>
+          </p:nvPr>
+        </p:nvSpPr>
+        <p:spPr/>
+      </p:sp>
+      <p:sp>
+        <p:nvSpPr>
+          <p:cNvPr id="3" name="Notes Placeholder 2"/>
+          <p:cNvSpPr>
+            <a:spLocks noGrp="1"/>
+          </p:cNvSpPr>
+          <p:nvPr>
+            <p:ph type="body" idx="1"/>
+          </p:nvPr>
+        </p:nvSpPr>
+        <p:spPr/>
+        <p:txBody>
+          <a:bodyPr/>
+          <a:lstStyle/>
+          <a:p>
+            <a:r>
+              <a:rPr lang="en-IN" dirty="0"/>
+              <a:t>The difference between if and switch is</a:t>
+            </a:r>
+          </a:p>
+          <a:p>
+            <a:pPr marL="228600" indent="-228600">
+              <a:buAutoNum type="arabicParenR"/>
+            </a:pPr>
+            <a:r>
+              <a:rPr lang="en-IN" dirty="0"/>
+              <a:t>It can take multiple conditions using or/and operator but switch cant</a:t>
+            </a:r>
+          </a:p>
+          <a:p>
+            <a:pPr marL="228600" indent="-228600">
+              <a:buAutoNum type="arabicParenR"/>
+            </a:pPr>
+            <a:r>
+              <a:rPr lang="en-IN" dirty="0"/>
+              <a:t>Nested If is possible although switch can do nesting </a:t>
+            </a:r>
+            <a:r>
+              <a:rPr lang="en-IN" dirty="0" err="1"/>
+              <a:t>bt</a:t>
+            </a:r>
+            <a:r>
+              <a:rPr lang="en-IN" dirty="0"/>
+              <a:t> no one use it and more complicated.</a:t>
+            </a:r>
+          </a:p>
+          <a:p>
+            <a:r>
+              <a:rPr lang="en-IN" dirty="0"/>
+              <a:t>3)  If usually used for range type operation ex:- if(a&gt;10) &amp;&amp; (a&lt;20) but switch used in for specific checks</a:t>
+            </a:r>
+          </a:p>
+        </p:txBody>
+      </p:sp>
+      <p:sp>
+        <p:nvSpPr>
+          <p:cNvPr id="4" name="Slide Number Placeholder 3"/>
+          <p:cNvSpPr>
+            <a:spLocks noGrp="1"/>
+          </p:cNvSpPr>
+          <p:nvPr>
+            <p:ph type="sldNum" sz="quarter" idx="5"/>
+          </p:nvPr>
+        </p:nvSpPr>
+        <p:spPr/>
+        <p:txBody>
+          <a:bodyPr/>
+          <a:lstStyle/>
+          <a:p>
+            <a:fld id="{E9ABF188-7D54-4E99-8128-414AA62ACE8F}" type="slidenum">
+              <a:rPr lang="en-IN" smtClean="0"/>
+              <a:t>12</a:t>
+            </a:fld>
+            <a:endParaRPr lang="en-IN"/>
+          </a:p>
+        </p:txBody>
+      </p:sp>
+    </p:spTree>
+    <p:extLst>
+      <p:ext uri="{BB962C8B-B14F-4D97-AF65-F5344CB8AC3E}">
+        <p14:creationId xmlns:p14="http://schemas.microsoft.com/office/powerpoint/2010/main" val="4036805265"/>
+      </p:ext>
+    </p:extLst>
+  </p:cSld>
+  <p:clrMapOvr>
+    <a:masterClrMapping/>
+  </p:clrMapOvr>
+</p:notes>
+</file>
+
+<file path=ppt/notesSlides/notesSlide5.xml><?xml version="1.0" encoding="utf-8"?>
+<p:notes xmlns:a="http://schemas.openxmlformats.org/drawingml/2006/main" xmlns:r="http://schemas.openxmlformats.org/officeDocument/2006/relationships" xmlns:p="http://schemas.openxmlformats.org/presentationml/2006/main">
+  <p:cSld>
+    <p:spTree>
+      <p:nvGrpSpPr>
+        <p:cNvPr id="1" name=""/>
+        <p:cNvGrpSpPr/>
+        <p:nvPr/>
+      </p:nvGrpSpPr>
+      <p:grpSpPr>
+        <a:xfrm>
+          <a:off x="0" y="0"/>
+          <a:ext cx="0" cy="0"/>
+          <a:chOff x="0" y="0"/>
+          <a:chExt cx="0" cy="0"/>
+        </a:xfrm>
+      </p:grpSpPr>
+      <p:sp>
+        <p:nvSpPr>
+          <p:cNvPr id="2" name="Slide Image Placeholder 1"/>
+          <p:cNvSpPr>
+            <a:spLocks noGrp="1" noRot="1" noChangeAspect="1"/>
+          </p:cNvSpPr>
+          <p:nvPr>
+            <p:ph type="sldImg"/>
+          </p:nvPr>
+        </p:nvSpPr>
+        <p:spPr/>
+      </p:sp>
+      <p:sp>
+        <p:nvSpPr>
+          <p:cNvPr id="3" name="Notes Placeholder 2"/>
+          <p:cNvSpPr>
+            <a:spLocks noGrp="1"/>
+          </p:cNvSpPr>
+          <p:nvPr>
+            <p:ph type="body" idx="1"/>
+          </p:nvPr>
+        </p:nvSpPr>
+        <p:spPr/>
+        <p:txBody>
+          <a:bodyPr/>
+          <a:lstStyle/>
+          <a:p>
+            <a:r>
+              <a:rPr lang="en-IN" dirty="0"/>
+              <a:t>No difference between [] and new Array() .Both are array objects.</a:t>
+            </a:r>
+          </a:p>
+        </p:txBody>
+      </p:sp>
+      <p:sp>
+        <p:nvSpPr>
+          <p:cNvPr id="4" name="Slide Number Placeholder 3"/>
+          <p:cNvSpPr>
+            <a:spLocks noGrp="1"/>
+          </p:cNvSpPr>
+          <p:nvPr>
+            <p:ph type="sldNum" sz="quarter" idx="5"/>
+          </p:nvPr>
+        </p:nvSpPr>
+        <p:spPr/>
+        <p:txBody>
+          <a:bodyPr/>
+          <a:lstStyle/>
+          <a:p>
+            <a:fld id="{E9ABF188-7D54-4E99-8128-414AA62ACE8F}" type="slidenum">
+              <a:rPr lang="en-IN" smtClean="0"/>
+              <a:t>15</a:t>
+            </a:fld>
+            <a:endParaRPr lang="en-IN"/>
+          </a:p>
+        </p:txBody>
+      </p:sp>
+    </p:spTree>
+    <p:extLst>
+      <p:ext uri="{BB962C8B-B14F-4D97-AF65-F5344CB8AC3E}">
+        <p14:creationId xmlns:p14="http://schemas.microsoft.com/office/powerpoint/2010/main" val="2989402693"/>
+      </p:ext>
+    </p:extLst>
+  </p:cSld>
+  <p:clrMapOvr>
+    <a:masterClrMapping/>
+  </p:clrMapOvr>
+</p:notes>
+</file>
+
+<file path=ppt/notesSlides/notesSlide6.xml><?xml version="1.0" encoding="utf-8"?>
+<p:notes xmlns:a="http://schemas.openxmlformats.org/drawingml/2006/main" xmlns:r="http://schemas.openxmlformats.org/officeDocument/2006/relationships" xmlns:p="http://schemas.openxmlformats.org/presentationml/2006/main">
+  <p:cSld>
+    <p:spTree>
+      <p:nvGrpSpPr>
+        <p:cNvPr id="1" name=""/>
+        <p:cNvGrpSpPr/>
+        <p:nvPr/>
+      </p:nvGrpSpPr>
+      <p:grpSpPr>
+        <a:xfrm>
+          <a:off x="0" y="0"/>
+          <a:ext cx="0" cy="0"/>
+          <a:chOff x="0" y="0"/>
+          <a:chExt cx="0" cy="0"/>
+        </a:xfrm>
+      </p:grpSpPr>
+      <p:sp>
+        <p:nvSpPr>
+          <p:cNvPr id="2" name="Slide Image Placeholder 1"/>
+          <p:cNvSpPr>
+            <a:spLocks noGrp="1" noRot="1" noChangeAspect="1"/>
+          </p:cNvSpPr>
+          <p:nvPr>
+            <p:ph type="sldImg"/>
+          </p:nvPr>
+        </p:nvSpPr>
+        <p:spPr/>
+      </p:sp>
+      <p:sp>
+        <p:nvSpPr>
+          <p:cNvPr id="3" name="Notes Placeholder 2"/>
+          <p:cNvSpPr>
+            <a:spLocks noGrp="1"/>
+          </p:cNvSpPr>
+          <p:nvPr>
+            <p:ph type="body" idx="1"/>
+          </p:nvPr>
+        </p:nvSpPr>
+        <p:spPr/>
+        <p:txBody>
+          <a:bodyPr/>
+          <a:lstStyle/>
+          <a:p>
+            <a:r>
+              <a:rPr lang="en-IN" dirty="0"/>
+              <a:t>Basically shift and unshift do changes to virtual array.</a:t>
+            </a:r>
+          </a:p>
+        </p:txBody>
+      </p:sp>
+      <p:sp>
+        <p:nvSpPr>
+          <p:cNvPr id="4" name="Slide Number Placeholder 3"/>
+          <p:cNvSpPr>
+            <a:spLocks noGrp="1"/>
+          </p:cNvSpPr>
+          <p:nvPr>
+            <p:ph type="sldNum" sz="quarter" idx="5"/>
+          </p:nvPr>
+        </p:nvSpPr>
+        <p:spPr/>
+        <p:txBody>
+          <a:bodyPr/>
+          <a:lstStyle/>
+          <a:p>
+            <a:fld id="{E9ABF188-7D54-4E99-8128-414AA62ACE8F}" type="slidenum">
+              <a:rPr lang="en-IN" smtClean="0"/>
+              <a:t>16</a:t>
+            </a:fld>
+            <a:endParaRPr lang="en-IN"/>
+          </a:p>
+        </p:txBody>
+      </p:sp>
+    </p:spTree>
+    <p:extLst>
+      <p:ext uri="{BB962C8B-B14F-4D97-AF65-F5344CB8AC3E}">
+        <p14:creationId xmlns:p14="http://schemas.microsoft.com/office/powerpoint/2010/main" val="2636951621"/>
+      </p:ext>
+    </p:extLst>
+  </p:cSld>
+  <p:clrMapOvr>
+    <a:masterClrMapping/>
+  </p:clrMapOvr>
+</p:notes>
+</file>
+
+<file path=ppt/notesSlides/notesSlide7.xml><?xml version="1.0" encoding="utf-8"?>
+<p:notes xmlns:a="http://schemas.openxmlformats.org/drawingml/2006/main" xmlns:r="http://schemas.openxmlformats.org/officeDocument/2006/relationships" xmlns:p="http://schemas.openxmlformats.org/presentationml/2006/main">
+  <p:cSld>
+    <p:spTree>
+      <p:nvGrpSpPr>
+        <p:cNvPr id="1" name=""/>
+        <p:cNvGrpSpPr/>
+        <p:nvPr/>
+      </p:nvGrpSpPr>
+      <p:grpSpPr>
+        <a:xfrm>
+          <a:off x="0" y="0"/>
+          <a:ext cx="0" cy="0"/>
+          <a:chOff x="0" y="0"/>
+          <a:chExt cx="0" cy="0"/>
+        </a:xfrm>
+      </p:grpSpPr>
+      <p:sp>
+        <p:nvSpPr>
+          <p:cNvPr id="2" name="Slide Image Placeholder 1"/>
+          <p:cNvSpPr>
+            <a:spLocks noGrp="1" noRot="1" noChangeAspect="1"/>
+          </p:cNvSpPr>
+          <p:nvPr>
+            <p:ph type="sldImg"/>
+          </p:nvPr>
+        </p:nvSpPr>
+        <p:spPr/>
+      </p:sp>
+      <p:sp>
+        <p:nvSpPr>
+          <p:cNvPr id="3" name="Notes Placeholder 2"/>
+          <p:cNvSpPr>
+            <a:spLocks noGrp="1"/>
+          </p:cNvSpPr>
+          <p:nvPr>
+            <p:ph type="body" idx="1"/>
+          </p:nvPr>
+        </p:nvSpPr>
+        <p:spPr/>
+        <p:txBody>
+          <a:bodyPr/>
+          <a:lstStyle/>
+          <a:p>
+            <a:r>
+              <a:rPr lang="en-IN" dirty="0"/>
+              <a:t>Replace “filter” with “map” and see the difference in return array content</a:t>
+            </a:r>
+          </a:p>
+        </p:txBody>
+      </p:sp>
+      <p:sp>
+        <p:nvSpPr>
+          <p:cNvPr id="4" name="Slide Number Placeholder 3"/>
+          <p:cNvSpPr>
+            <a:spLocks noGrp="1"/>
+          </p:cNvSpPr>
+          <p:nvPr>
+            <p:ph type="sldNum" sz="quarter" idx="5"/>
+          </p:nvPr>
+        </p:nvSpPr>
+        <p:spPr/>
+        <p:txBody>
+          <a:bodyPr/>
+          <a:lstStyle/>
+          <a:p>
+            <a:fld id="{E9ABF188-7D54-4E99-8128-414AA62ACE8F}" type="slidenum">
+              <a:rPr lang="en-IN" smtClean="0"/>
+              <a:t>19</a:t>
+            </a:fld>
+            <a:endParaRPr lang="en-IN"/>
+          </a:p>
+        </p:txBody>
+      </p:sp>
+    </p:spTree>
+    <p:extLst>
+      <p:ext uri="{BB962C8B-B14F-4D97-AF65-F5344CB8AC3E}">
+        <p14:creationId xmlns:p14="http://schemas.microsoft.com/office/powerpoint/2010/main" val="4130039822"/>
+      </p:ext>
+    </p:extLst>
+  </p:cSld>
+  <p:clrMapOvr>
+    <a:masterClrMapping/>
+  </p:clrMapOvr>
+</p:notes>
+</file>
+
+<file path=ppt/notesSlides/notesSlide8.xml><?xml version="1.0" encoding="utf-8"?>
+<p:notes xmlns:a="http://schemas.openxmlformats.org/drawingml/2006/main" xmlns:r="http://schemas.openxmlformats.org/officeDocument/2006/relationships" xmlns:p="http://schemas.openxmlformats.org/presentationml/2006/main">
+  <p:cSld>
+    <p:spTree>
+      <p:nvGrpSpPr>
+        <p:cNvPr id="1" name=""/>
+        <p:cNvGrpSpPr/>
+        <p:nvPr/>
+      </p:nvGrpSpPr>
+      <p:grpSpPr>
+        <a:xfrm>
+          <a:off x="0" y="0"/>
+          <a:ext cx="0" cy="0"/>
+          <a:chOff x="0" y="0"/>
+          <a:chExt cx="0" cy="0"/>
+        </a:xfrm>
+      </p:grpSpPr>
+      <p:sp>
+        <p:nvSpPr>
+          <p:cNvPr id="2" name="Slide Image Placeholder 1"/>
+          <p:cNvSpPr>
+            <a:spLocks noGrp="1" noRot="1" noChangeAspect="1"/>
+          </p:cNvSpPr>
+          <p:nvPr>
+            <p:ph type="sldImg"/>
+          </p:nvPr>
+        </p:nvSpPr>
+        <p:spPr/>
+      </p:sp>
+      <p:sp>
+        <p:nvSpPr>
+          <p:cNvPr id="3" name="Notes Placeholder 2"/>
+          <p:cNvSpPr>
+            <a:spLocks noGrp="1"/>
+          </p:cNvSpPr>
+          <p:nvPr>
+            <p:ph type="body" idx="1"/>
+          </p:nvPr>
+        </p:nvSpPr>
+        <p:spPr/>
+        <p:txBody>
+          <a:bodyPr/>
+          <a:lstStyle/>
+          <a:p>
+            <a:r>
+              <a:rPr lang="en-IN" dirty="0"/>
+              <a:t>The special character keys cant be accessed via  dot operator(x.”item-3”) will throw error</a:t>
+            </a:r>
+          </a:p>
+        </p:txBody>
+      </p:sp>
+      <p:sp>
+        <p:nvSpPr>
+          <p:cNvPr id="4" name="Slide Number Placeholder 3"/>
+          <p:cNvSpPr>
+            <a:spLocks noGrp="1"/>
+          </p:cNvSpPr>
+          <p:nvPr>
+            <p:ph type="sldNum" sz="quarter" idx="5"/>
+          </p:nvPr>
+        </p:nvSpPr>
+        <p:spPr/>
+        <p:txBody>
+          <a:bodyPr/>
+          <a:lstStyle/>
+          <a:p>
+            <a:fld id="{E9ABF188-7D54-4E99-8128-414AA62ACE8F}" type="slidenum">
+              <a:rPr lang="en-IN" smtClean="0"/>
+              <a:t>21</a:t>
+            </a:fld>
+            <a:endParaRPr lang="en-IN"/>
+          </a:p>
+        </p:txBody>
+      </p:sp>
+    </p:spTree>
+    <p:extLst>
+      <p:ext uri="{BB962C8B-B14F-4D97-AF65-F5344CB8AC3E}">
+        <p14:creationId xmlns:p14="http://schemas.microsoft.com/office/powerpoint/2010/main" val="1344672188"/>
+      </p:ext>
+    </p:extLst>
+  </p:cSld>
+  <p:clrMapOvr>
+    <a:masterClrMapping/>
+  </p:clrMapOvr>
+</p:notes>
+</file>
+
+<file path=ppt/notesSlides/notesSlide9.xml><?xml version="1.0" encoding="utf-8"?>
+<p:notes xmlns:a="http://schemas.openxmlformats.org/drawingml/2006/main" xmlns:r="http://schemas.openxmlformats.org/officeDocument/2006/relationships" xmlns:p="http://schemas.openxmlformats.org/presentationml/2006/main">
+  <p:cSld>
+    <p:spTree>
+      <p:nvGrpSpPr>
+        <p:cNvPr id="1" name=""/>
+        <p:cNvGrpSpPr/>
+        <p:nvPr/>
+      </p:nvGrpSpPr>
+      <p:grpSpPr>
+        <a:xfrm>
+          <a:off x="0" y="0"/>
+          <a:ext cx="0" cy="0"/>
+          <a:chOff x="0" y="0"/>
+          <a:chExt cx="0" cy="0"/>
+        </a:xfrm>
+      </p:grpSpPr>
+      <p:sp>
+        <p:nvSpPr>
+          <p:cNvPr id="2" name="Slide Image Placeholder 1"/>
+          <p:cNvSpPr>
+            <a:spLocks noGrp="1" noRot="1" noChangeAspect="1"/>
+          </p:cNvSpPr>
+          <p:nvPr>
+            <p:ph type="sldImg"/>
+          </p:nvPr>
+        </p:nvSpPr>
+        <p:spPr/>
+      </p:sp>
+      <p:sp>
+        <p:nvSpPr>
+          <p:cNvPr id="3" name="Notes Placeholder 2"/>
+          <p:cNvSpPr>
+            <a:spLocks noGrp="1"/>
+          </p:cNvSpPr>
+          <p:nvPr>
+            <p:ph type="body" idx="1"/>
+          </p:nvPr>
+        </p:nvSpPr>
+        <p:spPr/>
+        <p:txBody>
+          <a:bodyPr/>
+          <a:lstStyle/>
+          <a:p>
+            <a:r>
+              <a:rPr lang="en-IN" dirty="0"/>
+              <a:t>--“this” always points to the current object.</a:t>
+            </a:r>
+          </a:p>
+          <a:p>
+            <a:r>
+              <a:rPr lang="en-IN" dirty="0"/>
+              <a:t>--Never use this keyword while using the arrow function. It will throw error because global error because arrow function already have an inbuilt “this” which points to some global space object and our this points to colour ,when we use this arrow it tries to search colour in global object which doesn’t have the colour properties, hence it will throw error.</a:t>
+            </a:r>
+          </a:p>
+        </p:txBody>
+      </p:sp>
+      <p:sp>
+        <p:nvSpPr>
+          <p:cNvPr id="4" name="Slide Number Placeholder 3"/>
+          <p:cNvSpPr>
+            <a:spLocks noGrp="1"/>
+          </p:cNvSpPr>
+          <p:nvPr>
+            <p:ph type="sldNum" sz="quarter" idx="5"/>
+          </p:nvPr>
+        </p:nvSpPr>
+        <p:spPr/>
+        <p:txBody>
+          <a:bodyPr/>
+          <a:lstStyle/>
+          <a:p>
+            <a:fld id="{E9ABF188-7D54-4E99-8128-414AA62ACE8F}" type="slidenum">
+              <a:rPr lang="en-IN" smtClean="0"/>
+              <a:t>25</a:t>
+            </a:fld>
+            <a:endParaRPr lang="en-IN"/>
+          </a:p>
+        </p:txBody>
+      </p:sp>
+    </p:spTree>
+    <p:extLst>
+      <p:ext uri="{BB962C8B-B14F-4D97-AF65-F5344CB8AC3E}">
+        <p14:creationId xmlns:p14="http://schemas.microsoft.com/office/powerpoint/2010/main" val="3612587171"/>
+      </p:ext>
+    </p:extLst>
+  </p:cSld>
+  <p:clrMapOvr>
+    <a:masterClrMapping/>
+  </p:clrMapOvr>
+</p:notes>
+</file>
+
 <file path=ppt/slideLayouts/slideLayout1.xml><?xml version="1.0" encoding="utf-8"?>
 <p:sldLayout xmlns:a="http://schemas.openxmlformats.org/drawingml/2006/main" xmlns:r="http://schemas.openxmlformats.org/officeDocument/2006/relationships" xmlns:p="http://schemas.openxmlformats.org/presentationml/2006/main" type="title" preserve="1">
   <p:cSld name="Title Slide">
@@ -932,7 +1494,7 @@
           <a:p>
             <a:fld id="{4AAD347D-5ACD-4C99-B74B-A9C85AD731AF}" type="datetimeFigureOut">
               <a:rPr lang="en-US" dirty="0"/>
-              <a:t>9/10/2019</a:t>
+              <a:t>9/14/2019</a:t>
             </a:fld>
             <a:endParaRPr lang="en-US" dirty="0"/>
           </a:p>
@@ -1202,7 +1764,7 @@
           <a:p>
             <a:fld id="{4509A250-FF31-4206-8172-F9D3106AACB1}" type="datetimeFigureOut">
               <a:rPr lang="en-US" dirty="0"/>
-              <a:t>9/10/2019</a:t>
+              <a:t>9/14/2019</a:t>
             </a:fld>
             <a:endParaRPr lang="en-US" dirty="0"/>
           </a:p>
@@ -1391,7 +1953,7 @@
           <a:p>
             <a:fld id="{4509A250-FF31-4206-8172-F9D3106AACB1}" type="datetimeFigureOut">
               <a:rPr lang="en-US" dirty="0"/>
-              <a:t>9/10/2019</a:t>
+              <a:t>9/14/2019</a:t>
             </a:fld>
             <a:endParaRPr lang="en-US" dirty="0"/>
           </a:p>
@@ -1659,7 +2221,7 @@
           <a:p>
             <a:fld id="{4509A250-FF31-4206-8172-F9D3106AACB1}" type="datetimeFigureOut">
               <a:rPr lang="en-US" dirty="0"/>
-              <a:t>9/10/2019</a:t>
+              <a:t>9/14/2019</a:t>
             </a:fld>
             <a:endParaRPr lang="en-US" dirty="0"/>
           </a:p>
@@ -1995,7 +2557,7 @@
           <a:p>
             <a:fld id="{4509A250-FF31-4206-8172-F9D3106AACB1}" type="datetimeFigureOut">
               <a:rPr lang="en-US" dirty="0"/>
-              <a:t>9/10/2019</a:t>
+              <a:t>9/14/2019</a:t>
             </a:fld>
             <a:endParaRPr lang="en-US" dirty="0"/>
           </a:p>
@@ -2613,7 +3175,7 @@
           <a:p>
             <a:fld id="{4509A250-FF31-4206-8172-F9D3106AACB1}" type="datetimeFigureOut">
               <a:rPr lang="en-US" dirty="0"/>
-              <a:t>9/10/2019</a:t>
+              <a:t>9/14/2019</a:t>
             </a:fld>
             <a:endParaRPr lang="en-US" dirty="0"/>
           </a:p>
@@ -3468,7 +4030,7 @@
           <a:p>
             <a:fld id="{4509A250-FF31-4206-8172-F9D3106AACB1}" type="datetimeFigureOut">
               <a:rPr lang="en-US" dirty="0"/>
-              <a:t>9/10/2019</a:t>
+              <a:t>9/14/2019</a:t>
             </a:fld>
             <a:endParaRPr lang="en-US" dirty="0"/>
           </a:p>
@@ -3633,7 +4195,7 @@
           <a:p>
             <a:fld id="{4509A250-FF31-4206-8172-F9D3106AACB1}" type="datetimeFigureOut">
               <a:rPr lang="en-US" dirty="0"/>
-              <a:t>9/10/2019</a:t>
+              <a:t>9/14/2019</a:t>
             </a:fld>
             <a:endParaRPr lang="en-US" dirty="0"/>
           </a:p>
@@ -3808,7 +4370,7 @@
           <a:p>
             <a:fld id="{4509A250-FF31-4206-8172-F9D3106AACB1}" type="datetimeFigureOut">
               <a:rPr lang="en-US" dirty="0"/>
-              <a:t>9/10/2019</a:t>
+              <a:t>9/14/2019</a:t>
             </a:fld>
             <a:endParaRPr lang="en-US" dirty="0"/>
           </a:p>
@@ -3973,7 +4535,7 @@
           <a:p>
             <a:fld id="{4509A250-FF31-4206-8172-F9D3106AACB1}" type="datetimeFigureOut">
               <a:rPr lang="en-US" dirty="0"/>
-              <a:t>9/10/2019</a:t>
+              <a:t>9/14/2019</a:t>
             </a:fld>
             <a:endParaRPr lang="en-US" dirty="0"/>
           </a:p>
@@ -4215,7 +4777,7 @@
           <a:p>
             <a:fld id="{9796027F-7875-4030-9381-8BD8C4F21935}" type="datetimeFigureOut">
               <a:rPr lang="en-US" dirty="0"/>
-              <a:t>9/10/2019</a:t>
+              <a:t>9/14/2019</a:t>
             </a:fld>
             <a:endParaRPr lang="en-US" dirty="0"/>
           </a:p>
@@ -4502,7 +5064,7 @@
           <a:p>
             <a:fld id="{9796027F-7875-4030-9381-8BD8C4F21935}" type="datetimeFigureOut">
               <a:rPr lang="en-US" dirty="0"/>
-              <a:t>9/10/2019</a:t>
+              <a:t>9/14/2019</a:t>
             </a:fld>
             <a:endParaRPr lang="en-US" dirty="0"/>
           </a:p>
@@ -4941,7 +5503,7 @@
           <a:p>
             <a:fld id="{9796027F-7875-4030-9381-8BD8C4F21935}" type="datetimeFigureOut">
               <a:rPr lang="en-US" dirty="0"/>
-              <a:t>9/10/2019</a:t>
+              <a:t>9/14/2019</a:t>
             </a:fld>
             <a:endParaRPr lang="en-US" dirty="0"/>
           </a:p>
@@ -5054,7 +5616,7 @@
           <a:p>
             <a:fld id="{4509A250-FF31-4206-8172-F9D3106AACB1}" type="datetimeFigureOut">
               <a:rPr lang="en-US" dirty="0"/>
-              <a:t>9/10/2019</a:t>
+              <a:t>9/14/2019</a:t>
             </a:fld>
             <a:endParaRPr lang="en-US" dirty="0"/>
           </a:p>
@@ -5144,7 +5706,7 @@
           <a:p>
             <a:fld id="{4509A250-FF31-4206-8172-F9D3106AACB1}" type="datetimeFigureOut">
               <a:rPr lang="en-US" dirty="0"/>
-              <a:t>9/10/2019</a:t>
+              <a:t>9/14/2019</a:t>
             </a:fld>
             <a:endParaRPr lang="en-US" dirty="0"/>
           </a:p>
@@ -5418,7 +5980,7 @@
           <a:p>
             <a:fld id="{4509A250-FF31-4206-8172-F9D3106AACB1}" type="datetimeFigureOut">
               <a:rPr lang="en-US" dirty="0"/>
-              <a:t>9/10/2019</a:t>
+              <a:t>9/14/2019</a:t>
             </a:fld>
             <a:endParaRPr lang="en-US" dirty="0"/>
           </a:p>
@@ -5688,7 +6250,7 @@
           <a:p>
             <a:fld id="{4509A250-FF31-4206-8172-F9D3106AACB1}" type="datetimeFigureOut">
               <a:rPr lang="en-US" dirty="0"/>
-              <a:t>9/10/2019</a:t>
+              <a:t>9/14/2019</a:t>
             </a:fld>
             <a:endParaRPr lang="en-US" dirty="0"/>
           </a:p>
@@ -6112,7 +6674,7 @@
           <a:p>
             <a:fld id="{4AAD347D-5ACD-4C99-B74B-A9C85AD731AF}" type="datetimeFigureOut">
               <a:rPr lang="en-US" dirty="0"/>
-              <a:t>9/10/2019</a:t>
+              <a:t>9/14/2019</a:t>
             </a:fld>
             <a:endParaRPr lang="en-US" dirty="0"/>
           </a:p>
@@ -6707,13 +7269,6 @@
   <p:clrMapOvr>
     <a:masterClrMapping/>
   </p:clrMapOvr>
-  <p:timing>
-    <p:tnLst>
-      <p:par>
-        <p:cTn id="1" dur="indefinite" restart="never" nodeType="tmRoot"/>
-      </p:par>
-    </p:tnLst>
-  </p:timing>
 </p:sld>
 </file>
 
@@ -7036,13 +7591,6 @@
   <p:clrMapOvr>
     <a:masterClrMapping/>
   </p:clrMapOvr>
-  <p:timing>
-    <p:tnLst>
-      <p:par>
-        <p:cTn id="1" dur="indefinite" restart="never" nodeType="tmRoot"/>
-      </p:par>
-    </p:tnLst>
-  </p:timing>
 </p:sld>
 </file>
 
@@ -7299,13 +7847,6 @@
   <p:clrMapOvr>
     <a:masterClrMapping/>
   </p:clrMapOvr>
-  <p:timing>
-    <p:tnLst>
-      <p:par>
-        <p:cTn id="1" dur="indefinite" restart="never" nodeType="tmRoot"/>
-      </p:par>
-    </p:tnLst>
-  </p:timing>
 </p:sld>
 </file>
 
@@ -7367,10 +7908,6 @@
               </a:rPr>
               <a:t>switch case is an alternate method of if-else statement</a:t>
             </a:r>
-            <a:r>
-              <a:rPr lang="en-US" dirty="0"/>
-              <a:t/>
-            </a:r>
             <a:br>
               <a:rPr lang="en-US" dirty="0"/>
             </a:br>
@@ -7537,7 +8074,7 @@
           <p:nvPr/>
         </p:nvPicPr>
         <p:blipFill>
-          <a:blip r:embed="rId2"/>
+          <a:blip r:embed="rId3"/>
           <a:stretch>
             <a:fillRect/>
           </a:stretch>
@@ -7567,7 +8104,7 @@
           <p:nvPr/>
         </p:nvPicPr>
         <p:blipFill>
-          <a:blip r:embed="rId3"/>
+          <a:blip r:embed="rId4"/>
           <a:stretch>
             <a:fillRect/>
           </a:stretch>
@@ -7592,13 +8129,6 @@
   <p:clrMapOvr>
     <a:masterClrMapping/>
   </p:clrMapOvr>
-  <p:timing>
-    <p:tnLst>
-      <p:par>
-        <p:cTn id="1" dur="indefinite" restart="never" nodeType="tmRoot"/>
-      </p:par>
-    </p:tnLst>
-  </p:timing>
 </p:sld>
 </file>
 
@@ -7782,13 +8312,6 @@
   <p:clrMapOvr>
     <a:masterClrMapping/>
   </p:clrMapOvr>
-  <p:timing>
-    <p:tnLst>
-      <p:par>
-        <p:cTn id="1" dur="indefinite" restart="never" nodeType="tmRoot"/>
-      </p:par>
-    </p:tnLst>
-  </p:timing>
 </p:sld>
 </file>
 
@@ -7841,13 +8364,6 @@
   <p:clrMapOvr>
     <a:masterClrMapping/>
   </p:clrMapOvr>
-  <p:timing>
-    <p:tnLst>
-      <p:par>
-        <p:cTn id="1" dur="indefinite" restart="never" nodeType="tmRoot"/>
-      </p:par>
-    </p:tnLst>
-  </p:timing>
 </p:sld>
 </file>
 
@@ -7968,7 +8484,7 @@
           <p:nvPr/>
         </p:nvPicPr>
         <p:blipFill>
-          <a:blip r:embed="rId2"/>
+          <a:blip r:embed="rId3"/>
           <a:stretch>
             <a:fillRect/>
           </a:stretch>
@@ -7993,13 +8509,6 @@
   <p:clrMapOvr>
     <a:masterClrMapping/>
   </p:clrMapOvr>
-  <p:timing>
-    <p:tnLst>
-      <p:par>
-        <p:cTn id="1" dur="indefinite" restart="never" nodeType="tmRoot"/>
-      </p:par>
-    </p:tnLst>
-  </p:timing>
 </p:sld>
 </file>
 
@@ -8106,7 +8615,7 @@
           <p:nvPr/>
         </p:nvPicPr>
         <p:blipFill>
-          <a:blip r:embed="rId2"/>
+          <a:blip r:embed="rId3"/>
           <a:stretch>
             <a:fillRect/>
           </a:stretch>
@@ -8130,7 +8639,7 @@
           <p:nvPr/>
         </p:nvPicPr>
         <p:blipFill>
-          <a:blip r:embed="rId3"/>
+          <a:blip r:embed="rId4"/>
           <a:stretch>
             <a:fillRect/>
           </a:stretch>
@@ -8155,13 +8664,6 @@
   <p:clrMapOvr>
     <a:masterClrMapping/>
   </p:clrMapOvr>
-  <p:timing>
-    <p:tnLst>
-      <p:par>
-        <p:cTn id="1" dur="indefinite" restart="never" nodeType="tmRoot"/>
-      </p:par>
-    </p:tnLst>
-  </p:timing>
 </p:sld>
 </file>
 
@@ -8319,13 +8821,6 @@
   <p:clrMapOvr>
     <a:masterClrMapping/>
   </p:clrMapOvr>
-  <p:timing>
-    <p:tnLst>
-      <p:par>
-        <p:cTn id="1" dur="indefinite" restart="never" nodeType="tmRoot"/>
-      </p:par>
-    </p:tnLst>
-  </p:timing>
 </p:sld>
 </file>
 
@@ -8451,13 +8946,6 @@
   <p:clrMapOvr>
     <a:masterClrMapping/>
   </p:clrMapOvr>
-  <p:timing>
-    <p:tnLst>
-      <p:par>
-        <p:cTn id="1" dur="indefinite" restart="never" nodeType="tmRoot"/>
-      </p:par>
-    </p:tnLst>
-  </p:timing>
 </p:sld>
 </file>
 
@@ -8595,7 +9083,7 @@
           <p:nvPr/>
         </p:nvPicPr>
         <p:blipFill>
-          <a:blip r:embed="rId2"/>
+          <a:blip r:embed="rId3"/>
           <a:stretch>
             <a:fillRect/>
           </a:stretch>
@@ -8625,7 +9113,7 @@
           <p:nvPr/>
         </p:nvPicPr>
         <p:blipFill>
-          <a:blip r:embed="rId3"/>
+          <a:blip r:embed="rId4"/>
           <a:stretch>
             <a:fillRect/>
           </a:stretch>
@@ -8655,7 +9143,7 @@
           <p:nvPr/>
         </p:nvPicPr>
         <p:blipFill>
-          <a:blip r:embed="rId4"/>
+          <a:blip r:embed="rId5"/>
           <a:stretch>
             <a:fillRect/>
           </a:stretch>
@@ -8685,7 +9173,7 @@
           <p:nvPr/>
         </p:nvPicPr>
         <p:blipFill>
-          <a:blip r:embed="rId5"/>
+          <a:blip r:embed="rId6"/>
           <a:stretch>
             <a:fillRect/>
           </a:stretch>
@@ -8710,13 +9198,6 @@
   <p:clrMapOvr>
     <a:masterClrMapping/>
   </p:clrMapOvr>
-  <p:timing>
-    <p:tnLst>
-      <p:par>
-        <p:cTn id="1" dur="indefinite" restart="never" nodeType="tmRoot"/>
-      </p:par>
-    </p:tnLst>
-  </p:timing>
 </p:sld>
 </file>
 
@@ -8865,13 +9346,6 @@
   <p:clrMapOvr>
     <a:masterClrMapping/>
   </p:clrMapOvr>
-  <p:timing>
-    <p:tnLst>
-      <p:par>
-        <p:cTn id="1" dur="indefinite" restart="never" nodeType="tmRoot"/>
-      </p:par>
-    </p:tnLst>
-  </p:timing>
 </p:sld>
 </file>
 
@@ -8913,10 +9387,9 @@
           <a:lstStyle/>
           <a:p>
             <a:r>
-              <a:rPr lang="en-US" dirty="0" smtClean="0"/>
+              <a:rPr lang="en-US" dirty="0"/>
               <a:t>Objects</a:t>
             </a:r>
-            <a:endParaRPr lang="en-US" dirty="0"/>
           </a:p>
         </p:txBody>
       </p:sp>
@@ -8942,7 +9415,7 @@
           <a:p>
             <a:pPr lvl="1"/>
             <a:r>
-              <a:rPr lang="en-US" dirty="0" smtClean="0"/>
+              <a:rPr lang="en-US" dirty="0"/>
               <a:t>There are 7 fundamental data types in JS and Object is one type.</a:t>
             </a:r>
           </a:p>
@@ -8956,7 +9429,7 @@
           <a:p>
             <a:pPr lvl="1"/>
             <a:r>
-              <a:rPr lang="en-US" dirty="0" smtClean="0"/>
+              <a:rPr lang="en-US" dirty="0"/>
               <a:t>Object Literal:-</a:t>
             </a:r>
           </a:p>
@@ -8966,18 +9439,14 @@
             </a:pPr>
             <a:r>
               <a:rPr lang="en-US" dirty="0"/>
-              <a:t>	</a:t>
-            </a:r>
-            <a:r>
-              <a:rPr lang="en-US" dirty="0" smtClean="0"/>
-              <a:t>let &lt;</a:t>
-            </a:r>
-            <a:r>
-              <a:rPr lang="en-US" dirty="0" err="1" smtClean="0"/>
+              <a:t>	let &lt;</a:t>
+            </a:r>
+            <a:r>
+              <a:rPr lang="en-US" dirty="0" err="1"/>
               <a:t>objectname</a:t>
             </a:r>
             <a:r>
-              <a:rPr lang="en-US" dirty="0" smtClean="0"/>
+              <a:rPr lang="en-US" dirty="0"/>
               <a:t>&gt; = { };</a:t>
             </a:r>
           </a:p>
@@ -8987,14 +9456,10 @@
             </a:pPr>
             <a:r>
               <a:rPr lang="en-US" dirty="0"/>
-              <a:t>	</a:t>
-            </a:r>
-            <a:r>
-              <a:rPr lang="en-US" dirty="0" smtClean="0"/>
-              <a:t>ex:- let spaceship = { </a:t>
-            </a:r>
-            <a:r>
-              <a:rPr lang="en-US" dirty="0" smtClean="0">
+              <a:t>	ex:- let spaceship = { </a:t>
+            </a:r>
+            <a:r>
+              <a:rPr lang="en-US" dirty="0">
                 <a:solidFill>
                   <a:srgbClr val="FFC000"/>
                 </a:solidFill>
@@ -9002,7 +9467,7 @@
               <a:t>color</a:t>
             </a:r>
             <a:r>
-              <a:rPr lang="en-US" dirty="0" smtClean="0"/>
+              <a:rPr lang="en-US" dirty="0"/>
               <a:t> : ”Silver”, “fuel type” : “diesel”};</a:t>
             </a:r>
           </a:p>
@@ -9010,25 +9475,16 @@
             <a:pPr marL="457200" lvl="1" indent="0">
               <a:buNone/>
             </a:pPr>
-            <a:endParaRPr lang="en-US" dirty="0" smtClean="0"/>
+            <a:endParaRPr lang="en-US" dirty="0"/>
           </a:p>
           <a:p>
             <a:pPr marL="457200" lvl="1" indent="0">
               <a:buNone/>
             </a:pPr>
             <a:r>
-              <a:rPr lang="en-US" dirty="0" smtClean="0"/>
-              <a:t>Its holds key-pair.</a:t>
-            </a:r>
-            <a:r>
-              <a:rPr lang="en-US" dirty="0"/>
-              <a:t> If any key does not hold any special character we can declare them without any quotation mark like color we did in </a:t>
-            </a:r>
-            <a:r>
-              <a:rPr lang="en-US" dirty="0" smtClean="0"/>
-              <a:t>above.</a:t>
-            </a:r>
-            <a:endParaRPr lang="en-US" dirty="0"/>
+              <a:rPr lang="en-US" dirty="0"/>
+              <a:t>Its holds key-pair. If any key does not hold any special character we can declare them without any quotation mark like color we did in above.</a:t>
+            </a:r>
           </a:p>
         </p:txBody>
       </p:sp>
@@ -9042,13 +9498,6 @@
   <p:clrMapOvr>
     <a:masterClrMapping/>
   </p:clrMapOvr>
-  <p:timing>
-    <p:tnLst>
-      <p:par>
-        <p:cTn id="1" dur="indefinite" restart="never" nodeType="tmRoot"/>
-      </p:par>
-    </p:tnLst>
-  </p:timing>
 </p:sld>
 </file>
 
@@ -9090,10 +9539,9 @@
           <a:lstStyle/>
           <a:p>
             <a:r>
-              <a:rPr lang="en-US" dirty="0" smtClean="0"/>
+              <a:rPr lang="en-US" dirty="0"/>
               <a:t>Object Properties</a:t>
             </a:r>
-            <a:endParaRPr lang="en-US" dirty="0"/>
           </a:p>
         </p:txBody>
       </p:sp>
@@ -9118,18 +9566,18 @@
           <a:lstStyle/>
           <a:p>
             <a:r>
-              <a:rPr lang="en-US" dirty="0" smtClean="0"/>
+              <a:rPr lang="en-US" dirty="0"/>
               <a:t>There are two ways to access an object properties</a:t>
             </a:r>
           </a:p>
           <a:p>
             <a:pPr lvl="1"/>
             <a:r>
-              <a:rPr lang="en-US" dirty="0" smtClean="0"/>
+              <a:rPr lang="en-US" dirty="0"/>
               <a:t>Dot( </a:t>
             </a:r>
             <a:r>
-              <a:rPr lang="en-US" sz="2000" b="1" dirty="0" smtClean="0">
+              <a:rPr lang="en-US" sz="2000" b="1" dirty="0">
                 <a:solidFill>
                   <a:srgbClr val="FF0000"/>
                 </a:solidFill>
@@ -9137,7 +9585,7 @@
               <a:t>.</a:t>
             </a:r>
             <a:r>
-              <a:rPr lang="en-US" sz="2000" dirty="0" smtClean="0">
+              <a:rPr lang="en-US" sz="2000" dirty="0">
                 <a:solidFill>
                   <a:srgbClr val="FF0000"/>
                 </a:solidFill>
@@ -9145,7 +9593,7 @@
               <a:t> </a:t>
             </a:r>
             <a:r>
-              <a:rPr lang="en-US" dirty="0" smtClean="0"/>
+              <a:rPr lang="en-US" dirty="0"/>
               <a:t>) operator :- spaceship.color</a:t>
             </a:r>
           </a:p>
@@ -9153,16 +9601,16 @@
             <a:pPr marL="457200" lvl="1" indent="0">
               <a:buNone/>
             </a:pPr>
-            <a:endParaRPr lang="en-US" dirty="0" smtClean="0"/>
+            <a:endParaRPr lang="en-US" dirty="0"/>
           </a:p>
           <a:p>
             <a:pPr lvl="1"/>
             <a:r>
-              <a:rPr lang="en-US" dirty="0" smtClean="0"/>
+              <a:rPr lang="en-US" dirty="0"/>
               <a:t>Bracket( </a:t>
             </a:r>
             <a:r>
-              <a:rPr lang="en-US" sz="2000" b="1" dirty="0" smtClean="0">
+              <a:rPr lang="en-US" sz="2000" b="1" dirty="0">
                 <a:solidFill>
                   <a:srgbClr val="FF0000"/>
                 </a:solidFill>
@@ -9170,7 +9618,7 @@
               <a:t>[ ] </a:t>
             </a:r>
             <a:r>
-              <a:rPr lang="en-US" dirty="0" smtClean="0"/>
+              <a:rPr lang="en-US" dirty="0"/>
               <a:t>) operator :- spaceship[“color”]</a:t>
             </a:r>
           </a:p>
@@ -9181,14 +9629,14 @@
           <a:p>
             <a:pPr marL="400050"/>
             <a:r>
-              <a:rPr lang="en-US" dirty="0" smtClean="0"/>
+              <a:rPr lang="en-US" dirty="0"/>
               <a:t>Changing/Assigning Object Property</a:t>
             </a:r>
           </a:p>
           <a:p>
             <a:pPr marL="800100" lvl="1"/>
             <a:r>
-              <a:rPr lang="en-US" dirty="0" smtClean="0"/>
+              <a:rPr lang="en-US" dirty="0"/>
               <a:t>Only accept . Operator for </a:t>
             </a:r>
           </a:p>
@@ -9196,7 +9644,7 @@
             <a:pPr marL="514350" lvl="1" indent="0">
               <a:buNone/>
             </a:pPr>
-            <a:endParaRPr lang="en-US" dirty="0" smtClean="0"/>
+            <a:endParaRPr lang="en-US" dirty="0"/>
           </a:p>
           <a:p>
             <a:pPr marL="514350" lvl="1" indent="0">
@@ -9209,30 +9657,6 @@
       <p:pic>
         <p:nvPicPr>
           <p:cNvPr id="4" name="Picture 3"/>
-          <p:cNvPicPr>
-            <a:picLocks noChangeAspect="1"/>
-          </p:cNvPicPr>
-          <p:nvPr/>
-        </p:nvPicPr>
-        <p:blipFill>
-          <a:blip r:embed="rId2"/>
-          <a:stretch>
-            <a:fillRect/>
-          </a:stretch>
-        </p:blipFill>
-        <p:spPr>
-          <a:xfrm>
-            <a:off x="6589712" y="1930401"/>
-            <a:ext cx="4295775" cy="1173162"/>
-          </a:xfrm>
-          <a:prstGeom prst="rect">
-            <a:avLst/>
-          </a:prstGeom>
-        </p:spPr>
-      </p:pic>
-      <p:pic>
-        <p:nvPicPr>
-          <p:cNvPr id="5" name="Picture 4"/>
           <p:cNvPicPr>
             <a:picLocks noChangeAspect="1"/>
           </p:cNvPicPr>
@@ -9246,6 +9670,30 @@
         </p:blipFill>
         <p:spPr>
           <a:xfrm>
+            <a:off x="6589712" y="1930401"/>
+            <a:ext cx="4295775" cy="1173162"/>
+          </a:xfrm>
+          <a:prstGeom prst="rect">
+            <a:avLst/>
+          </a:prstGeom>
+        </p:spPr>
+      </p:pic>
+      <p:pic>
+        <p:nvPicPr>
+          <p:cNvPr id="5" name="Picture 4"/>
+          <p:cNvPicPr>
+            <a:picLocks noChangeAspect="1"/>
+          </p:cNvPicPr>
+          <p:nvPr/>
+        </p:nvPicPr>
+        <p:blipFill>
+          <a:blip r:embed="rId4"/>
+          <a:stretch>
+            <a:fillRect/>
+          </a:stretch>
+        </p:blipFill>
+        <p:spPr>
+          <a:xfrm>
             <a:off x="1281297" y="4889499"/>
             <a:ext cx="8134350" cy="1358899"/>
           </a:xfrm>
@@ -9264,13 +9712,6 @@
   <p:clrMapOvr>
     <a:masterClrMapping/>
   </p:clrMapOvr>
-  <p:timing>
-    <p:tnLst>
-      <p:par>
-        <p:cTn id="1" dur="indefinite" restart="never" nodeType="tmRoot"/>
-      </p:par>
-    </p:tnLst>
-  </p:timing>
 </p:sld>
 </file>
 
@@ -9312,10 +9753,9 @@
           <a:lstStyle/>
           <a:p>
             <a:r>
-              <a:rPr lang="en-US" dirty="0" smtClean="0"/>
+              <a:rPr lang="en-US" dirty="0"/>
               <a:t>Object Method</a:t>
             </a:r>
-            <a:endParaRPr lang="en-US" dirty="0"/>
           </a:p>
         </p:txBody>
       </p:sp>
@@ -9340,7 +9780,7 @@
           <a:lstStyle/>
           <a:p>
             <a:r>
-              <a:rPr lang="en-US" dirty="0" smtClean="0"/>
+              <a:rPr lang="en-US" dirty="0"/>
               <a:t>In object we can insert the functions like any other data. These functions called the methods of the object.</a:t>
             </a:r>
           </a:p>
@@ -9390,13 +9830,6 @@
   <p:clrMapOvr>
     <a:masterClrMapping/>
   </p:clrMapOvr>
-  <p:timing>
-    <p:tnLst>
-      <p:par>
-        <p:cTn id="1" dur="indefinite" restart="never" nodeType="tmRoot"/>
-      </p:par>
-    </p:tnLst>
-  </p:timing>
 </p:sld>
 </file>
 
@@ -9438,10 +9871,9 @@
           <a:lstStyle/>
           <a:p>
             <a:r>
-              <a:rPr lang="en-US" dirty="0" smtClean="0"/>
+              <a:rPr lang="en-US" dirty="0"/>
               <a:t>Nested Object</a:t>
             </a:r>
-            <a:endParaRPr lang="en-US" dirty="0"/>
           </a:p>
         </p:txBody>
       </p:sp>
@@ -9466,10 +9898,9 @@
           <a:lstStyle/>
           <a:p>
             <a:r>
-              <a:rPr lang="en-US" dirty="0" smtClean="0"/>
+              <a:rPr lang="en-US" dirty="0"/>
               <a:t>In real world applications you will find many objects are holding another objects as there element. Those are called nested objects. Its basically a JSON data.</a:t>
             </a:r>
-            <a:endParaRPr lang="en-US" dirty="0"/>
           </a:p>
         </p:txBody>
       </p:sp>
@@ -9505,13 +9936,6 @@
   <p:clrMapOvr>
     <a:masterClrMapping/>
   </p:clrMapOvr>
-  <p:timing>
-    <p:tnLst>
-      <p:par>
-        <p:cTn id="1" dur="indefinite" restart="never" nodeType="tmRoot"/>
-      </p:par>
-    </p:tnLst>
-  </p:timing>
 </p:sld>
 </file>
 
@@ -9553,10 +9977,9 @@
           <a:lstStyle/>
           <a:p>
             <a:r>
-              <a:rPr lang="en-US" dirty="0" smtClean="0"/>
+              <a:rPr lang="en-US" dirty="0"/>
               <a:t>Looping through Objects</a:t>
             </a:r>
-            <a:endParaRPr lang="en-US" dirty="0"/>
           </a:p>
         </p:txBody>
       </p:sp>
@@ -9581,13 +10004,13 @@
           <a:lstStyle/>
           <a:p>
             <a:r>
-              <a:rPr lang="en-US" dirty="0" smtClean="0"/>
+              <a:rPr lang="en-US" dirty="0"/>
               <a:t>In array we loop through the elements using indexes but in case of Object we will use for loop</a:t>
             </a:r>
           </a:p>
           <a:p>
             <a:r>
-              <a:rPr lang="en-US" dirty="0" smtClean="0"/>
+              <a:rPr lang="en-US" dirty="0"/>
               <a:t>Object key-value pairs are accessed in random order unlike Array.</a:t>
             </a:r>
           </a:p>
@@ -9678,13 +10101,6 @@
   <p:clrMapOvr>
     <a:masterClrMapping/>
   </p:clrMapOvr>
-  <p:timing>
-    <p:tnLst>
-      <p:par>
-        <p:cTn id="1" dur="indefinite" restart="never" nodeType="tmRoot"/>
-      </p:par>
-    </p:tnLst>
-  </p:timing>
 </p:sld>
 </file>
 
@@ -9707,7 +10123,13 @@
       </p:grpSpPr>
       <p:sp>
         <p:nvSpPr>
-          <p:cNvPr id="2" name="Title 1"/>
+          <p:cNvPr id="2" name="Title 1">
+            <a:extLst>
+              <a:ext uri="{FF2B5EF4-FFF2-40B4-BE49-F238E27FC236}">
+                <a16:creationId xmlns:a16="http://schemas.microsoft.com/office/drawing/2014/main" id="{5E861D32-8789-47ED-8BF0-5B1CB40F478F}"/>
+              </a:ext>
+            </a:extLst>
+          </p:cNvPr>
           <p:cNvSpPr>
             <a:spLocks noGrp="1"/>
           </p:cNvSpPr>
@@ -9721,16 +10143,21 @@
           <a:lstStyle/>
           <a:p>
             <a:r>
-              <a:rPr lang="en-US" sz="4000" dirty="0" smtClean="0"/>
-              <a:t>Node.JS</a:t>
-            </a:r>
-            <a:endParaRPr lang="en-US" sz="4000" dirty="0"/>
-          </a:p>
-        </p:txBody>
-      </p:sp>
-      <p:sp>
-        <p:nvSpPr>
-          <p:cNvPr id="3" name="Content Placeholder 2"/>
+              <a:rPr lang="en-IN" sz="4000" dirty="0"/>
+              <a:t>Advance Object</a:t>
+            </a:r>
+          </a:p>
+        </p:txBody>
+      </p:sp>
+      <p:sp>
+        <p:nvSpPr>
+          <p:cNvPr id="3" name="Content Placeholder 2">
+            <a:extLst>
+              <a:ext uri="{FF2B5EF4-FFF2-40B4-BE49-F238E27FC236}">
+                <a16:creationId xmlns:a16="http://schemas.microsoft.com/office/drawing/2014/main" id="{13B53DFA-8C1C-44E9-B196-062A9A49B7EF}"/>
+              </a:ext>
+            </a:extLst>
+          </p:cNvPr>
           <p:cNvSpPr>
             <a:spLocks noGrp="1"/>
           </p:cNvSpPr>
@@ -9740,76 +10167,112 @@
         </p:nvSpPr>
         <p:spPr>
           <a:xfrm>
-            <a:off x="646112" y="1457740"/>
-            <a:ext cx="9403742" cy="4790660"/>
-          </a:xfrm>
-        </p:spPr>
-        <p:txBody>
-          <a:bodyPr/>
-          <a:lstStyle/>
-          <a:p>
-            <a:r>
-              <a:rPr lang="en-US" dirty="0" smtClean="0"/>
-              <a:t>It’s a server side platform to run JS code.</a:t>
-            </a:r>
-          </a:p>
-          <a:p>
-            <a:r>
-              <a:rPr lang="en-US" dirty="0" smtClean="0"/>
-              <a:t>Its designed on top of the Chrome browser’s JS engine V8.</a:t>
-            </a:r>
-          </a:p>
-          <a:p>
-            <a:r>
-              <a:rPr lang="en-US" dirty="0" smtClean="0"/>
-              <a:t>It was developed by  Ryan Dahl in 2009 &amp; its latest version is 10.16.3</a:t>
-            </a:r>
-          </a:p>
-          <a:p>
-            <a:r>
-              <a:rPr lang="en-US" dirty="0" smtClean="0"/>
-              <a:t>The platform written in C,C++ and JavaScript</a:t>
-            </a:r>
-          </a:p>
-          <a:p>
-            <a:r>
-              <a:rPr lang="en-US" dirty="0" smtClean="0"/>
-              <a:t>Node.js uses an event driven </a:t>
-            </a:r>
-            <a:r>
-              <a:rPr lang="en-US" b="1" dirty="0" smtClean="0">
+            <a:off x="645130" y="1275908"/>
+            <a:ext cx="9404723" cy="4972492"/>
+          </a:xfrm>
+        </p:spPr>
+        <p:txBody>
+          <a:bodyPr/>
+          <a:lstStyle/>
+          <a:p>
+            <a:r>
+              <a:rPr lang="en-IN" dirty="0"/>
+              <a:t>The </a:t>
+            </a:r>
+            <a:r>
+              <a:rPr lang="en-IN" b="1" dirty="0">
                 <a:solidFill>
-                  <a:srgbClr val="FFC000"/>
+                  <a:srgbClr val="00B0F0"/>
                 </a:solidFill>
               </a:rPr>
-              <a:t>non-blocking I/O model</a:t>
-            </a:r>
-          </a:p>
-          <a:p>
-            <a:r>
-              <a:rPr lang="en-US" dirty="0" smtClean="0"/>
-              <a:t>It’s light weight and efficient .Perfect for the data intensive real time applications like chatroom.</a:t>
-            </a:r>
-          </a:p>
-        </p:txBody>
-      </p:sp>
+              <a:t>this</a:t>
+            </a:r>
+            <a:r>
+              <a:rPr lang="en-IN" dirty="0"/>
+              <a:t> keyword  :- Always points to calling object</a:t>
+            </a:r>
+          </a:p>
+          <a:p>
+            <a:endParaRPr lang="en-IN" dirty="0"/>
+          </a:p>
+          <a:p>
+            <a:pPr marL="0" indent="0">
+              <a:buNone/>
+            </a:pPr>
+            <a:endParaRPr lang="en-IN" dirty="0"/>
+          </a:p>
+        </p:txBody>
+      </p:sp>
+      <p:pic>
+        <p:nvPicPr>
+          <p:cNvPr id="7" name="Picture 6">
+            <a:extLst>
+              <a:ext uri="{FF2B5EF4-FFF2-40B4-BE49-F238E27FC236}">
+                <a16:creationId xmlns:a16="http://schemas.microsoft.com/office/drawing/2014/main" id="{86029795-4E86-4680-8973-5F926455489A}"/>
+              </a:ext>
+            </a:extLst>
+          </p:cNvPr>
+          <p:cNvPicPr>
+            <a:picLocks noChangeAspect="1"/>
+          </p:cNvPicPr>
+          <p:nvPr/>
+        </p:nvPicPr>
+        <p:blipFill>
+          <a:blip r:embed="rId3"/>
+          <a:stretch>
+            <a:fillRect/>
+          </a:stretch>
+        </p:blipFill>
+        <p:spPr>
+          <a:xfrm>
+            <a:off x="1158950" y="1913631"/>
+            <a:ext cx="9303488" cy="1775859"/>
+          </a:xfrm>
+          <a:prstGeom prst="rect">
+            <a:avLst/>
+          </a:prstGeom>
+        </p:spPr>
+      </p:pic>
+      <p:pic>
+        <p:nvPicPr>
+          <p:cNvPr id="8" name="Picture 7">
+            <a:extLst>
+              <a:ext uri="{FF2B5EF4-FFF2-40B4-BE49-F238E27FC236}">
+                <a16:creationId xmlns:a16="http://schemas.microsoft.com/office/drawing/2014/main" id="{502E2242-EF21-4911-82A4-B135D87DA443}"/>
+              </a:ext>
+            </a:extLst>
+          </p:cNvPr>
+          <p:cNvPicPr>
+            <a:picLocks noChangeAspect="1"/>
+          </p:cNvPicPr>
+          <p:nvPr/>
+        </p:nvPicPr>
+        <p:blipFill>
+          <a:blip r:embed="rId4"/>
+          <a:stretch>
+            <a:fillRect/>
+          </a:stretch>
+        </p:blipFill>
+        <p:spPr>
+          <a:xfrm>
+            <a:off x="1158950" y="4001163"/>
+            <a:ext cx="9315450" cy="1775859"/>
+          </a:xfrm>
+          <a:prstGeom prst="rect">
+            <a:avLst/>
+          </a:prstGeom>
+        </p:spPr>
+      </p:pic>
     </p:spTree>
     <p:extLst>
       <p:ext uri="{BB962C8B-B14F-4D97-AF65-F5344CB8AC3E}">
-        <p14:creationId xmlns:p14="http://schemas.microsoft.com/office/powerpoint/2010/main" val="2227638989"/>
+        <p14:creationId xmlns:p14="http://schemas.microsoft.com/office/powerpoint/2010/main" val="3829908351"/>
       </p:ext>
     </p:extLst>
   </p:cSld>
   <p:clrMapOvr>
     <a:masterClrMapping/>
   </p:clrMapOvr>
-  <p:timing>
-    <p:tnLst>
-      <p:par>
-        <p:cTn id="1" dur="indefinite" restart="never" nodeType="tmRoot"/>
-      </p:par>
-    </p:tnLst>
-  </p:timing>
 </p:sld>
 </file>
 
@@ -9832,7 +10295,13 @@
       </p:grpSpPr>
       <p:sp>
         <p:nvSpPr>
-          <p:cNvPr id="2" name="Title 1"/>
+          <p:cNvPr id="2" name="Title 1">
+            <a:extLst>
+              <a:ext uri="{FF2B5EF4-FFF2-40B4-BE49-F238E27FC236}">
+                <a16:creationId xmlns:a16="http://schemas.microsoft.com/office/drawing/2014/main" id="{806683EE-CED1-4206-9D5E-0D8A91C50B27}"/>
+              </a:ext>
+            </a:extLst>
+          </p:cNvPr>
           <p:cNvSpPr>
             <a:spLocks noGrp="1"/>
           </p:cNvSpPr>
@@ -9843,24 +10312,33 @@
         <p:spPr>
           <a:xfrm>
             <a:off x="646111" y="452718"/>
-            <a:ext cx="9404723" cy="899004"/>
-          </a:xfrm>
-        </p:spPr>
-        <p:txBody>
-          <a:bodyPr/>
-          <a:lstStyle/>
-          <a:p>
-            <a:r>
-              <a:rPr lang="en-US" sz="4000" dirty="0" smtClean="0"/>
-              <a:t>Install &amp; Setup</a:t>
-            </a:r>
-            <a:endParaRPr lang="en-US" sz="4000" dirty="0"/>
-          </a:p>
-        </p:txBody>
-      </p:sp>
-      <p:sp>
-        <p:nvSpPr>
-          <p:cNvPr id="3" name="Content Placeholder 2"/>
+            <a:ext cx="9404723" cy="1067738"/>
+          </a:xfrm>
+        </p:spPr>
+        <p:txBody>
+          <a:bodyPr/>
+          <a:lstStyle/>
+          <a:p>
+            <a:r>
+              <a:rPr lang="en-IN" sz="4000" dirty="0"/>
+              <a:t>Factory</a:t>
+            </a:r>
+            <a:r>
+              <a:rPr lang="en-IN" dirty="0"/>
+              <a:t> Function</a:t>
+            </a:r>
+          </a:p>
+        </p:txBody>
+      </p:sp>
+      <p:sp>
+        <p:nvSpPr>
+          <p:cNvPr id="6" name="Content Placeholder 5">
+            <a:extLst>
+              <a:ext uri="{FF2B5EF4-FFF2-40B4-BE49-F238E27FC236}">
+                <a16:creationId xmlns:a16="http://schemas.microsoft.com/office/drawing/2014/main" id="{5C6935E5-E45B-4B11-9A49-658C0DDDBA6A}"/>
+              </a:ext>
+            </a:extLst>
+          </p:cNvPr>
           <p:cNvSpPr>
             <a:spLocks noGrp="1"/>
           </p:cNvSpPr>
@@ -9870,141 +10348,48 @@
         </p:nvSpPr>
         <p:spPr>
           <a:xfrm>
-            <a:off x="646112" y="1351722"/>
-            <a:ext cx="10899222" cy="5314950"/>
-          </a:xfrm>
-        </p:spPr>
-        <p:txBody>
-          <a:bodyPr/>
-          <a:lstStyle/>
-          <a:p>
-            <a:r>
-              <a:rPr lang="en-US" dirty="0" smtClean="0"/>
-              <a:t>Node is an open source platform hence we can download and install it free.</a:t>
-            </a:r>
-          </a:p>
-          <a:p>
-            <a:r>
-              <a:rPr lang="en-US" b="1" dirty="0" smtClean="0">
-                <a:solidFill>
-                  <a:srgbClr val="FFC000"/>
-                </a:solidFill>
-                <a:hlinkClick r:id="rId2"/>
-              </a:rPr>
-              <a:t>Download link:- https</a:t>
-            </a:r>
-            <a:r>
-              <a:rPr lang="en-US" b="1" dirty="0">
-                <a:solidFill>
-                  <a:srgbClr val="FFC000"/>
-                </a:solidFill>
-                <a:hlinkClick r:id="rId2"/>
-              </a:rPr>
-              <a:t>://nodejs.org/en</a:t>
-            </a:r>
-            <a:r>
-              <a:rPr lang="en-US" b="1" dirty="0" smtClean="0">
-                <a:solidFill>
-                  <a:srgbClr val="FFC000"/>
-                </a:solidFill>
-                <a:hlinkClick r:id="rId2"/>
-              </a:rPr>
-              <a:t>/</a:t>
-            </a:r>
-            <a:endParaRPr lang="en-US" b="1" dirty="0" smtClean="0">
-              <a:solidFill>
-                <a:srgbClr val="FFC000"/>
-              </a:solidFill>
-            </a:endParaRPr>
-          </a:p>
-          <a:p>
-            <a:r>
-              <a:rPr lang="en-US" dirty="0" smtClean="0"/>
-              <a:t>Node run with </a:t>
-            </a:r>
-            <a:r>
-              <a:rPr lang="en-US" b="1" dirty="0" err="1" smtClean="0">
-                <a:solidFill>
-                  <a:srgbClr val="FF0000"/>
-                </a:solidFill>
-              </a:rPr>
-              <a:t>npm</a:t>
-            </a:r>
-            <a:r>
-              <a:rPr lang="en-US" b="1" dirty="0" smtClean="0">
-                <a:solidFill>
-                  <a:srgbClr val="FF0000"/>
-                </a:solidFill>
-              </a:rPr>
-              <a:t> </a:t>
-            </a:r>
-            <a:r>
-              <a:rPr lang="en-US" dirty="0" smtClean="0"/>
-              <a:t>(Node Package Manager)</a:t>
-            </a:r>
-          </a:p>
-          <a:p>
-            <a:r>
-              <a:rPr lang="en-US" dirty="0" err="1"/>
-              <a:t>n</a:t>
-            </a:r>
-            <a:r>
-              <a:rPr lang="en-US" dirty="0" err="1" smtClean="0"/>
-              <a:t>pm</a:t>
-            </a:r>
-            <a:r>
-              <a:rPr lang="en-US" dirty="0" smtClean="0"/>
-              <a:t> is bundled with Node.js installation file so no need to install it separately.</a:t>
-            </a:r>
-          </a:p>
-          <a:p>
-            <a:r>
-              <a:rPr lang="en-US" dirty="0" smtClean="0"/>
-              <a:t>You have to initialize it from command/terminal for using the Node</a:t>
-            </a:r>
-          </a:p>
-          <a:p>
-            <a:endParaRPr lang="en-US" dirty="0" smtClean="0"/>
-          </a:p>
-          <a:p>
-            <a:r>
-              <a:rPr lang="en-US" dirty="0" smtClean="0"/>
-              <a:t>Command : </a:t>
-            </a:r>
-            <a:r>
-              <a:rPr lang="en-US" dirty="0" err="1" smtClean="0"/>
-              <a:t>npm</a:t>
-            </a:r>
-            <a:r>
-              <a:rPr lang="en-US" dirty="0" smtClean="0"/>
-              <a:t> </a:t>
-            </a:r>
-            <a:r>
-              <a:rPr lang="en-US" dirty="0" err="1" smtClean="0"/>
-              <a:t>init</a:t>
-            </a:r>
-            <a:endParaRPr lang="en-US" dirty="0"/>
+            <a:off x="1103312" y="1520456"/>
+            <a:ext cx="8946541" cy="4727943"/>
+          </a:xfrm>
+        </p:spPr>
+        <p:txBody>
+          <a:bodyPr/>
+          <a:lstStyle/>
+          <a:p>
+            <a:r>
+              <a:rPr lang="en-IN" dirty="0"/>
+              <a:t>Factory Function provides a template to create multiple objects .</a:t>
+            </a:r>
+          </a:p>
+          <a:p>
+            <a:endParaRPr lang="en-IN" dirty="0"/>
           </a:p>
         </p:txBody>
       </p:sp>
       <p:pic>
         <p:nvPicPr>
-          <p:cNvPr id="5" name="Picture 4"/>
+          <p:cNvPr id="7" name="Picture 6">
+            <a:extLst>
+              <a:ext uri="{FF2B5EF4-FFF2-40B4-BE49-F238E27FC236}">
+                <a16:creationId xmlns:a16="http://schemas.microsoft.com/office/drawing/2014/main" id="{4CFD30C8-EAD9-48EB-A5CB-6E52831D447D}"/>
+              </a:ext>
+            </a:extLst>
+          </p:cNvPr>
           <p:cNvPicPr>
             <a:picLocks noChangeAspect="1"/>
           </p:cNvPicPr>
           <p:nvPr/>
         </p:nvPicPr>
         <p:blipFill>
-          <a:blip r:embed="rId3"/>
+          <a:blip r:embed="rId2"/>
           <a:stretch>
             <a:fillRect/>
           </a:stretch>
         </p:blipFill>
         <p:spPr>
           <a:xfrm>
-            <a:off x="5708981" y="3504372"/>
-            <a:ext cx="4829175" cy="3162300"/>
+            <a:off x="1201479" y="2286000"/>
+            <a:ext cx="8848374" cy="3962399"/>
           </a:xfrm>
           <a:prstGeom prst="rect">
             <a:avLst/>
@@ -10014,20 +10399,13 @@
     </p:spTree>
     <p:extLst>
       <p:ext uri="{BB962C8B-B14F-4D97-AF65-F5344CB8AC3E}">
-        <p14:creationId xmlns:p14="http://schemas.microsoft.com/office/powerpoint/2010/main" val="2565719584"/>
+        <p14:creationId xmlns:p14="http://schemas.microsoft.com/office/powerpoint/2010/main" val="728735750"/>
       </p:ext>
     </p:extLst>
   </p:cSld>
   <p:clrMapOvr>
     <a:masterClrMapping/>
   </p:clrMapOvr>
-  <p:timing>
-    <p:tnLst>
-      <p:par>
-        <p:cTn id="1" dur="indefinite" restart="never" nodeType="tmRoot"/>
-      </p:par>
-    </p:tnLst>
-  </p:timing>
 </p:sld>
 </file>
 
@@ -10058,21 +10436,15 @@
             <p:ph type="title"/>
           </p:nvPr>
         </p:nvSpPr>
-        <p:spPr>
-          <a:xfrm>
-            <a:off x="646111" y="452718"/>
-            <a:ext cx="9404723" cy="1031525"/>
-          </a:xfrm>
-        </p:spPr>
-        <p:txBody>
-          <a:bodyPr/>
-          <a:lstStyle/>
-          <a:p>
-            <a:r>
-              <a:rPr lang="en-US" sz="4000" dirty="0" smtClean="0"/>
-              <a:t>Module &amp; Exports</a:t>
-            </a:r>
-            <a:endParaRPr lang="en-US" sz="4000" dirty="0"/>
+        <p:spPr/>
+        <p:txBody>
+          <a:bodyPr/>
+          <a:lstStyle/>
+          <a:p>
+            <a:r>
+              <a:rPr lang="en-US" sz="4000" dirty="0"/>
+              <a:t>Node.JS</a:t>
+            </a:r>
           </a:p>
         </p:txBody>
       </p:sp>
@@ -10088,61 +10460,69 @@
         </p:nvSpPr>
         <p:spPr>
           <a:xfrm>
-            <a:off x="646112" y="1656522"/>
-            <a:ext cx="9403742" cy="4591877"/>
-          </a:xfrm>
-        </p:spPr>
-        <p:txBody>
-          <a:bodyPr/>
-          <a:lstStyle/>
-          <a:p>
-            <a:r>
-              <a:rPr lang="en-US" dirty="0" smtClean="0"/>
-              <a:t>Usually developers segregate the functionality of the application in separate JS files called events and node look them as modules.</a:t>
-            </a:r>
-          </a:p>
-          <a:p>
-            <a:r>
-              <a:rPr lang="en-US" dirty="0" smtClean="0"/>
-              <a:t>We call those events from the main.js file which is called entry/master file.</a:t>
-            </a:r>
-          </a:p>
-          <a:p>
-            <a:r>
-              <a:rPr lang="en-US" dirty="0" smtClean="0"/>
-              <a:t>We call them custom modules but node also have a lot of inbuilt modules like http, path,fs..</a:t>
-            </a:r>
-            <a:r>
-              <a:rPr lang="en-US" dirty="0" err="1" smtClean="0"/>
-              <a:t>etc</a:t>
-            </a:r>
-            <a:endParaRPr lang="en-US" dirty="0" smtClean="0"/>
-          </a:p>
-          <a:p>
-            <a:endParaRPr lang="en-US" dirty="0" smtClean="0"/>
-          </a:p>
-          <a:p>
-            <a:endParaRPr lang="en-US" dirty="0"/>
+            <a:off x="646112" y="1457740"/>
+            <a:ext cx="9403742" cy="4790660"/>
+          </a:xfrm>
+        </p:spPr>
+        <p:txBody>
+          <a:bodyPr/>
+          <a:lstStyle/>
+          <a:p>
+            <a:r>
+              <a:rPr lang="en-US" dirty="0"/>
+              <a:t>It’s a server side platform to run JS code.</a:t>
+            </a:r>
+          </a:p>
+          <a:p>
+            <a:r>
+              <a:rPr lang="en-US" dirty="0"/>
+              <a:t>Its designed on top of the Chrome browser’s JS engine V8.</a:t>
+            </a:r>
+          </a:p>
+          <a:p>
+            <a:r>
+              <a:rPr lang="en-US" dirty="0"/>
+              <a:t>It was developed by  Ryan Dahl in 2009 &amp; its latest version is 10.16.3</a:t>
+            </a:r>
+          </a:p>
+          <a:p>
+            <a:r>
+              <a:rPr lang="en-US" dirty="0"/>
+              <a:t>The platform written in C,C++ and JavaScript</a:t>
+            </a:r>
+          </a:p>
+          <a:p>
+            <a:r>
+              <a:rPr lang="en-US" dirty="0"/>
+              <a:t>Node.js uses an event driven </a:t>
+            </a:r>
+            <a:r>
+              <a:rPr lang="en-US" b="1" dirty="0">
+                <a:solidFill>
+                  <a:srgbClr val="FFC000"/>
+                </a:solidFill>
+              </a:rPr>
+              <a:t>non-blocking I/O model</a:t>
+            </a:r>
+          </a:p>
+          <a:p>
+            <a:r>
+              <a:rPr lang="en-US" dirty="0"/>
+              <a:t>It’s light weight and efficient .Perfect for the data intensive real time applications like chatroom.</a:t>
+            </a:r>
           </a:p>
         </p:txBody>
       </p:sp>
     </p:spTree>
     <p:extLst>
       <p:ext uri="{BB962C8B-B14F-4D97-AF65-F5344CB8AC3E}">
-        <p14:creationId xmlns:p14="http://schemas.microsoft.com/office/powerpoint/2010/main" val="594019436"/>
+        <p14:creationId xmlns:p14="http://schemas.microsoft.com/office/powerpoint/2010/main" val="2227638989"/>
       </p:ext>
     </p:extLst>
   </p:cSld>
   <p:clrMapOvr>
     <a:masterClrMapping/>
   </p:clrMapOvr>
-  <p:timing>
-    <p:tnLst>
-      <p:par>
-        <p:cTn id="1" dur="indefinite" restart="never" nodeType="tmRoot"/>
-      </p:par>
-    </p:tnLst>
-  </p:timing>
 </p:sld>
 </file>
 
@@ -10176,47 +10556,127 @@
         <p:spPr>
           <a:xfrm>
             <a:off x="646111" y="452718"/>
-            <a:ext cx="9404723" cy="1137543"/>
-          </a:xfrm>
-        </p:spPr>
-        <p:txBody>
-          <a:bodyPr/>
-          <a:lstStyle/>
-          <a:p>
-            <a:r>
-              <a:rPr lang="en-US" sz="4000" dirty="0" smtClean="0"/>
-              <a:t>Use of require, module &amp; Exports</a:t>
-            </a:r>
-            <a:endParaRPr lang="en-US" sz="4000" dirty="0"/>
-          </a:p>
-        </p:txBody>
-      </p:sp>
-      <p:pic>
-        <p:nvPicPr>
-          <p:cNvPr id="4" name="Content Placeholder 3"/>
-          <p:cNvPicPr>
-            <a:picLocks noGrp="1" noChangeAspect="1"/>
-          </p:cNvPicPr>
+            <a:ext cx="9404723" cy="899004"/>
+          </a:xfrm>
+        </p:spPr>
+        <p:txBody>
+          <a:bodyPr/>
+          <a:lstStyle/>
+          <a:p>
+            <a:r>
+              <a:rPr lang="en-US" sz="4000" dirty="0"/>
+              <a:t>Install &amp; Setup</a:t>
+            </a:r>
+          </a:p>
+        </p:txBody>
+      </p:sp>
+      <p:sp>
+        <p:nvSpPr>
+          <p:cNvPr id="3" name="Content Placeholder 2"/>
+          <p:cNvSpPr>
+            <a:spLocks noGrp="1"/>
+          </p:cNvSpPr>
           <p:nvPr>
             <p:ph idx="1"/>
           </p:nvPr>
-        </p:nvPicPr>
-        <p:blipFill>
-          <a:blip r:embed="rId2"/>
-          <a:stretch>
-            <a:fillRect/>
-          </a:stretch>
-        </p:blipFill>
-        <p:spPr>
-          <a:xfrm>
-            <a:off x="834680" y="2071998"/>
-            <a:ext cx="9382745" cy="2354228"/>
-          </a:xfrm>
-          <a:prstGeom prst="rect">
-            <a:avLst/>
-          </a:prstGeom>
-        </p:spPr>
-      </p:pic>
+        </p:nvSpPr>
+        <p:spPr>
+          <a:xfrm>
+            <a:off x="646112" y="1351722"/>
+            <a:ext cx="10899222" cy="5314950"/>
+          </a:xfrm>
+        </p:spPr>
+        <p:txBody>
+          <a:bodyPr/>
+          <a:lstStyle/>
+          <a:p>
+            <a:r>
+              <a:rPr lang="en-US" dirty="0"/>
+              <a:t>Node is an open source platform hence we can download and install it free.</a:t>
+            </a:r>
+          </a:p>
+          <a:p>
+            <a:r>
+              <a:rPr lang="en-US" b="1" dirty="0">
+                <a:solidFill>
+                  <a:srgbClr val="FFC000"/>
+                </a:solidFill>
+                <a:hlinkClick r:id="rId2"/>
+              </a:rPr>
+              <a:t>Download link:- https://nodejs.org/en/</a:t>
+            </a:r>
+            <a:endParaRPr lang="en-US" b="1" dirty="0">
+              <a:solidFill>
+                <a:srgbClr val="FFC000"/>
+              </a:solidFill>
+            </a:endParaRPr>
+          </a:p>
+          <a:p>
+            <a:r>
+              <a:rPr lang="en-US" dirty="0"/>
+              <a:t>Node run with </a:t>
+            </a:r>
+            <a:r>
+              <a:rPr lang="en-US" b="1" dirty="0" err="1">
+                <a:solidFill>
+                  <a:srgbClr val="FF0000"/>
+                </a:solidFill>
+              </a:rPr>
+              <a:t>npm</a:t>
+            </a:r>
+            <a:r>
+              <a:rPr lang="en-US" b="1" dirty="0">
+                <a:solidFill>
+                  <a:srgbClr val="FF0000"/>
+                </a:solidFill>
+              </a:rPr>
+              <a:t> </a:t>
+            </a:r>
+            <a:r>
+              <a:rPr lang="en-US" dirty="0"/>
+              <a:t>(Node Package Manager)</a:t>
+            </a:r>
+          </a:p>
+          <a:p>
+            <a:r>
+              <a:rPr lang="en-US" dirty="0" err="1"/>
+              <a:t>npm</a:t>
+            </a:r>
+            <a:r>
+              <a:rPr lang="en-US" dirty="0"/>
+              <a:t> is bundled with Node.js installation file so no need to install it separately.</a:t>
+            </a:r>
+          </a:p>
+          <a:p>
+            <a:r>
+              <a:rPr lang="en-US" dirty="0"/>
+              <a:t>You have to initialize it from command/terminal for using the Node</a:t>
+            </a:r>
+          </a:p>
+          <a:p>
+            <a:endParaRPr lang="en-US" dirty="0"/>
+          </a:p>
+          <a:p>
+            <a:r>
+              <a:rPr lang="en-US" dirty="0"/>
+              <a:t>Command : </a:t>
+            </a:r>
+            <a:r>
+              <a:rPr lang="en-US" dirty="0" err="1"/>
+              <a:t>npm</a:t>
+            </a:r>
+            <a:r>
+              <a:rPr lang="en-US" dirty="0"/>
+              <a:t> </a:t>
+            </a:r>
+            <a:r>
+              <a:rPr lang="en-US" dirty="0" err="1"/>
+              <a:t>init</a:t>
+            </a:r>
+            <a:endParaRPr lang="en-US" dirty="0"/>
+          </a:p>
+        </p:txBody>
+      </p:sp>
       <p:pic>
         <p:nvPicPr>
           <p:cNvPr id="5" name="Picture 4"/>
@@ -10233,8 +10693,8 @@
         </p:blipFill>
         <p:spPr>
           <a:xfrm>
-            <a:off x="2822713" y="4907963"/>
-            <a:ext cx="5049078" cy="1280802"/>
+            <a:off x="5708981" y="3504372"/>
+            <a:ext cx="4829175" cy="3162300"/>
           </a:xfrm>
           <a:prstGeom prst="rect">
             <a:avLst/>
@@ -10244,20 +10704,13 @@
     </p:spTree>
     <p:extLst>
       <p:ext uri="{BB962C8B-B14F-4D97-AF65-F5344CB8AC3E}">
-        <p14:creationId xmlns:p14="http://schemas.microsoft.com/office/powerpoint/2010/main" val="385357642"/>
+        <p14:creationId xmlns:p14="http://schemas.microsoft.com/office/powerpoint/2010/main" val="2565719584"/>
       </p:ext>
     </p:extLst>
   </p:cSld>
   <p:clrMapOvr>
     <a:masterClrMapping/>
   </p:clrMapOvr>
-  <p:timing>
-    <p:tnLst>
-      <p:par>
-        <p:cTn id="1" dur="indefinite" restart="never" nodeType="tmRoot"/>
-      </p:par>
-    </p:tnLst>
-  </p:timing>
 </p:sld>
 </file>
 
@@ -10291,18 +10744,17 @@
         <p:spPr>
           <a:xfrm>
             <a:off x="646111" y="452718"/>
-            <a:ext cx="9404723" cy="965265"/>
-          </a:xfrm>
-        </p:spPr>
-        <p:txBody>
-          <a:bodyPr/>
-          <a:lstStyle/>
-          <a:p>
-            <a:r>
-              <a:rPr lang="en-US" sz="4000" dirty="0" smtClean="0"/>
-              <a:t>Creating a Server</a:t>
-            </a:r>
-            <a:endParaRPr lang="en-US" sz="4000" dirty="0"/>
+            <a:ext cx="9404723" cy="1031525"/>
+          </a:xfrm>
+        </p:spPr>
+        <p:txBody>
+          <a:bodyPr/>
+          <a:lstStyle/>
+          <a:p>
+            <a:r>
+              <a:rPr lang="en-US" sz="4000" dirty="0"/>
+              <a:t>Module &amp; Exports</a:t>
+            </a:r>
           </a:p>
         </p:txBody>
       </p:sp>
@@ -10313,90 +10765,59 @@
             <a:spLocks noGrp="1"/>
           </p:cNvSpPr>
           <p:nvPr>
-            <p:ph sz="half" idx="1"/>
-          </p:nvPr>
-        </p:nvSpPr>
-        <p:spPr>
-          <a:xfrm>
-            <a:off x="821636" y="1643271"/>
-            <a:ext cx="4678016" cy="4613068"/>
-          </a:xfrm>
-        </p:spPr>
-        <p:txBody>
-          <a:bodyPr/>
-          <a:lstStyle/>
-          <a:p>
+            <p:ph idx="1"/>
+          </p:nvPr>
+        </p:nvSpPr>
+        <p:spPr>
+          <a:xfrm>
+            <a:off x="646112" y="1656522"/>
+            <a:ext cx="9403742" cy="4591877"/>
+          </a:xfrm>
+        </p:spPr>
+        <p:txBody>
+          <a:bodyPr/>
+          <a:lstStyle/>
+          <a:p>
+            <a:r>
+              <a:rPr lang="en-US" dirty="0"/>
+              <a:t>Usually developers segregate the functionality of the application in separate JS files called events and node look them as modules.</a:t>
+            </a:r>
+          </a:p>
+          <a:p>
+            <a:r>
+              <a:rPr lang="en-US" dirty="0"/>
+              <a:t>We call those events from the main.js file which is called entry/master file.</a:t>
+            </a:r>
+          </a:p>
+          <a:p>
+            <a:r>
+              <a:rPr lang="en-US" dirty="0"/>
+              <a:t>We call them custom modules but node also have a lot of inbuilt modules like http, path,fs..</a:t>
+            </a:r>
+            <a:r>
+              <a:rPr lang="en-US" dirty="0" err="1"/>
+              <a:t>etc</a:t>
+            </a:r>
             <a:endParaRPr lang="en-US" dirty="0"/>
           </a:p>
-        </p:txBody>
-      </p:sp>
-      <p:pic>
-        <p:nvPicPr>
-          <p:cNvPr id="5" name="Content Placeholder 4"/>
-          <p:cNvPicPr>
-            <a:picLocks noGrp="1" noChangeAspect="1"/>
-          </p:cNvPicPr>
-          <p:nvPr>
-            <p:ph sz="half" idx="2"/>
-          </p:nvPr>
-        </p:nvPicPr>
-        <p:blipFill>
-          <a:blip r:embed="rId2"/>
-          <a:stretch>
-            <a:fillRect/>
-          </a:stretch>
-        </p:blipFill>
-        <p:spPr>
-          <a:xfrm>
-            <a:off x="821636" y="1643271"/>
-            <a:ext cx="4678016" cy="4613068"/>
-          </a:xfrm>
-          <a:prstGeom prst="rect">
-            <a:avLst/>
-          </a:prstGeom>
-        </p:spPr>
-      </p:pic>
-      <p:pic>
-        <p:nvPicPr>
-          <p:cNvPr id="6" name="Picture 5"/>
-          <p:cNvPicPr>
-            <a:picLocks noChangeAspect="1"/>
-          </p:cNvPicPr>
-          <p:nvPr/>
-        </p:nvPicPr>
-        <p:blipFill>
-          <a:blip r:embed="rId3"/>
-          <a:stretch>
-            <a:fillRect/>
-          </a:stretch>
-        </p:blipFill>
-        <p:spPr>
-          <a:xfrm>
-            <a:off x="5499652" y="2364063"/>
-            <a:ext cx="6485719" cy="2447925"/>
-          </a:xfrm>
-          <a:prstGeom prst="rect">
-            <a:avLst/>
-          </a:prstGeom>
-        </p:spPr>
-      </p:pic>
+          <a:p>
+            <a:endParaRPr lang="en-US" dirty="0"/>
+          </a:p>
+          <a:p>
+            <a:endParaRPr lang="en-US" dirty="0"/>
+          </a:p>
+        </p:txBody>
+      </p:sp>
     </p:spTree>
     <p:extLst>
       <p:ext uri="{BB962C8B-B14F-4D97-AF65-F5344CB8AC3E}">
-        <p14:creationId xmlns:p14="http://schemas.microsoft.com/office/powerpoint/2010/main" val="636593773"/>
+        <p14:creationId xmlns:p14="http://schemas.microsoft.com/office/powerpoint/2010/main" val="594019436"/>
       </p:ext>
     </p:extLst>
   </p:cSld>
   <p:clrMapOvr>
     <a:masterClrMapping/>
   </p:clrMapOvr>
-  <p:timing>
-    <p:tnLst>
-      <p:par>
-        <p:cTn id="1" dur="indefinite" restart="never" nodeType="tmRoot"/>
-      </p:par>
-    </p:tnLst>
-  </p:timing>
 </p:sld>
 </file>
 
@@ -10541,13 +10962,6 @@
   <p:clrMapOvr>
     <a:masterClrMapping/>
   </p:clrMapOvr>
-  <p:timing>
-    <p:tnLst>
-      <p:par>
-        <p:cTn id="1" dur="indefinite" restart="never" nodeType="tmRoot"/>
-      </p:par>
-    </p:tnLst>
-  </p:timing>
 </p:sld>
 </file>
 
@@ -10581,6 +10995,113 @@
         <p:spPr>
           <a:xfrm>
             <a:off x="646111" y="452718"/>
+            <a:ext cx="9404723" cy="1137543"/>
+          </a:xfrm>
+        </p:spPr>
+        <p:txBody>
+          <a:bodyPr/>
+          <a:lstStyle/>
+          <a:p>
+            <a:r>
+              <a:rPr lang="en-US" sz="4000" dirty="0"/>
+              <a:t>Use of require, module &amp; Exports</a:t>
+            </a:r>
+          </a:p>
+        </p:txBody>
+      </p:sp>
+      <p:pic>
+        <p:nvPicPr>
+          <p:cNvPr id="4" name="Content Placeholder 3"/>
+          <p:cNvPicPr>
+            <a:picLocks noGrp="1" noChangeAspect="1"/>
+          </p:cNvPicPr>
+          <p:nvPr>
+            <p:ph idx="1"/>
+          </p:nvPr>
+        </p:nvPicPr>
+        <p:blipFill>
+          <a:blip r:embed="rId2"/>
+          <a:stretch>
+            <a:fillRect/>
+          </a:stretch>
+        </p:blipFill>
+        <p:spPr>
+          <a:xfrm>
+            <a:off x="834680" y="2071998"/>
+            <a:ext cx="9382745" cy="2354228"/>
+          </a:xfrm>
+          <a:prstGeom prst="rect">
+            <a:avLst/>
+          </a:prstGeom>
+        </p:spPr>
+      </p:pic>
+      <p:pic>
+        <p:nvPicPr>
+          <p:cNvPr id="5" name="Picture 4"/>
+          <p:cNvPicPr>
+            <a:picLocks noChangeAspect="1"/>
+          </p:cNvPicPr>
+          <p:nvPr/>
+        </p:nvPicPr>
+        <p:blipFill>
+          <a:blip r:embed="rId3"/>
+          <a:stretch>
+            <a:fillRect/>
+          </a:stretch>
+        </p:blipFill>
+        <p:spPr>
+          <a:xfrm>
+            <a:off x="2822713" y="4907963"/>
+            <a:ext cx="5049078" cy="1280802"/>
+          </a:xfrm>
+          <a:prstGeom prst="rect">
+            <a:avLst/>
+          </a:prstGeom>
+        </p:spPr>
+      </p:pic>
+    </p:spTree>
+    <p:extLst>
+      <p:ext uri="{BB962C8B-B14F-4D97-AF65-F5344CB8AC3E}">
+        <p14:creationId xmlns:p14="http://schemas.microsoft.com/office/powerpoint/2010/main" val="385357642"/>
+      </p:ext>
+    </p:extLst>
+  </p:cSld>
+  <p:clrMapOvr>
+    <a:masterClrMapping/>
+  </p:clrMapOvr>
+</p:sld>
+</file>
+
+<file path=ppt/slides/slide31.xml><?xml version="1.0" encoding="utf-8"?>
+<p:sld xmlns:a="http://schemas.openxmlformats.org/drawingml/2006/main" xmlns:r="http://schemas.openxmlformats.org/officeDocument/2006/relationships" xmlns:p="http://schemas.openxmlformats.org/presentationml/2006/main">
+  <p:cSld>
+    <p:spTree>
+      <p:nvGrpSpPr>
+        <p:cNvPr id="1" name=""/>
+        <p:cNvGrpSpPr/>
+        <p:nvPr/>
+      </p:nvGrpSpPr>
+      <p:grpSpPr>
+        <a:xfrm>
+          <a:off x="0" y="0"/>
+          <a:ext cx="0" cy="0"/>
+          <a:chOff x="0" y="0"/>
+          <a:chExt cx="0" cy="0"/>
+        </a:xfrm>
+      </p:grpSpPr>
+      <p:sp>
+        <p:nvSpPr>
+          <p:cNvPr id="2" name="Title 1"/>
+          <p:cNvSpPr>
+            <a:spLocks noGrp="1"/>
+          </p:cNvSpPr>
+          <p:nvPr>
+            <p:ph type="title"/>
+          </p:nvPr>
+        </p:nvSpPr>
+        <p:spPr>
+          <a:xfrm>
+            <a:off x="646111" y="452718"/>
             <a:ext cx="9404723" cy="965265"/>
           </a:xfrm>
         </p:spPr>
@@ -10589,10 +11110,140 @@
           <a:lstStyle/>
           <a:p>
             <a:r>
-              <a:rPr lang="en-US" dirty="0" smtClean="0"/>
+              <a:rPr lang="en-US" sz="4000" dirty="0"/>
+              <a:t>Creating a Server</a:t>
+            </a:r>
+          </a:p>
+        </p:txBody>
+      </p:sp>
+      <p:sp>
+        <p:nvSpPr>
+          <p:cNvPr id="3" name="Content Placeholder 2"/>
+          <p:cNvSpPr>
+            <a:spLocks noGrp="1"/>
+          </p:cNvSpPr>
+          <p:nvPr>
+            <p:ph sz="half" idx="1"/>
+          </p:nvPr>
+        </p:nvSpPr>
+        <p:spPr>
+          <a:xfrm>
+            <a:off x="821636" y="1643271"/>
+            <a:ext cx="4678016" cy="4613068"/>
+          </a:xfrm>
+        </p:spPr>
+        <p:txBody>
+          <a:bodyPr/>
+          <a:lstStyle/>
+          <a:p>
+            <a:endParaRPr lang="en-US" dirty="0"/>
+          </a:p>
+        </p:txBody>
+      </p:sp>
+      <p:pic>
+        <p:nvPicPr>
+          <p:cNvPr id="5" name="Content Placeholder 4"/>
+          <p:cNvPicPr>
+            <a:picLocks noGrp="1" noChangeAspect="1"/>
+          </p:cNvPicPr>
+          <p:nvPr>
+            <p:ph sz="half" idx="2"/>
+          </p:nvPr>
+        </p:nvPicPr>
+        <p:blipFill>
+          <a:blip r:embed="rId2"/>
+          <a:stretch>
+            <a:fillRect/>
+          </a:stretch>
+        </p:blipFill>
+        <p:spPr>
+          <a:xfrm>
+            <a:off x="821636" y="1643271"/>
+            <a:ext cx="4678016" cy="4613068"/>
+          </a:xfrm>
+          <a:prstGeom prst="rect">
+            <a:avLst/>
+          </a:prstGeom>
+        </p:spPr>
+      </p:pic>
+      <p:pic>
+        <p:nvPicPr>
+          <p:cNvPr id="6" name="Picture 5"/>
+          <p:cNvPicPr>
+            <a:picLocks noChangeAspect="1"/>
+          </p:cNvPicPr>
+          <p:nvPr/>
+        </p:nvPicPr>
+        <p:blipFill>
+          <a:blip r:embed="rId3"/>
+          <a:stretch>
+            <a:fillRect/>
+          </a:stretch>
+        </p:blipFill>
+        <p:spPr>
+          <a:xfrm>
+            <a:off x="5499652" y="2364063"/>
+            <a:ext cx="6485719" cy="2447925"/>
+          </a:xfrm>
+          <a:prstGeom prst="rect">
+            <a:avLst/>
+          </a:prstGeom>
+        </p:spPr>
+      </p:pic>
+    </p:spTree>
+    <p:extLst>
+      <p:ext uri="{BB962C8B-B14F-4D97-AF65-F5344CB8AC3E}">
+        <p14:creationId xmlns:p14="http://schemas.microsoft.com/office/powerpoint/2010/main" val="636593773"/>
+      </p:ext>
+    </p:extLst>
+  </p:cSld>
+  <p:clrMapOvr>
+    <a:masterClrMapping/>
+  </p:clrMapOvr>
+</p:sld>
+</file>
+
+<file path=ppt/slides/slide32.xml><?xml version="1.0" encoding="utf-8"?>
+<p:sld xmlns:a="http://schemas.openxmlformats.org/drawingml/2006/main" xmlns:r="http://schemas.openxmlformats.org/officeDocument/2006/relationships" xmlns:p="http://schemas.openxmlformats.org/presentationml/2006/main">
+  <p:cSld>
+    <p:spTree>
+      <p:nvGrpSpPr>
+        <p:cNvPr id="1" name=""/>
+        <p:cNvGrpSpPr/>
+        <p:nvPr/>
+      </p:nvGrpSpPr>
+      <p:grpSpPr>
+        <a:xfrm>
+          <a:off x="0" y="0"/>
+          <a:ext cx="0" cy="0"/>
+          <a:chOff x="0" y="0"/>
+          <a:chExt cx="0" cy="0"/>
+        </a:xfrm>
+      </p:grpSpPr>
+      <p:sp>
+        <p:nvSpPr>
+          <p:cNvPr id="2" name="Title 1"/>
+          <p:cNvSpPr>
+            <a:spLocks noGrp="1"/>
+          </p:cNvSpPr>
+          <p:nvPr>
+            <p:ph type="title"/>
+          </p:nvPr>
+        </p:nvSpPr>
+        <p:spPr>
+          <a:xfrm>
+            <a:off x="646111" y="452718"/>
+            <a:ext cx="9404723" cy="965265"/>
+          </a:xfrm>
+        </p:spPr>
+        <p:txBody>
+          <a:bodyPr/>
+          <a:lstStyle/>
+          <a:p>
+            <a:r>
+              <a:rPr lang="en-US" dirty="0"/>
               <a:t>Popular Node.JS Apps</a:t>
             </a:r>
-            <a:endParaRPr lang="en-US" dirty="0"/>
           </a:p>
         </p:txBody>
       </p:sp>
@@ -10617,25 +11268,25 @@
           <a:lstStyle/>
           <a:p>
             <a:r>
-              <a:rPr lang="en-US" b="1" dirty="0" smtClean="0"/>
+              <a:rPr lang="en-US" b="1" dirty="0"/>
               <a:t>Twitter Lite </a:t>
             </a:r>
             <a:r>
-              <a:rPr lang="en-US" dirty="0" smtClean="0"/>
+              <a:rPr lang="en-US" dirty="0"/>
               <a:t>:- Designed for slow Internet connection</a:t>
             </a:r>
           </a:p>
           <a:p>
             <a:r>
-              <a:rPr lang="en-US" b="1" dirty="0" smtClean="0"/>
+              <a:rPr lang="en-US" b="1" dirty="0"/>
               <a:t>GoDaddy</a:t>
             </a:r>
             <a:r>
-              <a:rPr lang="en-US" dirty="0" smtClean="0"/>
+              <a:rPr lang="en-US" dirty="0"/>
               <a:t> :- </a:t>
             </a:r>
             <a:r>
-              <a:rPr lang="en-US" dirty="0" smtClean="0">
+              <a:rPr lang="en-US" dirty="0">
                 <a:solidFill>
                   <a:srgbClr val="FFC000"/>
                 </a:solidFill>
@@ -10643,21 +11294,21 @@
               <a:t>4x</a:t>
             </a:r>
             <a:r>
-              <a:rPr lang="en-US" dirty="0" smtClean="0"/>
+              <a:rPr lang="en-US" dirty="0"/>
               <a:t> performance improvement after change in      						node based micro service architecture.</a:t>
             </a:r>
           </a:p>
           <a:p>
             <a:r>
-              <a:rPr lang="en-US" b="1" dirty="0" smtClean="0"/>
+              <a:rPr lang="en-US" b="1" dirty="0"/>
               <a:t>Netflix</a:t>
             </a:r>
             <a:r>
-              <a:rPr lang="en-US" dirty="0" smtClean="0"/>
+              <a:rPr lang="en-US" dirty="0"/>
               <a:t> :- Node application in JS payload &amp; server/client rendering 				reduced load time </a:t>
             </a:r>
             <a:r>
-              <a:rPr lang="en-US" dirty="0" smtClean="0">
+              <a:rPr lang="en-US" dirty="0">
                 <a:solidFill>
                   <a:srgbClr val="FFC000"/>
                 </a:solidFill>
@@ -10665,39 +11316,31 @@
               <a:t>70% </a:t>
             </a:r>
             <a:r>
-              <a:rPr lang="en-US" dirty="0" smtClean="0"/>
+              <a:rPr lang="en-US" dirty="0"/>
               <a:t>.</a:t>
             </a:r>
           </a:p>
           <a:p>
             <a:r>
-              <a:rPr lang="en-US" b="1" dirty="0" smtClean="0"/>
+              <a:rPr lang="en-US" b="1" dirty="0"/>
               <a:t>Uber</a:t>
             </a:r>
             <a:r>
-              <a:rPr lang="en-US" dirty="0" smtClean="0"/>
-              <a:t> :- Node.js and Python are main software stack of </a:t>
-            </a:r>
-            <a:r>
-              <a:rPr lang="en-US" dirty="0"/>
-              <a:t>U</a:t>
-            </a:r>
-            <a:r>
-              <a:rPr lang="en-US" dirty="0" smtClean="0"/>
-              <a:t>ber.  Company’s  			    dispatch system and API interface designed in node.</a:t>
-            </a:r>
-          </a:p>
-          <a:p>
-            <a:r>
-              <a:rPr lang="en-US" b="1" dirty="0" err="1" smtClean="0"/>
+              <a:rPr lang="en-US" dirty="0"/>
+              <a:t> :- Node.js and Python are main software stack of Uber.  Company’s  			    dispatch system and API interface designed in node.</a:t>
+            </a:r>
+          </a:p>
+          <a:p>
+            <a:r>
+              <a:rPr lang="en-US" b="1" dirty="0" err="1"/>
               <a:t>Linkedln</a:t>
             </a:r>
             <a:r>
-              <a:rPr lang="en-US" dirty="0" smtClean="0"/>
+              <a:rPr lang="en-US" dirty="0"/>
               <a:t> :- Node.js is the principal technology used to support the mobile app 			 backend .</a:t>
             </a:r>
             <a:r>
-              <a:rPr lang="en-US" dirty="0" smtClean="0">
+              <a:rPr lang="en-US" dirty="0">
                 <a:solidFill>
                   <a:srgbClr val="FFC000"/>
                 </a:solidFill>
@@ -10705,10 +11348,9 @@
               <a:t>20x</a:t>
             </a:r>
             <a:r>
-              <a:rPr lang="en-US" dirty="0" smtClean="0"/>
+              <a:rPr lang="en-US" dirty="0"/>
               <a:t> increase in performance.</a:t>
             </a:r>
-            <a:endParaRPr lang="en-US" dirty="0"/>
           </a:p>
         </p:txBody>
       </p:sp>
@@ -10904,13 +11546,6 @@
   <p:clrMapOvr>
     <a:masterClrMapping/>
   </p:clrMapOvr>
-  <p:timing>
-    <p:tnLst>
-      <p:par>
-        <p:cTn id="1" dur="indefinite" restart="never" nodeType="tmRoot"/>
-      </p:par>
-    </p:tnLst>
-  </p:timing>
 </p:sld>
 </file>
 
@@ -11096,13 +11731,6 @@
   <p:clrMapOvr>
     <a:masterClrMapping/>
   </p:clrMapOvr>
-  <p:timing>
-    <p:tnLst>
-      <p:par>
-        <p:cTn id="1" dur="indefinite" restart="never" nodeType="tmRoot"/>
-      </p:par>
-    </p:tnLst>
-  </p:timing>
 </p:sld>
 </file>
 
@@ -11144,10 +11772,9 @@
           <a:lstStyle/>
           <a:p>
             <a:r>
-              <a:rPr lang="en-US" dirty="0" smtClean="0"/>
+              <a:rPr lang="en-US" dirty="0"/>
               <a:t>JS Data Types</a:t>
             </a:r>
-            <a:endParaRPr lang="en-US" dirty="0"/>
           </a:p>
         </p:txBody>
       </p:sp>
@@ -11172,67 +11799,58 @@
           <a:lstStyle/>
           <a:p>
             <a:r>
-              <a:rPr lang="en-US" dirty="0" smtClean="0"/>
+              <a:rPr lang="en-US" dirty="0"/>
               <a:t>JS supports total SEVEN data types</a:t>
             </a:r>
           </a:p>
           <a:p>
             <a:r>
-              <a:rPr lang="en-US" dirty="0" smtClean="0"/>
-              <a:t>FOUR </a:t>
-            </a:r>
-            <a:r>
-              <a:rPr lang="en-US" dirty="0"/>
-              <a:t>primitive </a:t>
-            </a:r>
-            <a:r>
-              <a:rPr lang="en-US" dirty="0" smtClean="0"/>
-              <a:t>data types</a:t>
+              <a:rPr lang="en-US" dirty="0"/>
+              <a:t>FOUR primitive data types</a:t>
             </a:r>
           </a:p>
           <a:p>
             <a:pPr lvl="1"/>
             <a:r>
-              <a:rPr lang="en-US" dirty="0" smtClean="0"/>
+              <a:rPr lang="en-US" dirty="0"/>
               <a:t>Numbers 	:- 10,123.45 (No Integer &amp; Float)</a:t>
             </a:r>
           </a:p>
           <a:p>
             <a:pPr lvl="1"/>
             <a:r>
-              <a:rPr lang="en-US" dirty="0" smtClean="0"/>
+              <a:rPr lang="en-US" dirty="0"/>
               <a:t>Strings 	:- “Hello JS”</a:t>
             </a:r>
           </a:p>
           <a:p>
             <a:pPr lvl="1"/>
             <a:r>
-              <a:rPr lang="en-US" dirty="0" smtClean="0"/>
+              <a:rPr lang="en-US" dirty="0"/>
               <a:t>Boolean	:- true, false</a:t>
             </a:r>
           </a:p>
           <a:p>
             <a:pPr lvl="1"/>
             <a:r>
-              <a:rPr lang="en-US" dirty="0" smtClean="0"/>
+              <a:rPr lang="en-US" dirty="0"/>
               <a:t>symbol</a:t>
             </a:r>
-            <a:endParaRPr lang="en-US" dirty="0"/>
-          </a:p>
-          <a:p>
-            <a:r>
-              <a:rPr lang="en-US" dirty="0" smtClean="0"/>
+          </a:p>
+          <a:p>
+            <a:r>
+              <a:rPr lang="en-US" dirty="0"/>
               <a:t>TWO trivial data types </a:t>
             </a:r>
           </a:p>
           <a:p>
             <a:pPr lvl="1"/>
             <a:r>
-              <a:rPr lang="en-US" dirty="0" smtClean="0"/>
+              <a:rPr lang="en-US" dirty="0"/>
               <a:t>Null 			</a:t>
             </a:r>
             <a:r>
-              <a:rPr lang="en-US" dirty="0" smtClean="0">
+              <a:rPr lang="en-US" dirty="0">
                 <a:solidFill>
                   <a:srgbClr val="FFFF00"/>
                 </a:solidFill>
@@ -11243,11 +11861,11 @@
           <a:p>
             <a:pPr lvl="1"/>
             <a:r>
-              <a:rPr lang="en-US" dirty="0" smtClean="0"/>
+              <a:rPr lang="en-US" dirty="0"/>
               <a:t>Undefined 	</a:t>
             </a:r>
             <a:r>
-              <a:rPr lang="en-US" dirty="0" smtClean="0">
+              <a:rPr lang="en-US" dirty="0">
                 <a:solidFill>
                   <a:srgbClr val="FFFF00"/>
                 </a:solidFill>
@@ -11257,20 +11875,20 @@
           </a:p>
           <a:p>
             <a:r>
-              <a:rPr lang="en-US" dirty="0" smtClean="0"/>
+              <a:rPr lang="en-US" dirty="0"/>
               <a:t>ONE composite data type</a:t>
             </a:r>
           </a:p>
           <a:p>
             <a:pPr lvl="1"/>
             <a:r>
-              <a:rPr lang="en-US" dirty="0" smtClean="0"/>
+              <a:rPr lang="en-US" dirty="0"/>
               <a:t>Object</a:t>
             </a:r>
           </a:p>
           <a:p>
             <a:pPr lvl="1"/>
-            <a:endParaRPr lang="en-US" dirty="0" smtClean="0"/>
+            <a:endParaRPr lang="en-US" dirty="0"/>
           </a:p>
           <a:p>
             <a:pPr lvl="1"/>
@@ -11288,13 +11906,6 @@
   <p:clrMapOvr>
     <a:masterClrMapping/>
   </p:clrMapOvr>
-  <p:timing>
-    <p:tnLst>
-      <p:par>
-        <p:cTn id="1" dur="indefinite" restart="never" nodeType="tmRoot"/>
-      </p:par>
-    </p:tnLst>
-  </p:timing>
 </p:sld>
 </file>
 
@@ -11418,15 +12029,10 @@
             </a:r>
           </a:p>
           <a:p>
-            <a:pPr lvl="6"/>
+            <a:pPr marL="2743200" lvl="6" indent="0">
+              <a:buNone/>
+            </a:pPr>
             <a:endParaRPr lang="en-IN" dirty="0"/>
-          </a:p>
-          <a:p>
-            <a:pPr lvl="6"/>
-            <a:r>
-              <a:rPr lang="en-IN" dirty="0"/>
-              <a:t>DEMO</a:t>
-            </a:r>
           </a:p>
           <a:p>
             <a:pPr marL="0" indent="0">
@@ -11476,13 +12082,6 @@
   <p:clrMapOvr>
     <a:masterClrMapping/>
   </p:clrMapOvr>
-  <p:timing>
-    <p:tnLst>
-      <p:par>
-        <p:cTn id="1" dur="indefinite" restart="never" nodeType="tmRoot"/>
-      </p:par>
-    </p:tnLst>
-  </p:timing>
 </p:sld>
 </file>
 
@@ -11652,11 +12251,10 @@
             <a:endParaRPr lang="en-US" dirty="0"/>
           </a:p>
           <a:p>
-            <a:pPr lvl="7"/>
-            <a:r>
-              <a:rPr lang="en-US" dirty="0"/>
-              <a:t>Demo for Arithmetic</a:t>
-            </a:r>
+            <a:pPr marL="3200400" lvl="7" indent="0">
+              <a:buNone/>
+            </a:pPr>
+            <a:endParaRPr lang="en-US" dirty="0"/>
           </a:p>
           <a:p>
             <a:pPr marL="0" indent="0">
@@ -11676,13 +12274,6 @@
   <p:clrMapOvr>
     <a:masterClrMapping/>
   </p:clrMapOvr>
-  <p:timing>
-    <p:tnLst>
-      <p:par>
-        <p:cTn id="1" dur="indefinite" restart="never" nodeType="tmRoot"/>
-      </p:par>
-    </p:tnLst>
-  </p:timing>
 </p:sld>
 </file>
 
@@ -11838,13 +12429,6 @@
   <p:clrMapOvr>
     <a:masterClrMapping/>
   </p:clrMapOvr>
-  <p:timing>
-    <p:tnLst>
-      <p:par>
-        <p:cTn id="1" dur="indefinite" restart="never" nodeType="tmRoot"/>
-      </p:par>
-    </p:tnLst>
-  </p:timing>
 </p:sld>
 </file>
 

--- a/JAVASCRPT.pptx
+++ b/JAVASCRPT.pptx
@@ -5,7 +5,7 @@
     <p:sldMasterId id="2147483648" r:id="rId1"/>
   </p:sldMasterIdLst>
   <p:notesMasterIdLst>
-    <p:notesMasterId r:id="rId34"/>
+    <p:notesMasterId r:id="rId35"/>
   </p:notesMasterIdLst>
   <p:sldIdLst>
     <p:sldId id="256" r:id="rId2"/>
@@ -40,6 +40,7 @@
     <p:sldId id="287" r:id="rId31"/>
     <p:sldId id="288" r:id="rId32"/>
     <p:sldId id="289" r:id="rId33"/>
+    <p:sldId id="292" r:id="rId34"/>
   </p:sldIdLst>
   <p:sldSz cx="12192000" cy="6858000"/>
   <p:notesSz cx="6858000" cy="9144000"/>
@@ -228,7 +229,7 @@
           <a:p>
             <a:fld id="{DE0BE5F6-1CE5-47B2-AC82-947CAA6A2CE5}" type="datetimeFigureOut">
               <a:rPr lang="en-IN" smtClean="0"/>
-              <a:t>14-09-2019</a:t>
+              <a:t>15-09-2019</a:t>
             </a:fld>
             <a:endParaRPr lang="en-IN"/>
           </a:p>
@@ -1494,7 +1495,7 @@
           <a:p>
             <a:fld id="{4AAD347D-5ACD-4C99-B74B-A9C85AD731AF}" type="datetimeFigureOut">
               <a:rPr lang="en-US" dirty="0"/>
-              <a:t>9/14/2019</a:t>
+              <a:t>9/15/2019</a:t>
             </a:fld>
             <a:endParaRPr lang="en-US" dirty="0"/>
           </a:p>
@@ -1764,7 +1765,7 @@
           <a:p>
             <a:fld id="{4509A250-FF31-4206-8172-F9D3106AACB1}" type="datetimeFigureOut">
               <a:rPr lang="en-US" dirty="0"/>
-              <a:t>9/14/2019</a:t>
+              <a:t>9/15/2019</a:t>
             </a:fld>
             <a:endParaRPr lang="en-US" dirty="0"/>
           </a:p>
@@ -1953,7 +1954,7 @@
           <a:p>
             <a:fld id="{4509A250-FF31-4206-8172-F9D3106AACB1}" type="datetimeFigureOut">
               <a:rPr lang="en-US" dirty="0"/>
-              <a:t>9/14/2019</a:t>
+              <a:t>9/15/2019</a:t>
             </a:fld>
             <a:endParaRPr lang="en-US" dirty="0"/>
           </a:p>
@@ -2221,7 +2222,7 @@
           <a:p>
             <a:fld id="{4509A250-FF31-4206-8172-F9D3106AACB1}" type="datetimeFigureOut">
               <a:rPr lang="en-US" dirty="0"/>
-              <a:t>9/14/2019</a:t>
+              <a:t>9/15/2019</a:t>
             </a:fld>
             <a:endParaRPr lang="en-US" dirty="0"/>
           </a:p>
@@ -2557,7 +2558,7 @@
           <a:p>
             <a:fld id="{4509A250-FF31-4206-8172-F9D3106AACB1}" type="datetimeFigureOut">
               <a:rPr lang="en-US" dirty="0"/>
-              <a:t>9/14/2019</a:t>
+              <a:t>9/15/2019</a:t>
             </a:fld>
             <a:endParaRPr lang="en-US" dirty="0"/>
           </a:p>
@@ -3175,7 +3176,7 @@
           <a:p>
             <a:fld id="{4509A250-FF31-4206-8172-F9D3106AACB1}" type="datetimeFigureOut">
               <a:rPr lang="en-US" dirty="0"/>
-              <a:t>9/14/2019</a:t>
+              <a:t>9/15/2019</a:t>
             </a:fld>
             <a:endParaRPr lang="en-US" dirty="0"/>
           </a:p>
@@ -4030,7 +4031,7 @@
           <a:p>
             <a:fld id="{4509A250-FF31-4206-8172-F9D3106AACB1}" type="datetimeFigureOut">
               <a:rPr lang="en-US" dirty="0"/>
-              <a:t>9/14/2019</a:t>
+              <a:t>9/15/2019</a:t>
             </a:fld>
             <a:endParaRPr lang="en-US" dirty="0"/>
           </a:p>
@@ -4195,7 +4196,7 @@
           <a:p>
             <a:fld id="{4509A250-FF31-4206-8172-F9D3106AACB1}" type="datetimeFigureOut">
               <a:rPr lang="en-US" dirty="0"/>
-              <a:t>9/14/2019</a:t>
+              <a:t>9/15/2019</a:t>
             </a:fld>
             <a:endParaRPr lang="en-US" dirty="0"/>
           </a:p>
@@ -4370,7 +4371,7 @@
           <a:p>
             <a:fld id="{4509A250-FF31-4206-8172-F9D3106AACB1}" type="datetimeFigureOut">
               <a:rPr lang="en-US" dirty="0"/>
-              <a:t>9/14/2019</a:t>
+              <a:t>9/15/2019</a:t>
             </a:fld>
             <a:endParaRPr lang="en-US" dirty="0"/>
           </a:p>
@@ -4535,7 +4536,7 @@
           <a:p>
             <a:fld id="{4509A250-FF31-4206-8172-F9D3106AACB1}" type="datetimeFigureOut">
               <a:rPr lang="en-US" dirty="0"/>
-              <a:t>9/14/2019</a:t>
+              <a:t>9/15/2019</a:t>
             </a:fld>
             <a:endParaRPr lang="en-US" dirty="0"/>
           </a:p>
@@ -4777,7 +4778,7 @@
           <a:p>
             <a:fld id="{9796027F-7875-4030-9381-8BD8C4F21935}" type="datetimeFigureOut">
               <a:rPr lang="en-US" dirty="0"/>
-              <a:t>9/14/2019</a:t>
+              <a:t>9/15/2019</a:t>
             </a:fld>
             <a:endParaRPr lang="en-US" dirty="0"/>
           </a:p>
@@ -5064,7 +5065,7 @@
           <a:p>
             <a:fld id="{9796027F-7875-4030-9381-8BD8C4F21935}" type="datetimeFigureOut">
               <a:rPr lang="en-US" dirty="0"/>
-              <a:t>9/14/2019</a:t>
+              <a:t>9/15/2019</a:t>
             </a:fld>
             <a:endParaRPr lang="en-US" dirty="0"/>
           </a:p>
@@ -5503,7 +5504,7 @@
           <a:p>
             <a:fld id="{9796027F-7875-4030-9381-8BD8C4F21935}" type="datetimeFigureOut">
               <a:rPr lang="en-US" dirty="0"/>
-              <a:t>9/14/2019</a:t>
+              <a:t>9/15/2019</a:t>
             </a:fld>
             <a:endParaRPr lang="en-US" dirty="0"/>
           </a:p>
@@ -5616,7 +5617,7 @@
           <a:p>
             <a:fld id="{4509A250-FF31-4206-8172-F9D3106AACB1}" type="datetimeFigureOut">
               <a:rPr lang="en-US" dirty="0"/>
-              <a:t>9/14/2019</a:t>
+              <a:t>9/15/2019</a:t>
             </a:fld>
             <a:endParaRPr lang="en-US" dirty="0"/>
           </a:p>
@@ -5706,7 +5707,7 @@
           <a:p>
             <a:fld id="{4509A250-FF31-4206-8172-F9D3106AACB1}" type="datetimeFigureOut">
               <a:rPr lang="en-US" dirty="0"/>
-              <a:t>9/14/2019</a:t>
+              <a:t>9/15/2019</a:t>
             </a:fld>
             <a:endParaRPr lang="en-US" dirty="0"/>
           </a:p>
@@ -5980,7 +5981,7 @@
           <a:p>
             <a:fld id="{4509A250-FF31-4206-8172-F9D3106AACB1}" type="datetimeFigureOut">
               <a:rPr lang="en-US" dirty="0"/>
-              <a:t>9/14/2019</a:t>
+              <a:t>9/15/2019</a:t>
             </a:fld>
             <a:endParaRPr lang="en-US" dirty="0"/>
           </a:p>
@@ -6250,7 +6251,7 @@
           <a:p>
             <a:fld id="{4509A250-FF31-4206-8172-F9D3106AACB1}" type="datetimeFigureOut">
               <a:rPr lang="en-US" dirty="0"/>
-              <a:t>9/14/2019</a:t>
+              <a:t>9/15/2019</a:t>
             </a:fld>
             <a:endParaRPr lang="en-US" dirty="0"/>
           </a:p>
@@ -6674,7 +6675,7 @@
           <a:p>
             <a:fld id="{4AAD347D-5ACD-4C99-B74B-A9C85AD731AF}" type="datetimeFigureOut">
               <a:rPr lang="en-US" dirty="0"/>
-              <a:t>9/14/2019</a:t>
+              <a:t>9/15/2019</a:t>
             </a:fld>
             <a:endParaRPr lang="en-US" dirty="0"/>
           </a:p>
@@ -9278,6 +9279,28 @@
             </a:r>
           </a:p>
           <a:p>
+            <a:pPr marL="0" indent="0">
+              <a:buNone/>
+            </a:pPr>
+            <a:r>
+              <a:rPr lang="en-US" dirty="0"/>
+              <a:t>	</a:t>
+            </a:r>
+            <a:r>
+              <a:rPr lang="en-US" sz="2400" b="1" dirty="0">
+                <a:solidFill>
+                  <a:srgbClr val="FFC000"/>
+                </a:solidFill>
+              </a:rPr>
+              <a:t>“Java is to JavaScript what Car is to Carpet.”</a:t>
+            </a:r>
+            <a:endParaRPr lang="en-IN" sz="2400" b="1" dirty="0">
+              <a:solidFill>
+                <a:srgbClr val="FFC000"/>
+              </a:solidFill>
+            </a:endParaRPr>
+          </a:p>
+          <a:p>
             <a:r>
               <a:rPr lang="en-US" dirty="0"/>
               <a:t>Since mid 2000 server-side implementation introduced(  </a:t>
@@ -9346,6 +9369,139 @@
   <p:clrMapOvr>
     <a:masterClrMapping/>
   </p:clrMapOvr>
+  <p:timing>
+    <p:tnLst>
+      <p:par>
+        <p:cTn id="1" dur="indefinite" restart="never" nodeType="tmRoot">
+          <p:childTnLst>
+            <p:seq concurrent="1" nextAc="seek">
+              <p:cTn id="2" dur="indefinite" nodeType="mainSeq">
+                <p:childTnLst>
+                  <p:par>
+                    <p:cTn id="3" fill="hold">
+                      <p:stCondLst>
+                        <p:cond delay="indefinite"/>
+                      </p:stCondLst>
+                      <p:childTnLst>
+                        <p:par>
+                          <p:cTn id="4" fill="hold">
+                            <p:stCondLst>
+                              <p:cond delay="0"/>
+                            </p:stCondLst>
+                            <p:childTnLst>
+                              <p:par>
+                                <p:cTn id="5" presetID="2" presetClass="entr" presetSubtype="4" fill="hold" nodeType="clickEffect">
+                                  <p:stCondLst>
+                                    <p:cond delay="0"/>
+                                  </p:stCondLst>
+                                  <p:childTnLst>
+                                    <p:set>
+                                      <p:cBhvr>
+                                        <p:cTn id="6" dur="1" fill="hold">
+                                          <p:stCondLst>
+                                            <p:cond delay="0"/>
+                                          </p:stCondLst>
+                                        </p:cTn>
+                                        <p:tgtEl>
+                                          <p:spTgt spid="3">
+                                            <p:txEl>
+                                              <p:pRg st="1" end="1"/>
+                                            </p:txEl>
+                                          </p:spTgt>
+                                        </p:tgtEl>
+                                        <p:attrNameLst>
+                                          <p:attrName>style.visibility</p:attrName>
+                                        </p:attrNameLst>
+                                      </p:cBhvr>
+                                      <p:to>
+                                        <p:strVal val="visible"/>
+                                      </p:to>
+                                    </p:set>
+                                    <p:anim calcmode="lin" valueType="num">
+                                      <p:cBhvr additive="base">
+                                        <p:cTn id="7" dur="500" fill="hold"/>
+                                        <p:tgtEl>
+                                          <p:spTgt spid="3">
+                                            <p:txEl>
+                                              <p:pRg st="1" end="1"/>
+                                            </p:txEl>
+                                          </p:spTgt>
+                                        </p:tgtEl>
+                                        <p:attrNameLst>
+                                          <p:attrName>ppt_x</p:attrName>
+                                        </p:attrNameLst>
+                                      </p:cBhvr>
+                                      <p:tavLst>
+                                        <p:tav tm="0">
+                                          <p:val>
+                                            <p:strVal val="#ppt_x"/>
+                                          </p:val>
+                                        </p:tav>
+                                        <p:tav tm="100000">
+                                          <p:val>
+                                            <p:strVal val="#ppt_x"/>
+                                          </p:val>
+                                        </p:tav>
+                                      </p:tavLst>
+                                    </p:anim>
+                                    <p:anim calcmode="lin" valueType="num">
+                                      <p:cBhvr additive="base">
+                                        <p:cTn id="8" dur="500" fill="hold"/>
+                                        <p:tgtEl>
+                                          <p:spTgt spid="3">
+                                            <p:txEl>
+                                              <p:pRg st="1" end="1"/>
+                                            </p:txEl>
+                                          </p:spTgt>
+                                        </p:tgtEl>
+                                        <p:attrNameLst>
+                                          <p:attrName>ppt_y</p:attrName>
+                                        </p:attrNameLst>
+                                      </p:cBhvr>
+                                      <p:tavLst>
+                                        <p:tav tm="0">
+                                          <p:val>
+                                            <p:strVal val="1+#ppt_h/2"/>
+                                          </p:val>
+                                        </p:tav>
+                                        <p:tav tm="100000">
+                                          <p:val>
+                                            <p:strVal val="#ppt_y"/>
+                                          </p:val>
+                                        </p:tav>
+                                      </p:tavLst>
+                                    </p:anim>
+                                  </p:childTnLst>
+                                </p:cTn>
+                              </p:par>
+                            </p:childTnLst>
+                          </p:cTn>
+                        </p:par>
+                      </p:childTnLst>
+                    </p:cTn>
+                  </p:par>
+                </p:childTnLst>
+              </p:cTn>
+              <p:prevCondLst>
+                <p:cond evt="onPrev" delay="0">
+                  <p:tgtEl>
+                    <p:sldTgt/>
+                  </p:tgtEl>
+                </p:cond>
+              </p:prevCondLst>
+              <p:nextCondLst>
+                <p:cond evt="onNext" delay="0">
+                  <p:tgtEl>
+                    <p:sldTgt/>
+                  </p:tgtEl>
+                </p:cond>
+              </p:nextCondLst>
+            </p:seq>
+          </p:childTnLst>
+        </p:cTn>
+      </p:par>
+    </p:tnLst>
+  </p:timing>
 </p:sld>
 </file>
 
@@ -11358,6 +11514,133 @@
     <p:extLst>
       <p:ext uri="{BB962C8B-B14F-4D97-AF65-F5344CB8AC3E}">
         <p14:creationId xmlns:p14="http://schemas.microsoft.com/office/powerpoint/2010/main" val="3964718962"/>
+      </p:ext>
+    </p:extLst>
+  </p:cSld>
+  <p:clrMapOvr>
+    <a:masterClrMapping/>
+  </p:clrMapOvr>
+</p:sld>
+</file>
+
+<file path=ppt/slides/slide33.xml><?xml version="1.0" encoding="utf-8"?>
+<p:sld xmlns:a="http://schemas.openxmlformats.org/drawingml/2006/main" xmlns:r="http://schemas.openxmlformats.org/officeDocument/2006/relationships" xmlns:p="http://schemas.openxmlformats.org/presentationml/2006/main">
+  <p:cSld>
+    <p:spTree>
+      <p:nvGrpSpPr>
+        <p:cNvPr id="1" name=""/>
+        <p:cNvGrpSpPr/>
+        <p:nvPr/>
+      </p:nvGrpSpPr>
+      <p:grpSpPr>
+        <a:xfrm>
+          <a:off x="0" y="0"/>
+          <a:ext cx="0" cy="0"/>
+          <a:chOff x="0" y="0"/>
+          <a:chExt cx="0" cy="0"/>
+        </a:xfrm>
+      </p:grpSpPr>
+      <p:sp>
+        <p:nvSpPr>
+          <p:cNvPr id="2" name="Title 1">
+            <a:extLst>
+              <a:ext uri="{FF2B5EF4-FFF2-40B4-BE49-F238E27FC236}">
+                <a16:creationId xmlns:a16="http://schemas.microsoft.com/office/drawing/2014/main" id="{5DEAB2DC-4EEE-4C5C-80B9-957BFC21AB1A}"/>
+              </a:ext>
+            </a:extLst>
+          </p:cNvPr>
+          <p:cNvSpPr>
+            <a:spLocks noGrp="1"/>
+          </p:cNvSpPr>
+          <p:nvPr>
+            <p:ph type="title"/>
+          </p:nvPr>
+        </p:nvSpPr>
+        <p:spPr>
+          <a:xfrm>
+            <a:off x="1943283" y="1786270"/>
+            <a:ext cx="9404723" cy="2945219"/>
+          </a:xfrm>
+        </p:spPr>
+        <p:txBody>
+          <a:bodyPr/>
+          <a:lstStyle/>
+          <a:p>
+            <a:r>
+              <a:rPr lang="en-US" b="1" dirty="0">
+                <a:solidFill>
+                  <a:srgbClr val="FFC000"/>
+                </a:solidFill>
+              </a:rPr>
+              <a:t>First do it</a:t>
+            </a:r>
+            <a:r>
+              <a:rPr lang="en-US" b="1" dirty="0">
+                <a:solidFill>
+                  <a:srgbClr val="92D050"/>
+                </a:solidFill>
+              </a:rPr>
+              <a:t>,</a:t>
+            </a:r>
+            <a:br>
+              <a:rPr lang="en-US" b="1" dirty="0">
+                <a:solidFill>
+                  <a:srgbClr val="92D050"/>
+                </a:solidFill>
+              </a:rPr>
+            </a:br>
+            <a:r>
+              <a:rPr lang="en-US" b="1" dirty="0">
+                <a:solidFill>
+                  <a:srgbClr val="92D050"/>
+                </a:solidFill>
+              </a:rPr>
+              <a:t>		Then do it right</a:t>
+            </a:r>
+            <a:r>
+              <a:rPr lang="en-US" dirty="0"/>
+              <a:t>,</a:t>
+            </a:r>
+            <a:br>
+              <a:rPr lang="en-US" dirty="0"/>
+            </a:br>
+            <a:r>
+              <a:rPr lang="en-US" b="1" dirty="0">
+                <a:solidFill>
+                  <a:schemeClr val="bg2">
+                    <a:lumMod val="60000"/>
+                    <a:lumOff val="40000"/>
+                  </a:schemeClr>
+                </a:solidFill>
+              </a:rPr>
+              <a:t>				Then do it better</a:t>
+            </a:r>
+            <a:r>
+              <a:rPr lang="en-US" dirty="0"/>
+              <a:t>.</a:t>
+            </a:r>
+            <a:br>
+              <a:rPr lang="en-US" dirty="0"/>
+            </a:br>
+            <a:br>
+              <a:rPr lang="en-US" dirty="0"/>
+            </a:br>
+            <a:r>
+              <a:rPr lang="en-US" dirty="0"/>
+              <a:t>					</a:t>
+            </a:r>
+            <a:r>
+              <a:rPr lang="en-US" sz="6000" dirty="0"/>
+              <a:t>THANK YOU</a:t>
+            </a:r>
+            <a:endParaRPr lang="en-IN" sz="3200" dirty="0"/>
+          </a:p>
+        </p:txBody>
+      </p:sp>
+    </p:spTree>
+    <p:extLst>
+      <p:ext uri="{BB962C8B-B14F-4D97-AF65-F5344CB8AC3E}">
+        <p14:creationId xmlns:p14="http://schemas.microsoft.com/office/powerpoint/2010/main" val="4214974438"/>
       </p:ext>
     </p:extLst>
   </p:cSld>

--- a/JAVASCRPT.pptx
+++ b/JAVASCRPT.pptx
@@ -5,7 +5,7 @@
     <p:sldMasterId id="2147483648" r:id="rId1"/>
   </p:sldMasterIdLst>
   <p:notesMasterIdLst>
-    <p:notesMasterId r:id="rId35"/>
+    <p:notesMasterId r:id="rId38"/>
   </p:notesMasterIdLst>
   <p:sldIdLst>
     <p:sldId id="256" r:id="rId2"/>
@@ -34,13 +34,16 @@
     <p:sldId id="282" r:id="rId25"/>
     <p:sldId id="290" r:id="rId26"/>
     <p:sldId id="291" r:id="rId27"/>
-    <p:sldId id="284" r:id="rId28"/>
-    <p:sldId id="285" r:id="rId29"/>
-    <p:sldId id="286" r:id="rId30"/>
-    <p:sldId id="287" r:id="rId31"/>
-    <p:sldId id="288" r:id="rId32"/>
-    <p:sldId id="289" r:id="rId33"/>
-    <p:sldId id="292" r:id="rId34"/>
+    <p:sldId id="293" r:id="rId28"/>
+    <p:sldId id="294" r:id="rId29"/>
+    <p:sldId id="295" r:id="rId30"/>
+    <p:sldId id="284" r:id="rId31"/>
+    <p:sldId id="285" r:id="rId32"/>
+    <p:sldId id="286" r:id="rId33"/>
+    <p:sldId id="287" r:id="rId34"/>
+    <p:sldId id="288" r:id="rId35"/>
+    <p:sldId id="289" r:id="rId36"/>
+    <p:sldId id="292" r:id="rId37"/>
   </p:sldIdLst>
   <p:sldSz cx="12192000" cy="6858000"/>
   <p:notesSz cx="6858000" cy="9144000"/>
@@ -229,7 +232,7 @@
           <a:p>
             <a:fld id="{DE0BE5F6-1CE5-47B2-AC82-947CAA6A2CE5}" type="datetimeFigureOut">
               <a:rPr lang="en-IN" smtClean="0"/>
-              <a:t>15-09-2019</a:t>
+              <a:t>20-09-2019</a:t>
             </a:fld>
             <a:endParaRPr lang="en-IN"/>
           </a:p>
@@ -581,6 +584,523 @@
 </p:notes>
 </file>
 
+<file path=ppt/notesSlides/notesSlide10.xml><?xml version="1.0" encoding="utf-8"?>
+<p:notes xmlns:a="http://schemas.openxmlformats.org/drawingml/2006/main" xmlns:r="http://schemas.openxmlformats.org/officeDocument/2006/relationships" xmlns:p="http://schemas.openxmlformats.org/presentationml/2006/main">
+  <p:cSld>
+    <p:spTree>
+      <p:nvGrpSpPr>
+        <p:cNvPr id="1" name=""/>
+        <p:cNvGrpSpPr/>
+        <p:nvPr/>
+      </p:nvGrpSpPr>
+      <p:grpSpPr>
+        <a:xfrm>
+          <a:off x="0" y="0"/>
+          <a:ext cx="0" cy="0"/>
+          <a:chOff x="0" y="0"/>
+          <a:chExt cx="0" cy="0"/>
+        </a:xfrm>
+      </p:grpSpPr>
+      <p:sp>
+        <p:nvSpPr>
+          <p:cNvPr id="2" name="Slide Image Placeholder 1"/>
+          <p:cNvSpPr>
+            <a:spLocks noGrp="1" noRot="1" noChangeAspect="1"/>
+          </p:cNvSpPr>
+          <p:nvPr>
+            <p:ph type="sldImg"/>
+          </p:nvPr>
+        </p:nvSpPr>
+        <p:spPr/>
+      </p:sp>
+      <p:sp>
+        <p:nvSpPr>
+          <p:cNvPr id="3" name="Notes Placeholder 2"/>
+          <p:cNvSpPr>
+            <a:spLocks noGrp="1"/>
+          </p:cNvSpPr>
+          <p:nvPr>
+            <p:ph type="body" idx="1"/>
+          </p:nvPr>
+        </p:nvSpPr>
+        <p:spPr/>
+        <p:txBody>
+          <a:bodyPr/>
+          <a:lstStyle/>
+          <a:p>
+            <a:pPr marL="0" marR="0" lvl="0" indent="0" algn="l" defTabSz="914400" rtl="0" eaLnBrk="1" fontAlgn="auto" latinLnBrk="0" hangingPunct="1">
+              <a:lnSpc>
+                <a:spcPct val="100000"/>
+              </a:lnSpc>
+              <a:spcBef>
+                <a:spcPts val="0"/>
+              </a:spcBef>
+              <a:spcAft>
+                <a:spcPts val="0"/>
+              </a:spcAft>
+              <a:buClrTx/>
+              <a:buSzTx/>
+              <a:buFontTx/>
+              <a:buNone/>
+              <a:tabLst/>
+              <a:defRPr/>
+            </a:pPr>
+            <a:r>
+              <a:rPr lang="en-US" sz="1200" kern="1200" dirty="0">
+                <a:solidFill>
+                  <a:schemeClr val="tx1"/>
+                </a:solidFill>
+                <a:effectLst/>
+                <a:latin typeface="+mn-lt"/>
+                <a:ea typeface="+mn-ea"/>
+                <a:cs typeface="+mn-cs"/>
+              </a:rPr>
+              <a:t>DOM is a World Wide Web Consortium standard for accessing documents.</a:t>
+            </a:r>
+          </a:p>
+          <a:p>
+            <a:pPr marL="0" marR="0" lvl="0" indent="0" algn="l" defTabSz="914400" rtl="0" eaLnBrk="1" fontAlgn="auto" latinLnBrk="0" hangingPunct="1">
+              <a:lnSpc>
+                <a:spcPct val="100000"/>
+              </a:lnSpc>
+              <a:spcBef>
+                <a:spcPts val="0"/>
+              </a:spcBef>
+              <a:spcAft>
+                <a:spcPts val="0"/>
+              </a:spcAft>
+              <a:buClrTx/>
+              <a:buSzTx/>
+              <a:buFontTx/>
+              <a:buNone/>
+              <a:tabLst/>
+              <a:defRPr/>
+            </a:pPr>
+            <a:r>
+              <a:rPr lang="en-US" sz="1200" kern="1200" dirty="0">
+                <a:solidFill>
+                  <a:schemeClr val="tx1"/>
+                </a:solidFill>
+                <a:effectLst/>
+                <a:latin typeface="+mn-lt"/>
+                <a:ea typeface="+mn-ea"/>
+                <a:cs typeface="+mn-cs"/>
+              </a:rPr>
+              <a:t>When a webpage is loaded, the browser creates a DOM of that page</a:t>
+            </a:r>
+            <a:endParaRPr lang="en-IN" sz="1200" kern="1200" dirty="0">
+              <a:solidFill>
+                <a:schemeClr val="tx1"/>
+              </a:solidFill>
+              <a:effectLst/>
+              <a:latin typeface="+mn-lt"/>
+              <a:ea typeface="+mn-ea"/>
+              <a:cs typeface="+mn-cs"/>
+            </a:endParaRPr>
+          </a:p>
+          <a:p>
+            <a:endParaRPr lang="en-IN" dirty="0"/>
+          </a:p>
+        </p:txBody>
+      </p:sp>
+      <p:sp>
+        <p:nvSpPr>
+          <p:cNvPr id="4" name="Slide Number Placeholder 3"/>
+          <p:cNvSpPr>
+            <a:spLocks noGrp="1"/>
+          </p:cNvSpPr>
+          <p:nvPr>
+            <p:ph type="sldNum" sz="quarter" idx="5"/>
+          </p:nvPr>
+        </p:nvSpPr>
+        <p:spPr/>
+        <p:txBody>
+          <a:bodyPr/>
+          <a:lstStyle/>
+          <a:p>
+            <a:fld id="{E9ABF188-7D54-4E99-8128-414AA62ACE8F}" type="slidenum">
+              <a:rPr lang="en-IN" smtClean="0"/>
+              <a:t>27</a:t>
+            </a:fld>
+            <a:endParaRPr lang="en-IN"/>
+          </a:p>
+        </p:txBody>
+      </p:sp>
+    </p:spTree>
+    <p:extLst>
+      <p:ext uri="{BB962C8B-B14F-4D97-AF65-F5344CB8AC3E}">
+        <p14:creationId xmlns:p14="http://schemas.microsoft.com/office/powerpoint/2010/main" val="351567705"/>
+      </p:ext>
+    </p:extLst>
+  </p:cSld>
+  <p:clrMapOvr>
+    <a:masterClrMapping/>
+  </p:clrMapOvr>
+</p:notes>
+</file>
+
+<file path=ppt/notesSlides/notesSlide11.xml><?xml version="1.0" encoding="utf-8"?>
+<p:notes xmlns:a="http://schemas.openxmlformats.org/drawingml/2006/main" xmlns:r="http://schemas.openxmlformats.org/officeDocument/2006/relationships" xmlns:p="http://schemas.openxmlformats.org/presentationml/2006/main">
+  <p:cSld>
+    <p:spTree>
+      <p:nvGrpSpPr>
+        <p:cNvPr id="1" name=""/>
+        <p:cNvGrpSpPr/>
+        <p:nvPr/>
+      </p:nvGrpSpPr>
+      <p:grpSpPr>
+        <a:xfrm>
+          <a:off x="0" y="0"/>
+          <a:ext cx="0" cy="0"/>
+          <a:chOff x="0" y="0"/>
+          <a:chExt cx="0" cy="0"/>
+        </a:xfrm>
+      </p:grpSpPr>
+      <p:sp>
+        <p:nvSpPr>
+          <p:cNvPr id="2" name="Slide Image Placeholder 1"/>
+          <p:cNvSpPr>
+            <a:spLocks noGrp="1" noRot="1" noChangeAspect="1"/>
+          </p:cNvSpPr>
+          <p:nvPr>
+            <p:ph type="sldImg"/>
+          </p:nvPr>
+        </p:nvSpPr>
+        <p:spPr/>
+      </p:sp>
+      <p:sp>
+        <p:nvSpPr>
+          <p:cNvPr id="3" name="Notes Placeholder 2"/>
+          <p:cNvSpPr>
+            <a:spLocks noGrp="1"/>
+          </p:cNvSpPr>
+          <p:nvPr>
+            <p:ph type="body" idx="1"/>
+          </p:nvPr>
+        </p:nvSpPr>
+        <p:spPr/>
+        <p:txBody>
+          <a:bodyPr/>
+          <a:lstStyle/>
+          <a:p>
+            <a:r>
+              <a:rPr lang="en-US" sz="1200" kern="1200" dirty="0">
+                <a:solidFill>
+                  <a:schemeClr val="tx1"/>
+                </a:solidFill>
+                <a:effectLst/>
+                <a:latin typeface="+mn-lt"/>
+                <a:ea typeface="+mn-ea"/>
+                <a:cs typeface="+mn-cs"/>
+              </a:rPr>
+              <a:t>By using this DOM, JavaScript gets all the power it needs to create the dynamic webpage.</a:t>
+            </a:r>
+            <a:endParaRPr lang="en-IN" sz="1200" kern="1200" dirty="0">
+              <a:solidFill>
+                <a:schemeClr val="tx1"/>
+              </a:solidFill>
+              <a:effectLst/>
+              <a:latin typeface="+mn-lt"/>
+              <a:ea typeface="+mn-ea"/>
+              <a:cs typeface="+mn-cs"/>
+            </a:endParaRPr>
+          </a:p>
+          <a:p>
+            <a:pPr lvl="0"/>
+            <a:r>
+              <a:rPr lang="en-US" sz="1200" kern="1200" dirty="0">
+                <a:solidFill>
+                  <a:schemeClr val="tx1"/>
+                </a:solidFill>
+                <a:effectLst/>
+                <a:latin typeface="+mn-lt"/>
+                <a:ea typeface="+mn-ea"/>
+                <a:cs typeface="+mn-cs"/>
+              </a:rPr>
+              <a:t>JavaScript can change all the HTML elements in the page</a:t>
+            </a:r>
+            <a:endParaRPr lang="en-IN" sz="1200" kern="1200" dirty="0">
+              <a:solidFill>
+                <a:schemeClr val="tx1"/>
+              </a:solidFill>
+              <a:effectLst/>
+              <a:latin typeface="+mn-lt"/>
+              <a:ea typeface="+mn-ea"/>
+              <a:cs typeface="+mn-cs"/>
+            </a:endParaRPr>
+          </a:p>
+          <a:p>
+            <a:pPr lvl="0"/>
+            <a:r>
+              <a:rPr lang="en-US" sz="1200" kern="1200" dirty="0">
+                <a:solidFill>
+                  <a:schemeClr val="tx1"/>
+                </a:solidFill>
+                <a:effectLst/>
+                <a:latin typeface="+mn-lt"/>
+                <a:ea typeface="+mn-ea"/>
+                <a:cs typeface="+mn-cs"/>
+              </a:rPr>
+              <a:t>JavaScript can change all the HTML attributes in the page</a:t>
+            </a:r>
+            <a:endParaRPr lang="en-IN" sz="1200" kern="1200" dirty="0">
+              <a:solidFill>
+                <a:schemeClr val="tx1"/>
+              </a:solidFill>
+              <a:effectLst/>
+              <a:latin typeface="+mn-lt"/>
+              <a:ea typeface="+mn-ea"/>
+              <a:cs typeface="+mn-cs"/>
+            </a:endParaRPr>
+          </a:p>
+          <a:p>
+            <a:pPr lvl="0"/>
+            <a:r>
+              <a:rPr lang="en-US" sz="1200" kern="1200" dirty="0">
+                <a:solidFill>
+                  <a:schemeClr val="tx1"/>
+                </a:solidFill>
+                <a:effectLst/>
+                <a:latin typeface="+mn-lt"/>
+                <a:ea typeface="+mn-ea"/>
+                <a:cs typeface="+mn-cs"/>
+              </a:rPr>
+              <a:t>JavaScript can change all the CSS styles in the page</a:t>
+            </a:r>
+            <a:endParaRPr lang="en-IN" sz="1200" kern="1200" dirty="0">
+              <a:solidFill>
+                <a:schemeClr val="tx1"/>
+              </a:solidFill>
+              <a:effectLst/>
+              <a:latin typeface="+mn-lt"/>
+              <a:ea typeface="+mn-ea"/>
+              <a:cs typeface="+mn-cs"/>
+            </a:endParaRPr>
+          </a:p>
+          <a:p>
+            <a:pPr lvl="0"/>
+            <a:r>
+              <a:rPr lang="en-US" sz="1200" kern="1200" dirty="0">
+                <a:solidFill>
+                  <a:schemeClr val="tx1"/>
+                </a:solidFill>
+                <a:effectLst/>
+                <a:latin typeface="+mn-lt"/>
+                <a:ea typeface="+mn-ea"/>
+                <a:cs typeface="+mn-cs"/>
+              </a:rPr>
+              <a:t>JavaScript can remove existing HTML elements and attributes</a:t>
+            </a:r>
+            <a:endParaRPr lang="en-IN" sz="1200" kern="1200" dirty="0">
+              <a:solidFill>
+                <a:schemeClr val="tx1"/>
+              </a:solidFill>
+              <a:effectLst/>
+              <a:latin typeface="+mn-lt"/>
+              <a:ea typeface="+mn-ea"/>
+              <a:cs typeface="+mn-cs"/>
+            </a:endParaRPr>
+          </a:p>
+          <a:p>
+            <a:pPr lvl="0"/>
+            <a:r>
+              <a:rPr lang="en-US" sz="1200" kern="1200" dirty="0">
+                <a:solidFill>
+                  <a:schemeClr val="tx1"/>
+                </a:solidFill>
+                <a:effectLst/>
+                <a:latin typeface="+mn-lt"/>
+                <a:ea typeface="+mn-ea"/>
+                <a:cs typeface="+mn-cs"/>
+              </a:rPr>
+              <a:t>JavaScript can add new HTML elements and attributes</a:t>
+            </a:r>
+            <a:endParaRPr lang="en-IN" sz="1200" kern="1200" dirty="0">
+              <a:solidFill>
+                <a:schemeClr val="tx1"/>
+              </a:solidFill>
+              <a:effectLst/>
+              <a:latin typeface="+mn-lt"/>
+              <a:ea typeface="+mn-ea"/>
+              <a:cs typeface="+mn-cs"/>
+            </a:endParaRPr>
+          </a:p>
+          <a:p>
+            <a:pPr lvl="0"/>
+            <a:r>
+              <a:rPr lang="en-US" sz="1200" kern="1200" dirty="0">
+                <a:solidFill>
+                  <a:schemeClr val="tx1"/>
+                </a:solidFill>
+                <a:effectLst/>
+                <a:latin typeface="+mn-lt"/>
+                <a:ea typeface="+mn-ea"/>
+                <a:cs typeface="+mn-cs"/>
+              </a:rPr>
+              <a:t>JavaScript can react to all existing HTML events in the page</a:t>
+            </a:r>
+            <a:endParaRPr lang="en-IN" sz="1200" kern="1200" dirty="0">
+              <a:solidFill>
+                <a:schemeClr val="tx1"/>
+              </a:solidFill>
+              <a:effectLst/>
+              <a:latin typeface="+mn-lt"/>
+              <a:ea typeface="+mn-ea"/>
+              <a:cs typeface="+mn-cs"/>
+            </a:endParaRPr>
+          </a:p>
+          <a:p>
+            <a:pPr lvl="0"/>
+            <a:r>
+              <a:rPr lang="en-US" sz="1200" kern="1200" dirty="0">
+                <a:solidFill>
+                  <a:schemeClr val="tx1"/>
+                </a:solidFill>
+                <a:effectLst/>
+                <a:latin typeface="+mn-lt"/>
+                <a:ea typeface="+mn-ea"/>
+                <a:cs typeface="+mn-cs"/>
+              </a:rPr>
+              <a:t>JavaScript can create new HTML events in the page</a:t>
+            </a:r>
+            <a:endParaRPr lang="en-IN" sz="1200" kern="1200" dirty="0">
+              <a:solidFill>
+                <a:schemeClr val="tx1"/>
+              </a:solidFill>
+              <a:effectLst/>
+              <a:latin typeface="+mn-lt"/>
+              <a:ea typeface="+mn-ea"/>
+              <a:cs typeface="+mn-cs"/>
+            </a:endParaRPr>
+          </a:p>
+          <a:p>
+            <a:endParaRPr lang="en-IN" dirty="0"/>
+          </a:p>
+        </p:txBody>
+      </p:sp>
+      <p:sp>
+        <p:nvSpPr>
+          <p:cNvPr id="4" name="Slide Number Placeholder 3"/>
+          <p:cNvSpPr>
+            <a:spLocks noGrp="1"/>
+          </p:cNvSpPr>
+          <p:nvPr>
+            <p:ph type="sldNum" sz="quarter" idx="5"/>
+          </p:nvPr>
+        </p:nvSpPr>
+        <p:spPr/>
+        <p:txBody>
+          <a:bodyPr/>
+          <a:lstStyle/>
+          <a:p>
+            <a:fld id="{E9ABF188-7D54-4E99-8128-414AA62ACE8F}" type="slidenum">
+              <a:rPr lang="en-IN" smtClean="0"/>
+              <a:t>28</a:t>
+            </a:fld>
+            <a:endParaRPr lang="en-IN"/>
+          </a:p>
+        </p:txBody>
+      </p:sp>
+    </p:spTree>
+    <p:extLst>
+      <p:ext uri="{BB962C8B-B14F-4D97-AF65-F5344CB8AC3E}">
+        <p14:creationId xmlns:p14="http://schemas.microsoft.com/office/powerpoint/2010/main" val="1007759632"/>
+      </p:ext>
+    </p:extLst>
+  </p:cSld>
+  <p:clrMapOvr>
+    <a:masterClrMapping/>
+  </p:clrMapOvr>
+</p:notes>
+</file>
+
+<file path=ppt/notesSlides/notesSlide12.xml><?xml version="1.0" encoding="utf-8"?>
+<p:notes xmlns:a="http://schemas.openxmlformats.org/drawingml/2006/main" xmlns:r="http://schemas.openxmlformats.org/officeDocument/2006/relationships" xmlns:p="http://schemas.openxmlformats.org/presentationml/2006/main">
+  <p:cSld>
+    <p:spTree>
+      <p:nvGrpSpPr>
+        <p:cNvPr id="1" name=""/>
+        <p:cNvGrpSpPr/>
+        <p:nvPr/>
+      </p:nvGrpSpPr>
+      <p:grpSpPr>
+        <a:xfrm>
+          <a:off x="0" y="0"/>
+          <a:ext cx="0" cy="0"/>
+          <a:chOff x="0" y="0"/>
+          <a:chExt cx="0" cy="0"/>
+        </a:xfrm>
+      </p:grpSpPr>
+      <p:sp>
+        <p:nvSpPr>
+          <p:cNvPr id="2" name="Slide Image Placeholder 1"/>
+          <p:cNvSpPr>
+            <a:spLocks noGrp="1" noRot="1" noChangeAspect="1"/>
+          </p:cNvSpPr>
+          <p:nvPr>
+            <p:ph type="sldImg"/>
+          </p:nvPr>
+        </p:nvSpPr>
+        <p:spPr/>
+      </p:sp>
+      <p:sp>
+        <p:nvSpPr>
+          <p:cNvPr id="3" name="Notes Placeholder 2"/>
+          <p:cNvSpPr>
+            <a:spLocks noGrp="1"/>
+          </p:cNvSpPr>
+          <p:nvPr>
+            <p:ph type="body" idx="1"/>
+          </p:nvPr>
+        </p:nvSpPr>
+        <p:spPr/>
+        <p:txBody>
+          <a:bodyPr/>
+          <a:lstStyle/>
+          <a:p>
+            <a:r>
+              <a:rPr lang="en-IN" dirty="0"/>
+              <a:t>Need to replace the output with update code …s</a:t>
+            </a:r>
+          </a:p>
+        </p:txBody>
+      </p:sp>
+      <p:sp>
+        <p:nvSpPr>
+          <p:cNvPr id="4" name="Slide Number Placeholder 3"/>
+          <p:cNvSpPr>
+            <a:spLocks noGrp="1"/>
+          </p:cNvSpPr>
+          <p:nvPr>
+            <p:ph type="sldNum" sz="quarter" idx="5"/>
+          </p:nvPr>
+        </p:nvSpPr>
+        <p:spPr/>
+        <p:txBody>
+          <a:bodyPr/>
+          <a:lstStyle/>
+          <a:p>
+            <a:fld id="{E9ABF188-7D54-4E99-8128-414AA62ACE8F}" type="slidenum">
+              <a:rPr lang="en-IN" smtClean="0"/>
+              <a:t>29</a:t>
+            </a:fld>
+            <a:endParaRPr lang="en-IN"/>
+          </a:p>
+        </p:txBody>
+      </p:sp>
+    </p:spTree>
+    <p:extLst>
+      <p:ext uri="{BB962C8B-B14F-4D97-AF65-F5344CB8AC3E}">
+        <p14:creationId xmlns:p14="http://schemas.microsoft.com/office/powerpoint/2010/main" val="3860004564"/>
+      </p:ext>
+    </p:extLst>
+  </p:cSld>
+  <p:clrMapOvr>
+    <a:masterClrMapping/>
+  </p:clrMapOvr>
+</p:notes>
+</file>
+
 <file path=ppt/notesSlides/notesSlide2.xml><?xml version="1.0" encoding="utf-8"?>
 <p:notes xmlns:a="http://schemas.openxmlformats.org/drawingml/2006/main" xmlns:r="http://schemas.openxmlformats.org/officeDocument/2006/relationships" xmlns:p="http://schemas.openxmlformats.org/presentationml/2006/main">
   <p:cSld>
@@ -1495,7 +2015,7 @@
           <a:p>
             <a:fld id="{4AAD347D-5ACD-4C99-B74B-A9C85AD731AF}" type="datetimeFigureOut">
               <a:rPr lang="en-US" dirty="0"/>
-              <a:t>9/15/2019</a:t>
+              <a:t>9/20/2019</a:t>
             </a:fld>
             <a:endParaRPr lang="en-US" dirty="0"/>
           </a:p>
@@ -1765,7 +2285,7 @@
           <a:p>
             <a:fld id="{4509A250-FF31-4206-8172-F9D3106AACB1}" type="datetimeFigureOut">
               <a:rPr lang="en-US" dirty="0"/>
-              <a:t>9/15/2019</a:t>
+              <a:t>9/20/2019</a:t>
             </a:fld>
             <a:endParaRPr lang="en-US" dirty="0"/>
           </a:p>
@@ -1954,7 +2474,7 @@
           <a:p>
             <a:fld id="{4509A250-FF31-4206-8172-F9D3106AACB1}" type="datetimeFigureOut">
               <a:rPr lang="en-US" dirty="0"/>
-              <a:t>9/15/2019</a:t>
+              <a:t>9/20/2019</a:t>
             </a:fld>
             <a:endParaRPr lang="en-US" dirty="0"/>
           </a:p>
@@ -2222,7 +2742,7 @@
           <a:p>
             <a:fld id="{4509A250-FF31-4206-8172-F9D3106AACB1}" type="datetimeFigureOut">
               <a:rPr lang="en-US" dirty="0"/>
-              <a:t>9/15/2019</a:t>
+              <a:t>9/20/2019</a:t>
             </a:fld>
             <a:endParaRPr lang="en-US" dirty="0"/>
           </a:p>
@@ -2558,7 +3078,7 @@
           <a:p>
             <a:fld id="{4509A250-FF31-4206-8172-F9D3106AACB1}" type="datetimeFigureOut">
               <a:rPr lang="en-US" dirty="0"/>
-              <a:t>9/15/2019</a:t>
+              <a:t>9/20/2019</a:t>
             </a:fld>
             <a:endParaRPr lang="en-US" dirty="0"/>
           </a:p>
@@ -3176,7 +3696,7 @@
           <a:p>
             <a:fld id="{4509A250-FF31-4206-8172-F9D3106AACB1}" type="datetimeFigureOut">
               <a:rPr lang="en-US" dirty="0"/>
-              <a:t>9/15/2019</a:t>
+              <a:t>9/20/2019</a:t>
             </a:fld>
             <a:endParaRPr lang="en-US" dirty="0"/>
           </a:p>
@@ -4031,7 +4551,7 @@
           <a:p>
             <a:fld id="{4509A250-FF31-4206-8172-F9D3106AACB1}" type="datetimeFigureOut">
               <a:rPr lang="en-US" dirty="0"/>
-              <a:t>9/15/2019</a:t>
+              <a:t>9/20/2019</a:t>
             </a:fld>
             <a:endParaRPr lang="en-US" dirty="0"/>
           </a:p>
@@ -4196,7 +4716,7 @@
           <a:p>
             <a:fld id="{4509A250-FF31-4206-8172-F9D3106AACB1}" type="datetimeFigureOut">
               <a:rPr lang="en-US" dirty="0"/>
-              <a:t>9/15/2019</a:t>
+              <a:t>9/20/2019</a:t>
             </a:fld>
             <a:endParaRPr lang="en-US" dirty="0"/>
           </a:p>
@@ -4371,7 +4891,7 @@
           <a:p>
             <a:fld id="{4509A250-FF31-4206-8172-F9D3106AACB1}" type="datetimeFigureOut">
               <a:rPr lang="en-US" dirty="0"/>
-              <a:t>9/15/2019</a:t>
+              <a:t>9/20/2019</a:t>
             </a:fld>
             <a:endParaRPr lang="en-US" dirty="0"/>
           </a:p>
@@ -4536,7 +5056,7 @@
           <a:p>
             <a:fld id="{4509A250-FF31-4206-8172-F9D3106AACB1}" type="datetimeFigureOut">
               <a:rPr lang="en-US" dirty="0"/>
-              <a:t>9/15/2019</a:t>
+              <a:t>9/20/2019</a:t>
             </a:fld>
             <a:endParaRPr lang="en-US" dirty="0"/>
           </a:p>
@@ -4778,7 +5298,7 @@
           <a:p>
             <a:fld id="{9796027F-7875-4030-9381-8BD8C4F21935}" type="datetimeFigureOut">
               <a:rPr lang="en-US" dirty="0"/>
-              <a:t>9/15/2019</a:t>
+              <a:t>9/20/2019</a:t>
             </a:fld>
             <a:endParaRPr lang="en-US" dirty="0"/>
           </a:p>
@@ -5065,7 +5585,7 @@
           <a:p>
             <a:fld id="{9796027F-7875-4030-9381-8BD8C4F21935}" type="datetimeFigureOut">
               <a:rPr lang="en-US" dirty="0"/>
-              <a:t>9/15/2019</a:t>
+              <a:t>9/20/2019</a:t>
             </a:fld>
             <a:endParaRPr lang="en-US" dirty="0"/>
           </a:p>
@@ -5504,7 +6024,7 @@
           <a:p>
             <a:fld id="{9796027F-7875-4030-9381-8BD8C4F21935}" type="datetimeFigureOut">
               <a:rPr lang="en-US" dirty="0"/>
-              <a:t>9/15/2019</a:t>
+              <a:t>9/20/2019</a:t>
             </a:fld>
             <a:endParaRPr lang="en-US" dirty="0"/>
           </a:p>
@@ -5617,7 +6137,7 @@
           <a:p>
             <a:fld id="{4509A250-FF31-4206-8172-F9D3106AACB1}" type="datetimeFigureOut">
               <a:rPr lang="en-US" dirty="0"/>
-              <a:t>9/15/2019</a:t>
+              <a:t>9/20/2019</a:t>
             </a:fld>
             <a:endParaRPr lang="en-US" dirty="0"/>
           </a:p>
@@ -5707,7 +6227,7 @@
           <a:p>
             <a:fld id="{4509A250-FF31-4206-8172-F9D3106AACB1}" type="datetimeFigureOut">
               <a:rPr lang="en-US" dirty="0"/>
-              <a:t>9/15/2019</a:t>
+              <a:t>9/20/2019</a:t>
             </a:fld>
             <a:endParaRPr lang="en-US" dirty="0"/>
           </a:p>
@@ -5981,7 +6501,7 @@
           <a:p>
             <a:fld id="{4509A250-FF31-4206-8172-F9D3106AACB1}" type="datetimeFigureOut">
               <a:rPr lang="en-US" dirty="0"/>
-              <a:t>9/15/2019</a:t>
+              <a:t>9/20/2019</a:t>
             </a:fld>
             <a:endParaRPr lang="en-US" dirty="0"/>
           </a:p>
@@ -6251,7 +6771,7 @@
           <a:p>
             <a:fld id="{4509A250-FF31-4206-8172-F9D3106AACB1}" type="datetimeFigureOut">
               <a:rPr lang="en-US" dirty="0"/>
-              <a:t>9/15/2019</a:t>
+              <a:t>9/20/2019</a:t>
             </a:fld>
             <a:endParaRPr lang="en-US" dirty="0"/>
           </a:p>
@@ -6675,7 +7195,7 @@
           <a:p>
             <a:fld id="{4AAD347D-5ACD-4C99-B74B-A9C85AD731AF}" type="datetimeFigureOut">
               <a:rPr lang="en-US" dirty="0"/>
-              <a:t>9/15/2019</a:t>
+              <a:t>9/20/2019</a:t>
             </a:fld>
             <a:endParaRPr lang="en-US" dirty="0"/>
           </a:p>
@@ -10584,7 +11104,13 @@
       </p:grpSpPr>
       <p:sp>
         <p:nvSpPr>
-          <p:cNvPr id="2" name="Title 1"/>
+          <p:cNvPr id="2" name="Title 1">
+            <a:extLst>
+              <a:ext uri="{FF2B5EF4-FFF2-40B4-BE49-F238E27FC236}">
+                <a16:creationId xmlns:a16="http://schemas.microsoft.com/office/drawing/2014/main" id="{548FF8FC-E66E-450A-B1AD-0AD89F532AD4}"/>
+              </a:ext>
+            </a:extLst>
+          </p:cNvPr>
           <p:cNvSpPr>
             <a:spLocks noGrp="1"/>
           </p:cNvSpPr>
@@ -10592,21 +11118,32 @@
             <p:ph type="title"/>
           </p:nvPr>
         </p:nvSpPr>
-        <p:spPr/>
-        <p:txBody>
-          <a:bodyPr/>
-          <a:lstStyle/>
-          <a:p>
-            <a:r>
-              <a:rPr lang="en-US" sz="4000" dirty="0"/>
-              <a:t>Node.JS</a:t>
-            </a:r>
-          </a:p>
-        </p:txBody>
-      </p:sp>
-      <p:sp>
-        <p:nvSpPr>
-          <p:cNvPr id="3" name="Content Placeholder 2"/>
+        <p:spPr>
+          <a:xfrm>
+            <a:off x="646111" y="452718"/>
+            <a:ext cx="9404723" cy="1089003"/>
+          </a:xfrm>
+        </p:spPr>
+        <p:txBody>
+          <a:bodyPr/>
+          <a:lstStyle/>
+          <a:p>
+            <a:r>
+              <a:rPr lang="en-IN" dirty="0"/>
+              <a:t>DOM (Document Object Model)</a:t>
+            </a:r>
+          </a:p>
+        </p:txBody>
+      </p:sp>
+      <p:sp>
+        <p:nvSpPr>
+          <p:cNvPr id="3" name="Content Placeholder 2">
+            <a:extLst>
+              <a:ext uri="{FF2B5EF4-FFF2-40B4-BE49-F238E27FC236}">
+                <a16:creationId xmlns:a16="http://schemas.microsoft.com/office/drawing/2014/main" id="{1FCD4BED-5881-42F6-A032-1BE28B957B21}"/>
+              </a:ext>
+            </a:extLst>
+          </p:cNvPr>
           <p:cNvSpPr>
             <a:spLocks noGrp="1"/>
           </p:cNvSpPr>
@@ -10616,63 +11153,98 @@
         </p:nvSpPr>
         <p:spPr>
           <a:xfrm>
-            <a:off x="646112" y="1457740"/>
-            <a:ext cx="9403742" cy="4790660"/>
-          </a:xfrm>
-        </p:spPr>
-        <p:txBody>
-          <a:bodyPr/>
-          <a:lstStyle/>
-          <a:p>
-            <a:r>
-              <a:rPr lang="en-US" dirty="0"/>
-              <a:t>It’s a server side platform to run JS code.</a:t>
-            </a:r>
-          </a:p>
-          <a:p>
-            <a:r>
-              <a:rPr lang="en-US" dirty="0"/>
-              <a:t>Its designed on top of the Chrome browser’s JS engine V8.</a:t>
-            </a:r>
-          </a:p>
-          <a:p>
-            <a:r>
-              <a:rPr lang="en-US" dirty="0"/>
-              <a:t>It was developed by  Ryan Dahl in 2009 &amp; its latest version is 10.16.3</a:t>
-            </a:r>
-          </a:p>
-          <a:p>
-            <a:r>
-              <a:rPr lang="en-US" dirty="0"/>
-              <a:t>The platform written in C,C++ and JavaScript</a:t>
-            </a:r>
-          </a:p>
-          <a:p>
-            <a:r>
-              <a:rPr lang="en-US" dirty="0"/>
-              <a:t>Node.js uses an event driven </a:t>
-            </a:r>
-            <a:r>
-              <a:rPr lang="en-US" b="1" dirty="0">
+            <a:off x="765544" y="1541722"/>
+            <a:ext cx="9284309" cy="4706678"/>
+          </a:xfrm>
+        </p:spPr>
+        <p:txBody>
+          <a:bodyPr/>
+          <a:lstStyle/>
+          <a:p>
+            <a:r>
+              <a:rPr lang="en-IN" dirty="0"/>
+              <a:t>What is DOM ?</a:t>
+            </a:r>
+          </a:p>
+          <a:p>
+            <a:pPr marL="457200" lvl="1" indent="0">
+              <a:buNone/>
+            </a:pPr>
+            <a:r>
+              <a:rPr lang="en-US" i="1" dirty="0">
                 <a:solidFill>
-                  <a:srgbClr val="FFC000"/>
+                  <a:srgbClr val="FFFF00"/>
                 </a:solidFill>
               </a:rPr>
-              <a:t>non-blocking I/O model</a:t>
-            </a:r>
-          </a:p>
-          <a:p>
-            <a:r>
-              <a:rPr lang="en-US" dirty="0"/>
-              <a:t>It’s light weight and efficient .Perfect for the data intensive real time applications like chatroom.</a:t>
-            </a:r>
+              <a:t>“The W3C Document Object Model (DOM) is a platform and language-neutral interface that allows programs and scripts to dynamically access and update the content, structure, and style of a document."</a:t>
+            </a:r>
+            <a:endParaRPr lang="en-IN" dirty="0">
+              <a:solidFill>
+                <a:srgbClr val="FFFF00"/>
+              </a:solidFill>
+            </a:endParaRPr>
+          </a:p>
+          <a:p>
+            <a:pPr lvl="1"/>
+            <a:endParaRPr lang="en-IN" dirty="0"/>
+          </a:p>
+          <a:p>
+            <a:r>
+              <a:rPr lang="en-US" dirty="0"/>
+              <a:t> W3C DOM standards separated into 3 parts</a:t>
+            </a:r>
+            <a:endParaRPr lang="en-IN" dirty="0"/>
+          </a:p>
+          <a:p>
+            <a:pPr lvl="1"/>
+            <a:r>
+              <a:rPr lang="en-US" dirty="0"/>
+              <a:t>Core DOM: - Standard model for all document type</a:t>
+            </a:r>
+            <a:endParaRPr lang="en-IN" dirty="0"/>
+          </a:p>
+          <a:p>
+            <a:pPr lvl="1"/>
+            <a:r>
+              <a:rPr lang="en-US" dirty="0"/>
+              <a:t>XML DOM: - Standard model for XML document type</a:t>
+            </a:r>
+            <a:endParaRPr lang="en-IN" dirty="0"/>
+          </a:p>
+          <a:p>
+            <a:pPr lvl="1"/>
+            <a:r>
+              <a:rPr lang="en-US" dirty="0">
+                <a:solidFill>
+                  <a:schemeClr val="accent3">
+                    <a:lumMod val="40000"/>
+                    <a:lumOff val="60000"/>
+                  </a:schemeClr>
+                </a:solidFill>
+              </a:rPr>
+              <a:t>HTML DOM: - Standard model for HTML document type</a:t>
+            </a:r>
+            <a:endParaRPr lang="en-IN" dirty="0">
+              <a:solidFill>
+                <a:schemeClr val="accent3">
+                  <a:lumMod val="40000"/>
+                  <a:lumOff val="60000"/>
+                </a:schemeClr>
+              </a:solidFill>
+            </a:endParaRPr>
+          </a:p>
+          <a:p>
+            <a:pPr marL="457200" lvl="1" indent="0">
+              <a:buNone/>
+            </a:pPr>
+            <a:endParaRPr lang="en-IN" dirty="0"/>
           </a:p>
         </p:txBody>
       </p:sp>
     </p:spTree>
     <p:extLst>
       <p:ext uri="{BB962C8B-B14F-4D97-AF65-F5344CB8AC3E}">
-        <p14:creationId xmlns:p14="http://schemas.microsoft.com/office/powerpoint/2010/main" val="2227638989"/>
+        <p14:creationId xmlns:p14="http://schemas.microsoft.com/office/powerpoint/2010/main" val="3752864397"/>
       </p:ext>
     </p:extLst>
   </p:cSld>
@@ -10701,7 +11273,13 @@
       </p:grpSpPr>
       <p:sp>
         <p:nvSpPr>
-          <p:cNvPr id="2" name="Title 1"/>
+          <p:cNvPr id="2" name="Title 1">
+            <a:extLst>
+              <a:ext uri="{FF2B5EF4-FFF2-40B4-BE49-F238E27FC236}">
+                <a16:creationId xmlns:a16="http://schemas.microsoft.com/office/drawing/2014/main" id="{29E96885-0801-458C-AB2B-77E1AF40801B}"/>
+              </a:ext>
+            </a:extLst>
+          </p:cNvPr>
           <p:cNvSpPr>
             <a:spLocks noGrp="1"/>
           </p:cNvSpPr>
@@ -10711,24 +11289,34 @@
         </p:nvSpPr>
         <p:spPr>
           <a:xfrm>
-            <a:off x="646111" y="452718"/>
-            <a:ext cx="9404723" cy="899004"/>
-          </a:xfrm>
-        </p:spPr>
-        <p:txBody>
-          <a:bodyPr/>
-          <a:lstStyle/>
-          <a:p>
-            <a:r>
-              <a:rPr lang="en-US" sz="4000" dirty="0"/>
-              <a:t>Install &amp; Setup</a:t>
-            </a:r>
-          </a:p>
-        </p:txBody>
-      </p:sp>
-      <p:sp>
-        <p:nvSpPr>
-          <p:cNvPr id="3" name="Content Placeholder 2"/>
+            <a:off x="645130" y="367657"/>
+            <a:ext cx="9404723" cy="1046473"/>
+          </a:xfrm>
+        </p:spPr>
+        <p:txBody>
+          <a:bodyPr/>
+          <a:lstStyle/>
+          <a:p>
+            <a:r>
+              <a:rPr lang="en-IN" sz="4000" dirty="0"/>
+              <a:t>JavaScript</a:t>
+            </a:r>
+            <a:r>
+              <a:rPr lang="en-IN" dirty="0"/>
+              <a:t> HTML DOM</a:t>
+            </a:r>
+          </a:p>
+        </p:txBody>
+      </p:sp>
+      <p:sp>
+        <p:nvSpPr>
+          <p:cNvPr id="3" name="Content Placeholder 2">
+            <a:extLst>
+              <a:ext uri="{FF2B5EF4-FFF2-40B4-BE49-F238E27FC236}">
+                <a16:creationId xmlns:a16="http://schemas.microsoft.com/office/drawing/2014/main" id="{CCC00158-89C6-4D0F-ACC1-0FDFF7E78961}"/>
+              </a:ext>
+            </a:extLst>
+          </p:cNvPr>
           <p:cNvSpPr>
             <a:spLocks noGrp="1"/>
           </p:cNvSpPr>
@@ -10738,107 +11326,57 @@
         </p:nvSpPr>
         <p:spPr>
           <a:xfrm>
-            <a:off x="646112" y="1351722"/>
-            <a:ext cx="10899222" cy="5314950"/>
-          </a:xfrm>
-        </p:spPr>
-        <p:txBody>
-          <a:bodyPr/>
-          <a:lstStyle/>
-          <a:p>
-            <a:r>
-              <a:rPr lang="en-US" dirty="0"/>
-              <a:t>Node is an open source platform hence we can download and install it free.</a:t>
-            </a:r>
-          </a:p>
-          <a:p>
-            <a:r>
-              <a:rPr lang="en-US" b="1" dirty="0">
-                <a:solidFill>
-                  <a:srgbClr val="FFC000"/>
-                </a:solidFill>
-                <a:hlinkClick r:id="rId2"/>
-              </a:rPr>
-              <a:t>Download link:- https://nodejs.org/en/</a:t>
-            </a:r>
-            <a:endParaRPr lang="en-US" b="1" dirty="0">
-              <a:solidFill>
-                <a:srgbClr val="FFC000"/>
-              </a:solidFill>
-            </a:endParaRPr>
-          </a:p>
-          <a:p>
-            <a:r>
-              <a:rPr lang="en-US" dirty="0"/>
-              <a:t>Node run with </a:t>
-            </a:r>
-            <a:r>
-              <a:rPr lang="en-US" b="1" dirty="0" err="1">
-                <a:solidFill>
-                  <a:srgbClr val="FF0000"/>
-                </a:solidFill>
-              </a:rPr>
-              <a:t>npm</a:t>
-            </a:r>
-            <a:r>
-              <a:rPr lang="en-US" b="1" dirty="0">
-                <a:solidFill>
-                  <a:srgbClr val="FF0000"/>
-                </a:solidFill>
-              </a:rPr>
-              <a:t> </a:t>
-            </a:r>
-            <a:r>
-              <a:rPr lang="en-US" dirty="0"/>
-              <a:t>(Node Package Manager)</a:t>
-            </a:r>
-          </a:p>
-          <a:p>
-            <a:r>
-              <a:rPr lang="en-US" dirty="0" err="1"/>
-              <a:t>npm</a:t>
-            </a:r>
-            <a:r>
-              <a:rPr lang="en-US" dirty="0"/>
-              <a:t> is bundled with Node.js installation file so no need to install it separately.</a:t>
-            </a:r>
-          </a:p>
-          <a:p>
-            <a:r>
-              <a:rPr lang="en-US" dirty="0"/>
-              <a:t>You have to initialize it from command/terminal for using the Node</a:t>
-            </a:r>
-          </a:p>
-          <a:p>
-            <a:endParaRPr lang="en-US" dirty="0"/>
-          </a:p>
-          <a:p>
-            <a:r>
-              <a:rPr lang="en-US" dirty="0"/>
-              <a:t>Command : </a:t>
-            </a:r>
-            <a:r>
-              <a:rPr lang="en-US" dirty="0" err="1"/>
-              <a:t>npm</a:t>
-            </a:r>
-            <a:r>
-              <a:rPr lang="en-US" dirty="0"/>
-              <a:t> </a:t>
-            </a:r>
-            <a:r>
-              <a:rPr lang="en-US" dirty="0" err="1"/>
-              <a:t>init</a:t>
-            </a:r>
-            <a:endParaRPr lang="en-US" dirty="0"/>
+            <a:off x="733648" y="1414130"/>
+            <a:ext cx="10579394" cy="4834270"/>
+          </a:xfrm>
+        </p:spPr>
+        <p:txBody>
+          <a:bodyPr/>
+          <a:lstStyle/>
+          <a:p>
+            <a:r>
+              <a:rPr lang="en-US" dirty="0"/>
+              <a:t>The HTML DOM is a standard for how to get, change, add, or delete HTML elements.</a:t>
+            </a:r>
+            <a:endParaRPr lang="en-IN" dirty="0"/>
+          </a:p>
+          <a:p>
+            <a:r>
+              <a:rPr lang="en-US" dirty="0"/>
+              <a:t>The HTML DOM model is constructed as a tree of </a:t>
+            </a:r>
+            <a:r>
+              <a:rPr lang="en-US" b="1" dirty="0"/>
+              <a:t>Objects</a:t>
+            </a:r>
+          </a:p>
+          <a:p>
+            <a:r>
+              <a:rPr lang="en-US" dirty="0"/>
+              <a:t>using this DOM, JavaScript gets all the power it needs to create the dynamic webpage.</a:t>
+            </a:r>
+          </a:p>
+          <a:p>
+            <a:endParaRPr lang="en-IN" dirty="0"/>
+          </a:p>
+          <a:p>
+            <a:endParaRPr lang="en-IN" dirty="0"/>
+          </a:p>
+          <a:p>
+            <a:endParaRPr lang="en-IN" dirty="0"/>
           </a:p>
         </p:txBody>
       </p:sp>
       <p:pic>
         <p:nvPicPr>
-          <p:cNvPr id="5" name="Picture 4"/>
-          <p:cNvPicPr>
-            <a:picLocks noChangeAspect="1"/>
-          </p:cNvPicPr>
+          <p:cNvPr id="4" name="Picture 3">
+            <a:extLst>
+              <a:ext uri="{FF2B5EF4-FFF2-40B4-BE49-F238E27FC236}">
+                <a16:creationId xmlns:a16="http://schemas.microsoft.com/office/drawing/2014/main" id="{AB306955-ECA7-4FBE-836A-0520F039AF92}"/>
+              </a:ext>
+            </a:extLst>
+          </p:cNvPr>
+          <p:cNvPicPr/>
           <p:nvPr/>
         </p:nvPicPr>
         <p:blipFill>
@@ -10849,8 +11387,8 @@
         </p:blipFill>
         <p:spPr>
           <a:xfrm>
-            <a:off x="5708981" y="3504372"/>
-            <a:ext cx="4829175" cy="3162300"/>
+            <a:off x="4321028" y="3288340"/>
+            <a:ext cx="5314950" cy="3067050"/>
           </a:xfrm>
           <a:prstGeom prst="rect">
             <a:avLst/>
@@ -10860,7 +11398,7 @@
     </p:spTree>
     <p:extLst>
       <p:ext uri="{BB962C8B-B14F-4D97-AF65-F5344CB8AC3E}">
-        <p14:creationId xmlns:p14="http://schemas.microsoft.com/office/powerpoint/2010/main" val="2565719584"/>
+        <p14:creationId xmlns:p14="http://schemas.microsoft.com/office/powerpoint/2010/main" val="287023817"/>
       </p:ext>
     </p:extLst>
   </p:cSld>
@@ -10889,7 +11427,13 @@
       </p:grpSpPr>
       <p:sp>
         <p:nvSpPr>
-          <p:cNvPr id="2" name="Title 1"/>
+          <p:cNvPr id="2" name="Title 1">
+            <a:extLst>
+              <a:ext uri="{FF2B5EF4-FFF2-40B4-BE49-F238E27FC236}">
+                <a16:creationId xmlns:a16="http://schemas.microsoft.com/office/drawing/2014/main" id="{4C30F6E4-1708-4AAD-B719-51A4FAA24BA5}"/>
+              </a:ext>
+            </a:extLst>
+          </p:cNvPr>
           <p:cNvSpPr>
             <a:spLocks noGrp="1"/>
           </p:cNvSpPr>
@@ -10900,23 +11444,29 @@
         <p:spPr>
           <a:xfrm>
             <a:off x="646111" y="452718"/>
-            <a:ext cx="9404723" cy="1031525"/>
-          </a:xfrm>
-        </p:spPr>
-        <p:txBody>
-          <a:bodyPr/>
-          <a:lstStyle/>
-          <a:p>
-            <a:r>
-              <a:rPr lang="en-US" sz="4000" dirty="0"/>
-              <a:t>Module &amp; Exports</a:t>
-            </a:r>
-          </a:p>
-        </p:txBody>
-      </p:sp>
-      <p:sp>
-        <p:nvSpPr>
-          <p:cNvPr id="3" name="Content Placeholder 2"/>
+            <a:ext cx="9404723" cy="1163431"/>
+          </a:xfrm>
+        </p:spPr>
+        <p:txBody>
+          <a:bodyPr/>
+          <a:lstStyle/>
+          <a:p>
+            <a:r>
+              <a:rPr lang="en-IN" dirty="0"/>
+              <a:t>HTML DOM Methods &amp; Properties</a:t>
+            </a:r>
+          </a:p>
+        </p:txBody>
+      </p:sp>
+      <p:sp>
+        <p:nvSpPr>
+          <p:cNvPr id="3" name="Content Placeholder 2">
+            <a:extLst>
+              <a:ext uri="{FF2B5EF4-FFF2-40B4-BE49-F238E27FC236}">
+                <a16:creationId xmlns:a16="http://schemas.microsoft.com/office/drawing/2014/main" id="{012CBA03-7381-47E8-8162-AB4AED215DA1}"/>
+              </a:ext>
+            </a:extLst>
+          </p:cNvPr>
           <p:cNvSpPr>
             <a:spLocks noGrp="1"/>
           </p:cNvSpPr>
@@ -10926,48 +11476,149 @@
         </p:nvSpPr>
         <p:spPr>
           <a:xfrm>
-            <a:off x="646112" y="1656522"/>
-            <a:ext cx="9403742" cy="4591877"/>
-          </a:xfrm>
-        </p:spPr>
-        <p:txBody>
-          <a:bodyPr/>
-          <a:lstStyle/>
-          <a:p>
-            <a:r>
-              <a:rPr lang="en-US" dirty="0"/>
-              <a:t>Usually developers segregate the functionality of the application in separate JS files called events and node look them as modules.</a:t>
-            </a:r>
-          </a:p>
-          <a:p>
-            <a:r>
-              <a:rPr lang="en-US" dirty="0"/>
-              <a:t>We call those events from the main.js file which is called entry/master file.</a:t>
-            </a:r>
-          </a:p>
-          <a:p>
-            <a:r>
-              <a:rPr lang="en-US" dirty="0"/>
-              <a:t>We call them custom modules but node also have a lot of inbuilt modules like http, path,fs..</a:t>
-            </a:r>
-            <a:r>
-              <a:rPr lang="en-US" dirty="0" err="1"/>
-              <a:t>etc</a:t>
-            </a:r>
-            <a:endParaRPr lang="en-US" dirty="0"/>
-          </a:p>
-          <a:p>
-            <a:endParaRPr lang="en-US" dirty="0"/>
-          </a:p>
-          <a:p>
-            <a:endParaRPr lang="en-US" dirty="0"/>
-          </a:p>
-        </p:txBody>
-      </p:sp>
+            <a:off x="777158" y="1616149"/>
+            <a:ext cx="10461456" cy="4632250"/>
+          </a:xfrm>
+        </p:spPr>
+        <p:txBody>
+          <a:bodyPr/>
+          <a:lstStyle/>
+          <a:p>
+            <a:r>
+              <a:rPr lang="en-US" dirty="0"/>
+              <a:t>Methods: - Actions performed on HTML element</a:t>
+            </a:r>
+            <a:endParaRPr lang="en-IN" dirty="0"/>
+          </a:p>
+          <a:p>
+            <a:r>
+              <a:rPr lang="en-US" dirty="0"/>
+              <a:t>Properties: - Values you can set or get from HTML element</a:t>
+            </a:r>
+            <a:endParaRPr lang="en-IN" dirty="0"/>
+          </a:p>
+          <a:p>
+            <a:r>
+              <a:rPr lang="en-US" dirty="0"/>
+              <a:t>Most common HTML DOM method  &amp; Property you will come across is </a:t>
+            </a:r>
+            <a:r>
+              <a:rPr lang="en-US" dirty="0" err="1">
+                <a:solidFill>
+                  <a:schemeClr val="accent3">
+                    <a:lumMod val="40000"/>
+                    <a:lumOff val="60000"/>
+                  </a:schemeClr>
+                </a:solidFill>
+              </a:rPr>
+              <a:t>getElementById</a:t>
+            </a:r>
+            <a:r>
+              <a:rPr lang="en-US" dirty="0">
+                <a:solidFill>
+                  <a:schemeClr val="accent3">
+                    <a:lumMod val="40000"/>
+                    <a:lumOff val="60000"/>
+                  </a:schemeClr>
+                </a:solidFill>
+              </a:rPr>
+              <a:t>() and </a:t>
+            </a:r>
+            <a:r>
+              <a:rPr lang="en-US" dirty="0" err="1">
+                <a:solidFill>
+                  <a:schemeClr val="accent3">
+                    <a:lumMod val="40000"/>
+                    <a:lumOff val="60000"/>
+                  </a:schemeClr>
+                </a:solidFill>
+              </a:rPr>
+              <a:t>innerHTML</a:t>
+            </a:r>
+            <a:endParaRPr lang="en-US" dirty="0">
+              <a:solidFill>
+                <a:schemeClr val="accent3">
+                  <a:lumMod val="40000"/>
+                  <a:lumOff val="60000"/>
+                </a:schemeClr>
+              </a:solidFill>
+            </a:endParaRPr>
+          </a:p>
+          <a:p>
+            <a:endParaRPr lang="en-IN" dirty="0">
+              <a:solidFill>
+                <a:schemeClr val="accent3">
+                  <a:lumMod val="40000"/>
+                  <a:lumOff val="60000"/>
+                </a:schemeClr>
+              </a:solidFill>
+            </a:endParaRPr>
+          </a:p>
+          <a:p>
+            <a:endParaRPr lang="en-IN" dirty="0"/>
+          </a:p>
+        </p:txBody>
+      </p:sp>
+      <p:pic>
+        <p:nvPicPr>
+          <p:cNvPr id="4" name="Picture 3">
+            <a:extLst>
+              <a:ext uri="{FF2B5EF4-FFF2-40B4-BE49-F238E27FC236}">
+                <a16:creationId xmlns:a16="http://schemas.microsoft.com/office/drawing/2014/main" id="{FA761A01-E03E-4C18-BF2F-8AB4B9A47995}"/>
+              </a:ext>
+            </a:extLst>
+          </p:cNvPr>
+          <p:cNvPicPr/>
+          <p:nvPr/>
+        </p:nvPicPr>
+        <p:blipFill>
+          <a:blip r:embed="rId3"/>
+          <a:stretch>
+            <a:fillRect/>
+          </a:stretch>
+        </p:blipFill>
+        <p:spPr>
+          <a:xfrm>
+            <a:off x="1295399" y="3731761"/>
+            <a:ext cx="5943600" cy="2265001"/>
+          </a:xfrm>
+          <a:prstGeom prst="rect">
+            <a:avLst/>
+          </a:prstGeom>
+        </p:spPr>
+      </p:pic>
+      <p:pic>
+        <p:nvPicPr>
+          <p:cNvPr id="5" name="Picture 4">
+            <a:extLst>
+              <a:ext uri="{FF2B5EF4-FFF2-40B4-BE49-F238E27FC236}">
+                <a16:creationId xmlns:a16="http://schemas.microsoft.com/office/drawing/2014/main" id="{4396E473-359B-44A0-ABBB-30F21771B991}"/>
+              </a:ext>
+            </a:extLst>
+          </p:cNvPr>
+          <p:cNvPicPr/>
+          <p:nvPr/>
+        </p:nvPicPr>
+        <p:blipFill>
+          <a:blip r:embed="rId4"/>
+          <a:stretch>
+            <a:fillRect/>
+          </a:stretch>
+        </p:blipFill>
+        <p:spPr>
+          <a:xfrm>
+            <a:off x="7851479" y="4306186"/>
+            <a:ext cx="2919302" cy="1682025"/>
+          </a:xfrm>
+          <a:prstGeom prst="rect">
+            <a:avLst/>
+          </a:prstGeom>
+        </p:spPr>
+      </p:pic>
     </p:spTree>
     <p:extLst>
       <p:ext uri="{BB962C8B-B14F-4D97-AF65-F5344CB8AC3E}">
-        <p14:creationId xmlns:p14="http://schemas.microsoft.com/office/powerpoint/2010/main" val="594019436"/>
+        <p14:creationId xmlns:p14="http://schemas.microsoft.com/office/powerpoint/2010/main" val="1780209545"/>
       </p:ext>
     </p:extLst>
   </p:cSld>
@@ -11148,77 +11799,87 @@
             <p:ph type="title"/>
           </p:nvPr>
         </p:nvSpPr>
-        <p:spPr>
-          <a:xfrm>
-            <a:off x="646111" y="452718"/>
-            <a:ext cx="9404723" cy="1137543"/>
-          </a:xfrm>
-        </p:spPr>
+        <p:spPr/>
         <p:txBody>
           <a:bodyPr/>
           <a:lstStyle/>
           <a:p>
             <a:r>
               <a:rPr lang="en-US" sz="4000" dirty="0"/>
-              <a:t>Use of require, module &amp; Exports</a:t>
-            </a:r>
-          </a:p>
-        </p:txBody>
-      </p:sp>
-      <p:pic>
-        <p:nvPicPr>
-          <p:cNvPr id="4" name="Content Placeholder 3"/>
-          <p:cNvPicPr>
-            <a:picLocks noGrp="1" noChangeAspect="1"/>
-          </p:cNvPicPr>
+              <a:t>Node.JS</a:t>
+            </a:r>
+          </a:p>
+        </p:txBody>
+      </p:sp>
+      <p:sp>
+        <p:nvSpPr>
+          <p:cNvPr id="3" name="Content Placeholder 2"/>
+          <p:cNvSpPr>
+            <a:spLocks noGrp="1"/>
+          </p:cNvSpPr>
           <p:nvPr>
             <p:ph idx="1"/>
           </p:nvPr>
-        </p:nvPicPr>
-        <p:blipFill>
-          <a:blip r:embed="rId2"/>
-          <a:stretch>
-            <a:fillRect/>
-          </a:stretch>
-        </p:blipFill>
-        <p:spPr>
-          <a:xfrm>
-            <a:off x="834680" y="2071998"/>
-            <a:ext cx="9382745" cy="2354228"/>
-          </a:xfrm>
-          <a:prstGeom prst="rect">
-            <a:avLst/>
-          </a:prstGeom>
-        </p:spPr>
-      </p:pic>
-      <p:pic>
-        <p:nvPicPr>
-          <p:cNvPr id="5" name="Picture 4"/>
-          <p:cNvPicPr>
-            <a:picLocks noChangeAspect="1"/>
-          </p:cNvPicPr>
-          <p:nvPr/>
-        </p:nvPicPr>
-        <p:blipFill>
-          <a:blip r:embed="rId3"/>
-          <a:stretch>
-            <a:fillRect/>
-          </a:stretch>
-        </p:blipFill>
-        <p:spPr>
-          <a:xfrm>
-            <a:off x="2822713" y="4907963"/>
-            <a:ext cx="5049078" cy="1280802"/>
-          </a:xfrm>
-          <a:prstGeom prst="rect">
-            <a:avLst/>
-          </a:prstGeom>
-        </p:spPr>
-      </p:pic>
+        </p:nvSpPr>
+        <p:spPr>
+          <a:xfrm>
+            <a:off x="646112" y="1457740"/>
+            <a:ext cx="9403742" cy="4790660"/>
+          </a:xfrm>
+        </p:spPr>
+        <p:txBody>
+          <a:bodyPr/>
+          <a:lstStyle/>
+          <a:p>
+            <a:r>
+              <a:rPr lang="en-US" dirty="0"/>
+              <a:t>It’s a server side platform to run JS code.</a:t>
+            </a:r>
+          </a:p>
+          <a:p>
+            <a:r>
+              <a:rPr lang="en-US" dirty="0"/>
+              <a:t>Its designed on top of the Chrome browser’s JS engine V8.</a:t>
+            </a:r>
+          </a:p>
+          <a:p>
+            <a:r>
+              <a:rPr lang="en-US" dirty="0"/>
+              <a:t>It was developed by  Ryan Dahl in 2009 &amp; its latest version is 10.16.3</a:t>
+            </a:r>
+          </a:p>
+          <a:p>
+            <a:r>
+              <a:rPr lang="en-US" dirty="0"/>
+              <a:t>The platform written in C,C++ and JavaScript</a:t>
+            </a:r>
+          </a:p>
+          <a:p>
+            <a:r>
+              <a:rPr lang="en-US" dirty="0"/>
+              <a:t>Node.js uses an event driven </a:t>
+            </a:r>
+            <a:r>
+              <a:rPr lang="en-US" b="1" dirty="0">
+                <a:solidFill>
+                  <a:srgbClr val="FFC000"/>
+                </a:solidFill>
+              </a:rPr>
+              <a:t>non-blocking I/O model</a:t>
+            </a:r>
+          </a:p>
+          <a:p>
+            <a:r>
+              <a:rPr lang="en-US" dirty="0"/>
+              <a:t>It’s light weight and efficient .Perfect for the data intensive real time applications like chatroom.</a:t>
+            </a:r>
+          </a:p>
+        </p:txBody>
+      </p:sp>
     </p:spTree>
     <p:extLst>
       <p:ext uri="{BB962C8B-B14F-4D97-AF65-F5344CB8AC3E}">
-        <p14:creationId xmlns:p14="http://schemas.microsoft.com/office/powerpoint/2010/main" val="385357642"/>
+        <p14:creationId xmlns:p14="http://schemas.microsoft.com/office/powerpoint/2010/main" val="2227638989"/>
       </p:ext>
     </p:extLst>
   </p:cSld>
@@ -11258,7 +11919,7 @@
         <p:spPr>
           <a:xfrm>
             <a:off x="646111" y="452718"/>
-            <a:ext cx="9404723" cy="965265"/>
+            <a:ext cx="9404723" cy="899004"/>
           </a:xfrm>
         </p:spPr>
         <p:txBody>
@@ -11267,7 +11928,7 @@
           <a:p>
             <a:r>
               <a:rPr lang="en-US" sz="4000" dirty="0"/>
-              <a:t>Creating a Server</a:t>
+              <a:t>Install &amp; Setup</a:t>
             </a:r>
           </a:p>
         </p:txBody>
@@ -11279,52 +11940,109 @@
             <a:spLocks noGrp="1"/>
           </p:cNvSpPr>
           <p:nvPr>
-            <p:ph sz="half" idx="1"/>
-          </p:nvPr>
-        </p:nvSpPr>
-        <p:spPr>
-          <a:xfrm>
-            <a:off x="821636" y="1643271"/>
-            <a:ext cx="4678016" cy="4613068"/>
-          </a:xfrm>
-        </p:spPr>
-        <p:txBody>
-          <a:bodyPr/>
-          <a:lstStyle/>
-          <a:p>
+            <p:ph idx="1"/>
+          </p:nvPr>
+        </p:nvSpPr>
+        <p:spPr>
+          <a:xfrm>
+            <a:off x="646112" y="1351722"/>
+            <a:ext cx="10899222" cy="5314950"/>
+          </a:xfrm>
+        </p:spPr>
+        <p:txBody>
+          <a:bodyPr/>
+          <a:lstStyle/>
+          <a:p>
+            <a:r>
+              <a:rPr lang="en-US" dirty="0"/>
+              <a:t>Node is an open source platform hence we can download and install it free.</a:t>
+            </a:r>
+          </a:p>
+          <a:p>
+            <a:r>
+              <a:rPr lang="en-US" b="1" dirty="0">
+                <a:solidFill>
+                  <a:srgbClr val="FFC000"/>
+                </a:solidFill>
+                <a:hlinkClick r:id="rId2"/>
+              </a:rPr>
+              <a:t>Download link:- https://nodejs.org/en/</a:t>
+            </a:r>
+            <a:endParaRPr lang="en-US" b="1" dirty="0">
+              <a:solidFill>
+                <a:srgbClr val="FFC000"/>
+              </a:solidFill>
+            </a:endParaRPr>
+          </a:p>
+          <a:p>
+            <a:r>
+              <a:rPr lang="en-US" dirty="0"/>
+              <a:t>Node run with </a:t>
+            </a:r>
+            <a:r>
+              <a:rPr lang="en-US" b="1" dirty="0" err="1">
+                <a:solidFill>
+                  <a:srgbClr val="FF0000"/>
+                </a:solidFill>
+              </a:rPr>
+              <a:t>npm</a:t>
+            </a:r>
+            <a:r>
+              <a:rPr lang="en-US" b="1" dirty="0">
+                <a:solidFill>
+                  <a:srgbClr val="FF0000"/>
+                </a:solidFill>
+              </a:rPr>
+              <a:t> </a:t>
+            </a:r>
+            <a:r>
+              <a:rPr lang="en-US" dirty="0"/>
+              <a:t>(Node Package Manager)</a:t>
+            </a:r>
+          </a:p>
+          <a:p>
+            <a:r>
+              <a:rPr lang="en-US" dirty="0" err="1"/>
+              <a:t>npm</a:t>
+            </a:r>
+            <a:r>
+              <a:rPr lang="en-US" dirty="0"/>
+              <a:t> is bundled with Node.js installation file so no need to install it separately.</a:t>
+            </a:r>
+          </a:p>
+          <a:p>
+            <a:r>
+              <a:rPr lang="en-US" dirty="0"/>
+              <a:t>You have to initialize it from command/terminal for using the Node</a:t>
+            </a:r>
+          </a:p>
+          <a:p>
+            <a:endParaRPr lang="en-US" dirty="0"/>
+          </a:p>
+          <a:p>
+            <a:r>
+              <a:rPr lang="en-US" dirty="0"/>
+              <a:t>Command : </a:t>
+            </a:r>
+            <a:r>
+              <a:rPr lang="en-US" dirty="0" err="1"/>
+              <a:t>npm</a:t>
+            </a:r>
+            <a:r>
+              <a:rPr lang="en-US" dirty="0"/>
+              <a:t> </a:t>
+            </a:r>
+            <a:r>
+              <a:rPr lang="en-US" dirty="0" err="1"/>
+              <a:t>init</a:t>
+            </a:r>
             <a:endParaRPr lang="en-US" dirty="0"/>
           </a:p>
         </p:txBody>
       </p:sp>
       <p:pic>
         <p:nvPicPr>
-          <p:cNvPr id="5" name="Content Placeholder 4"/>
-          <p:cNvPicPr>
-            <a:picLocks noGrp="1" noChangeAspect="1"/>
-          </p:cNvPicPr>
-          <p:nvPr>
-            <p:ph sz="half" idx="2"/>
-          </p:nvPr>
-        </p:nvPicPr>
-        <p:blipFill>
-          <a:blip r:embed="rId2"/>
-          <a:stretch>
-            <a:fillRect/>
-          </a:stretch>
-        </p:blipFill>
-        <p:spPr>
-          <a:xfrm>
-            <a:off x="821636" y="1643271"/>
-            <a:ext cx="4678016" cy="4613068"/>
-          </a:xfrm>
-          <a:prstGeom prst="rect">
-            <a:avLst/>
-          </a:prstGeom>
-        </p:spPr>
-      </p:pic>
-      <p:pic>
-        <p:nvPicPr>
-          <p:cNvPr id="6" name="Picture 5"/>
+          <p:cNvPr id="5" name="Picture 4"/>
           <p:cNvPicPr>
             <a:picLocks noChangeAspect="1"/>
           </p:cNvPicPr>
@@ -11338,8 +12056,8 @@
         </p:blipFill>
         <p:spPr>
           <a:xfrm>
-            <a:off x="5499652" y="2364063"/>
-            <a:ext cx="6485719" cy="2447925"/>
+            <a:off x="5708981" y="3504372"/>
+            <a:ext cx="4829175" cy="3162300"/>
           </a:xfrm>
           <a:prstGeom prst="rect">
             <a:avLst/>
@@ -11349,7 +12067,7 @@
     </p:spTree>
     <p:extLst>
       <p:ext uri="{BB962C8B-B14F-4D97-AF65-F5344CB8AC3E}">
-        <p14:creationId xmlns:p14="http://schemas.microsoft.com/office/powerpoint/2010/main" val="636593773"/>
+        <p14:creationId xmlns:p14="http://schemas.microsoft.com/office/powerpoint/2010/main" val="2565719584"/>
       </p:ext>
     </p:extLst>
   </p:cSld>
@@ -11389,6 +12107,351 @@
         <p:spPr>
           <a:xfrm>
             <a:off x="646111" y="452718"/>
+            <a:ext cx="9404723" cy="1031525"/>
+          </a:xfrm>
+        </p:spPr>
+        <p:txBody>
+          <a:bodyPr/>
+          <a:lstStyle/>
+          <a:p>
+            <a:r>
+              <a:rPr lang="en-US" sz="4000" dirty="0"/>
+              <a:t>Module &amp; Exports</a:t>
+            </a:r>
+          </a:p>
+        </p:txBody>
+      </p:sp>
+      <p:sp>
+        <p:nvSpPr>
+          <p:cNvPr id="3" name="Content Placeholder 2"/>
+          <p:cNvSpPr>
+            <a:spLocks noGrp="1"/>
+          </p:cNvSpPr>
+          <p:nvPr>
+            <p:ph idx="1"/>
+          </p:nvPr>
+        </p:nvSpPr>
+        <p:spPr>
+          <a:xfrm>
+            <a:off x="646112" y="1656522"/>
+            <a:ext cx="9403742" cy="4591877"/>
+          </a:xfrm>
+        </p:spPr>
+        <p:txBody>
+          <a:bodyPr/>
+          <a:lstStyle/>
+          <a:p>
+            <a:r>
+              <a:rPr lang="en-US" dirty="0"/>
+              <a:t>Usually developers segregate the functionality of the application in separate JS files called events and node look them as modules.</a:t>
+            </a:r>
+          </a:p>
+          <a:p>
+            <a:r>
+              <a:rPr lang="en-US" dirty="0"/>
+              <a:t>We call those events from the main.js file which is called entry/master file.</a:t>
+            </a:r>
+          </a:p>
+          <a:p>
+            <a:r>
+              <a:rPr lang="en-US" dirty="0"/>
+              <a:t>We call them custom modules but node also have a lot of inbuilt modules like http, path,fs..</a:t>
+            </a:r>
+            <a:r>
+              <a:rPr lang="en-US" dirty="0" err="1"/>
+              <a:t>etc</a:t>
+            </a:r>
+            <a:endParaRPr lang="en-US" dirty="0"/>
+          </a:p>
+          <a:p>
+            <a:endParaRPr lang="en-US" dirty="0"/>
+          </a:p>
+          <a:p>
+            <a:endParaRPr lang="en-US" dirty="0"/>
+          </a:p>
+        </p:txBody>
+      </p:sp>
+    </p:spTree>
+    <p:extLst>
+      <p:ext uri="{BB962C8B-B14F-4D97-AF65-F5344CB8AC3E}">
+        <p14:creationId xmlns:p14="http://schemas.microsoft.com/office/powerpoint/2010/main" val="594019436"/>
+      </p:ext>
+    </p:extLst>
+  </p:cSld>
+  <p:clrMapOvr>
+    <a:masterClrMapping/>
+  </p:clrMapOvr>
+</p:sld>
+</file>
+
+<file path=ppt/slides/slide33.xml><?xml version="1.0" encoding="utf-8"?>
+<p:sld xmlns:a="http://schemas.openxmlformats.org/drawingml/2006/main" xmlns:r="http://schemas.openxmlformats.org/officeDocument/2006/relationships" xmlns:p="http://schemas.openxmlformats.org/presentationml/2006/main">
+  <p:cSld>
+    <p:spTree>
+      <p:nvGrpSpPr>
+        <p:cNvPr id="1" name=""/>
+        <p:cNvGrpSpPr/>
+        <p:nvPr/>
+      </p:nvGrpSpPr>
+      <p:grpSpPr>
+        <a:xfrm>
+          <a:off x="0" y="0"/>
+          <a:ext cx="0" cy="0"/>
+          <a:chOff x="0" y="0"/>
+          <a:chExt cx="0" cy="0"/>
+        </a:xfrm>
+      </p:grpSpPr>
+      <p:sp>
+        <p:nvSpPr>
+          <p:cNvPr id="2" name="Title 1"/>
+          <p:cNvSpPr>
+            <a:spLocks noGrp="1"/>
+          </p:cNvSpPr>
+          <p:nvPr>
+            <p:ph type="title"/>
+          </p:nvPr>
+        </p:nvSpPr>
+        <p:spPr>
+          <a:xfrm>
+            <a:off x="646111" y="452718"/>
+            <a:ext cx="9404723" cy="1137543"/>
+          </a:xfrm>
+        </p:spPr>
+        <p:txBody>
+          <a:bodyPr/>
+          <a:lstStyle/>
+          <a:p>
+            <a:r>
+              <a:rPr lang="en-US" sz="4000" dirty="0"/>
+              <a:t>Use of require, module &amp; Exports</a:t>
+            </a:r>
+          </a:p>
+        </p:txBody>
+      </p:sp>
+      <p:pic>
+        <p:nvPicPr>
+          <p:cNvPr id="4" name="Content Placeholder 3"/>
+          <p:cNvPicPr>
+            <a:picLocks noGrp="1" noChangeAspect="1"/>
+          </p:cNvPicPr>
+          <p:nvPr>
+            <p:ph idx="1"/>
+          </p:nvPr>
+        </p:nvPicPr>
+        <p:blipFill>
+          <a:blip r:embed="rId2"/>
+          <a:stretch>
+            <a:fillRect/>
+          </a:stretch>
+        </p:blipFill>
+        <p:spPr>
+          <a:xfrm>
+            <a:off x="834680" y="2071998"/>
+            <a:ext cx="9382745" cy="2354228"/>
+          </a:xfrm>
+          <a:prstGeom prst="rect">
+            <a:avLst/>
+          </a:prstGeom>
+        </p:spPr>
+      </p:pic>
+      <p:pic>
+        <p:nvPicPr>
+          <p:cNvPr id="5" name="Picture 4"/>
+          <p:cNvPicPr>
+            <a:picLocks noChangeAspect="1"/>
+          </p:cNvPicPr>
+          <p:nvPr/>
+        </p:nvPicPr>
+        <p:blipFill>
+          <a:blip r:embed="rId3"/>
+          <a:stretch>
+            <a:fillRect/>
+          </a:stretch>
+        </p:blipFill>
+        <p:spPr>
+          <a:xfrm>
+            <a:off x="2822713" y="4907963"/>
+            <a:ext cx="5049078" cy="1280802"/>
+          </a:xfrm>
+          <a:prstGeom prst="rect">
+            <a:avLst/>
+          </a:prstGeom>
+        </p:spPr>
+      </p:pic>
+    </p:spTree>
+    <p:extLst>
+      <p:ext uri="{BB962C8B-B14F-4D97-AF65-F5344CB8AC3E}">
+        <p14:creationId xmlns:p14="http://schemas.microsoft.com/office/powerpoint/2010/main" val="385357642"/>
+      </p:ext>
+    </p:extLst>
+  </p:cSld>
+  <p:clrMapOvr>
+    <a:masterClrMapping/>
+  </p:clrMapOvr>
+</p:sld>
+</file>
+
+<file path=ppt/slides/slide34.xml><?xml version="1.0" encoding="utf-8"?>
+<p:sld xmlns:a="http://schemas.openxmlformats.org/drawingml/2006/main" xmlns:r="http://schemas.openxmlformats.org/officeDocument/2006/relationships" xmlns:p="http://schemas.openxmlformats.org/presentationml/2006/main">
+  <p:cSld>
+    <p:spTree>
+      <p:nvGrpSpPr>
+        <p:cNvPr id="1" name=""/>
+        <p:cNvGrpSpPr/>
+        <p:nvPr/>
+      </p:nvGrpSpPr>
+      <p:grpSpPr>
+        <a:xfrm>
+          <a:off x="0" y="0"/>
+          <a:ext cx="0" cy="0"/>
+          <a:chOff x="0" y="0"/>
+          <a:chExt cx="0" cy="0"/>
+        </a:xfrm>
+      </p:grpSpPr>
+      <p:sp>
+        <p:nvSpPr>
+          <p:cNvPr id="2" name="Title 1"/>
+          <p:cNvSpPr>
+            <a:spLocks noGrp="1"/>
+          </p:cNvSpPr>
+          <p:nvPr>
+            <p:ph type="title"/>
+          </p:nvPr>
+        </p:nvSpPr>
+        <p:spPr>
+          <a:xfrm>
+            <a:off x="646111" y="452718"/>
+            <a:ext cx="9404723" cy="965265"/>
+          </a:xfrm>
+        </p:spPr>
+        <p:txBody>
+          <a:bodyPr/>
+          <a:lstStyle/>
+          <a:p>
+            <a:r>
+              <a:rPr lang="en-US" sz="4000" dirty="0"/>
+              <a:t>Creating a Server</a:t>
+            </a:r>
+          </a:p>
+        </p:txBody>
+      </p:sp>
+      <p:sp>
+        <p:nvSpPr>
+          <p:cNvPr id="3" name="Content Placeholder 2"/>
+          <p:cNvSpPr>
+            <a:spLocks noGrp="1"/>
+          </p:cNvSpPr>
+          <p:nvPr>
+            <p:ph sz="half" idx="1"/>
+          </p:nvPr>
+        </p:nvSpPr>
+        <p:spPr>
+          <a:xfrm>
+            <a:off x="821636" y="1643271"/>
+            <a:ext cx="4678016" cy="4613068"/>
+          </a:xfrm>
+        </p:spPr>
+        <p:txBody>
+          <a:bodyPr/>
+          <a:lstStyle/>
+          <a:p>
+            <a:endParaRPr lang="en-US" dirty="0"/>
+          </a:p>
+        </p:txBody>
+      </p:sp>
+      <p:pic>
+        <p:nvPicPr>
+          <p:cNvPr id="5" name="Content Placeholder 4"/>
+          <p:cNvPicPr>
+            <a:picLocks noGrp="1" noChangeAspect="1"/>
+          </p:cNvPicPr>
+          <p:nvPr>
+            <p:ph sz="half" idx="2"/>
+          </p:nvPr>
+        </p:nvPicPr>
+        <p:blipFill>
+          <a:blip r:embed="rId2"/>
+          <a:stretch>
+            <a:fillRect/>
+          </a:stretch>
+        </p:blipFill>
+        <p:spPr>
+          <a:xfrm>
+            <a:off x="821636" y="1643271"/>
+            <a:ext cx="4678016" cy="4613068"/>
+          </a:xfrm>
+          <a:prstGeom prst="rect">
+            <a:avLst/>
+          </a:prstGeom>
+        </p:spPr>
+      </p:pic>
+      <p:pic>
+        <p:nvPicPr>
+          <p:cNvPr id="6" name="Picture 5"/>
+          <p:cNvPicPr>
+            <a:picLocks noChangeAspect="1"/>
+          </p:cNvPicPr>
+          <p:nvPr/>
+        </p:nvPicPr>
+        <p:blipFill>
+          <a:blip r:embed="rId3"/>
+          <a:stretch>
+            <a:fillRect/>
+          </a:stretch>
+        </p:blipFill>
+        <p:spPr>
+          <a:xfrm>
+            <a:off x="5499652" y="2364063"/>
+            <a:ext cx="6485719" cy="2447925"/>
+          </a:xfrm>
+          <a:prstGeom prst="rect">
+            <a:avLst/>
+          </a:prstGeom>
+        </p:spPr>
+      </p:pic>
+    </p:spTree>
+    <p:extLst>
+      <p:ext uri="{BB962C8B-B14F-4D97-AF65-F5344CB8AC3E}">
+        <p14:creationId xmlns:p14="http://schemas.microsoft.com/office/powerpoint/2010/main" val="636593773"/>
+      </p:ext>
+    </p:extLst>
+  </p:cSld>
+  <p:clrMapOvr>
+    <a:masterClrMapping/>
+  </p:clrMapOvr>
+</p:sld>
+</file>
+
+<file path=ppt/slides/slide35.xml><?xml version="1.0" encoding="utf-8"?>
+<p:sld xmlns:a="http://schemas.openxmlformats.org/drawingml/2006/main" xmlns:r="http://schemas.openxmlformats.org/officeDocument/2006/relationships" xmlns:p="http://schemas.openxmlformats.org/presentationml/2006/main">
+  <p:cSld>
+    <p:spTree>
+      <p:nvGrpSpPr>
+        <p:cNvPr id="1" name=""/>
+        <p:cNvGrpSpPr/>
+        <p:nvPr/>
+      </p:nvGrpSpPr>
+      <p:grpSpPr>
+        <a:xfrm>
+          <a:off x="0" y="0"/>
+          <a:ext cx="0" cy="0"/>
+          <a:chOff x="0" y="0"/>
+          <a:chExt cx="0" cy="0"/>
+        </a:xfrm>
+      </p:grpSpPr>
+      <p:sp>
+        <p:nvSpPr>
+          <p:cNvPr id="2" name="Title 1"/>
+          <p:cNvSpPr>
+            <a:spLocks noGrp="1"/>
+          </p:cNvSpPr>
+          <p:nvPr>
+            <p:ph type="title"/>
+          </p:nvPr>
+        </p:nvSpPr>
+        <p:spPr>
+          <a:xfrm>
+            <a:off x="646111" y="452718"/>
             <a:ext cx="9404723" cy="965265"/>
           </a:xfrm>
         </p:spPr>
@@ -11523,7 +12586,7 @@
 </p:sld>
 </file>
 
-<file path=ppt/slides/slide33.xml><?xml version="1.0" encoding="utf-8"?>
+<file path=ppt/slides/slide36.xml><?xml version="1.0" encoding="utf-8"?>
 <p:sld xmlns:a="http://schemas.openxmlformats.org/drawingml/2006/main" xmlns:r="http://schemas.openxmlformats.org/officeDocument/2006/relationships" xmlns:p="http://schemas.openxmlformats.org/presentationml/2006/main">
   <p:cSld>
     <p:spTree>

--- a/JAVASCRPT.pptx
+++ b/JAVASCRPT.pptx
@@ -1058,10 +1058,7 @@
           <a:bodyPr/>
           <a:lstStyle/>
           <a:p>
-            <a:r>
-              <a:rPr lang="en-IN" dirty="0"/>
-              <a:t>Need to replace the output with update code …s</a:t>
-            </a:r>
+            <a:endParaRPr lang="en-IN" dirty="0"/>
           </a:p>
         </p:txBody>
       </p:sp>
@@ -8429,6 +8426,10 @@
               </a:rPr>
               <a:t>switch case is an alternate method of if-else statement</a:t>
             </a:r>
+            <a:r>
+              <a:rPr lang="en-US" dirty="0"/>
+              <a:t/>
+            </a:r>
             <a:br>
               <a:rPr lang="en-US" dirty="0"/>
             </a:br>
@@ -11589,14 +11590,10 @@
       </p:pic>
       <p:pic>
         <p:nvPicPr>
-          <p:cNvPr id="5" name="Picture 4">
-            <a:extLst>
-              <a:ext uri="{FF2B5EF4-FFF2-40B4-BE49-F238E27FC236}">
-                <a16:creationId xmlns:a16="http://schemas.microsoft.com/office/drawing/2014/main" id="{4396E473-359B-44A0-ABBB-30F21771B991}"/>
-              </a:ext>
-            </a:extLst>
-          </p:cNvPr>
-          <p:cNvPicPr/>
+          <p:cNvPr id="6" name="Picture 5"/>
+          <p:cNvPicPr>
+            <a:picLocks noChangeAspect="1"/>
+          </p:cNvPicPr>
           <p:nvPr/>
         </p:nvPicPr>
         <p:blipFill>
@@ -11607,8 +11604,8 @@
         </p:blipFill>
         <p:spPr>
           <a:xfrm>
-            <a:off x="7851479" y="4306186"/>
-            <a:ext cx="2919302" cy="1682025"/>
+            <a:off x="7900987" y="4670474"/>
+            <a:ext cx="2706053" cy="1326288"/>
           </a:xfrm>
           <a:prstGeom prst="rect">
             <a:avLst/>
@@ -12685,6 +12682,10 @@
             <a:br>
               <a:rPr lang="en-US" dirty="0"/>
             </a:br>
+            <a:r>
+              <a:rPr lang="en-US" dirty="0"/>
+              <a:t/>
+            </a:r>
             <a:br>
               <a:rPr lang="en-US" dirty="0"/>
             </a:br>

--- a/JAVASCRPT.pptx
+++ b/JAVASCRPT.pptx
@@ -5,7 +5,7 @@
     <p:sldMasterId id="2147483648" r:id="rId1"/>
   </p:sldMasterIdLst>
   <p:notesMasterIdLst>
-    <p:notesMasterId r:id="rId38"/>
+    <p:notesMasterId r:id="rId39"/>
   </p:notesMasterIdLst>
   <p:sldIdLst>
     <p:sldId id="256" r:id="rId2"/>
@@ -42,8 +42,9 @@
     <p:sldId id="286" r:id="rId33"/>
     <p:sldId id="287" r:id="rId34"/>
     <p:sldId id="288" r:id="rId35"/>
-    <p:sldId id="289" r:id="rId36"/>
-    <p:sldId id="292" r:id="rId37"/>
+    <p:sldId id="296" r:id="rId36"/>
+    <p:sldId id="289" r:id="rId37"/>
+    <p:sldId id="292" r:id="rId38"/>
   </p:sldIdLst>
   <p:sldSz cx="12192000" cy="6858000"/>
   <p:notesSz cx="6858000" cy="9144000"/>
@@ -232,7 +233,7 @@
           <a:p>
             <a:fld id="{DE0BE5F6-1CE5-47B2-AC82-947CAA6A2CE5}" type="datetimeFigureOut">
               <a:rPr lang="en-IN" smtClean="0"/>
-              <a:t>20-09-2019</a:t>
+              <a:t>23-09-2019</a:t>
             </a:fld>
             <a:endParaRPr lang="en-IN"/>
           </a:p>
@@ -2012,7 +2013,7 @@
           <a:p>
             <a:fld id="{4AAD347D-5ACD-4C99-B74B-A9C85AD731AF}" type="datetimeFigureOut">
               <a:rPr lang="en-US" dirty="0"/>
-              <a:t>9/20/2019</a:t>
+              <a:t>9/23/2019</a:t>
             </a:fld>
             <a:endParaRPr lang="en-US" dirty="0"/>
           </a:p>
@@ -2282,7 +2283,7 @@
           <a:p>
             <a:fld id="{4509A250-FF31-4206-8172-F9D3106AACB1}" type="datetimeFigureOut">
               <a:rPr lang="en-US" dirty="0"/>
-              <a:t>9/20/2019</a:t>
+              <a:t>9/23/2019</a:t>
             </a:fld>
             <a:endParaRPr lang="en-US" dirty="0"/>
           </a:p>
@@ -2471,7 +2472,7 @@
           <a:p>
             <a:fld id="{4509A250-FF31-4206-8172-F9D3106AACB1}" type="datetimeFigureOut">
               <a:rPr lang="en-US" dirty="0"/>
-              <a:t>9/20/2019</a:t>
+              <a:t>9/23/2019</a:t>
             </a:fld>
             <a:endParaRPr lang="en-US" dirty="0"/>
           </a:p>
@@ -2739,7 +2740,7 @@
           <a:p>
             <a:fld id="{4509A250-FF31-4206-8172-F9D3106AACB1}" type="datetimeFigureOut">
               <a:rPr lang="en-US" dirty="0"/>
-              <a:t>9/20/2019</a:t>
+              <a:t>9/23/2019</a:t>
             </a:fld>
             <a:endParaRPr lang="en-US" dirty="0"/>
           </a:p>
@@ -3075,7 +3076,7 @@
           <a:p>
             <a:fld id="{4509A250-FF31-4206-8172-F9D3106AACB1}" type="datetimeFigureOut">
               <a:rPr lang="en-US" dirty="0"/>
-              <a:t>9/20/2019</a:t>
+              <a:t>9/23/2019</a:t>
             </a:fld>
             <a:endParaRPr lang="en-US" dirty="0"/>
           </a:p>
@@ -3693,7 +3694,7 @@
           <a:p>
             <a:fld id="{4509A250-FF31-4206-8172-F9D3106AACB1}" type="datetimeFigureOut">
               <a:rPr lang="en-US" dirty="0"/>
-              <a:t>9/20/2019</a:t>
+              <a:t>9/23/2019</a:t>
             </a:fld>
             <a:endParaRPr lang="en-US" dirty="0"/>
           </a:p>
@@ -4548,7 +4549,7 @@
           <a:p>
             <a:fld id="{4509A250-FF31-4206-8172-F9D3106AACB1}" type="datetimeFigureOut">
               <a:rPr lang="en-US" dirty="0"/>
-              <a:t>9/20/2019</a:t>
+              <a:t>9/23/2019</a:t>
             </a:fld>
             <a:endParaRPr lang="en-US" dirty="0"/>
           </a:p>
@@ -4713,7 +4714,7 @@
           <a:p>
             <a:fld id="{4509A250-FF31-4206-8172-F9D3106AACB1}" type="datetimeFigureOut">
               <a:rPr lang="en-US" dirty="0"/>
-              <a:t>9/20/2019</a:t>
+              <a:t>9/23/2019</a:t>
             </a:fld>
             <a:endParaRPr lang="en-US" dirty="0"/>
           </a:p>
@@ -4888,7 +4889,7 @@
           <a:p>
             <a:fld id="{4509A250-FF31-4206-8172-F9D3106AACB1}" type="datetimeFigureOut">
               <a:rPr lang="en-US" dirty="0"/>
-              <a:t>9/20/2019</a:t>
+              <a:t>9/23/2019</a:t>
             </a:fld>
             <a:endParaRPr lang="en-US" dirty="0"/>
           </a:p>
@@ -5053,7 +5054,7 @@
           <a:p>
             <a:fld id="{4509A250-FF31-4206-8172-F9D3106AACB1}" type="datetimeFigureOut">
               <a:rPr lang="en-US" dirty="0"/>
-              <a:t>9/20/2019</a:t>
+              <a:t>9/23/2019</a:t>
             </a:fld>
             <a:endParaRPr lang="en-US" dirty="0"/>
           </a:p>
@@ -5295,7 +5296,7 @@
           <a:p>
             <a:fld id="{9796027F-7875-4030-9381-8BD8C4F21935}" type="datetimeFigureOut">
               <a:rPr lang="en-US" dirty="0"/>
-              <a:t>9/20/2019</a:t>
+              <a:t>9/23/2019</a:t>
             </a:fld>
             <a:endParaRPr lang="en-US" dirty="0"/>
           </a:p>
@@ -5582,7 +5583,7 @@
           <a:p>
             <a:fld id="{9796027F-7875-4030-9381-8BD8C4F21935}" type="datetimeFigureOut">
               <a:rPr lang="en-US" dirty="0"/>
-              <a:t>9/20/2019</a:t>
+              <a:t>9/23/2019</a:t>
             </a:fld>
             <a:endParaRPr lang="en-US" dirty="0"/>
           </a:p>
@@ -6021,7 +6022,7 @@
           <a:p>
             <a:fld id="{9796027F-7875-4030-9381-8BD8C4F21935}" type="datetimeFigureOut">
               <a:rPr lang="en-US" dirty="0"/>
-              <a:t>9/20/2019</a:t>
+              <a:t>9/23/2019</a:t>
             </a:fld>
             <a:endParaRPr lang="en-US" dirty="0"/>
           </a:p>
@@ -6134,7 +6135,7 @@
           <a:p>
             <a:fld id="{4509A250-FF31-4206-8172-F9D3106AACB1}" type="datetimeFigureOut">
               <a:rPr lang="en-US" dirty="0"/>
-              <a:t>9/20/2019</a:t>
+              <a:t>9/23/2019</a:t>
             </a:fld>
             <a:endParaRPr lang="en-US" dirty="0"/>
           </a:p>
@@ -6224,7 +6225,7 @@
           <a:p>
             <a:fld id="{4509A250-FF31-4206-8172-F9D3106AACB1}" type="datetimeFigureOut">
               <a:rPr lang="en-US" dirty="0"/>
-              <a:t>9/20/2019</a:t>
+              <a:t>9/23/2019</a:t>
             </a:fld>
             <a:endParaRPr lang="en-US" dirty="0"/>
           </a:p>
@@ -6498,7 +6499,7 @@
           <a:p>
             <a:fld id="{4509A250-FF31-4206-8172-F9D3106AACB1}" type="datetimeFigureOut">
               <a:rPr lang="en-US" dirty="0"/>
-              <a:t>9/20/2019</a:t>
+              <a:t>9/23/2019</a:t>
             </a:fld>
             <a:endParaRPr lang="en-US" dirty="0"/>
           </a:p>
@@ -6768,7 +6769,7 @@
           <a:p>
             <a:fld id="{4509A250-FF31-4206-8172-F9D3106AACB1}" type="datetimeFigureOut">
               <a:rPr lang="en-US" dirty="0"/>
-              <a:t>9/20/2019</a:t>
+              <a:t>9/23/2019</a:t>
             </a:fld>
             <a:endParaRPr lang="en-US" dirty="0"/>
           </a:p>
@@ -7192,7 +7193,7 @@
           <a:p>
             <a:fld id="{4AAD347D-5ACD-4C99-B74B-A9C85AD731AF}" type="datetimeFigureOut">
               <a:rPr lang="en-US" dirty="0"/>
-              <a:t>9/20/2019</a:t>
+              <a:t>9/23/2019</a:t>
             </a:fld>
             <a:endParaRPr lang="en-US" dirty="0"/>
           </a:p>
@@ -8426,10 +8427,6 @@
               </a:rPr>
               <a:t>switch case is an alternate method of if-else statement</a:t>
             </a:r>
-            <a:r>
-              <a:rPr lang="en-US" dirty="0"/>
-              <a:t/>
-            </a:r>
             <a:br>
               <a:rPr lang="en-US" dirty="0"/>
             </a:br>
@@ -12438,7 +12435,13 @@
       </p:grpSpPr>
       <p:sp>
         <p:nvSpPr>
-          <p:cNvPr id="2" name="Title 1"/>
+          <p:cNvPr id="2" name="Title 1">
+            <a:extLst>
+              <a:ext uri="{FF2B5EF4-FFF2-40B4-BE49-F238E27FC236}">
+                <a16:creationId xmlns:a16="http://schemas.microsoft.com/office/drawing/2014/main" id="{69D6D599-E1B1-4650-A749-BEEC83F40C87}"/>
+              </a:ext>
+            </a:extLst>
+          </p:cNvPr>
           <p:cNvSpPr>
             <a:spLocks noGrp="1"/>
           </p:cNvSpPr>
@@ -12449,23 +12452,29 @@
         <p:spPr>
           <a:xfrm>
             <a:off x="646111" y="452718"/>
-            <a:ext cx="9404723" cy="965265"/>
-          </a:xfrm>
-        </p:spPr>
-        <p:txBody>
-          <a:bodyPr/>
-          <a:lstStyle/>
-          <a:p>
-            <a:r>
-              <a:rPr lang="en-US" dirty="0"/>
-              <a:t>Popular Node.JS Apps</a:t>
-            </a:r>
-          </a:p>
-        </p:txBody>
-      </p:sp>
-      <p:sp>
-        <p:nvSpPr>
-          <p:cNvPr id="3" name="Content Placeholder 2"/>
+            <a:ext cx="9404723" cy="993310"/>
+          </a:xfrm>
+        </p:spPr>
+        <p:txBody>
+          <a:bodyPr/>
+          <a:lstStyle/>
+          <a:p>
+            <a:r>
+              <a:rPr lang="en-IN" sz="4000" dirty="0"/>
+              <a:t> JS Library &amp; Frameworks</a:t>
+            </a:r>
+          </a:p>
+        </p:txBody>
+      </p:sp>
+      <p:sp>
+        <p:nvSpPr>
+          <p:cNvPr id="3" name="Content Placeholder 2">
+            <a:extLst>
+              <a:ext uri="{FF2B5EF4-FFF2-40B4-BE49-F238E27FC236}">
+                <a16:creationId xmlns:a16="http://schemas.microsoft.com/office/drawing/2014/main" id="{3C6076C1-A1AA-42F8-BB28-93826A27A47C}"/>
+              </a:ext>
+            </a:extLst>
+          </p:cNvPr>
           <p:cNvSpPr>
             <a:spLocks noGrp="1"/>
           </p:cNvSpPr>
@@ -12475,105 +12484,88 @@
         </p:nvSpPr>
         <p:spPr>
           <a:xfrm>
-            <a:off x="755374" y="1417984"/>
-            <a:ext cx="10031896" cy="4830416"/>
-          </a:xfrm>
-        </p:spPr>
-        <p:txBody>
-          <a:bodyPr/>
-          <a:lstStyle/>
-          <a:p>
-            <a:r>
-              <a:rPr lang="en-US" b="1" dirty="0"/>
-              <a:t>Twitter Lite </a:t>
-            </a:r>
-            <a:r>
-              <a:rPr lang="en-US" dirty="0"/>
-              <a:t>:- Designed for slow Internet connection</a:t>
-            </a:r>
-          </a:p>
-          <a:p>
-            <a:r>
-              <a:rPr lang="en-US" b="1" dirty="0"/>
-              <a:t>GoDaddy</a:t>
-            </a:r>
-            <a:r>
-              <a:rPr lang="en-US" dirty="0"/>
-              <a:t> :- </a:t>
-            </a:r>
-            <a:r>
-              <a:rPr lang="en-US" dirty="0">
-                <a:solidFill>
-                  <a:srgbClr val="FFC000"/>
-                </a:solidFill>
-              </a:rPr>
-              <a:t>4x</a:t>
-            </a:r>
-            <a:r>
-              <a:rPr lang="en-US" dirty="0"/>
-              <a:t> performance improvement after change in      						node based micro service architecture.</a:t>
-            </a:r>
-          </a:p>
-          <a:p>
-            <a:r>
-              <a:rPr lang="en-US" b="1" dirty="0"/>
-              <a:t>Netflix</a:t>
-            </a:r>
-            <a:r>
-              <a:rPr lang="en-US" dirty="0"/>
-              <a:t> :- Node application in JS payload &amp; server/client rendering 				reduced load time </a:t>
-            </a:r>
-            <a:r>
-              <a:rPr lang="en-US" dirty="0">
-                <a:solidFill>
-                  <a:srgbClr val="FFC000"/>
-                </a:solidFill>
-              </a:rPr>
-              <a:t>70% </a:t>
-            </a:r>
-            <a:r>
-              <a:rPr lang="en-US" dirty="0"/>
-              <a:t>.</a:t>
-            </a:r>
-          </a:p>
-          <a:p>
-            <a:r>
-              <a:rPr lang="en-US" b="1" dirty="0"/>
-              <a:t>Uber</a:t>
-            </a:r>
-            <a:r>
-              <a:rPr lang="en-US" dirty="0"/>
-              <a:t> :- Node.js and Python are main software stack of Uber.  Company’s  			    dispatch system and API interface designed in node.</a:t>
-            </a:r>
-          </a:p>
-          <a:p>
-            <a:r>
-              <a:rPr lang="en-US" b="1" dirty="0" err="1"/>
-              <a:t>Linkedln</a:t>
-            </a:r>
-            <a:r>
-              <a:rPr lang="en-US" dirty="0"/>
-              <a:t> :- Node.js is the principal technology used to support the mobile app 			 backend .</a:t>
-            </a:r>
-            <a:r>
-              <a:rPr lang="en-US" dirty="0">
-                <a:solidFill>
-                  <a:srgbClr val="FFC000"/>
-                </a:solidFill>
-              </a:rPr>
-              <a:t>20x</a:t>
-            </a:r>
-            <a:r>
-              <a:rPr lang="en-US" dirty="0"/>
-              <a:t> increase in performance.</a:t>
-            </a:r>
+            <a:off x="744280" y="1446028"/>
+            <a:ext cx="9305574" cy="4802371"/>
+          </a:xfrm>
+        </p:spPr>
+        <p:txBody>
+          <a:bodyPr/>
+          <a:lstStyle/>
+          <a:p>
+            <a:r>
+              <a:rPr lang="en-IN" b="1" dirty="0"/>
+              <a:t>Vanilla JS :- </a:t>
+            </a:r>
+            <a:r>
+              <a:rPr lang="en-US" dirty="0"/>
+              <a:t>JS in its pure form called vanilla JS.</a:t>
+            </a:r>
+          </a:p>
+          <a:p>
+            <a:r>
+              <a:rPr lang="en-IN" b="1" dirty="0"/>
+              <a:t>jQuery :- </a:t>
+            </a:r>
+            <a:r>
+              <a:rPr lang="en-US" dirty="0"/>
+              <a:t>jQuery is a JavaScript library designed to simplify HTML DOM tree traversal and manipulation.</a:t>
+            </a:r>
+          </a:p>
+          <a:p>
+            <a:r>
+              <a:rPr lang="en-US" dirty="0"/>
+              <a:t>React :- React is a JavaScript library for building user interfaces. </a:t>
+            </a:r>
+          </a:p>
+          <a:p>
+            <a:r>
+              <a:rPr lang="en-IN" b="1" dirty="0"/>
+              <a:t>Angular JS :- </a:t>
+            </a:r>
+            <a:r>
+              <a:rPr lang="en-US" dirty="0"/>
+              <a:t>AngularJS is a JavaScript-based open-source front-end web framework.</a:t>
+            </a:r>
+          </a:p>
+          <a:p>
+            <a:r>
+              <a:rPr lang="en-IN" b="1" dirty="0"/>
+              <a:t>Vue JS :- </a:t>
+            </a:r>
+            <a:r>
+              <a:rPr lang="en-US" dirty="0"/>
+              <a:t>Vue.js is an open-source JavaScript framework for building user interfaces and single-page applications.</a:t>
+            </a:r>
+          </a:p>
+          <a:p>
+            <a:r>
+              <a:rPr lang="en-IN" b="1" dirty="0" err="1"/>
+              <a:t>Bootstarp</a:t>
+            </a:r>
+            <a:r>
+              <a:rPr lang="en-IN" b="1" dirty="0"/>
+              <a:t> :- </a:t>
+            </a:r>
+            <a:r>
+              <a:rPr lang="en-US" dirty="0"/>
+              <a:t>Bootstrap is a open-source CSS framework directed at responsive, mobile-first front-end web development. It contains CSS- and (optionally) JavaScript-based design templates.</a:t>
+            </a:r>
+          </a:p>
+          <a:p>
+            <a:endParaRPr lang="en-IN" b="1" dirty="0"/>
+          </a:p>
+          <a:p>
+            <a:endParaRPr lang="en-IN" b="1" dirty="0"/>
+          </a:p>
+          <a:p>
+            <a:endParaRPr lang="en-IN" dirty="0"/>
           </a:p>
         </p:txBody>
       </p:sp>
     </p:spTree>
     <p:extLst>
       <p:ext uri="{BB962C8B-B14F-4D97-AF65-F5344CB8AC3E}">
-        <p14:creationId xmlns:p14="http://schemas.microsoft.com/office/powerpoint/2010/main" val="3964718962"/>
+        <p14:creationId xmlns:p14="http://schemas.microsoft.com/office/powerpoint/2010/main" val="4015342356"/>
       </p:ext>
     </p:extLst>
   </p:cSld>
@@ -12602,6 +12594,170 @@
       </p:grpSpPr>
       <p:sp>
         <p:nvSpPr>
+          <p:cNvPr id="2" name="Title 1"/>
+          <p:cNvSpPr>
+            <a:spLocks noGrp="1"/>
+          </p:cNvSpPr>
+          <p:nvPr>
+            <p:ph type="title"/>
+          </p:nvPr>
+        </p:nvSpPr>
+        <p:spPr>
+          <a:xfrm>
+            <a:off x="646111" y="452718"/>
+            <a:ext cx="9404723" cy="965265"/>
+          </a:xfrm>
+        </p:spPr>
+        <p:txBody>
+          <a:bodyPr/>
+          <a:lstStyle/>
+          <a:p>
+            <a:r>
+              <a:rPr lang="en-US" dirty="0"/>
+              <a:t>Popular Node.JS Apps</a:t>
+            </a:r>
+          </a:p>
+        </p:txBody>
+      </p:sp>
+      <p:sp>
+        <p:nvSpPr>
+          <p:cNvPr id="3" name="Content Placeholder 2"/>
+          <p:cNvSpPr>
+            <a:spLocks noGrp="1"/>
+          </p:cNvSpPr>
+          <p:nvPr>
+            <p:ph idx="1"/>
+          </p:nvPr>
+        </p:nvSpPr>
+        <p:spPr>
+          <a:xfrm>
+            <a:off x="755374" y="1417984"/>
+            <a:ext cx="10031896" cy="4830416"/>
+          </a:xfrm>
+        </p:spPr>
+        <p:txBody>
+          <a:bodyPr/>
+          <a:lstStyle/>
+          <a:p>
+            <a:r>
+              <a:rPr lang="en-US" b="1" dirty="0"/>
+              <a:t>Twitter Lite </a:t>
+            </a:r>
+            <a:r>
+              <a:rPr lang="en-US" dirty="0"/>
+              <a:t>:- Designed for slow Internet connection</a:t>
+            </a:r>
+          </a:p>
+          <a:p>
+            <a:r>
+              <a:rPr lang="en-US" b="1" dirty="0"/>
+              <a:t>GoDaddy</a:t>
+            </a:r>
+            <a:r>
+              <a:rPr lang="en-US" dirty="0"/>
+              <a:t> :- </a:t>
+            </a:r>
+            <a:r>
+              <a:rPr lang="en-US" dirty="0">
+                <a:solidFill>
+                  <a:srgbClr val="FFC000"/>
+                </a:solidFill>
+              </a:rPr>
+              <a:t>4x</a:t>
+            </a:r>
+            <a:r>
+              <a:rPr lang="en-US" dirty="0"/>
+              <a:t> performance improvement after change in      						node based micro service architecture.</a:t>
+            </a:r>
+          </a:p>
+          <a:p>
+            <a:r>
+              <a:rPr lang="en-US" b="1" dirty="0"/>
+              <a:t>Netflix</a:t>
+            </a:r>
+            <a:r>
+              <a:rPr lang="en-US" dirty="0"/>
+              <a:t> :- Node application in JS payload &amp; server/client rendering 				reduced load time </a:t>
+            </a:r>
+            <a:r>
+              <a:rPr lang="en-US" dirty="0">
+                <a:solidFill>
+                  <a:srgbClr val="FFC000"/>
+                </a:solidFill>
+              </a:rPr>
+              <a:t>70% </a:t>
+            </a:r>
+            <a:r>
+              <a:rPr lang="en-US" dirty="0"/>
+              <a:t>.</a:t>
+            </a:r>
+          </a:p>
+          <a:p>
+            <a:r>
+              <a:rPr lang="en-US" b="1" dirty="0"/>
+              <a:t>Uber</a:t>
+            </a:r>
+            <a:r>
+              <a:rPr lang="en-US" dirty="0"/>
+              <a:t> :- Node.js and Python are main software stack of Uber.  Company’s  			    dispatch system and API interface designed in node.</a:t>
+            </a:r>
+          </a:p>
+          <a:p>
+            <a:r>
+              <a:rPr lang="en-US" b="1" dirty="0" err="1"/>
+              <a:t>Linkedln</a:t>
+            </a:r>
+            <a:r>
+              <a:rPr lang="en-US" dirty="0"/>
+              <a:t> :- Node.js is the principal technology used to support the mobile app 			 backend .</a:t>
+            </a:r>
+            <a:r>
+              <a:rPr lang="en-US" dirty="0">
+                <a:solidFill>
+                  <a:srgbClr val="FFC000"/>
+                </a:solidFill>
+              </a:rPr>
+              <a:t>20x</a:t>
+            </a:r>
+            <a:r>
+              <a:rPr lang="en-US" dirty="0"/>
+              <a:t> increase in performance.</a:t>
+            </a:r>
+          </a:p>
+        </p:txBody>
+      </p:sp>
+    </p:spTree>
+    <p:extLst>
+      <p:ext uri="{BB962C8B-B14F-4D97-AF65-F5344CB8AC3E}">
+        <p14:creationId xmlns:p14="http://schemas.microsoft.com/office/powerpoint/2010/main" val="3964718962"/>
+      </p:ext>
+    </p:extLst>
+  </p:cSld>
+  <p:clrMapOvr>
+    <a:masterClrMapping/>
+  </p:clrMapOvr>
+</p:sld>
+</file>
+
+<file path=ppt/slides/slide37.xml><?xml version="1.0" encoding="utf-8"?>
+<p:sld xmlns:a="http://schemas.openxmlformats.org/drawingml/2006/main" xmlns:r="http://schemas.openxmlformats.org/officeDocument/2006/relationships" xmlns:p="http://schemas.openxmlformats.org/presentationml/2006/main">
+  <p:cSld>
+    <p:spTree>
+      <p:nvGrpSpPr>
+        <p:cNvPr id="1" name=""/>
+        <p:cNvGrpSpPr/>
+        <p:nvPr/>
+      </p:nvGrpSpPr>
+      <p:grpSpPr>
+        <a:xfrm>
+          <a:off x="0" y="0"/>
+          <a:ext cx="0" cy="0"/>
+          <a:chOff x="0" y="0"/>
+          <a:chExt cx="0" cy="0"/>
+        </a:xfrm>
+      </p:grpSpPr>
+      <p:sp>
+        <p:nvSpPr>
           <p:cNvPr id="2" name="Title 1">
             <a:extLst>
               <a:ext uri="{FF2B5EF4-FFF2-40B4-BE49-F238E27FC236}">
@@ -12682,10 +12838,6 @@
             <a:br>
               <a:rPr lang="en-US" dirty="0"/>
             </a:br>
-            <a:r>
-              <a:rPr lang="en-US" dirty="0"/>
-              <a:t/>
-            </a:r>
             <a:br>
               <a:rPr lang="en-US" dirty="0"/>
             </a:br>

--- a/JAVASCRPT.pptx
+++ b/JAVASCRPT.pptx
@@ -233,7 +233,7 @@
           <a:p>
             <a:fld id="{DE0BE5F6-1CE5-47B2-AC82-947CAA6A2CE5}" type="datetimeFigureOut">
               <a:rPr lang="en-IN" smtClean="0"/>
-              <a:t>23-09-2019</a:t>
+              <a:t>24-09-2019</a:t>
             </a:fld>
             <a:endParaRPr lang="en-IN"/>
           </a:p>
@@ -1432,8 +1432,43 @@
           <a:p>
             <a:r>
               <a:rPr lang="en-IN" dirty="0"/>
-              <a:t>No difference between [] and new Array() .Both are array objects.</a:t>
-            </a:r>
+              <a:t>-No difference between [] and new Array() .Both are array objects.</a:t>
+            </a:r>
+          </a:p>
+          <a:p>
+            <a:r>
+              <a:rPr lang="en-IN" dirty="0"/>
+              <a:t>-</a:t>
+            </a:r>
+            <a:r>
+              <a:rPr lang="en-US" sz="1200" b="0" i="0" kern="1200" dirty="0">
+                <a:solidFill>
+                  <a:schemeClr val="tx1"/>
+                </a:solidFill>
+                <a:effectLst/>
+                <a:latin typeface="+mn-lt"/>
+                <a:ea typeface="+mn-ea"/>
+                <a:cs typeface="+mn-cs"/>
+              </a:rPr>
+              <a:t>The above two do exactly the same. There is no need to use </a:t>
+            </a:r>
+            <a:r>
+              <a:rPr lang="en-US" dirty="0"/>
+              <a:t>new Array()</a:t>
+            </a:r>
+            <a:r>
+              <a:rPr lang="en-US" sz="1200" b="0" i="0" kern="1200" dirty="0">
+                <a:solidFill>
+                  <a:schemeClr val="tx1"/>
+                </a:solidFill>
+                <a:effectLst/>
+                <a:latin typeface="+mn-lt"/>
+                <a:ea typeface="+mn-ea"/>
+                <a:cs typeface="+mn-cs"/>
+              </a:rPr>
+              <a:t>.For simplicity, readability and execution speed, use the first one (the array literal method).</a:t>
+            </a:r>
+            <a:endParaRPr lang="en-IN" dirty="0"/>
           </a:p>
         </p:txBody>
       </p:sp>
@@ -2013,7 +2048,7 @@
           <a:p>
             <a:fld id="{4AAD347D-5ACD-4C99-B74B-A9C85AD731AF}" type="datetimeFigureOut">
               <a:rPr lang="en-US" dirty="0"/>
-              <a:t>9/23/2019</a:t>
+              <a:t>9/24/2019</a:t>
             </a:fld>
             <a:endParaRPr lang="en-US" dirty="0"/>
           </a:p>
@@ -2283,7 +2318,7 @@
           <a:p>
             <a:fld id="{4509A250-FF31-4206-8172-F9D3106AACB1}" type="datetimeFigureOut">
               <a:rPr lang="en-US" dirty="0"/>
-              <a:t>9/23/2019</a:t>
+              <a:t>9/24/2019</a:t>
             </a:fld>
             <a:endParaRPr lang="en-US" dirty="0"/>
           </a:p>
@@ -2472,7 +2507,7 @@
           <a:p>
             <a:fld id="{4509A250-FF31-4206-8172-F9D3106AACB1}" type="datetimeFigureOut">
               <a:rPr lang="en-US" dirty="0"/>
-              <a:t>9/23/2019</a:t>
+              <a:t>9/24/2019</a:t>
             </a:fld>
             <a:endParaRPr lang="en-US" dirty="0"/>
           </a:p>
@@ -2740,7 +2775,7 @@
           <a:p>
             <a:fld id="{4509A250-FF31-4206-8172-F9D3106AACB1}" type="datetimeFigureOut">
               <a:rPr lang="en-US" dirty="0"/>
-              <a:t>9/23/2019</a:t>
+              <a:t>9/24/2019</a:t>
             </a:fld>
             <a:endParaRPr lang="en-US" dirty="0"/>
           </a:p>
@@ -3076,7 +3111,7 @@
           <a:p>
             <a:fld id="{4509A250-FF31-4206-8172-F9D3106AACB1}" type="datetimeFigureOut">
               <a:rPr lang="en-US" dirty="0"/>
-              <a:t>9/23/2019</a:t>
+              <a:t>9/24/2019</a:t>
             </a:fld>
             <a:endParaRPr lang="en-US" dirty="0"/>
           </a:p>
@@ -3694,7 +3729,7 @@
           <a:p>
             <a:fld id="{4509A250-FF31-4206-8172-F9D3106AACB1}" type="datetimeFigureOut">
               <a:rPr lang="en-US" dirty="0"/>
-              <a:t>9/23/2019</a:t>
+              <a:t>9/24/2019</a:t>
             </a:fld>
             <a:endParaRPr lang="en-US" dirty="0"/>
           </a:p>
@@ -4549,7 +4584,7 @@
           <a:p>
             <a:fld id="{4509A250-FF31-4206-8172-F9D3106AACB1}" type="datetimeFigureOut">
               <a:rPr lang="en-US" dirty="0"/>
-              <a:t>9/23/2019</a:t>
+              <a:t>9/24/2019</a:t>
             </a:fld>
             <a:endParaRPr lang="en-US" dirty="0"/>
           </a:p>
@@ -4714,7 +4749,7 @@
           <a:p>
             <a:fld id="{4509A250-FF31-4206-8172-F9D3106AACB1}" type="datetimeFigureOut">
               <a:rPr lang="en-US" dirty="0"/>
-              <a:t>9/23/2019</a:t>
+              <a:t>9/24/2019</a:t>
             </a:fld>
             <a:endParaRPr lang="en-US" dirty="0"/>
           </a:p>
@@ -4889,7 +4924,7 @@
           <a:p>
             <a:fld id="{4509A250-FF31-4206-8172-F9D3106AACB1}" type="datetimeFigureOut">
               <a:rPr lang="en-US" dirty="0"/>
-              <a:t>9/23/2019</a:t>
+              <a:t>9/24/2019</a:t>
             </a:fld>
             <a:endParaRPr lang="en-US" dirty="0"/>
           </a:p>
@@ -5054,7 +5089,7 @@
           <a:p>
             <a:fld id="{4509A250-FF31-4206-8172-F9D3106AACB1}" type="datetimeFigureOut">
               <a:rPr lang="en-US" dirty="0"/>
-              <a:t>9/23/2019</a:t>
+              <a:t>9/24/2019</a:t>
             </a:fld>
             <a:endParaRPr lang="en-US" dirty="0"/>
           </a:p>
@@ -5296,7 +5331,7 @@
           <a:p>
             <a:fld id="{9796027F-7875-4030-9381-8BD8C4F21935}" type="datetimeFigureOut">
               <a:rPr lang="en-US" dirty="0"/>
-              <a:t>9/23/2019</a:t>
+              <a:t>9/24/2019</a:t>
             </a:fld>
             <a:endParaRPr lang="en-US" dirty="0"/>
           </a:p>
@@ -5583,7 +5618,7 @@
           <a:p>
             <a:fld id="{9796027F-7875-4030-9381-8BD8C4F21935}" type="datetimeFigureOut">
               <a:rPr lang="en-US" dirty="0"/>
-              <a:t>9/23/2019</a:t>
+              <a:t>9/24/2019</a:t>
             </a:fld>
             <a:endParaRPr lang="en-US" dirty="0"/>
           </a:p>
@@ -6022,7 +6057,7 @@
           <a:p>
             <a:fld id="{9796027F-7875-4030-9381-8BD8C4F21935}" type="datetimeFigureOut">
               <a:rPr lang="en-US" dirty="0"/>
-              <a:t>9/23/2019</a:t>
+              <a:t>9/24/2019</a:t>
             </a:fld>
             <a:endParaRPr lang="en-US" dirty="0"/>
           </a:p>
@@ -6135,7 +6170,7 @@
           <a:p>
             <a:fld id="{4509A250-FF31-4206-8172-F9D3106AACB1}" type="datetimeFigureOut">
               <a:rPr lang="en-US" dirty="0"/>
-              <a:t>9/23/2019</a:t>
+              <a:t>9/24/2019</a:t>
             </a:fld>
             <a:endParaRPr lang="en-US" dirty="0"/>
           </a:p>
@@ -6225,7 +6260,7 @@
           <a:p>
             <a:fld id="{4509A250-FF31-4206-8172-F9D3106AACB1}" type="datetimeFigureOut">
               <a:rPr lang="en-US" dirty="0"/>
-              <a:t>9/23/2019</a:t>
+              <a:t>9/24/2019</a:t>
             </a:fld>
             <a:endParaRPr lang="en-US" dirty="0"/>
           </a:p>
@@ -6499,7 +6534,7 @@
           <a:p>
             <a:fld id="{4509A250-FF31-4206-8172-F9D3106AACB1}" type="datetimeFigureOut">
               <a:rPr lang="en-US" dirty="0"/>
-              <a:t>9/23/2019</a:t>
+              <a:t>9/24/2019</a:t>
             </a:fld>
             <a:endParaRPr lang="en-US" dirty="0"/>
           </a:p>
@@ -6769,7 +6804,7 @@
           <a:p>
             <a:fld id="{4509A250-FF31-4206-8172-F9D3106AACB1}" type="datetimeFigureOut">
               <a:rPr lang="en-US" dirty="0"/>
-              <a:t>9/23/2019</a:t>
+              <a:t>9/24/2019</a:t>
             </a:fld>
             <a:endParaRPr lang="en-US" dirty="0"/>
           </a:p>
@@ -7193,7 +7228,7 @@
           <a:p>
             <a:fld id="{4AAD347D-5ACD-4C99-B74B-A9C85AD731AF}" type="datetimeFigureOut">
               <a:rPr lang="en-US" dirty="0"/>
-              <a:t>9/23/2019</a:t>
+              <a:t>9/24/2019</a:t>
             </a:fld>
             <a:endParaRPr lang="en-US" dirty="0"/>
           </a:p>
@@ -9088,7 +9123,7 @@
         <p:spPr>
           <a:xfrm>
             <a:off x="646112" y="1384300"/>
-            <a:ext cx="9403742" cy="4864099"/>
+            <a:ext cx="10555288" cy="4864099"/>
           </a:xfrm>
         </p:spPr>
         <p:txBody>
